--- a/TP/Cy_05_Ene_TP_Energetique.pptx
+++ b/TP/Cy_05_Ene_TP_Energetique.pptx
@@ -120,7 +120,7 @@
   </p:defaultTextStyle>
   <p:extLst>
     <p:ext uri="{EFAFB233-063F-42B5-8137-9DF3F51BA10A}">
-      <p15:sldGuideLst xmlns:p15="http://schemas.microsoft.com/office/powerpoint/2012/main" xmlns="">
+      <p15:sldGuideLst xmlns="" xmlns:p15="http://schemas.microsoft.com/office/powerpoint/2012/main">
         <p15:guide id="1" orient="horz" pos="2160">
           <p15:clr>
             <a:srgbClr val="A4A3A4"/>
@@ -244,11 +244,11 @@
           <c:showPercent val="0"/>
           <c:showBubbleSize val="0"/>
         </c:dLbls>
-        <c:axId val="246401664"/>
-        <c:axId val="246402432"/>
+        <c:axId val="229033472"/>
+        <c:axId val="229035392"/>
       </c:scatterChart>
       <c:valAx>
-        <c:axId val="246401664"/>
+        <c:axId val="229033472"/>
         <c:scaling>
           <c:orientation val="minMax"/>
         </c:scaling>
@@ -277,12 +277,12 @@
         <c:majorTickMark val="none"/>
         <c:minorTickMark val="none"/>
         <c:tickLblPos val="nextTo"/>
-        <c:crossAx val="246402432"/>
+        <c:crossAx val="229035392"/>
         <c:crosses val="autoZero"/>
         <c:crossBetween val="midCat"/>
       </c:valAx>
       <c:valAx>
-        <c:axId val="246402432"/>
+        <c:axId val="229035392"/>
         <c:scaling>
           <c:orientation val="minMax"/>
         </c:scaling>
@@ -312,7 +312,7 @@
         <c:majorTickMark val="none"/>
         <c:minorTickMark val="none"/>
         <c:tickLblPos val="nextTo"/>
-        <c:crossAx val="246401664"/>
+        <c:crossAx val="229033472"/>
         <c:crosses val="autoZero"/>
         <c:crossBetween val="midCat"/>
       </c:valAx>
@@ -422,11 +422,11 @@
           <c:showPercent val="0"/>
           <c:showBubbleSize val="0"/>
         </c:dLbls>
-        <c:axId val="247620736"/>
-        <c:axId val="247622656"/>
+        <c:axId val="242263168"/>
+        <c:axId val="242265088"/>
       </c:scatterChart>
       <c:valAx>
-        <c:axId val="247620736"/>
+        <c:axId val="242263168"/>
         <c:scaling>
           <c:orientation val="minMax"/>
         </c:scaling>
@@ -455,12 +455,12 @@
         <c:majorTickMark val="none"/>
         <c:minorTickMark val="none"/>
         <c:tickLblPos val="nextTo"/>
-        <c:crossAx val="247622656"/>
+        <c:crossAx val="242265088"/>
         <c:crosses val="autoZero"/>
         <c:crossBetween val="midCat"/>
       </c:valAx>
       <c:valAx>
-        <c:axId val="247622656"/>
+        <c:axId val="242265088"/>
         <c:scaling>
           <c:orientation val="minMax"/>
         </c:scaling>
@@ -490,7 +490,7 @@
         <c:majorTickMark val="none"/>
         <c:minorTickMark val="none"/>
         <c:tickLblPos val="nextTo"/>
-        <c:crossAx val="247620736"/>
+        <c:crossAx val="242263168"/>
         <c:crosses val="autoZero"/>
         <c:crossBetween val="midCat"/>
       </c:valAx>
@@ -588,7 +588,7 @@
             <a:fld id="{E494A05E-DEA9-4CEA-A63B-3593EEF3AC45}" type="datetimeFigureOut">
               <a:rPr lang="fr-FR" smtClean="0"/>
               <a:pPr/>
-              <a:t>09/01/2018</a:t>
+              <a:t>10/01/2018</a:t>
             </a:fld>
             <a:endParaRPr lang="fr-FR"/>
           </a:p>
@@ -1088,7 +1088,7 @@
             <a:fld id="{3A961F90-11F6-4966-B0E5-2BB20F714B78}" type="datetime1">
               <a:rPr lang="fr-FR" smtClean="0"/>
               <a:pPr/>
-              <a:t>09/01/2018</a:t>
+              <a:t>10/01/2018</a:t>
             </a:fld>
             <a:endParaRPr lang="fr-FR"/>
           </a:p>
@@ -1449,7 +1449,7 @@
             <a:fld id="{59700BD1-A4B5-444B-B773-B4FDD97DF200}" type="datetime1">
               <a:rPr lang="fr-FR" smtClean="0"/>
               <a:pPr/>
-              <a:t>09/01/2018</a:t>
+              <a:t>10/01/2018</a:t>
             </a:fld>
             <a:endParaRPr lang="fr-FR"/>
           </a:p>
@@ -1626,7 +1626,7 @@
             <a:fld id="{A354AF49-C35E-40F6-8345-CA866716EE79}" type="datetime1">
               <a:rPr lang="fr-FR" smtClean="0"/>
               <a:pPr/>
-              <a:t>09/01/2018</a:t>
+              <a:t>10/01/2018</a:t>
             </a:fld>
             <a:endParaRPr lang="fr-FR"/>
           </a:p>
@@ -1863,7 +1863,7 @@
             <a:fld id="{EAFEF7E1-4A71-4560-AA4D-33BBAAF32357}" type="datetime1">
               <a:rPr lang="fr-FR" smtClean="0"/>
               <a:pPr/>
-              <a:t>09/01/2018</a:t>
+              <a:t>10/01/2018</a:t>
             </a:fld>
             <a:endParaRPr lang="fr-FR"/>
           </a:p>
@@ -2134,7 +2134,7 @@
             <a:fld id="{9BE6CECE-C4BA-493A-9F45-8F69D8200EC9}" type="datetime1">
               <a:rPr lang="fr-FR" smtClean="0"/>
               <a:pPr/>
-              <a:t>09/01/2018</a:t>
+              <a:t>10/01/2018</a:t>
             </a:fld>
             <a:endParaRPr lang="fr-FR"/>
           </a:p>
@@ -2356,7 +2356,7 @@
             <a:fld id="{6B400324-51BB-4021-B482-6C084AB66459}" type="datetime1">
               <a:rPr lang="fr-FR" smtClean="0"/>
               <a:pPr/>
-              <a:t>09/01/2018</a:t>
+              <a:t>10/01/2018</a:t>
             </a:fld>
             <a:endParaRPr lang="fr-FR"/>
           </a:p>
@@ -2710,7 +2710,7 @@
             <a:fld id="{87C4A39B-E1E0-4B19-A965-1E1097FB3AF3}" type="datetime1">
               <a:rPr lang="fr-FR" smtClean="0"/>
               <a:pPr/>
-              <a:t>09/01/2018</a:t>
+              <a:t>10/01/2018</a:t>
             </a:fld>
             <a:endParaRPr lang="fr-FR"/>
           </a:p>
@@ -2944,7 +2944,7 @@
             <a:fld id="{CEF5A761-699F-4B94-BA43-1E8C0C9C554B}" type="datetime1">
               <a:rPr lang="fr-FR" smtClean="0"/>
               <a:pPr/>
-              <a:t>09/01/2018</a:t>
+              <a:t>10/01/2018</a:t>
             </a:fld>
             <a:endParaRPr lang="fr-FR"/>
           </a:p>
@@ -3086,7 +3086,7 @@
             <a:fld id="{E407DE65-0759-4C9C-9804-8C4C0AC5F8D7}" type="datetime1">
               <a:rPr lang="fr-FR" smtClean="0"/>
               <a:pPr/>
-              <a:t>09/01/2018</a:t>
+              <a:t>10/01/2018</a:t>
             </a:fld>
             <a:endParaRPr lang="fr-FR"/>
           </a:p>
@@ -3365,7 +3365,7 @@
             <a:fld id="{6DCAF433-E5EB-4B74-B8BB-3F6D9EEAE800}" type="datetime1">
               <a:rPr lang="fr-FR" smtClean="0"/>
               <a:pPr/>
-              <a:t>09/01/2018</a:t>
+              <a:t>10/01/2018</a:t>
             </a:fld>
             <a:endParaRPr lang="fr-FR"/>
           </a:p>
@@ -3774,7 +3774,7 @@
             <a:fld id="{E5AEAC06-18E9-471A-B77A-CDA5C363BF1F}" type="datetime1">
               <a:rPr lang="fr-FR" smtClean="0"/>
               <a:pPr/>
-              <a:t>09/01/2018</a:t>
+              <a:t>10/01/2018</a:t>
             </a:fld>
             <a:endParaRPr lang="fr-FR"/>
           </a:p>
@@ -4114,7 +4114,7 @@
             <a:fld id="{B9178431-C703-4FD6-9F6F-E8F5512852E2}" type="datetime1">
               <a:rPr lang="fr-FR" smtClean="0"/>
               <a:pPr/>
-              <a:t>09/01/2018</a:t>
+              <a:t>10/01/2018</a:t>
             </a:fld>
             <a:endParaRPr lang="fr-FR"/>
           </a:p>
@@ -10915,12 +10915,12 @@
             <p:spPr>
               <a:xfrm>
                 <a:off x="2350930" y="1219200"/>
-                <a:ext cx="6541550" cy="4937760"/>
+                <a:ext cx="6541550" cy="5162128"/>
               </a:xfrm>
             </p:spPr>
             <p:txBody>
               <a:bodyPr>
-                <a:normAutofit fontScale="85000" lnSpcReduction="20000"/>
+                <a:normAutofit fontScale="77500" lnSpcReduction="20000"/>
               </a:bodyPr>
               <a:lstStyle/>
               <a:p>
@@ -14471,148 +14471,108 @@
                 </a:endParaRPr>
               </a:p>
               <a:p>
+                <a:r>
+                  <a:rPr lang="fr-FR" dirty="0" smtClean="0"/>
+                  <a:t>Roulement sans glissement en </a:t>
+                </a:r>
+                <a:r>
+                  <a:rPr lang="fr-FR" i="1" dirty="0" smtClean="0"/>
+                  <a:t>I</a:t>
+                </a:r>
+              </a:p>
+              <a:p>
+                <a:pPr lvl="1"/>
                 <a14:m>
                   <m:oMath xmlns:m="http://schemas.openxmlformats.org/officeDocument/2006/math">
-                    <m:sSub>
-                      <m:sSubPr>
+                    <m:acc>
+                      <m:accPr>
+                        <m:chr m:val="⃗"/>
                         <m:ctrlPr>
                           <a:rPr lang="fr-FR" b="0" i="1" smtClean="0">
                             <a:latin typeface="Cambria Math"/>
                             <a:ea typeface="Cambria Math"/>
                           </a:rPr>
                         </m:ctrlPr>
-                      </m:sSubPr>
+                      </m:accPr>
                       <m:e>
-                        <m:r>
-                          <a:rPr lang="fr-FR" b="0" i="1" smtClean="0">
-                            <a:latin typeface="Cambria Math"/>
-                            <a:ea typeface="Cambria Math"/>
-                          </a:rPr>
-                          <m:t>𝑉</m:t>
-                        </m:r>
+                        <m:sSub>
+                          <m:sSubPr>
+                            <m:ctrlPr>
+                              <a:rPr lang="fr-FR" i="1">
+                                <a:latin typeface="Cambria Math"/>
+                                <a:ea typeface="Cambria Math"/>
+                              </a:rPr>
+                            </m:ctrlPr>
+                          </m:sSubPr>
+                          <m:e>
+                            <m:r>
+                              <a:rPr lang="fr-FR" i="1">
+                                <a:latin typeface="Cambria Math"/>
+                                <a:ea typeface="Cambria Math"/>
+                              </a:rPr>
+                              <m:t>𝑉</m:t>
+                            </m:r>
+                          </m:e>
+                          <m:sub>
+                            <m:d>
+                              <m:dPr>
+                                <m:ctrlPr>
+                                  <a:rPr lang="fr-FR" i="1">
+                                    <a:latin typeface="Cambria Math"/>
+                                    <a:ea typeface="Cambria Math"/>
+                                  </a:rPr>
+                                </m:ctrlPr>
+                              </m:dPr>
+                              <m:e>
+                                <m:r>
+                                  <a:rPr lang="fr-FR" i="1">
+                                    <a:latin typeface="Cambria Math"/>
+                                    <a:ea typeface="Cambria Math"/>
+                                  </a:rPr>
+                                  <m:t>𝐼</m:t>
+                                </m:r>
+                                <m:r>
+                                  <a:rPr lang="fr-FR" i="1">
+                                    <a:latin typeface="Cambria Math"/>
+                                    <a:ea typeface="Cambria Math"/>
+                                  </a:rPr>
+                                  <m:t>,</m:t>
+                                </m:r>
+                                <m:f>
+                                  <m:fPr>
+                                    <m:type m:val="lin"/>
+                                    <m:ctrlPr>
+                                      <a:rPr lang="fr-FR" i="1">
+                                        <a:latin typeface="Cambria Math"/>
+                                        <a:ea typeface="Cambria Math"/>
+                                      </a:rPr>
+                                    </m:ctrlPr>
+                                  </m:fPr>
+                                  <m:num>
+                                    <m:r>
+                                      <a:rPr lang="fr-FR" i="1">
+                                        <a:latin typeface="Cambria Math"/>
+                                        <a:ea typeface="Cambria Math"/>
+                                      </a:rPr>
+                                      <m:t>3</m:t>
+                                    </m:r>
+                                  </m:num>
+                                  <m:den>
+                                    <m:r>
+                                      <a:rPr lang="fr-FR" i="1">
+                                        <a:latin typeface="Cambria Math"/>
+                                        <a:ea typeface="Cambria Math"/>
+                                      </a:rPr>
+                                      <m:t>0</m:t>
+                                    </m:r>
+                                  </m:den>
+                                </m:f>
+                              </m:e>
+                            </m:d>
+                          </m:sub>
+                        </m:sSub>
                       </m:e>
-                      <m:sub>
-                        <m:r>
-                          <a:rPr lang="fr-FR" b="0" i="1" smtClean="0">
-                            <a:latin typeface="Cambria Math"/>
-                            <a:ea typeface="Cambria Math"/>
-                          </a:rPr>
-                          <m:t>𝐼</m:t>
-                        </m:r>
-                        <m:r>
-                          <a:rPr lang="fr-FR" b="0" i="1" smtClean="0">
-                            <a:latin typeface="Cambria Math"/>
-                            <a:ea typeface="Cambria Math"/>
-                          </a:rPr>
-                          <m:t> 3,0</m:t>
-                        </m:r>
-                      </m:sub>
-                    </m:sSub>
-                    <m:r>
-                      <a:rPr lang="fr-FR" b="0" i="1" smtClean="0">
-                        <a:latin typeface="Cambria Math"/>
-                        <a:ea typeface="Cambria Math"/>
-                      </a:rPr>
-                      <m:t>=0=</m:t>
-                    </m:r>
-                    <m:sSub>
-                      <m:sSubPr>
-                        <m:ctrlPr>
-                          <a:rPr lang="fr-FR" i="1">
-                            <a:latin typeface="Cambria Math"/>
-                            <a:ea typeface="Cambria Math"/>
-                          </a:rPr>
-                        </m:ctrlPr>
-                      </m:sSubPr>
-                      <m:e>
-                        <m:r>
-                          <a:rPr lang="fr-FR" i="1">
-                            <a:latin typeface="Cambria Math"/>
-                            <a:ea typeface="Cambria Math"/>
-                          </a:rPr>
-                          <m:t>𝑉</m:t>
-                        </m:r>
-                      </m:e>
-                      <m:sub>
-                        <m:r>
-                          <a:rPr lang="fr-FR" i="1">
-                            <a:latin typeface="Cambria Math"/>
-                            <a:ea typeface="Cambria Math"/>
-                          </a:rPr>
-                          <m:t>𝐼</m:t>
-                        </m:r>
-                        <m:r>
-                          <a:rPr lang="fr-FR" i="1">
-                            <a:latin typeface="Cambria Math"/>
-                            <a:ea typeface="Cambria Math"/>
-                          </a:rPr>
-                          <m:t> 3,</m:t>
-                        </m:r>
-                        <m:r>
-                          <a:rPr lang="fr-FR" b="0" i="1" smtClean="0">
-                            <a:latin typeface="Cambria Math"/>
-                            <a:ea typeface="Cambria Math"/>
-                          </a:rPr>
-                          <m:t>𝑇</m:t>
-                        </m:r>
-                      </m:sub>
-                    </m:sSub>
-                    <m:r>
-                      <a:rPr lang="fr-FR" b="0" i="0" smtClean="0">
-                        <a:latin typeface="Cambria Math"/>
-                        <a:ea typeface="Cambria Math"/>
-                      </a:rPr>
-                      <m:t>+</m:t>
-                    </m:r>
-                    <m:sSub>
-                      <m:sSubPr>
-                        <m:ctrlPr>
-                          <a:rPr lang="fr-FR" i="1">
-                            <a:latin typeface="Cambria Math"/>
-                            <a:ea typeface="Cambria Math"/>
-                          </a:rPr>
-                        </m:ctrlPr>
-                      </m:sSubPr>
-                      <m:e>
-                        <m:r>
-                          <a:rPr lang="fr-FR" i="1">
-                            <a:latin typeface="Cambria Math"/>
-                            <a:ea typeface="Cambria Math"/>
-                          </a:rPr>
-                          <m:t>𝑉</m:t>
-                        </m:r>
-                      </m:e>
-                      <m:sub>
-                        <m:r>
-                          <a:rPr lang="fr-FR" i="1">
-                            <a:latin typeface="Cambria Math"/>
-                            <a:ea typeface="Cambria Math"/>
-                          </a:rPr>
-                          <m:t>𝐼</m:t>
-                        </m:r>
-                        <m:r>
-                          <a:rPr lang="fr-FR" i="1">
-                            <a:latin typeface="Cambria Math"/>
-                            <a:ea typeface="Cambria Math"/>
-                          </a:rPr>
-                          <m:t> </m:t>
-                        </m:r>
-                        <m:r>
-                          <a:rPr lang="fr-FR" b="0" i="1" smtClean="0">
-                            <a:latin typeface="Cambria Math"/>
-                            <a:ea typeface="Cambria Math"/>
-                          </a:rPr>
-                          <m:t>𝑇</m:t>
-                        </m:r>
-                        <m:r>
-                          <a:rPr lang="fr-FR" i="1">
-                            <a:latin typeface="Cambria Math"/>
-                            <a:ea typeface="Cambria Math"/>
-                          </a:rPr>
-                          <m:t>,0</m:t>
-                        </m:r>
-                      </m:sub>
-                    </m:sSub>
+                    </m:acc>
                     <m:r>
                       <a:rPr lang="fr-FR" b="0" i="1" smtClean="0">
                         <a:latin typeface="Cambria Math"/>
@@ -14620,15 +14580,247 @@
                       </a:rPr>
                       <m:t>=</m:t>
                     </m:r>
+                    <m:acc>
+                      <m:accPr>
+                        <m:chr m:val="⃗"/>
+                        <m:ctrlPr>
+                          <a:rPr lang="fr-FR" b="0" i="1" smtClean="0">
+                            <a:latin typeface="Cambria Math"/>
+                            <a:ea typeface="Cambria Math"/>
+                          </a:rPr>
+                        </m:ctrlPr>
+                      </m:accPr>
+                      <m:e>
+                        <m:r>
+                          <a:rPr lang="fr-FR" b="0" i="1" smtClean="0">
+                            <a:latin typeface="Cambria Math"/>
+                            <a:ea typeface="Cambria Math"/>
+                          </a:rPr>
+                          <m:t>0</m:t>
+                        </m:r>
+                      </m:e>
+                    </m:acc>
                     <m:r>
                       <a:rPr lang="fr-FR" b="0" i="1" smtClean="0">
                         <a:latin typeface="Cambria Math"/>
                         <a:ea typeface="Cambria Math"/>
                       </a:rPr>
-                      <m:t>𝐼𝐷</m:t>
+                      <m:t>=</m:t>
                     </m:r>
+                    <m:acc>
+                      <m:accPr>
+                        <m:chr m:val="⃗"/>
+                        <m:ctrlPr>
+                          <a:rPr lang="fr-FR" i="1">
+                            <a:latin typeface="Cambria Math"/>
+                            <a:ea typeface="Cambria Math"/>
+                          </a:rPr>
+                        </m:ctrlPr>
+                      </m:accPr>
+                      <m:e>
+                        <m:sSub>
+                          <m:sSubPr>
+                            <m:ctrlPr>
+                              <a:rPr lang="fr-FR" i="1">
+                                <a:latin typeface="Cambria Math"/>
+                                <a:ea typeface="Cambria Math"/>
+                              </a:rPr>
+                            </m:ctrlPr>
+                          </m:sSubPr>
+                          <m:e>
+                            <m:r>
+                              <a:rPr lang="fr-FR" i="1">
+                                <a:latin typeface="Cambria Math"/>
+                                <a:ea typeface="Cambria Math"/>
+                              </a:rPr>
+                              <m:t>𝑉</m:t>
+                            </m:r>
+                          </m:e>
+                          <m:sub>
+                            <m:d>
+                              <m:dPr>
+                                <m:ctrlPr>
+                                  <a:rPr lang="fr-FR" i="1">
+                                    <a:latin typeface="Cambria Math"/>
+                                    <a:ea typeface="Cambria Math"/>
+                                  </a:rPr>
+                                </m:ctrlPr>
+                              </m:dPr>
+                              <m:e>
+                                <m:r>
+                                  <a:rPr lang="fr-FR" i="1">
+                                    <a:latin typeface="Cambria Math"/>
+                                    <a:ea typeface="Cambria Math"/>
+                                  </a:rPr>
+                                  <m:t>𝐼</m:t>
+                                </m:r>
+                                <m:r>
+                                  <a:rPr lang="fr-FR" i="1">
+                                    <a:latin typeface="Cambria Math"/>
+                                    <a:ea typeface="Cambria Math"/>
+                                  </a:rPr>
+                                  <m:t>,</m:t>
+                                </m:r>
+                                <m:f>
+                                  <m:fPr>
+                                    <m:type m:val="lin"/>
+                                    <m:ctrlPr>
+                                      <a:rPr lang="fr-FR" i="1">
+                                        <a:latin typeface="Cambria Math"/>
+                                        <a:ea typeface="Cambria Math"/>
+                                      </a:rPr>
+                                    </m:ctrlPr>
+                                  </m:fPr>
+                                  <m:num>
+                                    <m:r>
+                                      <a:rPr lang="fr-FR" i="1">
+                                        <a:latin typeface="Cambria Math"/>
+                                        <a:ea typeface="Cambria Math"/>
+                                      </a:rPr>
+                                      <m:t>3</m:t>
+                                    </m:r>
+                                  </m:num>
+                                  <m:den>
+                                    <m:r>
+                                      <a:rPr lang="fr-FR" b="0" i="1" smtClean="0">
+                                        <a:latin typeface="Cambria Math"/>
+                                        <a:ea typeface="Cambria Math"/>
+                                      </a:rPr>
+                                      <m:t>𝑇</m:t>
+                                    </m:r>
+                                  </m:den>
+                                </m:f>
+                              </m:e>
+                            </m:d>
+                          </m:sub>
+                        </m:sSub>
+                      </m:e>
+                    </m:acc>
                     <m:r>
                       <a:rPr lang="fr-FR" b="0" i="1" smtClean="0">
+                        <a:latin typeface="Cambria Math"/>
+                        <a:ea typeface="Cambria Math"/>
+                      </a:rPr>
+                      <m:t>+</m:t>
+                    </m:r>
+                    <m:acc>
+                      <m:accPr>
+                        <m:chr m:val="⃗"/>
+                        <m:ctrlPr>
+                          <a:rPr lang="fr-FR" i="1">
+                            <a:latin typeface="Cambria Math"/>
+                            <a:ea typeface="Cambria Math"/>
+                          </a:rPr>
+                        </m:ctrlPr>
+                      </m:accPr>
+                      <m:e>
+                        <m:sSub>
+                          <m:sSubPr>
+                            <m:ctrlPr>
+                              <a:rPr lang="fr-FR" i="1">
+                                <a:latin typeface="Cambria Math"/>
+                                <a:ea typeface="Cambria Math"/>
+                              </a:rPr>
+                            </m:ctrlPr>
+                          </m:sSubPr>
+                          <m:e>
+                            <m:r>
+                              <a:rPr lang="fr-FR" i="1">
+                                <a:latin typeface="Cambria Math"/>
+                                <a:ea typeface="Cambria Math"/>
+                              </a:rPr>
+                              <m:t>𝑉</m:t>
+                            </m:r>
+                          </m:e>
+                          <m:sub>
+                            <m:d>
+                              <m:dPr>
+                                <m:ctrlPr>
+                                  <a:rPr lang="fr-FR" i="1">
+                                    <a:latin typeface="Cambria Math"/>
+                                    <a:ea typeface="Cambria Math"/>
+                                  </a:rPr>
+                                </m:ctrlPr>
+                              </m:dPr>
+                              <m:e>
+                                <m:r>
+                                  <a:rPr lang="fr-FR" i="1">
+                                    <a:latin typeface="Cambria Math"/>
+                                    <a:ea typeface="Cambria Math"/>
+                                  </a:rPr>
+                                  <m:t>𝐼</m:t>
+                                </m:r>
+                                <m:r>
+                                  <a:rPr lang="fr-FR" i="1">
+                                    <a:latin typeface="Cambria Math"/>
+                                    <a:ea typeface="Cambria Math"/>
+                                  </a:rPr>
+                                  <m:t>,</m:t>
+                                </m:r>
+                                <m:f>
+                                  <m:fPr>
+                                    <m:type m:val="lin"/>
+                                    <m:ctrlPr>
+                                      <a:rPr lang="fr-FR" i="1">
+                                        <a:latin typeface="Cambria Math"/>
+                                        <a:ea typeface="Cambria Math"/>
+                                      </a:rPr>
+                                    </m:ctrlPr>
+                                  </m:fPr>
+                                  <m:num>
+                                    <m:r>
+                                      <a:rPr lang="fr-FR" b="0" i="1" smtClean="0">
+                                        <a:latin typeface="Cambria Math"/>
+                                        <a:ea typeface="Cambria Math"/>
+                                      </a:rPr>
+                                      <m:t>𝑇</m:t>
+                                    </m:r>
+                                  </m:num>
+                                  <m:den>
+                                    <m:r>
+                                      <a:rPr lang="fr-FR" i="1">
+                                        <a:latin typeface="Cambria Math"/>
+                                        <a:ea typeface="Cambria Math"/>
+                                      </a:rPr>
+                                      <m:t>0</m:t>
+                                    </m:r>
+                                  </m:den>
+                                </m:f>
+                              </m:e>
+                            </m:d>
+                          </m:sub>
+                        </m:sSub>
+                      </m:e>
+                    </m:acc>
+                    <m:r>
+                      <a:rPr lang="fr-FR" b="0" i="1" smtClean="0">
+                        <a:latin typeface="Cambria Math"/>
+                        <a:ea typeface="Cambria Math"/>
+                      </a:rPr>
+                      <m:t>=</m:t>
+                    </m:r>
+                    <m:acc>
+                      <m:accPr>
+                        <m:chr m:val="⃗"/>
+                        <m:ctrlPr>
+                          <a:rPr lang="fr-FR" b="0" i="1" smtClean="0">
+                            <a:latin typeface="Cambria Math"/>
+                            <a:ea typeface="Cambria Math"/>
+                          </a:rPr>
+                        </m:ctrlPr>
+                      </m:accPr>
+                      <m:e>
+                        <m:r>
+                          <a:rPr lang="fr-FR" i="1">
+                            <a:latin typeface="Cambria Math"/>
+                            <a:ea typeface="Cambria Math"/>
+                          </a:rPr>
+                          <m:t>𝐼𝐷</m:t>
+                        </m:r>
+                      </m:e>
+                    </m:acc>
+                    <m:r>
+                      <a:rPr lang="fr-FR" i="1">
                         <a:latin typeface="Cambria Math"/>
                         <a:ea typeface="Cambria Math"/>
                       </a:rPr>
@@ -14637,7 +14829,7 @@
                     <m:sSub>
                       <m:sSubPr>
                         <m:ctrlPr>
-                          <a:rPr lang="fr-FR" b="0" i="1" smtClean="0">
+                          <a:rPr lang="fr-FR" i="1">
                             <a:latin typeface="Cambria Math"/>
                             <a:ea typeface="Cambria Math"/>
                           </a:rPr>
@@ -14645,7 +14837,7 @@
                       </m:sSubPr>
                       <m:e>
                         <m:r>
-                          <a:rPr lang="fr-FR" b="0" i="1" smtClean="0">
+                          <a:rPr lang="fr-FR" i="1">
                             <a:latin typeface="Cambria Math"/>
                             <a:ea typeface="Cambria Math"/>
                           </a:rPr>
@@ -14653,38 +14845,93 @@
                         </m:r>
                       </m:e>
                       <m:sub>
+                        <m:f>
+                          <m:fPr>
+                            <m:type m:val="lin"/>
+                            <m:ctrlPr>
+                              <a:rPr lang="fr-FR" i="1" smtClean="0">
+                                <a:latin typeface="Cambria Math"/>
+                                <a:ea typeface="Cambria Math"/>
+                              </a:rPr>
+                            </m:ctrlPr>
+                          </m:fPr>
+                          <m:num>
+                            <m:r>
+                              <a:rPr lang="fr-FR" b="0" i="1" smtClean="0">
+                                <a:latin typeface="Cambria Math"/>
+                                <a:ea typeface="Cambria Math"/>
+                              </a:rPr>
+                              <m:t>3</m:t>
+                            </m:r>
+                          </m:num>
+                          <m:den>
+                            <m:r>
+                              <a:rPr lang="fr-FR" b="0" i="1" smtClean="0">
+                                <a:latin typeface="Cambria Math"/>
+                                <a:ea typeface="Cambria Math"/>
+                              </a:rPr>
+                              <m:t>𝑇</m:t>
+                            </m:r>
+                          </m:den>
+                        </m:f>
+                      </m:sub>
+                    </m:sSub>
+                    <m:acc>
+                      <m:accPr>
+                        <m:chr m:val="⃗"/>
+                        <m:ctrlPr>
+                          <a:rPr lang="fr-FR" b="0" i="1" smtClean="0">
+                            <a:latin typeface="Cambria Math"/>
+                            <a:ea typeface="Cambria Math"/>
+                          </a:rPr>
+                        </m:ctrlPr>
+                      </m:accPr>
+                      <m:e>
                         <m:r>
                           <a:rPr lang="fr-FR" b="0" i="1" smtClean="0">
                             <a:latin typeface="Cambria Math"/>
                             <a:ea typeface="Cambria Math"/>
                           </a:rPr>
-                          <m:t>3</m:t>
+                          <m:t>𝑧</m:t>
                         </m:r>
-                        <m:r>
-                          <a:rPr lang="fr-FR" b="0" i="1" smtClean="0">
-                            <a:latin typeface="Cambria Math"/>
-                            <a:ea typeface="Cambria Math"/>
-                          </a:rPr>
-                          <m:t>𝑇</m:t>
-                        </m:r>
-                      </m:sub>
-                    </m:sSub>
+                      </m:e>
+                    </m:acc>
                     <m:r>
-                      <a:rPr lang="fr-FR" b="0" i="1" smtClean="0">
+                      <a:rPr lang="fr-FR" i="1">
                         <a:latin typeface="Cambria Math"/>
                         <a:ea typeface="Cambria Math"/>
                       </a:rPr>
                       <m:t>+</m:t>
                     </m:r>
+                    <m:acc>
+                      <m:accPr>
+                        <m:chr m:val="⃗"/>
+                        <m:ctrlPr>
+                          <a:rPr lang="fr-FR" i="1">
+                            <a:latin typeface="Cambria Math"/>
+                            <a:ea typeface="Cambria Math"/>
+                          </a:rPr>
+                        </m:ctrlPr>
+                      </m:accPr>
+                      <m:e>
+                        <m:r>
+                          <a:rPr lang="fr-FR" i="1">
+                            <a:latin typeface="Cambria Math"/>
+                            <a:ea typeface="Cambria Math"/>
+                          </a:rPr>
+                          <m:t>𝐼</m:t>
+                        </m:r>
+                        <m:r>
+                          <a:rPr lang="fr-FR" b="0" i="1" smtClean="0">
+                            <a:latin typeface="Cambria Math"/>
+                            <a:ea typeface="Cambria Math"/>
+                          </a:rPr>
+                          <m:t>𝐸</m:t>
+                        </m:r>
+                      </m:e>
+                    </m:acc>
                     <m:r>
-                      <a:rPr lang="fr-FR" b="0" i="1" smtClean="0">
-                        <a:latin typeface="Cambria Math"/>
-                        <a:ea typeface="Cambria Math"/>
-                      </a:rPr>
-                      <m:t>𝐼𝐸</m:t>
-                    </m:r>
-                    <m:r>
-                      <a:rPr lang="fr-FR" b="0" i="1" smtClean="0">
+                      <a:rPr lang="fr-FR" i="1">
                         <a:latin typeface="Cambria Math"/>
                         <a:ea typeface="Cambria Math"/>
                       </a:rPr>
@@ -14693,7 +14940,7 @@
                     <m:sSub>
                       <m:sSubPr>
                         <m:ctrlPr>
-                          <a:rPr lang="fr-FR" b="0" i="1" smtClean="0">
+                          <a:rPr lang="fr-FR" i="1">
                             <a:latin typeface="Cambria Math"/>
                             <a:ea typeface="Cambria Math"/>
                           </a:rPr>
@@ -14701,7 +14948,7 @@
                       </m:sSubPr>
                       <m:e>
                         <m:r>
-                          <a:rPr lang="fr-FR" b="0" i="1" smtClean="0">
+                          <a:rPr lang="fr-FR" i="1">
                             <a:latin typeface="Cambria Math"/>
                             <a:ea typeface="Cambria Math"/>
                           </a:rPr>
@@ -14709,28 +14956,74 @@
                         </m:r>
                       </m:e>
                       <m:sub>
-                        <m:r>
-                          <a:rPr lang="fr-FR" b="0" i="1" smtClean="0">
-                            <a:latin typeface="Cambria Math"/>
-                            <a:ea typeface="Cambria Math"/>
-                          </a:rPr>
-                          <m:t>𝑇</m:t>
-                        </m:r>
-                        <m:r>
-                          <a:rPr lang="fr-FR" b="0" i="1" smtClean="0">
-                            <a:latin typeface="Cambria Math"/>
-                            <a:ea typeface="Cambria Math"/>
-                          </a:rPr>
-                          <m:t>,0</m:t>
-                        </m:r>
+                        <m:f>
+                          <m:fPr>
+                            <m:type m:val="lin"/>
+                            <m:ctrlPr>
+                              <a:rPr lang="fr-FR" i="1" smtClean="0">
+                                <a:latin typeface="Cambria Math"/>
+                                <a:ea typeface="Cambria Math"/>
+                              </a:rPr>
+                            </m:ctrlPr>
+                          </m:fPr>
+                          <m:num>
+                            <m:r>
+                              <a:rPr lang="fr-FR" b="0" i="1" smtClean="0">
+                                <a:latin typeface="Cambria Math"/>
+                                <a:ea typeface="Cambria Math"/>
+                              </a:rPr>
+                              <m:t>𝑇</m:t>
+                            </m:r>
+                          </m:num>
+                          <m:den>
+                            <m:r>
+                              <a:rPr lang="fr-FR" b="0" i="1" smtClean="0">
+                                <a:latin typeface="Cambria Math"/>
+                                <a:ea typeface="Cambria Math"/>
+                              </a:rPr>
+                              <m:t>0</m:t>
+                            </m:r>
+                          </m:den>
+                        </m:f>
                       </m:sub>
                     </m:sSub>
+                    <m:acc>
+                      <m:accPr>
+                        <m:chr m:val="⃗"/>
+                        <m:ctrlPr>
+                          <a:rPr lang="fr-FR" i="1">
+                            <a:latin typeface="Cambria Math"/>
+                            <a:ea typeface="Cambria Math"/>
+                          </a:rPr>
+                        </m:ctrlPr>
+                      </m:accPr>
+                      <m:e>
+                        <m:r>
+                          <a:rPr lang="fr-FR" i="1">
+                            <a:latin typeface="Cambria Math"/>
+                            <a:ea typeface="Cambria Math"/>
+                          </a:rPr>
+                          <m:t>𝑧</m:t>
+                        </m:r>
+                      </m:e>
+                    </m:acc>
+                  </m:oMath>
+                </a14:m>
+                <a:endParaRPr lang="fr-FR" b="0" i="1" dirty="0" smtClean="0">
+                  <a:latin typeface="Cambria Math"/>
+                  <a:ea typeface="Cambria Math"/>
+                </a:endParaRPr>
+              </a:p>
+              <a:p>
+                <a:pPr lvl="1"/>
+                <a14:m>
+                  <m:oMath xmlns:m="http://schemas.openxmlformats.org/officeDocument/2006/math">
                     <m:r>
                       <a:rPr lang="fr-FR" b="0" i="1" smtClean="0">
                         <a:latin typeface="Cambria Math"/>
                         <a:ea typeface="Cambria Math"/>
                       </a:rPr>
-                      <m:t>=−</m:t>
+                      <m:t>−</m:t>
                     </m:r>
                     <m:sSub>
                       <m:sSubPr>
@@ -14779,20 +15072,35 @@
                         </m:r>
                       </m:e>
                       <m:sub>
-                        <m:r>
-                          <a:rPr lang="fr-FR" b="0" i="1" smtClean="0">
-                            <a:latin typeface="Cambria Math"/>
-                            <a:ea typeface="Cambria Math"/>
-                          </a:rPr>
-                          <m:t>3</m:t>
-                        </m:r>
-                        <m:r>
-                          <a:rPr lang="fr-FR" b="0" i="1" smtClean="0">
-                            <a:latin typeface="Cambria Math"/>
-                            <a:ea typeface="Cambria Math"/>
-                          </a:rPr>
-                          <m:t>𝑇</m:t>
-                        </m:r>
+                        <m:f>
+                          <m:fPr>
+                            <m:type m:val="lin"/>
+                            <m:ctrlPr>
+                              <a:rPr lang="fr-FR" i="1">
+                                <a:latin typeface="Cambria Math"/>
+                                <a:ea typeface="Cambria Math"/>
+                              </a:rPr>
+                            </m:ctrlPr>
+                          </m:fPr>
+                          <m:num>
+                            <m:r>
+                              <a:rPr lang="fr-FR" i="1">
+                                <a:latin typeface="Cambria Math"/>
+                                <a:ea typeface="Cambria Math"/>
+                              </a:rPr>
+                              <m:t>3</m:t>
+                            </m:r>
+                          </m:num>
+                          <m:den>
+                            <m:r>
+                              <a:rPr lang="fr-FR" i="1">
+                                <a:latin typeface="Cambria Math"/>
+                                <a:ea typeface="Cambria Math"/>
+                              </a:rPr>
+                              <m:t>𝑇</m:t>
+                            </m:r>
+                          </m:den>
+                        </m:f>
                       </m:sub>
                     </m:sSub>
                     <m:r>
@@ -14849,20 +15157,35 @@
                         </m:r>
                       </m:e>
                       <m:sub>
-                        <m:r>
-                          <a:rPr lang="fr-FR" b="0" i="1" smtClean="0">
-                            <a:latin typeface="Cambria Math"/>
-                            <a:ea typeface="Cambria Math"/>
-                          </a:rPr>
-                          <m:t>𝑇</m:t>
-                        </m:r>
-                        <m:r>
-                          <a:rPr lang="fr-FR" b="0" i="1" smtClean="0">
-                            <a:latin typeface="Cambria Math"/>
-                            <a:ea typeface="Cambria Math"/>
-                          </a:rPr>
-                          <m:t>,0</m:t>
-                        </m:r>
+                        <m:f>
+                          <m:fPr>
+                            <m:type m:val="lin"/>
+                            <m:ctrlPr>
+                              <a:rPr lang="fr-FR" i="1" smtClean="0">
+                                <a:latin typeface="Cambria Math"/>
+                                <a:ea typeface="Cambria Math"/>
+                              </a:rPr>
+                            </m:ctrlPr>
+                          </m:fPr>
+                          <m:num>
+                            <m:r>
+                              <a:rPr lang="fr-FR" b="0" i="1" smtClean="0">
+                                <a:latin typeface="Cambria Math"/>
+                                <a:ea typeface="Cambria Math"/>
+                              </a:rPr>
+                              <m:t>𝑇</m:t>
+                            </m:r>
+                          </m:num>
+                          <m:den>
+                            <m:r>
+                              <a:rPr lang="fr-FR" b="0" i="1" smtClean="0">
+                                <a:latin typeface="Cambria Math"/>
+                                <a:ea typeface="Cambria Math"/>
+                              </a:rPr>
+                              <m:t>0</m:t>
+                            </m:r>
+                          </m:den>
+                        </m:f>
                       </m:sub>
                     </m:sSub>
                   </m:oMath>
@@ -14894,20 +15217,35 @@
                         </m:r>
                       </m:e>
                       <m:sub>
-                        <m:r>
-                          <a:rPr lang="fr-FR" b="0" i="1" smtClean="0">
-                            <a:latin typeface="Cambria Math"/>
-                            <a:ea typeface="Cambria Math"/>
-                          </a:rPr>
-                          <m:t>𝑇</m:t>
-                        </m:r>
-                        <m:r>
-                          <a:rPr lang="fr-FR" b="0" i="1" smtClean="0">
-                            <a:latin typeface="Cambria Math"/>
-                            <a:ea typeface="Cambria Math"/>
-                          </a:rPr>
-                          <m:t>0</m:t>
-                        </m:r>
+                        <m:f>
+                          <m:fPr>
+                            <m:type m:val="lin"/>
+                            <m:ctrlPr>
+                              <a:rPr lang="fr-FR" i="1">
+                                <a:latin typeface="Cambria Math"/>
+                                <a:ea typeface="Cambria Math"/>
+                              </a:rPr>
+                            </m:ctrlPr>
+                          </m:fPr>
+                          <m:num>
+                            <m:r>
+                              <a:rPr lang="fr-FR" i="1">
+                                <a:latin typeface="Cambria Math"/>
+                                <a:ea typeface="Cambria Math"/>
+                              </a:rPr>
+                              <m:t>𝑇</m:t>
+                            </m:r>
+                          </m:num>
+                          <m:den>
+                            <m:r>
+                              <a:rPr lang="fr-FR" i="1">
+                                <a:latin typeface="Cambria Math"/>
+                                <a:ea typeface="Cambria Math"/>
+                              </a:rPr>
+                              <m:t>0</m:t>
+                            </m:r>
+                          </m:den>
+                        </m:f>
                       </m:sub>
                     </m:sSub>
                     <m:r>
@@ -15006,20 +15344,35 @@
                         </m:r>
                       </m:e>
                       <m:sub>
-                        <m:r>
-                          <a:rPr lang="fr-FR" b="0" i="1" smtClean="0">
-                            <a:latin typeface="Cambria Math"/>
-                            <a:ea typeface="Cambria Math"/>
-                          </a:rPr>
-                          <m:t>3</m:t>
-                        </m:r>
-                        <m:r>
-                          <a:rPr lang="fr-FR" b="0" i="1" smtClean="0">
-                            <a:latin typeface="Cambria Math"/>
-                            <a:ea typeface="Cambria Math"/>
-                          </a:rPr>
-                          <m:t>𝑇</m:t>
-                        </m:r>
+                        <m:f>
+                          <m:fPr>
+                            <m:type m:val="lin"/>
+                            <m:ctrlPr>
+                              <a:rPr lang="fr-FR" i="1">
+                                <a:latin typeface="Cambria Math"/>
+                                <a:ea typeface="Cambria Math"/>
+                              </a:rPr>
+                            </m:ctrlPr>
+                          </m:fPr>
+                          <m:num>
+                            <m:r>
+                              <a:rPr lang="fr-FR" i="1">
+                                <a:latin typeface="Cambria Math"/>
+                                <a:ea typeface="Cambria Math"/>
+                              </a:rPr>
+                              <m:t>3</m:t>
+                            </m:r>
+                          </m:num>
+                          <m:den>
+                            <m:r>
+                              <a:rPr lang="fr-FR" i="1">
+                                <a:latin typeface="Cambria Math"/>
+                                <a:ea typeface="Cambria Math"/>
+                              </a:rPr>
+                              <m:t>𝑇</m:t>
+                            </m:r>
+                          </m:den>
+                        </m:f>
                       </m:sub>
                     </m:sSub>
                   </m:oMath>
@@ -15069,12 +15422,510 @@
             <p:spPr>
               <a:xfrm>
                 <a:off x="2350930" y="1219200"/>
-                <a:ext cx="6541550" cy="4937760"/>
+                <a:ext cx="6541550" cy="5162128"/>
               </a:xfrm>
               <a:blipFill rotWithShape="1">
                 <a:blip r:embed="rId8"/>
                 <a:stretch>
-                  <a:fillRect l="-373"/>
+                  <a:fillRect l="-280" b="-590"/>
+                </a:stretch>
+              </a:blipFill>
+            </p:spPr>
+            <p:txBody>
+              <a:bodyPr/>
+              <a:lstStyle/>
+              <a:p>
+                <a:r>
+                  <a:rPr lang="fr-FR">
+                    <a:noFill/>
+                  </a:rPr>
+                  <a:t> </a:t>
+                </a:r>
+              </a:p>
+            </p:txBody>
+          </p:sp>
+        </mc:Fallback>
+      </mc:AlternateContent>
+      <mc:AlternateContent xmlns:mc="http://schemas.openxmlformats.org/markup-compatibility/2006">
+        <mc:Choice xmlns:a14="http://schemas.microsoft.com/office/drawing/2010/main" Requires="a14">
+          <p:sp>
+            <p:nvSpPr>
+              <p:cNvPr id="4" name="ZoneTexte 3"/>
+              <p:cNvSpPr txBox="1"/>
+              <p:nvPr/>
+            </p:nvSpPr>
+            <p:spPr>
+              <a:xfrm>
+                <a:off x="1788232" y="3768046"/>
+                <a:ext cx="302967" cy="246221"/>
+              </a:xfrm>
+              <a:prstGeom prst="rect">
+                <a:avLst/>
+              </a:prstGeom>
+              <a:noFill/>
+            </p:spPr>
+            <p:txBody>
+              <a:bodyPr wrap="none" rtlCol="0">
+                <a:spAutoFit/>
+              </a:bodyPr>
+              <a:lstStyle/>
+              <a:p>
+                <a14:m>
+                  <m:oMathPara xmlns:m="http://schemas.openxmlformats.org/officeDocument/2006/math">
+                    <m:oMathParaPr>
+                      <m:jc m:val="centerGroup"/>
+                    </m:oMathParaPr>
+                    <m:oMath xmlns:m="http://schemas.openxmlformats.org/officeDocument/2006/math">
+                      <m:r>
+                        <a:rPr lang="fr-FR" sz="1000" b="0" i="1" smtClean="0">
+                          <a:latin typeface="Cambria Math"/>
+                        </a:rPr>
+                        <m:t>𝐴</m:t>
+                      </m:r>
+                    </m:oMath>
+                  </m:oMathPara>
+                </a14:m>
+                <a:endParaRPr lang="fr-FR" sz="1000" dirty="0"/>
+              </a:p>
+            </p:txBody>
+          </p:sp>
+        </mc:Choice>
+        <mc:Fallback>
+          <p:sp>
+            <p:nvSpPr>
+              <p:cNvPr id="4" name="ZoneTexte 3"/>
+              <p:cNvSpPr txBox="1">
+                <a:spLocks noRot="1" noChangeAspect="1" noMove="1" noResize="1" noEditPoints="1" noAdjustHandles="1" noChangeArrowheads="1" noChangeShapeType="1" noTextEdit="1"/>
+              </p:cNvSpPr>
+              <p:nvPr/>
+            </p:nvSpPr>
+            <p:spPr>
+              <a:xfrm>
+                <a:off x="1788232" y="3768046"/>
+                <a:ext cx="302967" cy="246221"/>
+              </a:xfrm>
+              <a:prstGeom prst="rect">
+                <a:avLst/>
+              </a:prstGeom>
+              <a:blipFill rotWithShape="1">
+                <a:blip r:embed="rId9"/>
+                <a:stretch>
+                  <a:fillRect/>
+                </a:stretch>
+              </a:blipFill>
+            </p:spPr>
+            <p:txBody>
+              <a:bodyPr/>
+              <a:lstStyle/>
+              <a:p>
+                <a:r>
+                  <a:rPr lang="fr-FR">
+                    <a:noFill/>
+                  </a:rPr>
+                  <a:t> </a:t>
+                </a:r>
+              </a:p>
+            </p:txBody>
+          </p:sp>
+        </mc:Fallback>
+      </mc:AlternateContent>
+      <mc:AlternateContent xmlns:mc="http://schemas.openxmlformats.org/markup-compatibility/2006">
+        <mc:Choice xmlns:a14="http://schemas.microsoft.com/office/drawing/2010/main" Requires="a14">
+          <p:sp>
+            <p:nvSpPr>
+              <p:cNvPr id="65" name="ZoneTexte 64"/>
+              <p:cNvSpPr txBox="1"/>
+              <p:nvPr/>
+            </p:nvSpPr>
+            <p:spPr>
+              <a:xfrm>
+                <a:off x="1505695" y="4013958"/>
+                <a:ext cx="308353" cy="246221"/>
+              </a:xfrm>
+              <a:prstGeom prst="rect">
+                <a:avLst/>
+              </a:prstGeom>
+              <a:noFill/>
+            </p:spPr>
+            <p:txBody>
+              <a:bodyPr wrap="none" rtlCol="0">
+                <a:spAutoFit/>
+              </a:bodyPr>
+              <a:lstStyle/>
+              <a:p>
+                <a14:m>
+                  <m:oMathPara xmlns:m="http://schemas.openxmlformats.org/officeDocument/2006/math">
+                    <m:oMathParaPr>
+                      <m:jc m:val="centerGroup"/>
+                    </m:oMathParaPr>
+                    <m:oMath xmlns:m="http://schemas.openxmlformats.org/officeDocument/2006/math">
+                      <m:r>
+                        <a:rPr lang="fr-FR" sz="1000" b="0" i="1" smtClean="0">
+                          <a:latin typeface="Cambria Math"/>
+                        </a:rPr>
+                        <m:t>𝐵</m:t>
+                      </m:r>
+                    </m:oMath>
+                  </m:oMathPara>
+                </a14:m>
+                <a:endParaRPr lang="fr-FR" sz="1000" dirty="0"/>
+              </a:p>
+            </p:txBody>
+          </p:sp>
+        </mc:Choice>
+        <mc:Fallback>
+          <p:sp>
+            <p:nvSpPr>
+              <p:cNvPr id="65" name="ZoneTexte 64"/>
+              <p:cNvSpPr txBox="1">
+                <a:spLocks noRot="1" noChangeAspect="1" noMove="1" noResize="1" noEditPoints="1" noAdjustHandles="1" noChangeArrowheads="1" noChangeShapeType="1" noTextEdit="1"/>
+              </p:cNvSpPr>
+              <p:nvPr/>
+            </p:nvSpPr>
+            <p:spPr>
+              <a:xfrm>
+                <a:off x="1505695" y="4013958"/>
+                <a:ext cx="308353" cy="246221"/>
+              </a:xfrm>
+              <a:prstGeom prst="rect">
+                <a:avLst/>
+              </a:prstGeom>
+              <a:blipFill rotWithShape="1">
+                <a:blip r:embed="rId10"/>
+                <a:stretch>
+                  <a:fillRect/>
+                </a:stretch>
+              </a:blipFill>
+            </p:spPr>
+            <p:txBody>
+              <a:bodyPr/>
+              <a:lstStyle/>
+              <a:p>
+                <a:r>
+                  <a:rPr lang="fr-FR">
+                    <a:noFill/>
+                  </a:rPr>
+                  <a:t> </a:t>
+                </a:r>
+              </a:p>
+            </p:txBody>
+          </p:sp>
+        </mc:Fallback>
+      </mc:AlternateContent>
+      <mc:AlternateContent xmlns:mc="http://schemas.openxmlformats.org/markup-compatibility/2006">
+        <mc:Choice xmlns:a14="http://schemas.microsoft.com/office/drawing/2010/main" Requires="a14">
+          <p:sp>
+            <p:nvSpPr>
+              <p:cNvPr id="66" name="ZoneTexte 65"/>
+              <p:cNvSpPr txBox="1"/>
+              <p:nvPr/>
+            </p:nvSpPr>
+            <p:spPr>
+              <a:xfrm>
+                <a:off x="1145535" y="4395249"/>
+                <a:ext cx="302519" cy="246221"/>
+              </a:xfrm>
+              <a:prstGeom prst="rect">
+                <a:avLst/>
+              </a:prstGeom>
+              <a:noFill/>
+            </p:spPr>
+            <p:txBody>
+              <a:bodyPr wrap="none" rtlCol="0">
+                <a:spAutoFit/>
+              </a:bodyPr>
+              <a:lstStyle/>
+              <a:p>
+                <a14:m>
+                  <m:oMathPara xmlns:m="http://schemas.openxmlformats.org/officeDocument/2006/math">
+                    <m:oMathParaPr>
+                      <m:jc m:val="centerGroup"/>
+                    </m:oMathParaPr>
+                    <m:oMath xmlns:m="http://schemas.openxmlformats.org/officeDocument/2006/math">
+                      <m:r>
+                        <a:rPr lang="fr-FR" sz="1000" b="0" i="1" smtClean="0">
+                          <a:latin typeface="Cambria Math"/>
+                        </a:rPr>
+                        <m:t>𝐶</m:t>
+                      </m:r>
+                    </m:oMath>
+                  </m:oMathPara>
+                </a14:m>
+                <a:endParaRPr lang="fr-FR" sz="1000" dirty="0"/>
+              </a:p>
+            </p:txBody>
+          </p:sp>
+        </mc:Choice>
+        <mc:Fallback>
+          <p:sp>
+            <p:nvSpPr>
+              <p:cNvPr id="66" name="ZoneTexte 65"/>
+              <p:cNvSpPr txBox="1">
+                <a:spLocks noRot="1" noChangeAspect="1" noMove="1" noResize="1" noEditPoints="1" noAdjustHandles="1" noChangeArrowheads="1" noChangeShapeType="1" noTextEdit="1"/>
+              </p:cNvSpPr>
+              <p:nvPr/>
+            </p:nvSpPr>
+            <p:spPr>
+              <a:xfrm>
+                <a:off x="1145535" y="4395249"/>
+                <a:ext cx="302519" cy="246221"/>
+              </a:xfrm>
+              <a:prstGeom prst="rect">
+                <a:avLst/>
+              </a:prstGeom>
+              <a:blipFill rotWithShape="1">
+                <a:blip r:embed="rId11"/>
+                <a:stretch>
+                  <a:fillRect/>
+                </a:stretch>
+              </a:blipFill>
+            </p:spPr>
+            <p:txBody>
+              <a:bodyPr/>
+              <a:lstStyle/>
+              <a:p>
+                <a:r>
+                  <a:rPr lang="fr-FR">
+                    <a:noFill/>
+                  </a:rPr>
+                  <a:t> </a:t>
+                </a:r>
+              </a:p>
+            </p:txBody>
+          </p:sp>
+        </mc:Fallback>
+      </mc:AlternateContent>
+      <mc:AlternateContent xmlns:mc="http://schemas.openxmlformats.org/markup-compatibility/2006">
+        <mc:Choice xmlns:a14="http://schemas.microsoft.com/office/drawing/2010/main" Requires="a14">
+          <p:sp>
+            <p:nvSpPr>
+              <p:cNvPr id="67" name="ZoneTexte 66"/>
+              <p:cNvSpPr txBox="1"/>
+              <p:nvPr/>
+            </p:nvSpPr>
+            <p:spPr>
+              <a:xfrm>
+                <a:off x="785375" y="4776540"/>
+                <a:ext cx="311880" cy="246221"/>
+              </a:xfrm>
+              <a:prstGeom prst="rect">
+                <a:avLst/>
+              </a:prstGeom>
+              <a:noFill/>
+            </p:spPr>
+            <p:txBody>
+              <a:bodyPr wrap="none" rtlCol="0">
+                <a:spAutoFit/>
+              </a:bodyPr>
+              <a:lstStyle/>
+              <a:p>
+                <a14:m>
+                  <m:oMathPara xmlns:m="http://schemas.openxmlformats.org/officeDocument/2006/math">
+                    <m:oMathParaPr>
+                      <m:jc m:val="centerGroup"/>
+                    </m:oMathParaPr>
+                    <m:oMath xmlns:m="http://schemas.openxmlformats.org/officeDocument/2006/math">
+                      <m:r>
+                        <a:rPr lang="fr-FR" sz="1000" b="0" i="1" smtClean="0">
+                          <a:latin typeface="Cambria Math"/>
+                        </a:rPr>
+                        <m:t>𝐷</m:t>
+                      </m:r>
+                    </m:oMath>
+                  </m:oMathPara>
+                </a14:m>
+                <a:endParaRPr lang="fr-FR" sz="1000" dirty="0"/>
+              </a:p>
+            </p:txBody>
+          </p:sp>
+        </mc:Choice>
+        <mc:Fallback>
+          <p:sp>
+            <p:nvSpPr>
+              <p:cNvPr id="67" name="ZoneTexte 66"/>
+              <p:cNvSpPr txBox="1">
+                <a:spLocks noRot="1" noChangeAspect="1" noMove="1" noResize="1" noEditPoints="1" noAdjustHandles="1" noChangeArrowheads="1" noChangeShapeType="1" noTextEdit="1"/>
+              </p:cNvSpPr>
+              <p:nvPr/>
+            </p:nvSpPr>
+            <p:spPr>
+              <a:xfrm>
+                <a:off x="785375" y="4776540"/>
+                <a:ext cx="311880" cy="246221"/>
+              </a:xfrm>
+              <a:prstGeom prst="rect">
+                <a:avLst/>
+              </a:prstGeom>
+              <a:blipFill rotWithShape="1">
+                <a:blip r:embed="rId12"/>
+                <a:stretch>
+                  <a:fillRect/>
+                </a:stretch>
+              </a:blipFill>
+            </p:spPr>
+            <p:txBody>
+              <a:bodyPr/>
+              <a:lstStyle/>
+              <a:p>
+                <a:r>
+                  <a:rPr lang="fr-FR">
+                    <a:noFill/>
+                  </a:rPr>
+                  <a:t> </a:t>
+                </a:r>
+              </a:p>
+            </p:txBody>
+          </p:sp>
+        </mc:Fallback>
+      </mc:AlternateContent>
+      <mc:AlternateContent xmlns:mc="http://schemas.openxmlformats.org/markup-compatibility/2006">
+        <mc:Choice xmlns:a14="http://schemas.microsoft.com/office/drawing/2010/main" Requires="a14">
+          <p:sp>
+            <p:nvSpPr>
+              <p:cNvPr id="68" name="ZoneTexte 67"/>
+              <p:cNvSpPr txBox="1"/>
+              <p:nvPr/>
+            </p:nvSpPr>
+            <p:spPr>
+              <a:xfrm>
+                <a:off x="373915" y="5239372"/>
+                <a:ext cx="305084" cy="246221"/>
+              </a:xfrm>
+              <a:prstGeom prst="rect">
+                <a:avLst/>
+              </a:prstGeom>
+              <a:noFill/>
+            </p:spPr>
+            <p:txBody>
+              <a:bodyPr wrap="none" rtlCol="0">
+                <a:spAutoFit/>
+              </a:bodyPr>
+              <a:lstStyle/>
+              <a:p>
+                <a14:m>
+                  <m:oMathPara xmlns:m="http://schemas.openxmlformats.org/officeDocument/2006/math">
+                    <m:oMathParaPr>
+                      <m:jc m:val="centerGroup"/>
+                    </m:oMathParaPr>
+                    <m:oMath xmlns:m="http://schemas.openxmlformats.org/officeDocument/2006/math">
+                      <m:r>
+                        <a:rPr lang="fr-FR" sz="1000" b="0" i="1" smtClean="0">
+                          <a:latin typeface="Cambria Math"/>
+                        </a:rPr>
+                        <m:t>𝐸</m:t>
+                      </m:r>
+                    </m:oMath>
+                  </m:oMathPara>
+                </a14:m>
+                <a:endParaRPr lang="fr-FR" sz="1000" dirty="0"/>
+              </a:p>
+            </p:txBody>
+          </p:sp>
+        </mc:Choice>
+        <mc:Fallback>
+          <p:sp>
+            <p:nvSpPr>
+              <p:cNvPr id="68" name="ZoneTexte 67"/>
+              <p:cNvSpPr txBox="1">
+                <a:spLocks noRot="1" noChangeAspect="1" noMove="1" noResize="1" noEditPoints="1" noAdjustHandles="1" noChangeArrowheads="1" noChangeShapeType="1" noTextEdit="1"/>
+              </p:cNvSpPr>
+              <p:nvPr/>
+            </p:nvSpPr>
+            <p:spPr>
+              <a:xfrm>
+                <a:off x="373915" y="5239372"/>
+                <a:ext cx="305084" cy="246221"/>
+              </a:xfrm>
+              <a:prstGeom prst="rect">
+                <a:avLst/>
+              </a:prstGeom>
+              <a:blipFill rotWithShape="1">
+                <a:blip r:embed="rId13"/>
+                <a:stretch>
+                  <a:fillRect/>
+                </a:stretch>
+              </a:blipFill>
+            </p:spPr>
+            <p:txBody>
+              <a:bodyPr/>
+              <a:lstStyle/>
+              <a:p>
+                <a:r>
+                  <a:rPr lang="fr-FR">
+                    <a:noFill/>
+                  </a:rPr>
+                  <a:t> </a:t>
+                </a:r>
+              </a:p>
+            </p:txBody>
+          </p:sp>
+        </mc:Fallback>
+      </mc:AlternateContent>
+      <mc:AlternateContent xmlns:mc="http://schemas.openxmlformats.org/markup-compatibility/2006">
+        <mc:Choice xmlns:a14="http://schemas.microsoft.com/office/drawing/2010/main" Requires="a14">
+          <p:sp>
+            <p:nvSpPr>
+              <p:cNvPr id="69" name="ZoneTexte 68"/>
+              <p:cNvSpPr txBox="1"/>
+              <p:nvPr/>
+            </p:nvSpPr>
+            <p:spPr>
+              <a:xfrm>
+                <a:off x="737465" y="5158308"/>
+                <a:ext cx="272062" cy="246221"/>
+              </a:xfrm>
+              <a:prstGeom prst="rect">
+                <a:avLst/>
+              </a:prstGeom>
+              <a:noFill/>
+            </p:spPr>
+            <p:txBody>
+              <a:bodyPr wrap="none" rtlCol="0">
+                <a:spAutoFit/>
+              </a:bodyPr>
+              <a:lstStyle/>
+              <a:p>
+                <a14:m>
+                  <m:oMathPara xmlns:m="http://schemas.openxmlformats.org/officeDocument/2006/math">
+                    <m:oMathParaPr>
+                      <m:jc m:val="centerGroup"/>
+                    </m:oMathParaPr>
+                    <m:oMath xmlns:m="http://schemas.openxmlformats.org/officeDocument/2006/math">
+                      <m:r>
+                        <a:rPr lang="fr-FR" sz="1000" b="0" i="1" smtClean="0">
+                          <a:latin typeface="Cambria Math"/>
+                        </a:rPr>
+                        <m:t>𝐼</m:t>
+                      </m:r>
+                    </m:oMath>
+                  </m:oMathPara>
+                </a14:m>
+                <a:endParaRPr lang="fr-FR" sz="1000" dirty="0"/>
+              </a:p>
+            </p:txBody>
+          </p:sp>
+        </mc:Choice>
+        <mc:Fallback>
+          <p:sp>
+            <p:nvSpPr>
+              <p:cNvPr id="69" name="ZoneTexte 68"/>
+              <p:cNvSpPr txBox="1">
+                <a:spLocks noRot="1" noChangeAspect="1" noMove="1" noResize="1" noEditPoints="1" noAdjustHandles="1" noChangeArrowheads="1" noChangeShapeType="1" noTextEdit="1"/>
+              </p:cNvSpPr>
+              <p:nvPr/>
+            </p:nvSpPr>
+            <p:spPr>
+              <a:xfrm>
+                <a:off x="737465" y="5158308"/>
+                <a:ext cx="272062" cy="246221"/>
+              </a:xfrm>
+              <a:prstGeom prst="rect">
+                <a:avLst/>
+              </a:prstGeom>
+              <a:blipFill rotWithShape="1">
+                <a:blip r:embed="rId14"/>
+                <a:stretch>
+                  <a:fillRect/>
                 </a:stretch>
               </a:blipFill>
             </p:spPr>

--- a/TP/Cy_05_Ene_TP_Energetique.pptx
+++ b/TP/Cy_05_Ene_TP_Energetique.pptx
@@ -5,21 +5,22 @@
     <p:sldMasterId id="2147483684" r:id="rId1"/>
   </p:sldMasterIdLst>
   <p:notesMasterIdLst>
-    <p:notesMasterId r:id="rId14"/>
+    <p:notesMasterId r:id="rId15"/>
   </p:notesMasterIdLst>
   <p:sldIdLst>
     <p:sldId id="256" r:id="rId2"/>
     <p:sldId id="322" r:id="rId3"/>
-    <p:sldId id="311" r:id="rId4"/>
-    <p:sldId id="312" r:id="rId5"/>
-    <p:sldId id="313" r:id="rId6"/>
-    <p:sldId id="316" r:id="rId7"/>
-    <p:sldId id="314" r:id="rId8"/>
-    <p:sldId id="318" r:id="rId9"/>
-    <p:sldId id="319" r:id="rId10"/>
-    <p:sldId id="317" r:id="rId11"/>
-    <p:sldId id="321" r:id="rId12"/>
-    <p:sldId id="310" r:id="rId13"/>
+    <p:sldId id="323" r:id="rId4"/>
+    <p:sldId id="311" r:id="rId5"/>
+    <p:sldId id="312" r:id="rId6"/>
+    <p:sldId id="313" r:id="rId7"/>
+    <p:sldId id="316" r:id="rId8"/>
+    <p:sldId id="314" r:id="rId9"/>
+    <p:sldId id="318" r:id="rId10"/>
+    <p:sldId id="319" r:id="rId11"/>
+    <p:sldId id="317" r:id="rId12"/>
+    <p:sldId id="321" r:id="rId13"/>
+    <p:sldId id="310" r:id="rId14"/>
   </p:sldIdLst>
   <p:sldSz cx="9144000" cy="6858000" type="screen4x3"/>
   <p:notesSz cx="6858000" cy="9144000"/>
@@ -5108,6 +5109,473 @@
         <p:spPr>
           <a:xfrm>
             <a:off x="457200" y="152400"/>
+            <a:ext cx="8219256" cy="990600"/>
+          </a:xfrm>
+        </p:spPr>
+        <p:txBody>
+          <a:bodyPr>
+            <a:normAutofit/>
+          </a:bodyPr>
+          <a:lstStyle/>
+          <a:p>
+            <a:r>
+              <a:rPr lang="fr-FR" sz="2800" dirty="0"/>
+              <a:t>Renseignement du modèle multiphysique</a:t>
+            </a:r>
+          </a:p>
+        </p:txBody>
+      </p:sp>
+      <p:sp>
+        <p:nvSpPr>
+          <p:cNvPr id="3" name="Espace réservé du numéro de diapositive 2"/>
+          <p:cNvSpPr>
+            <a:spLocks noGrp="1"/>
+          </p:cNvSpPr>
+          <p:nvPr>
+            <p:ph type="sldNum" sz="quarter" idx="12"/>
+          </p:nvPr>
+        </p:nvSpPr>
+        <p:spPr/>
+        <p:txBody>
+          <a:bodyPr/>
+          <a:lstStyle/>
+          <a:p>
+            <a:fld id="{3F1D8263-54E8-442D-88B4-DA252C595E3D}" type="slidenum">
+              <a:rPr lang="fr-FR" smtClean="0"/>
+              <a:pPr/>
+              <a:t>10</a:t>
+            </a:fld>
+            <a:endParaRPr lang="fr-FR"/>
+          </a:p>
+        </p:txBody>
+      </p:sp>
+      <p:pic>
+        <p:nvPicPr>
+          <p:cNvPr id="5" name="Picture 3"/>
+          <p:cNvPicPr>
+            <a:picLocks noGrp="1" noChangeAspect="1" noChangeArrowheads="1"/>
+          </p:cNvPicPr>
+          <p:nvPr>
+            <p:ph sz="quarter" idx="1"/>
+          </p:nvPr>
+        </p:nvPicPr>
+        <p:blipFill>
+          <a:blip r:embed="rId2" cstate="print">
+            <a:extLst>
+              <a:ext uri="{28A0092B-C50C-407E-A947-70E740481C1C}">
+                <a14:useLocalDpi xmlns:a14="http://schemas.microsoft.com/office/drawing/2010/main" val="0"/>
+              </a:ext>
+            </a:extLst>
+          </a:blip>
+          <a:srcRect/>
+          <a:stretch>
+            <a:fillRect/>
+          </a:stretch>
+        </p:blipFill>
+        <p:spPr bwMode="auto">
+          <a:xfrm>
+            <a:off x="433135" y="1412776"/>
+            <a:ext cx="8411080" cy="3226892"/>
+          </a:xfrm>
+          <a:prstGeom prst="rect">
+            <a:avLst/>
+          </a:prstGeom>
+          <a:noFill/>
+          <a:ln>
+            <a:noFill/>
+          </a:ln>
+          <a:effectLst/>
+          <a:extLst>
+            <a:ext uri="{909E8E84-426E-40DD-AFC4-6F175D3DCCD1}">
+              <a14:hiddenFill xmlns:a14="http://schemas.microsoft.com/office/drawing/2010/main">
+                <a:solidFill>
+                  <a:schemeClr val="accent1"/>
+                </a:solidFill>
+              </a14:hiddenFill>
+            </a:ext>
+            <a:ext uri="{91240B29-F687-4F45-9708-019B960494DF}">
+              <a14:hiddenLine xmlns:a14="http://schemas.microsoft.com/office/drawing/2010/main" w="9525">
+                <a:solidFill>
+                  <a:schemeClr val="tx1"/>
+                </a:solidFill>
+                <a:miter lim="800000"/>
+                <a:headEnd/>
+                <a:tailEnd/>
+              </a14:hiddenLine>
+            </a:ext>
+            <a:ext uri="{AF507438-7753-43E0-B8FC-AC1667EBCBE1}">
+              <a14:hiddenEffects xmlns:a14="http://schemas.microsoft.com/office/drawing/2010/main">
+                <a:effectLst>
+                  <a:outerShdw dist="35921" dir="2700000" algn="ctr" rotWithShape="0">
+                    <a:schemeClr val="bg2"/>
+                  </a:outerShdw>
+                </a:effectLst>
+              </a14:hiddenEffects>
+            </a:ext>
+          </a:extLst>
+        </p:spPr>
+      </p:pic>
+      <p:sp>
+        <p:nvSpPr>
+          <p:cNvPr id="6" name="Rectangle 5"/>
+          <p:cNvSpPr/>
+          <p:nvPr/>
+        </p:nvSpPr>
+        <p:spPr>
+          <a:xfrm>
+            <a:off x="323528" y="3271516"/>
+            <a:ext cx="1152128" cy="504056"/>
+          </a:xfrm>
+          <a:prstGeom prst="rect">
+            <a:avLst/>
+          </a:prstGeom>
+          <a:noFill/>
+          <a:ln w="28575">
+            <a:solidFill>
+              <a:srgbClr val="FF0000"/>
+            </a:solidFill>
+            <a:prstDash val="dash"/>
+          </a:ln>
+        </p:spPr>
+        <p:style>
+          <a:lnRef idx="2">
+            <a:schemeClr val="accent1">
+              <a:shade val="50000"/>
+            </a:schemeClr>
+          </a:lnRef>
+          <a:fillRef idx="1">
+            <a:schemeClr val="accent1"/>
+          </a:fillRef>
+          <a:effectRef idx="0">
+            <a:schemeClr val="accent1"/>
+          </a:effectRef>
+          <a:fontRef idx="minor">
+            <a:schemeClr val="lt1"/>
+          </a:fontRef>
+        </p:style>
+        <p:txBody>
+          <a:bodyPr rtlCol="0" anchor="ctr"/>
+          <a:lstStyle/>
+          <a:p>
+            <a:pPr algn="ctr"/>
+            <a:endParaRPr lang="fr-FR"/>
+          </a:p>
+        </p:txBody>
+      </p:sp>
+      <p:sp>
+        <p:nvSpPr>
+          <p:cNvPr id="7" name="Rectangle 6"/>
+          <p:cNvSpPr/>
+          <p:nvPr/>
+        </p:nvSpPr>
+        <p:spPr>
+          <a:xfrm>
+            <a:off x="3851920" y="2407420"/>
+            <a:ext cx="864096" cy="1224136"/>
+          </a:xfrm>
+          <a:prstGeom prst="rect">
+            <a:avLst/>
+          </a:prstGeom>
+          <a:noFill/>
+          <a:ln w="28575">
+            <a:solidFill>
+              <a:srgbClr val="FF0000"/>
+            </a:solidFill>
+            <a:prstDash val="dash"/>
+          </a:ln>
+        </p:spPr>
+        <p:style>
+          <a:lnRef idx="2">
+            <a:schemeClr val="accent1">
+              <a:shade val="50000"/>
+            </a:schemeClr>
+          </a:lnRef>
+          <a:fillRef idx="1">
+            <a:schemeClr val="accent1"/>
+          </a:fillRef>
+          <a:effectRef idx="0">
+            <a:schemeClr val="accent1"/>
+          </a:effectRef>
+          <a:fontRef idx="minor">
+            <a:schemeClr val="lt1"/>
+          </a:fontRef>
+        </p:style>
+        <p:txBody>
+          <a:bodyPr rtlCol="0" anchor="ctr"/>
+          <a:lstStyle/>
+          <a:p>
+            <a:pPr algn="ctr"/>
+            <a:endParaRPr lang="fr-FR"/>
+          </a:p>
+        </p:txBody>
+      </p:sp>
+      <p:sp>
+        <p:nvSpPr>
+          <p:cNvPr id="8" name="Rectangle 7"/>
+          <p:cNvSpPr/>
+          <p:nvPr/>
+        </p:nvSpPr>
+        <p:spPr>
+          <a:xfrm>
+            <a:off x="5076056" y="1837433"/>
+            <a:ext cx="576064" cy="1794123"/>
+          </a:xfrm>
+          <a:prstGeom prst="rect">
+            <a:avLst/>
+          </a:prstGeom>
+          <a:noFill/>
+          <a:ln w="28575">
+            <a:solidFill>
+              <a:srgbClr val="FF0000"/>
+            </a:solidFill>
+            <a:prstDash val="dash"/>
+          </a:ln>
+        </p:spPr>
+        <p:style>
+          <a:lnRef idx="2">
+            <a:schemeClr val="accent1">
+              <a:shade val="50000"/>
+            </a:schemeClr>
+          </a:lnRef>
+          <a:fillRef idx="1">
+            <a:schemeClr val="accent1"/>
+          </a:fillRef>
+          <a:effectRef idx="0">
+            <a:schemeClr val="accent1"/>
+          </a:effectRef>
+          <a:fontRef idx="minor">
+            <a:schemeClr val="lt1"/>
+          </a:fontRef>
+        </p:style>
+        <p:txBody>
+          <a:bodyPr rtlCol="0" anchor="ctr"/>
+          <a:lstStyle/>
+          <a:p>
+            <a:pPr algn="ctr"/>
+            <a:endParaRPr lang="fr-FR"/>
+          </a:p>
+        </p:txBody>
+      </p:sp>
+      <p:sp>
+        <p:nvSpPr>
+          <p:cNvPr id="9" name="ZoneTexte 8"/>
+          <p:cNvSpPr txBox="1"/>
+          <p:nvPr/>
+        </p:nvSpPr>
+        <p:spPr>
+          <a:xfrm>
+            <a:off x="125760" y="3884523"/>
+            <a:ext cx="1547663" cy="646331"/>
+          </a:xfrm>
+          <a:prstGeom prst="rect">
+            <a:avLst/>
+          </a:prstGeom>
+          <a:noFill/>
+        </p:spPr>
+        <p:txBody>
+          <a:bodyPr wrap="square" rtlCol="0">
+            <a:spAutoFit/>
+          </a:bodyPr>
+          <a:lstStyle/>
+          <a:p>
+            <a:r>
+              <a:rPr lang="fr-FR" dirty="0"/>
+              <a:t>Commande en PWM en BO</a:t>
+            </a:r>
+          </a:p>
+        </p:txBody>
+      </p:sp>
+      <p:sp>
+        <p:nvSpPr>
+          <p:cNvPr id="10" name="ZoneTexte 9"/>
+          <p:cNvSpPr txBox="1"/>
+          <p:nvPr/>
+        </p:nvSpPr>
+        <p:spPr>
+          <a:xfrm>
+            <a:off x="1150345" y="1706176"/>
+            <a:ext cx="3772024" cy="923330"/>
+          </a:xfrm>
+          <a:prstGeom prst="rect">
+            <a:avLst/>
+          </a:prstGeom>
+          <a:noFill/>
+        </p:spPr>
+        <p:txBody>
+          <a:bodyPr wrap="square" rtlCol="0">
+            <a:spAutoFit/>
+          </a:bodyPr>
+          <a:lstStyle/>
+          <a:p>
+            <a:r>
+              <a:rPr lang="fr-FR" b="1" dirty="0"/>
+              <a:t>En BO : le frottement sec vient toujours en opposition (pas forcément en BF…)</a:t>
+            </a:r>
+          </a:p>
+        </p:txBody>
+      </p:sp>
+      <p:sp>
+        <p:nvSpPr>
+          <p:cNvPr id="11" name="ZoneTexte 10"/>
+          <p:cNvSpPr txBox="1"/>
+          <p:nvPr/>
+        </p:nvSpPr>
+        <p:spPr>
+          <a:xfrm>
+            <a:off x="4211960" y="1216870"/>
+            <a:ext cx="3911559" cy="646331"/>
+          </a:xfrm>
+          <a:prstGeom prst="rect">
+            <a:avLst/>
+          </a:prstGeom>
+          <a:noFill/>
+        </p:spPr>
+        <p:txBody>
+          <a:bodyPr wrap="square" rtlCol="0">
+            <a:spAutoFit/>
+          </a:bodyPr>
+          <a:lstStyle/>
+          <a:p>
+            <a:r>
+              <a:rPr lang="fr-FR" b="1" dirty="0"/>
+              <a:t>En BO : le couple résistant est en opposition (pas forcément en BF).</a:t>
+            </a:r>
+          </a:p>
+        </p:txBody>
+      </p:sp>
+      <p:pic>
+        <p:nvPicPr>
+          <p:cNvPr id="12" name="Image 11"/>
+          <p:cNvPicPr>
+            <a:picLocks noChangeAspect="1"/>
+          </p:cNvPicPr>
+          <p:nvPr/>
+        </p:nvPicPr>
+        <p:blipFill>
+          <a:blip r:embed="rId3"/>
+          <a:stretch>
+            <a:fillRect/>
+          </a:stretch>
+        </p:blipFill>
+        <p:spPr>
+          <a:xfrm>
+            <a:off x="552057" y="4613343"/>
+            <a:ext cx="2484300" cy="2062812"/>
+          </a:xfrm>
+          <a:prstGeom prst="rect">
+            <a:avLst/>
+          </a:prstGeom>
+        </p:spPr>
+      </p:pic>
+      <p:sp>
+        <p:nvSpPr>
+          <p:cNvPr id="14" name="ZoneTexte 13"/>
+          <p:cNvSpPr txBox="1"/>
+          <p:nvPr/>
+        </p:nvSpPr>
+        <p:spPr>
+          <a:xfrm>
+            <a:off x="3189141" y="4909444"/>
+            <a:ext cx="2057562" cy="1384995"/>
+          </a:xfrm>
+          <a:prstGeom prst="rect">
+            <a:avLst/>
+          </a:prstGeom>
+          <a:noFill/>
+        </p:spPr>
+        <p:txBody>
+          <a:bodyPr wrap="square" rtlCol="0">
+            <a:spAutoFit/>
+          </a:bodyPr>
+          <a:lstStyle/>
+          <a:p>
+            <a:r>
+              <a:rPr lang="fr-FR" sz="1400" b="1" dirty="0"/>
+              <a:t>Angle de la cheville en fonction du temps </a:t>
+            </a:r>
+          </a:p>
+          <a:p>
+            <a:r>
+              <a:rPr lang="fr-FR" sz="1400" b="1" dirty="0"/>
+              <a:t>0,45 secondes pour faire 90° avec une masse de 300g et un PWM de 45.</a:t>
+            </a:r>
+          </a:p>
+        </p:txBody>
+      </p:sp>
+      <p:pic>
+        <p:nvPicPr>
+          <p:cNvPr id="31" name="Image 30"/>
+          <p:cNvPicPr>
+            <a:picLocks noChangeAspect="1"/>
+          </p:cNvPicPr>
+          <p:nvPr/>
+        </p:nvPicPr>
+        <p:blipFill>
+          <a:blip r:embed="rId4"/>
+          <a:stretch>
+            <a:fillRect/>
+          </a:stretch>
+        </p:blipFill>
+        <p:spPr>
+          <a:xfrm>
+            <a:off x="5399488" y="4468395"/>
+            <a:ext cx="3744512" cy="2352708"/>
+          </a:xfrm>
+          <a:prstGeom prst="rect">
+            <a:avLst/>
+          </a:prstGeom>
+        </p:spPr>
+      </p:pic>
+    </p:spTree>
+    <p:extLst>
+      <p:ext uri="{BB962C8B-B14F-4D97-AF65-F5344CB8AC3E}">
+        <p14:creationId xmlns:p14="http://schemas.microsoft.com/office/powerpoint/2010/main" val="1274611917"/>
+      </p:ext>
+    </p:extLst>
+  </p:cSld>
+  <p:clrMapOvr>
+    <a:masterClrMapping/>
+  </p:clrMapOvr>
+  <p:timing>
+    <p:tnLst>
+      <p:par>
+        <p:cTn id="1" dur="indefinite" restart="never" nodeType="tmRoot"/>
+      </p:par>
+    </p:tnLst>
+  </p:timing>
+</p:sld>
+</file>
+
+<file path=ppt/slides/slide11.xml><?xml version="1.0" encoding="utf-8"?>
+<p:sld xmlns:a="http://schemas.openxmlformats.org/drawingml/2006/main" xmlns:r="http://schemas.openxmlformats.org/officeDocument/2006/relationships" xmlns:p="http://schemas.openxmlformats.org/presentationml/2006/main">
+  <p:cSld>
+    <p:spTree>
+      <p:nvGrpSpPr>
+        <p:cNvPr id="1" name=""/>
+        <p:cNvGrpSpPr/>
+        <p:nvPr/>
+      </p:nvGrpSpPr>
+      <p:grpSpPr>
+        <a:xfrm>
+          <a:off x="0" y="0"/>
+          <a:ext cx="0" cy="0"/>
+          <a:chOff x="0" y="0"/>
+          <a:chExt cx="0" cy="0"/>
+        </a:xfrm>
+      </p:grpSpPr>
+      <p:sp>
+        <p:nvSpPr>
+          <p:cNvPr id="2" name="Titre 1"/>
+          <p:cNvSpPr>
+            <a:spLocks noGrp="1"/>
+          </p:cNvSpPr>
+          <p:nvPr>
+            <p:ph type="title"/>
+          </p:nvPr>
+        </p:nvSpPr>
+        <p:spPr>
+          <a:xfrm>
+            <a:off x="457200" y="152400"/>
             <a:ext cx="8229600" cy="990600"/>
           </a:xfrm>
         </p:spPr>
@@ -5142,7 +5610,7 @@
             <a:fld id="{3F1D8263-54E8-442D-88B4-DA252C595E3D}" type="slidenum">
               <a:rPr lang="fr-FR" smtClean="0"/>
               <a:pPr/>
-              <a:t>10</a:t>
+              <a:t>11</a:t>
             </a:fld>
             <a:endParaRPr lang="fr-FR"/>
           </a:p>
@@ -5504,7 +5972,7 @@
 </p:sld>
 </file>
 
-<file path=ppt/slides/slide11.xml><?xml version="1.0" encoding="utf-8"?>
+<file path=ppt/slides/slide12.xml><?xml version="1.0" encoding="utf-8"?>
 <p:sld xmlns:a="http://schemas.openxmlformats.org/drawingml/2006/main" xmlns:r="http://schemas.openxmlformats.org/officeDocument/2006/relationships" xmlns:p="http://schemas.openxmlformats.org/presentationml/2006/main">
   <p:cSld>
     <p:spTree>
@@ -6279,7 +6747,7 @@
 </p:sld>
 </file>
 
-<file path=ppt/slides/slide12.xml><?xml version="1.0" encoding="utf-8"?>
+<file path=ppt/slides/slide13.xml><?xml version="1.0" encoding="utf-8"?>
 <p:sld xmlns:a="http://schemas.openxmlformats.org/drawingml/2006/main" xmlns:r="http://schemas.openxmlformats.org/officeDocument/2006/relationships" xmlns:p="http://schemas.openxmlformats.org/presentationml/2006/main">
   <p:cSld>
     <p:spTree>
@@ -6314,7 +6782,7 @@
             <a:fld id="{3F1D8263-54E8-442D-88B4-DA252C595E3D}" type="slidenum">
               <a:rPr lang="fr-FR" smtClean="0"/>
               <a:pPr/>
-              <a:t>12</a:t>
+              <a:t>13</a:t>
             </a:fld>
             <a:endParaRPr lang="fr-FR"/>
           </a:p>
@@ -11863,6 +12331,56 @@
                         </m:r>
                       </m:sub>
                     </m:sSub>
+                    <m:sSub>
+                      <m:sSubPr>
+                        <m:ctrlPr>
+                          <a:rPr lang="fr-FR" sz="2000" i="1">
+                            <a:latin typeface="Cambria Math"/>
+                            <a:ea typeface="Cambria Math"/>
+                          </a:rPr>
+                        </m:ctrlPr>
+                      </m:sSubPr>
+                      <m:e>
+                        <m:r>
+                          <a:rPr lang="fr-FR" sz="2000" i="1">
+                            <a:latin typeface="Cambria Math"/>
+                            <a:ea typeface="Cambria Math"/>
+                          </a:rPr>
+                          <m:t>𝜔</m:t>
+                        </m:r>
+                      </m:e>
+                      <m:sub>
+                        <m:f>
+                          <m:fPr>
+                            <m:type m:val="lin"/>
+                            <m:ctrlPr>
+                              <a:rPr lang="fr-FR" sz="2000" i="1">
+                                <a:latin typeface="Cambria Math"/>
+                                <a:ea typeface="Cambria Math"/>
+                              </a:rPr>
+                            </m:ctrlPr>
+                          </m:fPr>
+                          <m:num>
+                            <m:r>
+                              <a:rPr lang="fr-FR" sz="2000" i="1">
+                                <a:latin typeface="Cambria Math"/>
+                                <a:ea typeface="Cambria Math"/>
+                              </a:rPr>
+                              <m:t>𝑇</m:t>
+                            </m:r>
+                          </m:num>
+                          <m:den>
+                            <m:r>
+                              <a:rPr lang="fr-FR" sz="2000" i="1">
+                                <a:latin typeface="Cambria Math"/>
+                                <a:ea typeface="Cambria Math"/>
+                              </a:rPr>
+                              <m:t>0</m:t>
+                            </m:r>
+                          </m:den>
+                        </m:f>
+                      </m:sub>
+                    </m:sSub>
                     <m:acc>
                       <m:accPr>
                         <m:chr m:val="⃗"/>
@@ -15427,7 +15945,7 @@
               <a:blipFill rotWithShape="1">
                 <a:blip r:embed="rId8"/>
                 <a:stretch>
-                  <a:fillRect l="-280" b="-590"/>
+                  <a:fillRect l="-280" b="-1063"/>
                 </a:stretch>
               </a:blipFill>
             </p:spPr>
@@ -15984,6 +16502,6991 @@
             <p:ph type="title"/>
           </p:nvPr>
         </p:nvSpPr>
+        <p:spPr/>
+        <p:txBody>
+          <a:bodyPr/>
+          <a:lstStyle/>
+          <a:p>
+            <a:endParaRPr lang="fr-FR" dirty="0"/>
+          </a:p>
+        </p:txBody>
+      </p:sp>
+      <p:sp>
+        <p:nvSpPr>
+          <p:cNvPr id="3" name="Espace réservé du numéro de diapositive 2"/>
+          <p:cNvSpPr>
+            <a:spLocks noGrp="1"/>
+          </p:cNvSpPr>
+          <p:nvPr>
+            <p:ph type="sldNum" sz="quarter" idx="12"/>
+          </p:nvPr>
+        </p:nvSpPr>
+        <p:spPr/>
+        <p:txBody>
+          <a:bodyPr/>
+          <a:lstStyle/>
+          <a:p>
+            <a:fld id="{3F1D8263-54E8-442D-88B4-DA252C595E3D}" type="slidenum">
+              <a:rPr lang="fr-FR" smtClean="0"/>
+              <a:pPr/>
+              <a:t>3</a:t>
+            </a:fld>
+            <a:endParaRPr lang="fr-FR"/>
+          </a:p>
+        </p:txBody>
+      </p:sp>
+      <p:grpSp>
+        <p:nvGrpSpPr>
+          <p:cNvPr id="5" name="Groupe 4"/>
+          <p:cNvGrpSpPr/>
+          <p:nvPr/>
+        </p:nvGrpSpPr>
+        <p:grpSpPr>
+          <a:xfrm>
+            <a:off x="93164" y="1478468"/>
+            <a:ext cx="2257766" cy="2159947"/>
+            <a:chOff x="1045512" y="1619955"/>
+            <a:chExt cx="2257766" cy="2159947"/>
+          </a:xfrm>
+        </p:grpSpPr>
+        <p:sp>
+          <p:nvSpPr>
+            <p:cNvPr id="6" name="Ellipse 5"/>
+            <p:cNvSpPr/>
+            <p:nvPr/>
+          </p:nvSpPr>
+          <p:spPr>
+            <a:xfrm>
+              <a:off x="1581802" y="1844824"/>
+              <a:ext cx="216024" cy="216024"/>
+            </a:xfrm>
+            <a:prstGeom prst="ellipse">
+              <a:avLst/>
+            </a:prstGeom>
+            <a:solidFill>
+              <a:schemeClr val="bg1"/>
+            </a:solidFill>
+            <a:ln w="19050">
+              <a:solidFill>
+                <a:srgbClr val="FF0000"/>
+              </a:solidFill>
+            </a:ln>
+          </p:spPr>
+          <p:style>
+            <a:lnRef idx="2">
+              <a:schemeClr val="accent1">
+                <a:shade val="50000"/>
+              </a:schemeClr>
+            </a:lnRef>
+            <a:fillRef idx="1">
+              <a:schemeClr val="accent1"/>
+            </a:fillRef>
+            <a:effectRef idx="0">
+              <a:schemeClr val="accent1"/>
+            </a:effectRef>
+            <a:fontRef idx="minor">
+              <a:schemeClr val="lt1"/>
+            </a:fontRef>
+          </p:style>
+          <p:txBody>
+            <a:bodyPr lIns="0" tIns="0" rIns="0" bIns="0" rtlCol="0" anchor="ctr"/>
+            <a:lstStyle/>
+            <a:p>
+              <a:pPr algn="ctr"/>
+              <a:r>
+                <a:rPr lang="fr-FR" sz="1000" b="1" dirty="0">
+                  <a:solidFill>
+                    <a:srgbClr val="FF0000"/>
+                  </a:solidFill>
+                </a:rPr>
+                <a:t>R</a:t>
+              </a:r>
+            </a:p>
+          </p:txBody>
+        </p:sp>
+        <p:sp>
+          <p:nvSpPr>
+            <p:cNvPr id="7" name="Ellipse 6"/>
+            <p:cNvSpPr/>
+            <p:nvPr/>
+          </p:nvSpPr>
+          <p:spPr>
+            <a:xfrm>
+              <a:off x="1581802" y="3320988"/>
+              <a:ext cx="216024" cy="216024"/>
+            </a:xfrm>
+            <a:prstGeom prst="ellipse">
+              <a:avLst/>
+            </a:prstGeom>
+            <a:solidFill>
+              <a:schemeClr val="bg1"/>
+            </a:solidFill>
+            <a:ln w="19050">
+              <a:solidFill>
+                <a:schemeClr val="tx1"/>
+              </a:solidFill>
+            </a:ln>
+          </p:spPr>
+          <p:style>
+            <a:lnRef idx="2">
+              <a:schemeClr val="accent1">
+                <a:shade val="50000"/>
+              </a:schemeClr>
+            </a:lnRef>
+            <a:fillRef idx="1">
+              <a:schemeClr val="accent1"/>
+            </a:fillRef>
+            <a:effectRef idx="0">
+              <a:schemeClr val="accent1"/>
+            </a:effectRef>
+            <a:fontRef idx="minor">
+              <a:schemeClr val="lt1"/>
+            </a:fontRef>
+          </p:style>
+          <p:txBody>
+            <a:bodyPr lIns="0" tIns="0" rIns="0" bIns="0" rtlCol="0" anchor="ctr"/>
+            <a:lstStyle/>
+            <a:p>
+              <a:pPr algn="ctr"/>
+              <a:r>
+                <a:rPr lang="fr-FR" sz="1000" b="1" dirty="0">
+                  <a:solidFill>
+                    <a:schemeClr val="tx1"/>
+                  </a:solidFill>
+                </a:rPr>
+                <a:t>0</a:t>
+              </a:r>
+            </a:p>
+          </p:txBody>
+        </p:sp>
+        <p:sp>
+          <p:nvSpPr>
+            <p:cNvPr id="8" name="Ellipse 7"/>
+            <p:cNvSpPr/>
+            <p:nvPr/>
+          </p:nvSpPr>
+          <p:spPr>
+            <a:xfrm>
+              <a:off x="1581802" y="2595580"/>
+              <a:ext cx="216024" cy="216024"/>
+            </a:xfrm>
+            <a:prstGeom prst="ellipse">
+              <a:avLst/>
+            </a:prstGeom>
+            <a:solidFill>
+              <a:schemeClr val="bg1"/>
+            </a:solidFill>
+            <a:ln w="19050">
+              <a:solidFill>
+                <a:schemeClr val="tx1">
+                  <a:lumMod val="50000"/>
+                  <a:lumOff val="50000"/>
+                </a:schemeClr>
+              </a:solidFill>
+            </a:ln>
+          </p:spPr>
+          <p:style>
+            <a:lnRef idx="2">
+              <a:schemeClr val="accent1">
+                <a:shade val="50000"/>
+              </a:schemeClr>
+            </a:lnRef>
+            <a:fillRef idx="1">
+              <a:schemeClr val="accent1"/>
+            </a:fillRef>
+            <a:effectRef idx="0">
+              <a:schemeClr val="accent1"/>
+            </a:effectRef>
+            <a:fontRef idx="minor">
+              <a:schemeClr val="lt1"/>
+            </a:fontRef>
+          </p:style>
+          <p:txBody>
+            <a:bodyPr lIns="0" tIns="0" rIns="0" bIns="0" rtlCol="0" anchor="ctr"/>
+            <a:lstStyle/>
+            <a:p>
+              <a:pPr algn="ctr"/>
+              <a:r>
+                <a:rPr lang="fr-FR" sz="1000" b="1" dirty="0">
+                  <a:solidFill>
+                    <a:schemeClr val="tx1">
+                      <a:lumMod val="50000"/>
+                      <a:lumOff val="50000"/>
+                    </a:schemeClr>
+                  </a:solidFill>
+                </a:rPr>
+                <a:t>T</a:t>
+              </a:r>
+            </a:p>
+          </p:txBody>
+        </p:sp>
+        <p:cxnSp>
+          <p:nvCxnSpPr>
+            <p:cNvPr id="9" name="Connecteur droit 8"/>
+            <p:cNvCxnSpPr>
+              <a:stCxn id="7" idx="0"/>
+              <a:endCxn id="8" idx="4"/>
+            </p:cNvCxnSpPr>
+            <p:nvPr/>
+          </p:nvCxnSpPr>
+          <p:spPr>
+            <a:xfrm flipV="1">
+              <a:off x="1689814" y="2811604"/>
+              <a:ext cx="0" cy="509384"/>
+            </a:xfrm>
+            <a:prstGeom prst="line">
+              <a:avLst/>
+            </a:prstGeom>
+            <a:solidFill>
+              <a:schemeClr val="bg1"/>
+            </a:solidFill>
+            <a:ln w="19050">
+              <a:solidFill>
+                <a:schemeClr val="tx1"/>
+              </a:solidFill>
+            </a:ln>
+          </p:spPr>
+          <p:style>
+            <a:lnRef idx="2">
+              <a:schemeClr val="accent1">
+                <a:shade val="50000"/>
+              </a:schemeClr>
+            </a:lnRef>
+            <a:fillRef idx="1">
+              <a:schemeClr val="accent1"/>
+            </a:fillRef>
+            <a:effectRef idx="0">
+              <a:schemeClr val="accent1"/>
+            </a:effectRef>
+            <a:fontRef idx="minor">
+              <a:schemeClr val="lt1"/>
+            </a:fontRef>
+          </p:style>
+        </p:cxnSp>
+        <p:cxnSp>
+          <p:nvCxnSpPr>
+            <p:cNvPr id="10" name="Connecteur droit 9"/>
+            <p:cNvCxnSpPr>
+              <a:stCxn id="6" idx="4"/>
+              <a:endCxn id="8" idx="0"/>
+            </p:cNvCxnSpPr>
+            <p:nvPr/>
+          </p:nvCxnSpPr>
+          <p:spPr>
+            <a:xfrm>
+              <a:off x="1689814" y="2060848"/>
+              <a:ext cx="0" cy="534732"/>
+            </a:xfrm>
+            <a:prstGeom prst="line">
+              <a:avLst/>
+            </a:prstGeom>
+            <a:solidFill>
+              <a:schemeClr val="bg1"/>
+            </a:solidFill>
+            <a:ln w="19050">
+              <a:solidFill>
+                <a:schemeClr val="tx1"/>
+              </a:solidFill>
+            </a:ln>
+          </p:spPr>
+          <p:style>
+            <a:lnRef idx="2">
+              <a:schemeClr val="accent1">
+                <a:shade val="50000"/>
+              </a:schemeClr>
+            </a:lnRef>
+            <a:fillRef idx="1">
+              <a:schemeClr val="accent1"/>
+            </a:fillRef>
+            <a:effectRef idx="0">
+              <a:schemeClr val="accent1"/>
+            </a:effectRef>
+            <a:fontRef idx="minor">
+              <a:schemeClr val="lt1"/>
+            </a:fontRef>
+          </p:style>
+        </p:cxnSp>
+        <p:sp>
+          <p:nvSpPr>
+            <p:cNvPr id="11" name="Ellipse 10"/>
+            <p:cNvSpPr/>
+            <p:nvPr/>
+          </p:nvSpPr>
+          <p:spPr>
+            <a:xfrm>
+              <a:off x="2531232" y="1844824"/>
+              <a:ext cx="216024" cy="216024"/>
+            </a:xfrm>
+            <a:prstGeom prst="ellipse">
+              <a:avLst/>
+            </a:prstGeom>
+            <a:solidFill>
+              <a:schemeClr val="bg1"/>
+            </a:solidFill>
+            <a:ln w="19050">
+              <a:solidFill>
+                <a:srgbClr val="00B050"/>
+              </a:solidFill>
+            </a:ln>
+          </p:spPr>
+          <p:style>
+            <a:lnRef idx="2">
+              <a:schemeClr val="accent1">
+                <a:shade val="50000"/>
+              </a:schemeClr>
+            </a:lnRef>
+            <a:fillRef idx="1">
+              <a:schemeClr val="accent1"/>
+            </a:fillRef>
+            <a:effectRef idx="0">
+              <a:schemeClr val="accent1"/>
+            </a:effectRef>
+            <a:fontRef idx="minor">
+              <a:schemeClr val="lt1"/>
+            </a:fontRef>
+          </p:style>
+          <p:txBody>
+            <a:bodyPr lIns="0" tIns="0" rIns="0" bIns="0" rtlCol="0" anchor="ctr"/>
+            <a:lstStyle/>
+            <a:p>
+              <a:pPr algn="ctr"/>
+              <a:r>
+                <a:rPr lang="fr-FR" sz="1000" b="1" dirty="0">
+                  <a:solidFill>
+                    <a:srgbClr val="00B050"/>
+                  </a:solidFill>
+                </a:rPr>
+                <a:t>1</a:t>
+              </a:r>
+            </a:p>
+          </p:txBody>
+        </p:sp>
+        <p:sp>
+          <p:nvSpPr>
+            <p:cNvPr id="12" name="Ellipse 11"/>
+            <p:cNvSpPr/>
+            <p:nvPr/>
+          </p:nvSpPr>
+          <p:spPr>
+            <a:xfrm>
+              <a:off x="2531232" y="2595580"/>
+              <a:ext cx="216024" cy="216024"/>
+            </a:xfrm>
+            <a:prstGeom prst="ellipse">
+              <a:avLst/>
+            </a:prstGeom>
+            <a:solidFill>
+              <a:schemeClr val="bg1"/>
+            </a:solidFill>
+            <a:ln w="19050">
+              <a:solidFill>
+                <a:srgbClr val="0070C0"/>
+              </a:solidFill>
+            </a:ln>
+          </p:spPr>
+          <p:style>
+            <a:lnRef idx="2">
+              <a:schemeClr val="accent1">
+                <a:shade val="50000"/>
+              </a:schemeClr>
+            </a:lnRef>
+            <a:fillRef idx="1">
+              <a:schemeClr val="accent1"/>
+            </a:fillRef>
+            <a:effectRef idx="0">
+              <a:schemeClr val="accent1"/>
+            </a:effectRef>
+            <a:fontRef idx="minor">
+              <a:schemeClr val="lt1"/>
+            </a:fontRef>
+          </p:style>
+          <p:txBody>
+            <a:bodyPr lIns="0" tIns="0" rIns="0" bIns="0" rtlCol="0" anchor="ctr"/>
+            <a:lstStyle/>
+            <a:p>
+              <a:pPr algn="ctr"/>
+              <a:r>
+                <a:rPr lang="fr-FR" sz="1000" b="1" dirty="0">
+                  <a:solidFill>
+                    <a:srgbClr val="0070C0"/>
+                  </a:solidFill>
+                </a:rPr>
+                <a:t>2</a:t>
+              </a:r>
+            </a:p>
+          </p:txBody>
+        </p:sp>
+        <p:sp>
+          <p:nvSpPr>
+            <p:cNvPr id="13" name="Ellipse 12"/>
+            <p:cNvSpPr/>
+            <p:nvPr/>
+          </p:nvSpPr>
+          <p:spPr>
+            <a:xfrm>
+              <a:off x="2531232" y="3320988"/>
+              <a:ext cx="216024" cy="216024"/>
+            </a:xfrm>
+            <a:prstGeom prst="ellipse">
+              <a:avLst/>
+            </a:prstGeom>
+            <a:solidFill>
+              <a:schemeClr val="bg1"/>
+            </a:solidFill>
+            <a:ln w="19050">
+              <a:solidFill>
+                <a:srgbClr val="7030A0"/>
+              </a:solidFill>
+            </a:ln>
+          </p:spPr>
+          <p:style>
+            <a:lnRef idx="2">
+              <a:schemeClr val="accent1">
+                <a:shade val="50000"/>
+              </a:schemeClr>
+            </a:lnRef>
+            <a:fillRef idx="1">
+              <a:schemeClr val="accent1"/>
+            </a:fillRef>
+            <a:effectRef idx="0">
+              <a:schemeClr val="accent1"/>
+            </a:effectRef>
+            <a:fontRef idx="minor">
+              <a:schemeClr val="lt1"/>
+            </a:fontRef>
+          </p:style>
+          <p:txBody>
+            <a:bodyPr lIns="0" tIns="0" rIns="0" bIns="0" rtlCol="0" anchor="ctr"/>
+            <a:lstStyle/>
+            <a:p>
+              <a:pPr algn="ctr"/>
+              <a:r>
+                <a:rPr lang="fr-FR" sz="1000" b="1" dirty="0">
+                  <a:solidFill>
+                    <a:srgbClr val="7030A0"/>
+                  </a:solidFill>
+                </a:rPr>
+                <a:t>3</a:t>
+              </a:r>
+            </a:p>
+          </p:txBody>
+        </p:sp>
+        <p:cxnSp>
+          <p:nvCxnSpPr>
+            <p:cNvPr id="14" name="Connecteur droit 13"/>
+            <p:cNvCxnSpPr>
+              <a:stCxn id="13" idx="1"/>
+              <a:endCxn id="8" idx="5"/>
+            </p:cNvCxnSpPr>
+            <p:nvPr/>
+          </p:nvCxnSpPr>
+          <p:spPr>
+            <a:xfrm flipH="1" flipV="1">
+              <a:off x="1766190" y="2779968"/>
+              <a:ext cx="796678" cy="572656"/>
+            </a:xfrm>
+            <a:prstGeom prst="line">
+              <a:avLst/>
+            </a:prstGeom>
+            <a:solidFill>
+              <a:schemeClr val="bg1"/>
+            </a:solidFill>
+            <a:ln w="19050">
+              <a:solidFill>
+                <a:schemeClr val="tx1"/>
+              </a:solidFill>
+            </a:ln>
+          </p:spPr>
+          <p:style>
+            <a:lnRef idx="2">
+              <a:schemeClr val="accent1">
+                <a:shade val="50000"/>
+              </a:schemeClr>
+            </a:lnRef>
+            <a:fillRef idx="1">
+              <a:schemeClr val="accent1"/>
+            </a:fillRef>
+            <a:effectRef idx="0">
+              <a:schemeClr val="accent1"/>
+            </a:effectRef>
+            <a:fontRef idx="minor">
+              <a:schemeClr val="lt1"/>
+            </a:fontRef>
+          </p:style>
+        </p:cxnSp>
+        <p:cxnSp>
+          <p:nvCxnSpPr>
+            <p:cNvPr id="15" name="Connecteur droit 14"/>
+            <p:cNvCxnSpPr>
+              <a:stCxn id="12" idx="2"/>
+              <a:endCxn id="8" idx="6"/>
+            </p:cNvCxnSpPr>
+            <p:nvPr/>
+          </p:nvCxnSpPr>
+          <p:spPr>
+            <a:xfrm flipH="1">
+              <a:off x="1797826" y="2703592"/>
+              <a:ext cx="733406" cy="0"/>
+            </a:xfrm>
+            <a:prstGeom prst="line">
+              <a:avLst/>
+            </a:prstGeom>
+            <a:solidFill>
+              <a:schemeClr val="bg1"/>
+            </a:solidFill>
+            <a:ln w="19050">
+              <a:solidFill>
+                <a:schemeClr val="tx1"/>
+              </a:solidFill>
+            </a:ln>
+          </p:spPr>
+          <p:style>
+            <a:lnRef idx="2">
+              <a:schemeClr val="accent1">
+                <a:shade val="50000"/>
+              </a:schemeClr>
+            </a:lnRef>
+            <a:fillRef idx="1">
+              <a:schemeClr val="accent1"/>
+            </a:fillRef>
+            <a:effectRef idx="0">
+              <a:schemeClr val="accent1"/>
+            </a:effectRef>
+            <a:fontRef idx="minor">
+              <a:schemeClr val="lt1"/>
+            </a:fontRef>
+          </p:style>
+        </p:cxnSp>
+        <p:cxnSp>
+          <p:nvCxnSpPr>
+            <p:cNvPr id="16" name="Connecteur droit 15"/>
+            <p:cNvCxnSpPr>
+              <a:stCxn id="11" idx="3"/>
+              <a:endCxn id="8" idx="7"/>
+            </p:cNvCxnSpPr>
+            <p:nvPr/>
+          </p:nvCxnSpPr>
+          <p:spPr>
+            <a:xfrm flipH="1">
+              <a:off x="1766190" y="2029212"/>
+              <a:ext cx="796678" cy="598004"/>
+            </a:xfrm>
+            <a:prstGeom prst="line">
+              <a:avLst/>
+            </a:prstGeom>
+            <a:solidFill>
+              <a:schemeClr val="bg1"/>
+            </a:solidFill>
+            <a:ln w="19050">
+              <a:solidFill>
+                <a:schemeClr val="tx1"/>
+              </a:solidFill>
+            </a:ln>
+          </p:spPr>
+          <p:style>
+            <a:lnRef idx="2">
+              <a:schemeClr val="accent1">
+                <a:shade val="50000"/>
+              </a:schemeClr>
+            </a:lnRef>
+            <a:fillRef idx="1">
+              <a:schemeClr val="accent1"/>
+            </a:fillRef>
+            <a:effectRef idx="0">
+              <a:schemeClr val="accent1"/>
+            </a:effectRef>
+            <a:fontRef idx="minor">
+              <a:schemeClr val="lt1"/>
+            </a:fontRef>
+          </p:style>
+        </p:cxnSp>
+        <mc:AlternateContent xmlns:mc="http://schemas.openxmlformats.org/markup-compatibility/2006" xmlns:a14="http://schemas.microsoft.com/office/drawing/2010/main">
+          <mc:Choice Requires="a14">
+            <p:sp>
+              <p:nvSpPr>
+                <p:cNvPr id="17" name="ZoneTexte 16"/>
+                <p:cNvSpPr txBox="1"/>
+                <p:nvPr/>
+              </p:nvSpPr>
+              <p:spPr>
+                <a:xfrm>
+                  <a:off x="2097883" y="2227106"/>
+                  <a:ext cx="644301" cy="400110"/>
+                </a:xfrm>
+                <a:prstGeom prst="rect">
+                  <a:avLst/>
+                </a:prstGeom>
+                <a:noFill/>
+              </p:spPr>
+              <p:txBody>
+                <a:bodyPr wrap="square" rtlCol="0">
+                  <a:spAutoFit/>
+                </a:bodyPr>
+                <a:lstStyle/>
+                <a:p>
+                  <a:pPr algn="ctr"/>
+                  <a:r>
+                    <a:rPr lang="fr-FR" sz="1000" dirty="0"/>
+                    <a:t>Pivot </a:t>
+                  </a:r>
+                </a:p>
+                <a:p>
+                  <a:pPr algn="ctr"/>
+                  <a14:m>
+                    <m:oMathPara xmlns:m="http://schemas.openxmlformats.org/officeDocument/2006/math">
+                      <m:oMathParaPr>
+                        <m:jc m:val="centerGroup"/>
+                      </m:oMathParaPr>
+                      <m:oMath xmlns:m="http://schemas.openxmlformats.org/officeDocument/2006/math">
+                        <m:d>
+                          <m:dPr>
+                            <m:ctrlPr>
+                              <a:rPr lang="fr-FR" sz="1000" i="1" smtClean="0">
+                                <a:latin typeface="Cambria Math"/>
+                              </a:rPr>
+                            </m:ctrlPr>
+                          </m:dPr>
+                          <m:e>
+                            <m:r>
+                              <a:rPr lang="fr-FR" sz="1000" b="0" i="1" smtClean="0">
+                                <a:latin typeface="Cambria Math"/>
+                              </a:rPr>
+                              <m:t>𝐵</m:t>
+                            </m:r>
+                            <m:r>
+                              <a:rPr lang="fr-FR" sz="1000" b="0" i="1" smtClean="0">
+                                <a:latin typeface="Cambria Math"/>
+                              </a:rPr>
+                              <m:t>,</m:t>
+                            </m:r>
+                            <m:acc>
+                              <m:accPr>
+                                <m:chr m:val="⃗"/>
+                                <m:ctrlPr>
+                                  <a:rPr lang="fr-FR" sz="1000" b="0" i="1" smtClean="0">
+                                    <a:latin typeface="Cambria Math"/>
+                                  </a:rPr>
+                                </m:ctrlPr>
+                              </m:accPr>
+                              <m:e>
+                                <m:r>
+                                  <a:rPr lang="fr-FR" sz="1000" b="0" i="1" smtClean="0">
+                                    <a:latin typeface="Cambria Math"/>
+                                  </a:rPr>
+                                  <m:t>𝑧</m:t>
+                                </m:r>
+                              </m:e>
+                            </m:acc>
+                          </m:e>
+                        </m:d>
+                      </m:oMath>
+                    </m:oMathPara>
+                  </a14:m>
+                  <a:endParaRPr lang="fr-FR" sz="1000" dirty="0"/>
+                </a:p>
+              </p:txBody>
+            </p:sp>
+          </mc:Choice>
+          <mc:Fallback xmlns="">
+            <p:sp>
+              <p:nvSpPr>
+                <p:cNvPr id="17" name="ZoneTexte 16"/>
+                <p:cNvSpPr txBox="1">
+                  <a:spLocks noRot="1" noChangeAspect="1" noMove="1" noResize="1" noEditPoints="1" noAdjustHandles="1" noChangeArrowheads="1" noChangeShapeType="1" noTextEdit="1"/>
+                </p:cNvSpPr>
+                <p:nvPr/>
+              </p:nvSpPr>
+              <p:spPr>
+                <a:xfrm>
+                  <a:off x="2097883" y="2227106"/>
+                  <a:ext cx="644301" cy="400110"/>
+                </a:xfrm>
+                <a:prstGeom prst="rect">
+                  <a:avLst/>
+                </a:prstGeom>
+                <a:blipFill rotWithShape="1">
+                  <a:blip r:embed="rId3"/>
+                  <a:stretch>
+                    <a:fillRect/>
+                  </a:stretch>
+                </a:blipFill>
+              </p:spPr>
+              <p:txBody>
+                <a:bodyPr/>
+                <a:lstStyle/>
+                <a:p>
+                  <a:r>
+                    <a:rPr lang="fr-FR">
+                      <a:noFill/>
+                    </a:rPr>
+                    <a:t> </a:t>
+                  </a:r>
+                </a:p>
+              </p:txBody>
+            </p:sp>
+          </mc:Fallback>
+        </mc:AlternateContent>
+        <mc:AlternateContent xmlns:mc="http://schemas.openxmlformats.org/markup-compatibility/2006" xmlns:a14="http://schemas.microsoft.com/office/drawing/2010/main">
+          <mc:Choice Requires="a14">
+            <p:sp>
+              <p:nvSpPr>
+                <p:cNvPr id="18" name="ZoneTexte 17"/>
+                <p:cNvSpPr txBox="1"/>
+                <p:nvPr/>
+              </p:nvSpPr>
+              <p:spPr>
+                <a:xfrm>
+                  <a:off x="1045513" y="2128159"/>
+                  <a:ext cx="644301" cy="400110"/>
+                </a:xfrm>
+                <a:prstGeom prst="rect">
+                  <a:avLst/>
+                </a:prstGeom>
+                <a:noFill/>
+              </p:spPr>
+              <p:txBody>
+                <a:bodyPr wrap="square" rtlCol="0">
+                  <a:spAutoFit/>
+                </a:bodyPr>
+                <a:lstStyle/>
+                <a:p>
+                  <a:pPr algn="ctr"/>
+                  <a:r>
+                    <a:rPr lang="fr-FR" sz="1000" dirty="0"/>
+                    <a:t>Pivot </a:t>
+                  </a:r>
+                </a:p>
+                <a:p>
+                  <a:pPr algn="ctr"/>
+                  <a14:m>
+                    <m:oMathPara xmlns:m="http://schemas.openxmlformats.org/officeDocument/2006/math">
+                      <m:oMathParaPr>
+                        <m:jc m:val="centerGroup"/>
+                      </m:oMathParaPr>
+                      <m:oMath xmlns:m="http://schemas.openxmlformats.org/officeDocument/2006/math">
+                        <m:d>
+                          <m:dPr>
+                            <m:ctrlPr>
+                              <a:rPr lang="fr-FR" sz="1000" i="1" smtClean="0">
+                                <a:latin typeface="Cambria Math"/>
+                              </a:rPr>
+                            </m:ctrlPr>
+                          </m:dPr>
+                          <m:e>
+                            <m:r>
+                              <a:rPr lang="fr-FR" sz="1000" b="0" i="1" smtClean="0">
+                                <a:latin typeface="Cambria Math"/>
+                              </a:rPr>
+                              <m:t>𝐴</m:t>
+                            </m:r>
+                            <m:r>
+                              <a:rPr lang="fr-FR" sz="1000" b="0" i="1" smtClean="0">
+                                <a:latin typeface="Cambria Math"/>
+                              </a:rPr>
+                              <m:t>,</m:t>
+                            </m:r>
+                            <m:acc>
+                              <m:accPr>
+                                <m:chr m:val="⃗"/>
+                                <m:ctrlPr>
+                                  <a:rPr lang="fr-FR" sz="1000" b="0" i="1" smtClean="0">
+                                    <a:latin typeface="Cambria Math"/>
+                                  </a:rPr>
+                                </m:ctrlPr>
+                              </m:accPr>
+                              <m:e>
+                                <m:r>
+                                  <a:rPr lang="fr-FR" sz="1000" b="0" i="1" smtClean="0">
+                                    <a:latin typeface="Cambria Math"/>
+                                  </a:rPr>
+                                  <m:t>𝑧</m:t>
+                                </m:r>
+                              </m:e>
+                            </m:acc>
+                          </m:e>
+                        </m:d>
+                      </m:oMath>
+                    </m:oMathPara>
+                  </a14:m>
+                  <a:endParaRPr lang="fr-FR" sz="1000" dirty="0"/>
+                </a:p>
+              </p:txBody>
+            </p:sp>
+          </mc:Choice>
+          <mc:Fallback xmlns="">
+            <p:sp>
+              <p:nvSpPr>
+                <p:cNvPr id="18" name="ZoneTexte 17"/>
+                <p:cNvSpPr txBox="1">
+                  <a:spLocks noRot="1" noChangeAspect="1" noMove="1" noResize="1" noEditPoints="1" noAdjustHandles="1" noChangeArrowheads="1" noChangeShapeType="1" noTextEdit="1"/>
+                </p:cNvSpPr>
+                <p:nvPr/>
+              </p:nvSpPr>
+              <p:spPr>
+                <a:xfrm>
+                  <a:off x="1045513" y="2128159"/>
+                  <a:ext cx="644301" cy="400110"/>
+                </a:xfrm>
+                <a:prstGeom prst="rect">
+                  <a:avLst/>
+                </a:prstGeom>
+                <a:blipFill rotWithShape="1">
+                  <a:blip r:embed="rId4"/>
+                  <a:stretch>
+                    <a:fillRect/>
+                  </a:stretch>
+                </a:blipFill>
+              </p:spPr>
+              <p:txBody>
+                <a:bodyPr/>
+                <a:lstStyle/>
+                <a:p>
+                  <a:r>
+                    <a:rPr lang="fr-FR">
+                      <a:noFill/>
+                    </a:rPr>
+                    <a:t> </a:t>
+                  </a:r>
+                </a:p>
+              </p:txBody>
+            </p:sp>
+          </mc:Fallback>
+        </mc:AlternateContent>
+        <mc:AlternateContent xmlns:mc="http://schemas.openxmlformats.org/markup-compatibility/2006" xmlns:a14="http://schemas.microsoft.com/office/drawing/2010/main">
+          <mc:Choice Requires="a14">
+            <p:sp>
+              <p:nvSpPr>
+                <p:cNvPr id="19" name="ZoneTexte 18"/>
+                <p:cNvSpPr txBox="1"/>
+                <p:nvPr/>
+              </p:nvSpPr>
+              <p:spPr>
+                <a:xfrm>
+                  <a:off x="2014676" y="2731106"/>
+                  <a:ext cx="644301" cy="400110"/>
+                </a:xfrm>
+                <a:prstGeom prst="rect">
+                  <a:avLst/>
+                </a:prstGeom>
+                <a:noFill/>
+              </p:spPr>
+              <p:txBody>
+                <a:bodyPr wrap="square" rtlCol="0">
+                  <a:spAutoFit/>
+                </a:bodyPr>
+                <a:lstStyle/>
+                <a:p>
+                  <a:pPr algn="ctr"/>
+                  <a:r>
+                    <a:rPr lang="fr-FR" sz="1000" dirty="0"/>
+                    <a:t>Pivot </a:t>
+                  </a:r>
+                </a:p>
+                <a:p>
+                  <a:pPr algn="ctr"/>
+                  <a14:m>
+                    <m:oMathPara xmlns:m="http://schemas.openxmlformats.org/officeDocument/2006/math">
+                      <m:oMathParaPr>
+                        <m:jc m:val="centerGroup"/>
+                      </m:oMathParaPr>
+                      <m:oMath xmlns:m="http://schemas.openxmlformats.org/officeDocument/2006/math">
+                        <m:d>
+                          <m:dPr>
+                            <m:ctrlPr>
+                              <a:rPr lang="fr-FR" sz="1000" i="1" smtClean="0">
+                                <a:latin typeface="Cambria Math"/>
+                              </a:rPr>
+                            </m:ctrlPr>
+                          </m:dPr>
+                          <m:e>
+                            <m:r>
+                              <a:rPr lang="fr-FR" sz="1000" b="0" i="1" smtClean="0">
+                                <a:latin typeface="Cambria Math"/>
+                              </a:rPr>
+                              <m:t>𝐶</m:t>
+                            </m:r>
+                            <m:r>
+                              <a:rPr lang="fr-FR" sz="1000" b="0" i="1" smtClean="0">
+                                <a:latin typeface="Cambria Math"/>
+                              </a:rPr>
+                              <m:t>,</m:t>
+                            </m:r>
+                            <m:acc>
+                              <m:accPr>
+                                <m:chr m:val="⃗"/>
+                                <m:ctrlPr>
+                                  <a:rPr lang="fr-FR" sz="1000" b="0" i="1" smtClean="0">
+                                    <a:latin typeface="Cambria Math"/>
+                                  </a:rPr>
+                                </m:ctrlPr>
+                              </m:accPr>
+                              <m:e>
+                                <m:r>
+                                  <a:rPr lang="fr-FR" sz="1000" b="0" i="1" smtClean="0">
+                                    <a:latin typeface="Cambria Math"/>
+                                  </a:rPr>
+                                  <m:t>𝑧</m:t>
+                                </m:r>
+                              </m:e>
+                            </m:acc>
+                          </m:e>
+                        </m:d>
+                      </m:oMath>
+                    </m:oMathPara>
+                  </a14:m>
+                  <a:endParaRPr lang="fr-FR" sz="1000" dirty="0"/>
+                </a:p>
+              </p:txBody>
+            </p:sp>
+          </mc:Choice>
+          <mc:Fallback xmlns="">
+            <p:sp>
+              <p:nvSpPr>
+                <p:cNvPr id="19" name="ZoneTexte 18"/>
+                <p:cNvSpPr txBox="1">
+                  <a:spLocks noRot="1" noChangeAspect="1" noMove="1" noResize="1" noEditPoints="1" noAdjustHandles="1" noChangeArrowheads="1" noChangeShapeType="1" noTextEdit="1"/>
+                </p:cNvSpPr>
+                <p:nvPr/>
+              </p:nvSpPr>
+              <p:spPr>
+                <a:xfrm>
+                  <a:off x="2014676" y="2731106"/>
+                  <a:ext cx="644301" cy="400110"/>
+                </a:xfrm>
+                <a:prstGeom prst="rect">
+                  <a:avLst/>
+                </a:prstGeom>
+                <a:blipFill rotWithShape="1">
+                  <a:blip r:embed="rId5"/>
+                  <a:stretch>
+                    <a:fillRect/>
+                  </a:stretch>
+                </a:blipFill>
+              </p:spPr>
+              <p:txBody>
+                <a:bodyPr/>
+                <a:lstStyle/>
+                <a:p>
+                  <a:r>
+                    <a:rPr lang="fr-FR">
+                      <a:noFill/>
+                    </a:rPr>
+                    <a:t> </a:t>
+                  </a:r>
+                </a:p>
+              </p:txBody>
+            </p:sp>
+          </mc:Fallback>
+        </mc:AlternateContent>
+        <mc:AlternateContent xmlns:mc="http://schemas.openxmlformats.org/markup-compatibility/2006" xmlns:a14="http://schemas.microsoft.com/office/drawing/2010/main">
+          <mc:Choice Requires="a14">
+            <p:sp>
+              <p:nvSpPr>
+                <p:cNvPr id="20" name="ZoneTexte 19"/>
+                <p:cNvSpPr txBox="1"/>
+                <p:nvPr/>
+              </p:nvSpPr>
+              <p:spPr>
+                <a:xfrm>
+                  <a:off x="1719989" y="3008692"/>
+                  <a:ext cx="644301" cy="400110"/>
+                </a:xfrm>
+                <a:prstGeom prst="rect">
+                  <a:avLst/>
+                </a:prstGeom>
+                <a:noFill/>
+              </p:spPr>
+              <p:txBody>
+                <a:bodyPr wrap="square" rtlCol="0">
+                  <a:spAutoFit/>
+                </a:bodyPr>
+                <a:lstStyle/>
+                <a:p>
+                  <a:pPr algn="ctr"/>
+                  <a:r>
+                    <a:rPr lang="fr-FR" sz="1000" dirty="0"/>
+                    <a:t>Pivot </a:t>
+                  </a:r>
+                </a:p>
+                <a:p>
+                  <a:pPr algn="ctr"/>
+                  <a14:m>
+                    <m:oMathPara xmlns:m="http://schemas.openxmlformats.org/officeDocument/2006/math">
+                      <m:oMathParaPr>
+                        <m:jc m:val="centerGroup"/>
+                      </m:oMathParaPr>
+                      <m:oMath xmlns:m="http://schemas.openxmlformats.org/officeDocument/2006/math">
+                        <m:d>
+                          <m:dPr>
+                            <m:ctrlPr>
+                              <a:rPr lang="fr-FR" sz="1000" i="1" smtClean="0">
+                                <a:latin typeface="Cambria Math"/>
+                              </a:rPr>
+                            </m:ctrlPr>
+                          </m:dPr>
+                          <m:e>
+                            <m:r>
+                              <a:rPr lang="fr-FR" sz="1000" b="0" i="1" smtClean="0">
+                                <a:latin typeface="Cambria Math"/>
+                              </a:rPr>
+                              <m:t>𝐷</m:t>
+                            </m:r>
+                            <m:r>
+                              <a:rPr lang="fr-FR" sz="1000" b="0" i="1" smtClean="0">
+                                <a:latin typeface="Cambria Math"/>
+                              </a:rPr>
+                              <m:t>,</m:t>
+                            </m:r>
+                            <m:acc>
+                              <m:accPr>
+                                <m:chr m:val="⃗"/>
+                                <m:ctrlPr>
+                                  <a:rPr lang="fr-FR" sz="1000" b="0" i="1" smtClean="0">
+                                    <a:latin typeface="Cambria Math"/>
+                                  </a:rPr>
+                                </m:ctrlPr>
+                              </m:accPr>
+                              <m:e>
+                                <m:r>
+                                  <a:rPr lang="fr-FR" sz="1000" b="0" i="1" smtClean="0">
+                                    <a:latin typeface="Cambria Math"/>
+                                  </a:rPr>
+                                  <m:t>𝑧</m:t>
+                                </m:r>
+                              </m:e>
+                            </m:acc>
+                          </m:e>
+                        </m:d>
+                      </m:oMath>
+                    </m:oMathPara>
+                  </a14:m>
+                  <a:endParaRPr lang="fr-FR" sz="1000" dirty="0"/>
+                </a:p>
+              </p:txBody>
+            </p:sp>
+          </mc:Choice>
+          <mc:Fallback xmlns="">
+            <p:sp>
+              <p:nvSpPr>
+                <p:cNvPr id="20" name="ZoneTexte 19"/>
+                <p:cNvSpPr txBox="1">
+                  <a:spLocks noRot="1" noChangeAspect="1" noMove="1" noResize="1" noEditPoints="1" noAdjustHandles="1" noChangeArrowheads="1" noChangeShapeType="1" noTextEdit="1"/>
+                </p:cNvSpPr>
+                <p:nvPr/>
+              </p:nvSpPr>
+              <p:spPr>
+                <a:xfrm>
+                  <a:off x="1719989" y="3008692"/>
+                  <a:ext cx="644301" cy="400110"/>
+                </a:xfrm>
+                <a:prstGeom prst="rect">
+                  <a:avLst/>
+                </a:prstGeom>
+                <a:blipFill rotWithShape="1">
+                  <a:blip r:embed="rId6"/>
+                  <a:stretch>
+                    <a:fillRect/>
+                  </a:stretch>
+                </a:blipFill>
+              </p:spPr>
+              <p:txBody>
+                <a:bodyPr/>
+                <a:lstStyle/>
+                <a:p>
+                  <a:r>
+                    <a:rPr lang="fr-FR">
+                      <a:noFill/>
+                    </a:rPr>
+                    <a:t> </a:t>
+                  </a:r>
+                </a:p>
+              </p:txBody>
+            </p:sp>
+          </mc:Fallback>
+        </mc:AlternateContent>
+        <mc:AlternateContent xmlns:mc="http://schemas.openxmlformats.org/markup-compatibility/2006" xmlns:a14="http://schemas.microsoft.com/office/drawing/2010/main">
+          <mc:Choice Requires="a14">
+            <p:sp>
+              <p:nvSpPr>
+                <p:cNvPr id="21" name="ZoneTexte 20"/>
+                <p:cNvSpPr txBox="1"/>
+                <p:nvPr/>
+              </p:nvSpPr>
+              <p:spPr>
+                <a:xfrm>
+                  <a:off x="1045512" y="2920878"/>
+                  <a:ext cx="644301" cy="400110"/>
+                </a:xfrm>
+                <a:prstGeom prst="rect">
+                  <a:avLst/>
+                </a:prstGeom>
+                <a:noFill/>
+              </p:spPr>
+              <p:txBody>
+                <a:bodyPr wrap="square" rtlCol="0">
+                  <a:spAutoFit/>
+                </a:bodyPr>
+                <a:lstStyle/>
+                <a:p>
+                  <a:pPr algn="ctr"/>
+                  <a:r>
+                    <a:rPr lang="fr-FR" sz="1000" dirty="0"/>
+                    <a:t>Pivot </a:t>
+                  </a:r>
+                </a:p>
+                <a:p>
+                  <a:pPr algn="ctr"/>
+                  <a14:m>
+                    <m:oMathPara xmlns:m="http://schemas.openxmlformats.org/officeDocument/2006/math">
+                      <m:oMathParaPr>
+                        <m:jc m:val="centerGroup"/>
+                      </m:oMathParaPr>
+                      <m:oMath xmlns:m="http://schemas.openxmlformats.org/officeDocument/2006/math">
+                        <m:d>
+                          <m:dPr>
+                            <m:ctrlPr>
+                              <a:rPr lang="fr-FR" sz="1000" i="1" smtClean="0">
+                                <a:latin typeface="Cambria Math"/>
+                              </a:rPr>
+                            </m:ctrlPr>
+                          </m:dPr>
+                          <m:e>
+                            <m:r>
+                              <a:rPr lang="fr-FR" sz="1000" b="0" i="1" smtClean="0">
+                                <a:latin typeface="Cambria Math"/>
+                              </a:rPr>
+                              <m:t>𝐸</m:t>
+                            </m:r>
+                            <m:r>
+                              <a:rPr lang="fr-FR" sz="1000" b="0" i="1" smtClean="0">
+                                <a:latin typeface="Cambria Math"/>
+                              </a:rPr>
+                              <m:t>,</m:t>
+                            </m:r>
+                            <m:acc>
+                              <m:accPr>
+                                <m:chr m:val="⃗"/>
+                                <m:ctrlPr>
+                                  <a:rPr lang="fr-FR" sz="1000" b="0" i="1" smtClean="0">
+                                    <a:latin typeface="Cambria Math"/>
+                                  </a:rPr>
+                                </m:ctrlPr>
+                              </m:accPr>
+                              <m:e>
+                                <m:r>
+                                  <a:rPr lang="fr-FR" sz="1000" b="0" i="1" smtClean="0">
+                                    <a:latin typeface="Cambria Math"/>
+                                  </a:rPr>
+                                  <m:t>𝑧</m:t>
+                                </m:r>
+                              </m:e>
+                            </m:acc>
+                          </m:e>
+                        </m:d>
+                      </m:oMath>
+                    </m:oMathPara>
+                  </a14:m>
+                  <a:endParaRPr lang="fr-FR" sz="1000" dirty="0"/>
+                </a:p>
+              </p:txBody>
+            </p:sp>
+          </mc:Choice>
+          <mc:Fallback xmlns="">
+            <p:sp>
+              <p:nvSpPr>
+                <p:cNvPr id="21" name="ZoneTexte 20"/>
+                <p:cNvSpPr txBox="1">
+                  <a:spLocks noRot="1" noChangeAspect="1" noMove="1" noResize="1" noEditPoints="1" noAdjustHandles="1" noChangeArrowheads="1" noChangeShapeType="1" noTextEdit="1"/>
+                </p:cNvSpPr>
+                <p:nvPr/>
+              </p:nvSpPr>
+              <p:spPr>
+                <a:xfrm>
+                  <a:off x="1045512" y="2920878"/>
+                  <a:ext cx="644301" cy="400110"/>
+                </a:xfrm>
+                <a:prstGeom prst="rect">
+                  <a:avLst/>
+                </a:prstGeom>
+                <a:blipFill rotWithShape="1">
+                  <a:blip r:embed="rId7"/>
+                  <a:stretch>
+                    <a:fillRect/>
+                  </a:stretch>
+                </a:blipFill>
+              </p:spPr>
+              <p:txBody>
+                <a:bodyPr/>
+                <a:lstStyle/>
+                <a:p>
+                  <a:r>
+                    <a:rPr lang="fr-FR">
+                      <a:noFill/>
+                    </a:rPr>
+                    <a:t> </a:t>
+                  </a:r>
+                </a:p>
+              </p:txBody>
+            </p:sp>
+          </mc:Fallback>
+        </mc:AlternateContent>
+        <p:cxnSp>
+          <p:nvCxnSpPr>
+            <p:cNvPr id="22" name="Connecteur droit 21"/>
+            <p:cNvCxnSpPr>
+              <a:stCxn id="13" idx="2"/>
+              <a:endCxn id="7" idx="6"/>
+            </p:cNvCxnSpPr>
+            <p:nvPr/>
+          </p:nvCxnSpPr>
+          <p:spPr>
+            <a:xfrm flipH="1">
+              <a:off x="1797826" y="3429000"/>
+              <a:ext cx="733406" cy="0"/>
+            </a:xfrm>
+            <a:prstGeom prst="line">
+              <a:avLst/>
+            </a:prstGeom>
+            <a:solidFill>
+              <a:schemeClr val="bg1"/>
+            </a:solidFill>
+            <a:ln w="19050">
+              <a:solidFill>
+                <a:srgbClr val="FF0000"/>
+              </a:solidFill>
+            </a:ln>
+          </p:spPr>
+          <p:style>
+            <a:lnRef idx="2">
+              <a:schemeClr val="accent1">
+                <a:shade val="50000"/>
+              </a:schemeClr>
+            </a:lnRef>
+            <a:fillRef idx="1">
+              <a:schemeClr val="accent1"/>
+            </a:fillRef>
+            <a:effectRef idx="0">
+              <a:schemeClr val="accent1"/>
+            </a:effectRef>
+            <a:fontRef idx="minor">
+              <a:schemeClr val="lt1"/>
+            </a:fontRef>
+          </p:style>
+        </p:cxnSp>
+        <p:cxnSp>
+          <p:nvCxnSpPr>
+            <p:cNvPr id="23" name="Connecteur droit 22"/>
+            <p:cNvCxnSpPr>
+              <a:stCxn id="13" idx="0"/>
+            </p:cNvCxnSpPr>
+            <p:nvPr/>
+          </p:nvCxnSpPr>
+          <p:spPr>
+            <a:xfrm flipV="1">
+              <a:off x="2639244" y="2811604"/>
+              <a:ext cx="0" cy="509384"/>
+            </a:xfrm>
+            <a:prstGeom prst="line">
+              <a:avLst/>
+            </a:prstGeom>
+            <a:solidFill>
+              <a:schemeClr val="bg1"/>
+            </a:solidFill>
+            <a:ln w="19050">
+              <a:solidFill>
+                <a:srgbClr val="FF0000"/>
+              </a:solidFill>
+            </a:ln>
+          </p:spPr>
+          <p:style>
+            <a:lnRef idx="2">
+              <a:schemeClr val="accent1">
+                <a:shade val="50000"/>
+              </a:schemeClr>
+            </a:lnRef>
+            <a:fillRef idx="1">
+              <a:schemeClr val="accent1"/>
+            </a:fillRef>
+            <a:effectRef idx="0">
+              <a:schemeClr val="accent1"/>
+            </a:effectRef>
+            <a:fontRef idx="minor">
+              <a:schemeClr val="lt1"/>
+            </a:fontRef>
+          </p:style>
+        </p:cxnSp>
+        <p:cxnSp>
+          <p:nvCxnSpPr>
+            <p:cNvPr id="24" name="Connecteur droit 23"/>
+            <p:cNvCxnSpPr>
+              <a:stCxn id="11" idx="4"/>
+            </p:cNvCxnSpPr>
+            <p:nvPr/>
+          </p:nvCxnSpPr>
+          <p:spPr>
+            <a:xfrm>
+              <a:off x="2639244" y="2060848"/>
+              <a:ext cx="0" cy="534732"/>
+            </a:xfrm>
+            <a:prstGeom prst="line">
+              <a:avLst/>
+            </a:prstGeom>
+            <a:solidFill>
+              <a:schemeClr val="bg1"/>
+            </a:solidFill>
+            <a:ln w="19050">
+              <a:solidFill>
+                <a:srgbClr val="FF0000"/>
+              </a:solidFill>
+            </a:ln>
+          </p:spPr>
+          <p:style>
+            <a:lnRef idx="2">
+              <a:schemeClr val="accent1">
+                <a:shade val="50000"/>
+              </a:schemeClr>
+            </a:lnRef>
+            <a:fillRef idx="1">
+              <a:schemeClr val="accent1"/>
+            </a:fillRef>
+            <a:effectRef idx="0">
+              <a:schemeClr val="accent1"/>
+            </a:effectRef>
+            <a:fontRef idx="minor">
+              <a:schemeClr val="lt1"/>
+            </a:fontRef>
+          </p:style>
+        </p:cxnSp>
+        <p:cxnSp>
+          <p:nvCxnSpPr>
+            <p:cNvPr id="25" name="Connecteur droit 24"/>
+            <p:cNvCxnSpPr>
+              <a:stCxn id="6" idx="6"/>
+              <a:endCxn id="11" idx="2"/>
+            </p:cNvCxnSpPr>
+            <p:nvPr/>
+          </p:nvCxnSpPr>
+          <p:spPr>
+            <a:xfrm>
+              <a:off x="1797826" y="1952836"/>
+              <a:ext cx="733406" cy="0"/>
+            </a:xfrm>
+            <a:prstGeom prst="line">
+              <a:avLst/>
+            </a:prstGeom>
+            <a:solidFill>
+              <a:schemeClr val="bg1"/>
+            </a:solidFill>
+            <a:ln w="19050">
+              <a:solidFill>
+                <a:srgbClr val="FF0000"/>
+              </a:solidFill>
+            </a:ln>
+          </p:spPr>
+          <p:style>
+            <a:lnRef idx="2">
+              <a:schemeClr val="accent1">
+                <a:shade val="50000"/>
+              </a:schemeClr>
+            </a:lnRef>
+            <a:fillRef idx="1">
+              <a:schemeClr val="accent1"/>
+            </a:fillRef>
+            <a:effectRef idx="0">
+              <a:schemeClr val="accent1"/>
+            </a:effectRef>
+            <a:fontRef idx="minor">
+              <a:schemeClr val="lt1"/>
+            </a:fontRef>
+          </p:style>
+        </p:cxnSp>
+        <p:sp>
+          <p:nvSpPr>
+            <p:cNvPr id="26" name="ZoneTexte 25"/>
+            <p:cNvSpPr txBox="1"/>
+            <p:nvPr/>
+          </p:nvSpPr>
+          <p:spPr>
+            <a:xfrm>
+              <a:off x="1842378" y="1619955"/>
+              <a:ext cx="644301" cy="246221"/>
+            </a:xfrm>
+            <a:prstGeom prst="rect">
+              <a:avLst/>
+            </a:prstGeom>
+            <a:noFill/>
+          </p:spPr>
+          <p:txBody>
+            <a:bodyPr wrap="square" rtlCol="0">
+              <a:spAutoFit/>
+            </a:bodyPr>
+            <a:lstStyle/>
+            <a:p>
+              <a:pPr algn="ctr"/>
+              <a:r>
+                <a:rPr lang="fr-FR" sz="1000" dirty="0"/>
+                <a:t>Eng</a:t>
+              </a:r>
+            </a:p>
+          </p:txBody>
+        </p:sp>
+        <p:sp>
+          <p:nvSpPr>
+            <p:cNvPr id="27" name="ZoneTexte 26"/>
+            <p:cNvSpPr txBox="1"/>
+            <p:nvPr/>
+          </p:nvSpPr>
+          <p:spPr>
+            <a:xfrm>
+              <a:off x="2658977" y="2227106"/>
+              <a:ext cx="644301" cy="246221"/>
+            </a:xfrm>
+            <a:prstGeom prst="rect">
+              <a:avLst/>
+            </a:prstGeom>
+            <a:noFill/>
+          </p:spPr>
+          <p:txBody>
+            <a:bodyPr wrap="square" rtlCol="0">
+              <a:spAutoFit/>
+            </a:bodyPr>
+            <a:lstStyle/>
+            <a:p>
+              <a:pPr algn="ctr"/>
+              <a:r>
+                <a:rPr lang="fr-FR" sz="1000" dirty="0"/>
+                <a:t>Eng</a:t>
+              </a:r>
+            </a:p>
+          </p:txBody>
+        </p:sp>
+        <p:sp>
+          <p:nvSpPr>
+            <p:cNvPr id="28" name="ZoneTexte 27"/>
+            <p:cNvSpPr txBox="1"/>
+            <p:nvPr/>
+          </p:nvSpPr>
+          <p:spPr>
+            <a:xfrm>
+              <a:off x="2658977" y="2905128"/>
+              <a:ext cx="644301" cy="246221"/>
+            </a:xfrm>
+            <a:prstGeom prst="rect">
+              <a:avLst/>
+            </a:prstGeom>
+            <a:noFill/>
+          </p:spPr>
+          <p:txBody>
+            <a:bodyPr wrap="square" rtlCol="0">
+              <a:spAutoFit/>
+            </a:bodyPr>
+            <a:lstStyle/>
+            <a:p>
+              <a:pPr algn="ctr"/>
+              <a:r>
+                <a:rPr lang="fr-FR" sz="1000" dirty="0"/>
+                <a:t>Eng</a:t>
+              </a:r>
+            </a:p>
+          </p:txBody>
+        </p:sp>
+        <p:sp>
+          <p:nvSpPr>
+            <p:cNvPr id="29" name="ZoneTexte 28"/>
+            <p:cNvSpPr txBox="1"/>
+            <p:nvPr/>
+          </p:nvSpPr>
+          <p:spPr>
+            <a:xfrm>
+              <a:off x="1842378" y="3533681"/>
+              <a:ext cx="644301" cy="246221"/>
+            </a:xfrm>
+            <a:prstGeom prst="rect">
+              <a:avLst/>
+            </a:prstGeom>
+            <a:noFill/>
+          </p:spPr>
+          <p:txBody>
+            <a:bodyPr wrap="square" rtlCol="0">
+              <a:spAutoFit/>
+            </a:bodyPr>
+            <a:lstStyle/>
+            <a:p>
+              <a:pPr algn="ctr"/>
+              <a:r>
+                <a:rPr lang="fr-FR" sz="1000" dirty="0"/>
+                <a:t>Eng</a:t>
+              </a:r>
+            </a:p>
+          </p:txBody>
+        </p:sp>
+      </p:grpSp>
+      <p:grpSp>
+        <p:nvGrpSpPr>
+          <p:cNvPr id="151" name="Groupe 150"/>
+          <p:cNvGrpSpPr/>
+          <p:nvPr/>
+        </p:nvGrpSpPr>
+        <p:grpSpPr>
+          <a:xfrm>
+            <a:off x="58397" y="3695391"/>
+            <a:ext cx="2223487" cy="2553938"/>
+            <a:chOff x="45434" y="1843780"/>
+            <a:chExt cx="2223487" cy="2553938"/>
+          </a:xfrm>
+        </p:grpSpPr>
+        <p:sp>
+          <p:nvSpPr>
+            <p:cNvPr id="104" name="Rectangle 103"/>
+            <p:cNvSpPr/>
+            <p:nvPr/>
+          </p:nvSpPr>
+          <p:spPr>
+            <a:xfrm>
+              <a:off x="441108" y="4255736"/>
+              <a:ext cx="295552" cy="141982"/>
+            </a:xfrm>
+            <a:prstGeom prst="rect">
+              <a:avLst/>
+            </a:prstGeom>
+            <a:solidFill>
+              <a:schemeClr val="bg1">
+                <a:lumMod val="85000"/>
+              </a:schemeClr>
+            </a:solidFill>
+            <a:ln>
+              <a:noFill/>
+            </a:ln>
+          </p:spPr>
+          <p:style>
+            <a:lnRef idx="2">
+              <a:schemeClr val="accent1">
+                <a:shade val="50000"/>
+              </a:schemeClr>
+            </a:lnRef>
+            <a:fillRef idx="1">
+              <a:schemeClr val="accent1"/>
+            </a:fillRef>
+            <a:effectRef idx="0">
+              <a:schemeClr val="accent1"/>
+            </a:effectRef>
+            <a:fontRef idx="minor">
+              <a:schemeClr val="lt1"/>
+            </a:fontRef>
+          </p:style>
+          <p:txBody>
+            <a:bodyPr rtlCol="0" anchor="ctr"/>
+            <a:lstStyle/>
+            <a:p>
+              <a:pPr algn="ctr"/>
+              <a:endParaRPr lang="fr-FR"/>
+            </a:p>
+          </p:txBody>
+        </p:sp>
+        <p:sp>
+          <p:nvSpPr>
+            <p:cNvPr id="30" name="Ellipse 29"/>
+            <p:cNvSpPr/>
+            <p:nvPr/>
+          </p:nvSpPr>
+          <p:spPr>
+            <a:xfrm>
+              <a:off x="153446" y="3239240"/>
+              <a:ext cx="864096" cy="864096"/>
+            </a:xfrm>
+            <a:prstGeom prst="ellipse">
+              <a:avLst/>
+            </a:prstGeom>
+            <a:solidFill>
+              <a:schemeClr val="bg1"/>
+            </a:solidFill>
+            <a:ln w="19050">
+              <a:solidFill>
+                <a:schemeClr val="tx1"/>
+              </a:solidFill>
+            </a:ln>
+          </p:spPr>
+          <p:style>
+            <a:lnRef idx="2">
+              <a:schemeClr val="accent1">
+                <a:shade val="50000"/>
+              </a:schemeClr>
+            </a:lnRef>
+            <a:fillRef idx="1">
+              <a:schemeClr val="accent1"/>
+            </a:fillRef>
+            <a:effectRef idx="0">
+              <a:schemeClr val="accent1"/>
+            </a:effectRef>
+            <a:fontRef idx="minor">
+              <a:schemeClr val="lt1"/>
+            </a:fontRef>
+          </p:style>
+          <p:txBody>
+            <a:bodyPr lIns="0" tIns="0" rIns="0" bIns="0" rtlCol="0" anchor="ctr"/>
+            <a:lstStyle/>
+            <a:p>
+              <a:pPr algn="ctr"/>
+              <a:endParaRPr lang="fr-FR" sz="1000" b="1" dirty="0">
+                <a:solidFill>
+                  <a:srgbClr val="7030A0"/>
+                </a:solidFill>
+              </a:endParaRPr>
+            </a:p>
+          </p:txBody>
+        </p:sp>
+        <p:cxnSp>
+          <p:nvCxnSpPr>
+            <p:cNvPr id="32" name="Connecteur droit 31"/>
+            <p:cNvCxnSpPr/>
+            <p:nvPr/>
+          </p:nvCxnSpPr>
+          <p:spPr>
+            <a:xfrm flipH="1">
+              <a:off x="153446" y="1843780"/>
+              <a:ext cx="1406948" cy="1477459"/>
+            </a:xfrm>
+            <a:prstGeom prst="line">
+              <a:avLst/>
+            </a:prstGeom>
+            <a:solidFill>
+              <a:schemeClr val="bg1"/>
+            </a:solidFill>
+            <a:ln w="19050">
+              <a:solidFill>
+                <a:schemeClr val="tx1">
+                  <a:lumMod val="50000"/>
+                  <a:lumOff val="50000"/>
+                </a:schemeClr>
+              </a:solidFill>
+            </a:ln>
+          </p:spPr>
+          <p:style>
+            <a:lnRef idx="2">
+              <a:schemeClr val="accent1">
+                <a:shade val="50000"/>
+              </a:schemeClr>
+            </a:lnRef>
+            <a:fillRef idx="1">
+              <a:schemeClr val="accent1"/>
+            </a:fillRef>
+            <a:effectRef idx="0">
+              <a:schemeClr val="accent1"/>
+            </a:effectRef>
+            <a:fontRef idx="minor">
+              <a:schemeClr val="lt1"/>
+            </a:fontRef>
+          </p:style>
+        </p:cxnSp>
+        <p:grpSp>
+          <p:nvGrpSpPr>
+            <p:cNvPr id="38" name="Groupe 37"/>
+            <p:cNvGrpSpPr/>
+            <p:nvPr/>
+          </p:nvGrpSpPr>
+          <p:grpSpPr>
+            <a:xfrm>
+              <a:off x="609660" y="2872356"/>
+              <a:ext cx="759168" cy="759168"/>
+              <a:chOff x="1716216" y="2623718"/>
+              <a:chExt cx="759168" cy="759168"/>
+            </a:xfrm>
+          </p:grpSpPr>
+          <p:sp>
+            <p:nvSpPr>
+              <p:cNvPr id="31" name="Ellipse 30"/>
+              <p:cNvSpPr/>
+              <p:nvPr/>
+            </p:nvSpPr>
+            <p:spPr>
+              <a:xfrm flipV="1">
+                <a:off x="1952154" y="2859656"/>
+                <a:ext cx="287292" cy="287292"/>
+              </a:xfrm>
+              <a:prstGeom prst="ellipse">
+                <a:avLst/>
+              </a:prstGeom>
+              <a:noFill/>
+              <a:ln w="19050">
+                <a:solidFill>
+                  <a:srgbClr val="7030A0"/>
+                </a:solidFill>
+              </a:ln>
+            </p:spPr>
+            <p:style>
+              <a:lnRef idx="2">
+                <a:schemeClr val="accent1">
+                  <a:shade val="50000"/>
+                </a:schemeClr>
+              </a:lnRef>
+              <a:fillRef idx="1">
+                <a:schemeClr val="accent1"/>
+              </a:fillRef>
+              <a:effectRef idx="0">
+                <a:schemeClr val="accent1"/>
+              </a:effectRef>
+              <a:fontRef idx="minor">
+                <a:schemeClr val="lt1"/>
+              </a:fontRef>
+            </p:style>
+            <p:txBody>
+              <a:bodyPr lIns="0" tIns="0" rIns="0" bIns="0" rtlCol="0" anchor="ctr"/>
+              <a:lstStyle/>
+              <a:p>
+                <a:pPr algn="ctr"/>
+                <a:endParaRPr lang="fr-FR" sz="1000" b="1" dirty="0">
+                  <a:solidFill>
+                    <a:srgbClr val="7030A0"/>
+                  </a:solidFill>
+                </a:endParaRPr>
+              </a:p>
+            </p:txBody>
+          </p:sp>
+          <p:sp>
+            <p:nvSpPr>
+              <p:cNvPr id="37" name="Ellipse 36"/>
+              <p:cNvSpPr/>
+              <p:nvPr/>
+            </p:nvSpPr>
+            <p:spPr>
+              <a:xfrm flipV="1">
+                <a:off x="1716216" y="2623718"/>
+                <a:ext cx="759168" cy="759168"/>
+              </a:xfrm>
+              <a:prstGeom prst="ellipse">
+                <a:avLst/>
+              </a:prstGeom>
+              <a:noFill/>
+              <a:ln w="19050">
+                <a:solidFill>
+                  <a:srgbClr val="7030A0"/>
+                </a:solidFill>
+              </a:ln>
+            </p:spPr>
+            <p:style>
+              <a:lnRef idx="2">
+                <a:schemeClr val="accent1">
+                  <a:shade val="50000"/>
+                </a:schemeClr>
+              </a:lnRef>
+              <a:fillRef idx="1">
+                <a:schemeClr val="accent1"/>
+              </a:fillRef>
+              <a:effectRef idx="0">
+                <a:schemeClr val="accent1"/>
+              </a:effectRef>
+              <a:fontRef idx="minor">
+                <a:schemeClr val="lt1"/>
+              </a:fontRef>
+            </p:style>
+            <p:txBody>
+              <a:bodyPr lIns="0" tIns="0" rIns="0" bIns="0" rtlCol="0" anchor="ctr"/>
+              <a:lstStyle/>
+              <a:p>
+                <a:pPr algn="ctr"/>
+                <a:endParaRPr lang="fr-FR" sz="1000" b="1" dirty="0">
+                  <a:solidFill>
+                    <a:srgbClr val="7030A0"/>
+                  </a:solidFill>
+                </a:endParaRPr>
+              </a:p>
+            </p:txBody>
+          </p:sp>
+        </p:grpSp>
+        <p:grpSp>
+          <p:nvGrpSpPr>
+            <p:cNvPr id="39" name="Groupe 38"/>
+            <p:cNvGrpSpPr/>
+            <p:nvPr/>
+          </p:nvGrpSpPr>
+          <p:grpSpPr>
+            <a:xfrm>
+              <a:off x="973146" y="2480072"/>
+              <a:ext cx="759168" cy="759168"/>
+              <a:chOff x="1716216" y="2623718"/>
+              <a:chExt cx="759168" cy="759168"/>
+            </a:xfrm>
+          </p:grpSpPr>
+          <p:sp>
+            <p:nvSpPr>
+              <p:cNvPr id="40" name="Ellipse 39"/>
+              <p:cNvSpPr/>
+              <p:nvPr/>
+            </p:nvSpPr>
+            <p:spPr>
+              <a:xfrm flipV="1">
+                <a:off x="1952154" y="2859656"/>
+                <a:ext cx="287292" cy="287292"/>
+              </a:xfrm>
+              <a:prstGeom prst="ellipse">
+                <a:avLst/>
+              </a:prstGeom>
+              <a:noFill/>
+              <a:ln w="19050">
+                <a:solidFill>
+                  <a:srgbClr val="0070C0"/>
+                </a:solidFill>
+              </a:ln>
+            </p:spPr>
+            <p:style>
+              <a:lnRef idx="2">
+                <a:schemeClr val="accent1">
+                  <a:shade val="50000"/>
+                </a:schemeClr>
+              </a:lnRef>
+              <a:fillRef idx="1">
+                <a:schemeClr val="accent1"/>
+              </a:fillRef>
+              <a:effectRef idx="0">
+                <a:schemeClr val="accent1"/>
+              </a:effectRef>
+              <a:fontRef idx="minor">
+                <a:schemeClr val="lt1"/>
+              </a:fontRef>
+            </p:style>
+            <p:txBody>
+              <a:bodyPr lIns="0" tIns="0" rIns="0" bIns="0" rtlCol="0" anchor="ctr"/>
+              <a:lstStyle/>
+              <a:p>
+                <a:pPr algn="ctr"/>
+                <a:endParaRPr lang="fr-FR" sz="1000" b="1" dirty="0">
+                  <a:solidFill>
+                    <a:srgbClr val="7030A0"/>
+                  </a:solidFill>
+                </a:endParaRPr>
+              </a:p>
+            </p:txBody>
+          </p:sp>
+          <p:sp>
+            <p:nvSpPr>
+              <p:cNvPr id="41" name="Ellipse 40"/>
+              <p:cNvSpPr/>
+              <p:nvPr/>
+            </p:nvSpPr>
+            <p:spPr>
+              <a:xfrm flipV="1">
+                <a:off x="1716216" y="2623718"/>
+                <a:ext cx="759168" cy="759168"/>
+              </a:xfrm>
+              <a:prstGeom prst="ellipse">
+                <a:avLst/>
+              </a:prstGeom>
+              <a:noFill/>
+              <a:ln w="19050">
+                <a:solidFill>
+                  <a:srgbClr val="0070C0"/>
+                </a:solidFill>
+              </a:ln>
+            </p:spPr>
+            <p:style>
+              <a:lnRef idx="2">
+                <a:schemeClr val="accent1">
+                  <a:shade val="50000"/>
+                </a:schemeClr>
+              </a:lnRef>
+              <a:fillRef idx="1">
+                <a:schemeClr val="accent1"/>
+              </a:fillRef>
+              <a:effectRef idx="0">
+                <a:schemeClr val="accent1"/>
+              </a:effectRef>
+              <a:fontRef idx="minor">
+                <a:schemeClr val="lt1"/>
+              </a:fontRef>
+            </p:style>
+            <p:txBody>
+              <a:bodyPr lIns="0" tIns="0" rIns="0" bIns="0" rtlCol="0" anchor="ctr"/>
+              <a:lstStyle/>
+              <a:p>
+                <a:pPr algn="ctr"/>
+                <a:endParaRPr lang="fr-FR" sz="1000" b="1" dirty="0">
+                  <a:solidFill>
+                    <a:srgbClr val="7030A0"/>
+                  </a:solidFill>
+                </a:endParaRPr>
+              </a:p>
+            </p:txBody>
+          </p:sp>
+        </p:grpSp>
+        <p:grpSp>
+          <p:nvGrpSpPr>
+            <p:cNvPr id="42" name="Groupe 41"/>
+            <p:cNvGrpSpPr/>
+            <p:nvPr/>
+          </p:nvGrpSpPr>
+          <p:grpSpPr>
+            <a:xfrm>
+              <a:off x="1336632" y="2087788"/>
+              <a:ext cx="759168" cy="759168"/>
+              <a:chOff x="1716216" y="2623718"/>
+              <a:chExt cx="759168" cy="759168"/>
+            </a:xfrm>
+          </p:grpSpPr>
+          <p:sp>
+            <p:nvSpPr>
+              <p:cNvPr id="43" name="Ellipse 42"/>
+              <p:cNvSpPr/>
+              <p:nvPr/>
+            </p:nvSpPr>
+            <p:spPr>
+              <a:xfrm flipV="1">
+                <a:off x="1952154" y="2859656"/>
+                <a:ext cx="287292" cy="287292"/>
+              </a:xfrm>
+              <a:prstGeom prst="ellipse">
+                <a:avLst/>
+              </a:prstGeom>
+              <a:noFill/>
+              <a:ln w="19050">
+                <a:solidFill>
+                  <a:srgbClr val="00B050"/>
+                </a:solidFill>
+              </a:ln>
+            </p:spPr>
+            <p:style>
+              <a:lnRef idx="2">
+                <a:schemeClr val="accent1">
+                  <a:shade val="50000"/>
+                </a:schemeClr>
+              </a:lnRef>
+              <a:fillRef idx="1">
+                <a:schemeClr val="accent1"/>
+              </a:fillRef>
+              <a:effectRef idx="0">
+                <a:schemeClr val="accent1"/>
+              </a:effectRef>
+              <a:fontRef idx="minor">
+                <a:schemeClr val="lt1"/>
+              </a:fontRef>
+            </p:style>
+            <p:txBody>
+              <a:bodyPr lIns="0" tIns="0" rIns="0" bIns="0" rtlCol="0" anchor="ctr"/>
+              <a:lstStyle/>
+              <a:p>
+                <a:pPr algn="ctr"/>
+                <a:endParaRPr lang="fr-FR" sz="1000" b="1" dirty="0">
+                  <a:solidFill>
+                    <a:srgbClr val="7030A0"/>
+                  </a:solidFill>
+                </a:endParaRPr>
+              </a:p>
+            </p:txBody>
+          </p:sp>
+          <p:sp>
+            <p:nvSpPr>
+              <p:cNvPr id="44" name="Ellipse 43"/>
+              <p:cNvSpPr/>
+              <p:nvPr/>
+            </p:nvSpPr>
+            <p:spPr>
+              <a:xfrm flipV="1">
+                <a:off x="1716216" y="2623718"/>
+                <a:ext cx="759168" cy="759168"/>
+              </a:xfrm>
+              <a:prstGeom prst="ellipse">
+                <a:avLst/>
+              </a:prstGeom>
+              <a:noFill/>
+              <a:ln w="19050">
+                <a:solidFill>
+                  <a:srgbClr val="00B050"/>
+                </a:solidFill>
+              </a:ln>
+            </p:spPr>
+            <p:style>
+              <a:lnRef idx="2">
+                <a:schemeClr val="accent1">
+                  <a:shade val="50000"/>
+                </a:schemeClr>
+              </a:lnRef>
+              <a:fillRef idx="1">
+                <a:schemeClr val="accent1"/>
+              </a:fillRef>
+              <a:effectRef idx="0">
+                <a:schemeClr val="accent1"/>
+              </a:effectRef>
+              <a:fontRef idx="minor">
+                <a:schemeClr val="lt1"/>
+              </a:fontRef>
+            </p:style>
+            <p:txBody>
+              <a:bodyPr lIns="0" tIns="0" rIns="0" bIns="0" rtlCol="0" anchor="ctr"/>
+              <a:lstStyle/>
+              <a:p>
+                <a:pPr algn="ctr"/>
+                <a:endParaRPr lang="fr-FR" sz="1000" b="1" dirty="0">
+                  <a:solidFill>
+                    <a:srgbClr val="7030A0"/>
+                  </a:solidFill>
+                </a:endParaRPr>
+              </a:p>
+            </p:txBody>
+          </p:sp>
+        </p:grpSp>
+        <p:sp>
+          <p:nvSpPr>
+            <p:cNvPr id="46" name="Ellipse 45"/>
+            <p:cNvSpPr/>
+            <p:nvPr/>
+          </p:nvSpPr>
+          <p:spPr>
+            <a:xfrm flipV="1">
+              <a:off x="1783108" y="2126835"/>
+              <a:ext cx="287292" cy="287292"/>
+            </a:xfrm>
+            <a:prstGeom prst="ellipse">
+              <a:avLst/>
+            </a:prstGeom>
+            <a:noFill/>
+            <a:ln w="19050">
+              <a:solidFill>
+                <a:srgbClr val="FF0000"/>
+              </a:solidFill>
+            </a:ln>
+          </p:spPr>
+          <p:style>
+            <a:lnRef idx="2">
+              <a:schemeClr val="accent1">
+                <a:shade val="50000"/>
+              </a:schemeClr>
+            </a:lnRef>
+            <a:fillRef idx="1">
+              <a:schemeClr val="accent1"/>
+            </a:fillRef>
+            <a:effectRef idx="0">
+              <a:schemeClr val="accent1"/>
+            </a:effectRef>
+            <a:fontRef idx="minor">
+              <a:schemeClr val="lt1"/>
+            </a:fontRef>
+          </p:style>
+          <p:txBody>
+            <a:bodyPr lIns="0" tIns="0" rIns="0" bIns="0" rtlCol="0" anchor="ctr"/>
+            <a:lstStyle/>
+            <a:p>
+              <a:pPr algn="ctr"/>
+              <a:endParaRPr lang="fr-FR" sz="1000" b="1" dirty="0">
+                <a:solidFill>
+                  <a:srgbClr val="7030A0"/>
+                </a:solidFill>
+              </a:endParaRPr>
+            </a:p>
+          </p:txBody>
+        </p:sp>
+        <p:cxnSp>
+          <p:nvCxnSpPr>
+            <p:cNvPr id="49" name="Connecteur droit 48"/>
+            <p:cNvCxnSpPr>
+              <a:stCxn id="54" idx="3"/>
+            </p:cNvCxnSpPr>
+            <p:nvPr/>
+          </p:nvCxnSpPr>
+          <p:spPr>
+            <a:xfrm flipH="1" flipV="1">
+              <a:off x="171347" y="3239240"/>
+              <a:ext cx="363235" cy="381136"/>
+            </a:xfrm>
+            <a:prstGeom prst="line">
+              <a:avLst/>
+            </a:prstGeom>
+            <a:solidFill>
+              <a:schemeClr val="bg1"/>
+            </a:solidFill>
+            <a:ln w="19050">
+              <a:solidFill>
+                <a:schemeClr val="tx1">
+                  <a:lumMod val="50000"/>
+                  <a:lumOff val="50000"/>
+                </a:schemeClr>
+              </a:solidFill>
+            </a:ln>
+          </p:spPr>
+          <p:style>
+            <a:lnRef idx="2">
+              <a:schemeClr val="accent1">
+                <a:shade val="50000"/>
+              </a:schemeClr>
+            </a:lnRef>
+            <a:fillRef idx="1">
+              <a:schemeClr val="accent1"/>
+            </a:fillRef>
+            <a:effectRef idx="0">
+              <a:schemeClr val="accent1"/>
+            </a:effectRef>
+            <a:fontRef idx="minor">
+              <a:schemeClr val="lt1"/>
+            </a:fontRef>
+          </p:style>
+        </p:cxnSp>
+        <p:sp>
+          <p:nvSpPr>
+            <p:cNvPr id="50" name="Ellipse 49"/>
+            <p:cNvSpPr/>
+            <p:nvPr/>
+          </p:nvSpPr>
+          <p:spPr>
+            <a:xfrm flipV="1">
+              <a:off x="1854753" y="2198481"/>
+              <a:ext cx="144000" cy="144000"/>
+            </a:xfrm>
+            <a:prstGeom prst="ellipse">
+              <a:avLst/>
+            </a:prstGeom>
+            <a:noFill/>
+            <a:ln w="19050">
+              <a:solidFill>
+                <a:schemeClr val="tx1">
+                  <a:lumMod val="50000"/>
+                  <a:lumOff val="50000"/>
+                </a:schemeClr>
+              </a:solidFill>
+            </a:ln>
+          </p:spPr>
+          <p:style>
+            <a:lnRef idx="2">
+              <a:schemeClr val="accent1">
+                <a:shade val="50000"/>
+              </a:schemeClr>
+            </a:lnRef>
+            <a:fillRef idx="1">
+              <a:schemeClr val="accent1"/>
+            </a:fillRef>
+            <a:effectRef idx="0">
+              <a:schemeClr val="accent1"/>
+            </a:effectRef>
+            <a:fontRef idx="minor">
+              <a:schemeClr val="lt1"/>
+            </a:fontRef>
+          </p:style>
+          <p:txBody>
+            <a:bodyPr lIns="0" tIns="0" rIns="0" bIns="0" rtlCol="0" anchor="ctr"/>
+            <a:lstStyle/>
+            <a:p>
+              <a:pPr algn="ctr"/>
+              <a:endParaRPr lang="fr-FR" sz="1000" b="1" dirty="0">
+                <a:solidFill>
+                  <a:srgbClr val="7030A0"/>
+                </a:solidFill>
+              </a:endParaRPr>
+            </a:p>
+          </p:txBody>
+        </p:sp>
+        <p:sp>
+          <p:nvSpPr>
+            <p:cNvPr id="51" name="Ellipse 50"/>
+            <p:cNvSpPr/>
+            <p:nvPr/>
+          </p:nvSpPr>
+          <p:spPr>
+            <a:xfrm flipV="1">
+              <a:off x="1644216" y="2395372"/>
+              <a:ext cx="144000" cy="144000"/>
+            </a:xfrm>
+            <a:prstGeom prst="ellipse">
+              <a:avLst/>
+            </a:prstGeom>
+            <a:noFill/>
+            <a:ln w="19050">
+              <a:solidFill>
+                <a:schemeClr val="tx1">
+                  <a:lumMod val="50000"/>
+                  <a:lumOff val="50000"/>
+                </a:schemeClr>
+              </a:solidFill>
+            </a:ln>
+          </p:spPr>
+          <p:style>
+            <a:lnRef idx="2">
+              <a:schemeClr val="accent1">
+                <a:shade val="50000"/>
+              </a:schemeClr>
+            </a:lnRef>
+            <a:fillRef idx="1">
+              <a:schemeClr val="accent1"/>
+            </a:fillRef>
+            <a:effectRef idx="0">
+              <a:schemeClr val="accent1"/>
+            </a:effectRef>
+            <a:fontRef idx="minor">
+              <a:schemeClr val="lt1"/>
+            </a:fontRef>
+          </p:style>
+          <p:txBody>
+            <a:bodyPr lIns="0" tIns="0" rIns="0" bIns="0" rtlCol="0" anchor="ctr"/>
+            <a:lstStyle/>
+            <a:p>
+              <a:pPr algn="ctr"/>
+              <a:endParaRPr lang="fr-FR" sz="1000" b="1" dirty="0">
+                <a:solidFill>
+                  <a:srgbClr val="7030A0"/>
+                </a:solidFill>
+              </a:endParaRPr>
+            </a:p>
+          </p:txBody>
+        </p:sp>
+        <p:sp>
+          <p:nvSpPr>
+            <p:cNvPr id="52" name="Ellipse 51"/>
+            <p:cNvSpPr/>
+            <p:nvPr/>
+          </p:nvSpPr>
+          <p:spPr>
+            <a:xfrm flipV="1">
+              <a:off x="1280730" y="2787656"/>
+              <a:ext cx="144000" cy="144000"/>
+            </a:xfrm>
+            <a:prstGeom prst="ellipse">
+              <a:avLst/>
+            </a:prstGeom>
+            <a:noFill/>
+            <a:ln w="19050">
+              <a:solidFill>
+                <a:schemeClr val="tx1">
+                  <a:lumMod val="50000"/>
+                  <a:lumOff val="50000"/>
+                </a:schemeClr>
+              </a:solidFill>
+            </a:ln>
+          </p:spPr>
+          <p:style>
+            <a:lnRef idx="2">
+              <a:schemeClr val="accent1">
+                <a:shade val="50000"/>
+              </a:schemeClr>
+            </a:lnRef>
+            <a:fillRef idx="1">
+              <a:schemeClr val="accent1"/>
+            </a:fillRef>
+            <a:effectRef idx="0">
+              <a:schemeClr val="accent1"/>
+            </a:effectRef>
+            <a:fontRef idx="minor">
+              <a:schemeClr val="lt1"/>
+            </a:fontRef>
+          </p:style>
+          <p:txBody>
+            <a:bodyPr lIns="0" tIns="0" rIns="0" bIns="0" rtlCol="0" anchor="ctr"/>
+            <a:lstStyle/>
+            <a:p>
+              <a:pPr algn="ctr"/>
+              <a:endParaRPr lang="fr-FR" sz="1000" b="1" dirty="0">
+                <a:solidFill>
+                  <a:srgbClr val="7030A0"/>
+                </a:solidFill>
+              </a:endParaRPr>
+            </a:p>
+          </p:txBody>
+        </p:sp>
+        <p:sp>
+          <p:nvSpPr>
+            <p:cNvPr id="53" name="Ellipse 52"/>
+            <p:cNvSpPr/>
+            <p:nvPr/>
+          </p:nvSpPr>
+          <p:spPr>
+            <a:xfrm flipV="1">
+              <a:off x="917244" y="3179940"/>
+              <a:ext cx="144000" cy="144000"/>
+            </a:xfrm>
+            <a:prstGeom prst="ellipse">
+              <a:avLst/>
+            </a:prstGeom>
+            <a:noFill/>
+            <a:ln w="19050">
+              <a:solidFill>
+                <a:schemeClr val="tx1">
+                  <a:lumMod val="50000"/>
+                  <a:lumOff val="50000"/>
+                </a:schemeClr>
+              </a:solidFill>
+            </a:ln>
+          </p:spPr>
+          <p:style>
+            <a:lnRef idx="2">
+              <a:schemeClr val="accent1">
+                <a:shade val="50000"/>
+              </a:schemeClr>
+            </a:lnRef>
+            <a:fillRef idx="1">
+              <a:schemeClr val="accent1"/>
+            </a:fillRef>
+            <a:effectRef idx="0">
+              <a:schemeClr val="accent1"/>
+            </a:effectRef>
+            <a:fontRef idx="minor">
+              <a:schemeClr val="lt1"/>
+            </a:fontRef>
+          </p:style>
+          <p:txBody>
+            <a:bodyPr lIns="0" tIns="0" rIns="0" bIns="0" rtlCol="0" anchor="ctr"/>
+            <a:lstStyle/>
+            <a:p>
+              <a:pPr algn="ctr"/>
+              <a:endParaRPr lang="fr-FR" sz="1000" b="1" dirty="0">
+                <a:solidFill>
+                  <a:srgbClr val="7030A0"/>
+                </a:solidFill>
+              </a:endParaRPr>
+            </a:p>
+          </p:txBody>
+        </p:sp>
+        <p:sp>
+          <p:nvSpPr>
+            <p:cNvPr id="54" name="Ellipse 53"/>
+            <p:cNvSpPr/>
+            <p:nvPr/>
+          </p:nvSpPr>
+          <p:spPr>
+            <a:xfrm flipV="1">
+              <a:off x="513494" y="3599288"/>
+              <a:ext cx="144000" cy="144000"/>
+            </a:xfrm>
+            <a:prstGeom prst="ellipse">
+              <a:avLst/>
+            </a:prstGeom>
+            <a:noFill/>
+            <a:ln w="19050">
+              <a:solidFill>
+                <a:schemeClr val="tx1">
+                  <a:lumMod val="50000"/>
+                  <a:lumOff val="50000"/>
+                </a:schemeClr>
+              </a:solidFill>
+            </a:ln>
+          </p:spPr>
+          <p:style>
+            <a:lnRef idx="2">
+              <a:schemeClr val="accent1">
+                <a:shade val="50000"/>
+              </a:schemeClr>
+            </a:lnRef>
+            <a:fillRef idx="1">
+              <a:schemeClr val="accent1"/>
+            </a:fillRef>
+            <a:effectRef idx="0">
+              <a:schemeClr val="accent1"/>
+            </a:effectRef>
+            <a:fontRef idx="minor">
+              <a:schemeClr val="lt1"/>
+            </a:fontRef>
+          </p:style>
+          <p:txBody>
+            <a:bodyPr lIns="0" tIns="0" rIns="0" bIns="0" rtlCol="0" anchor="ctr"/>
+            <a:lstStyle/>
+            <a:p>
+              <a:pPr algn="ctr"/>
+              <a:endParaRPr lang="fr-FR" sz="1000" b="1" dirty="0">
+                <a:solidFill>
+                  <a:srgbClr val="7030A0"/>
+                </a:solidFill>
+              </a:endParaRPr>
+            </a:p>
+          </p:txBody>
+        </p:sp>
+        <p:cxnSp>
+          <p:nvCxnSpPr>
+            <p:cNvPr id="55" name="Connecteur droit 54"/>
+            <p:cNvCxnSpPr>
+              <a:stCxn id="53" idx="3"/>
+            </p:cNvCxnSpPr>
+            <p:nvPr/>
+          </p:nvCxnSpPr>
+          <p:spPr>
+            <a:xfrm flipH="1" flipV="1">
+              <a:off x="584260" y="2846956"/>
+              <a:ext cx="354072" cy="354072"/>
+            </a:xfrm>
+            <a:prstGeom prst="line">
+              <a:avLst/>
+            </a:prstGeom>
+            <a:solidFill>
+              <a:schemeClr val="bg1"/>
+            </a:solidFill>
+            <a:ln w="19050">
+              <a:solidFill>
+                <a:schemeClr val="tx1">
+                  <a:lumMod val="50000"/>
+                  <a:lumOff val="50000"/>
+                </a:schemeClr>
+              </a:solidFill>
+            </a:ln>
+          </p:spPr>
+          <p:style>
+            <a:lnRef idx="2">
+              <a:schemeClr val="accent1">
+                <a:shade val="50000"/>
+              </a:schemeClr>
+            </a:lnRef>
+            <a:fillRef idx="1">
+              <a:schemeClr val="accent1"/>
+            </a:fillRef>
+            <a:effectRef idx="0">
+              <a:schemeClr val="accent1"/>
+            </a:effectRef>
+            <a:fontRef idx="minor">
+              <a:schemeClr val="lt1"/>
+            </a:fontRef>
+          </p:style>
+        </p:cxnSp>
+        <p:cxnSp>
+          <p:nvCxnSpPr>
+            <p:cNvPr id="74" name="Connecteur droit 73"/>
+            <p:cNvCxnSpPr/>
+            <p:nvPr/>
+          </p:nvCxnSpPr>
+          <p:spPr>
+            <a:xfrm flipH="1" flipV="1">
+              <a:off x="958334" y="2458624"/>
+              <a:ext cx="354072" cy="354072"/>
+            </a:xfrm>
+            <a:prstGeom prst="line">
+              <a:avLst/>
+            </a:prstGeom>
+            <a:solidFill>
+              <a:schemeClr val="bg1"/>
+            </a:solidFill>
+            <a:ln w="19050">
+              <a:solidFill>
+                <a:schemeClr val="tx1">
+                  <a:lumMod val="50000"/>
+                  <a:lumOff val="50000"/>
+                </a:schemeClr>
+              </a:solidFill>
+            </a:ln>
+          </p:spPr>
+          <p:style>
+            <a:lnRef idx="2">
+              <a:schemeClr val="accent1">
+                <a:shade val="50000"/>
+              </a:schemeClr>
+            </a:lnRef>
+            <a:fillRef idx="1">
+              <a:schemeClr val="accent1"/>
+            </a:fillRef>
+            <a:effectRef idx="0">
+              <a:schemeClr val="accent1"/>
+            </a:effectRef>
+            <a:fontRef idx="minor">
+              <a:schemeClr val="lt1"/>
+            </a:fontRef>
+          </p:style>
+        </p:cxnSp>
+        <p:cxnSp>
+          <p:nvCxnSpPr>
+            <p:cNvPr id="75" name="Connecteur droit 74"/>
+            <p:cNvCxnSpPr/>
+            <p:nvPr/>
+          </p:nvCxnSpPr>
+          <p:spPr>
+            <a:xfrm flipH="1" flipV="1">
+              <a:off x="1333289" y="2087788"/>
+              <a:ext cx="326339" cy="326339"/>
+            </a:xfrm>
+            <a:prstGeom prst="line">
+              <a:avLst/>
+            </a:prstGeom>
+            <a:solidFill>
+              <a:schemeClr val="bg1"/>
+            </a:solidFill>
+            <a:ln w="19050">
+              <a:solidFill>
+                <a:schemeClr val="tx1">
+                  <a:lumMod val="50000"/>
+                  <a:lumOff val="50000"/>
+                </a:schemeClr>
+              </a:solidFill>
+            </a:ln>
+          </p:spPr>
+          <p:style>
+            <a:lnRef idx="2">
+              <a:schemeClr val="accent1">
+                <a:shade val="50000"/>
+              </a:schemeClr>
+            </a:lnRef>
+            <a:fillRef idx="1">
+              <a:schemeClr val="accent1"/>
+            </a:fillRef>
+            <a:effectRef idx="0">
+              <a:schemeClr val="accent1"/>
+            </a:effectRef>
+            <a:fontRef idx="minor">
+              <a:schemeClr val="lt1"/>
+            </a:fontRef>
+          </p:style>
+        </p:cxnSp>
+        <p:cxnSp>
+          <p:nvCxnSpPr>
+            <p:cNvPr id="77" name="Connecteur droit 76"/>
+            <p:cNvCxnSpPr/>
+            <p:nvPr/>
+          </p:nvCxnSpPr>
+          <p:spPr>
+            <a:xfrm flipH="1" flipV="1">
+              <a:off x="1535044" y="1860161"/>
+              <a:ext cx="358771" cy="358771"/>
+            </a:xfrm>
+            <a:prstGeom prst="line">
+              <a:avLst/>
+            </a:prstGeom>
+            <a:solidFill>
+              <a:schemeClr val="bg1"/>
+            </a:solidFill>
+            <a:ln w="19050">
+              <a:solidFill>
+                <a:schemeClr val="tx1">
+                  <a:lumMod val="50000"/>
+                  <a:lumOff val="50000"/>
+                </a:schemeClr>
+              </a:solidFill>
+            </a:ln>
+          </p:spPr>
+          <p:style>
+            <a:lnRef idx="2">
+              <a:schemeClr val="accent1">
+                <a:shade val="50000"/>
+              </a:schemeClr>
+            </a:lnRef>
+            <a:fillRef idx="1">
+              <a:schemeClr val="accent1"/>
+            </a:fillRef>
+            <a:effectRef idx="0">
+              <a:schemeClr val="accent1"/>
+            </a:effectRef>
+            <a:fontRef idx="minor">
+              <a:schemeClr val="lt1"/>
+            </a:fontRef>
+          </p:style>
+        </p:cxnSp>
+        <p:cxnSp>
+          <p:nvCxnSpPr>
+            <p:cNvPr id="98" name="Connecteur droit 97"/>
+            <p:cNvCxnSpPr>
+              <a:endCxn id="30" idx="4"/>
+            </p:cNvCxnSpPr>
+            <p:nvPr/>
+          </p:nvCxnSpPr>
+          <p:spPr>
+            <a:xfrm flipV="1">
+              <a:off x="584260" y="4103336"/>
+              <a:ext cx="1234" cy="150366"/>
+            </a:xfrm>
+            <a:prstGeom prst="line">
+              <a:avLst/>
+            </a:prstGeom>
+            <a:solidFill>
+              <a:schemeClr val="bg1"/>
+            </a:solidFill>
+            <a:ln w="19050">
+              <a:solidFill>
+                <a:schemeClr val="tx1"/>
+              </a:solidFill>
+            </a:ln>
+          </p:spPr>
+          <p:style>
+            <a:lnRef idx="2">
+              <a:schemeClr val="accent1">
+                <a:shade val="50000"/>
+              </a:schemeClr>
+            </a:lnRef>
+            <a:fillRef idx="1">
+              <a:schemeClr val="accent1"/>
+            </a:fillRef>
+            <a:effectRef idx="0">
+              <a:schemeClr val="accent1"/>
+            </a:effectRef>
+            <a:fontRef idx="minor">
+              <a:schemeClr val="lt1"/>
+            </a:fontRef>
+          </p:style>
+        </p:cxnSp>
+        <p:cxnSp>
+          <p:nvCxnSpPr>
+            <p:cNvPr id="101" name="Connecteur droit 100"/>
+            <p:cNvCxnSpPr/>
+            <p:nvPr/>
+          </p:nvCxnSpPr>
+          <p:spPr>
+            <a:xfrm flipH="1">
+              <a:off x="441108" y="4255736"/>
+              <a:ext cx="295552" cy="0"/>
+            </a:xfrm>
+            <a:prstGeom prst="line">
+              <a:avLst/>
+            </a:prstGeom>
+            <a:solidFill>
+              <a:schemeClr val="bg1"/>
+            </a:solidFill>
+            <a:ln w="19050">
+              <a:solidFill>
+                <a:schemeClr val="tx1"/>
+              </a:solidFill>
+            </a:ln>
+          </p:spPr>
+          <p:style>
+            <a:lnRef idx="2">
+              <a:schemeClr val="accent1">
+                <a:shade val="50000"/>
+              </a:schemeClr>
+            </a:lnRef>
+            <a:fillRef idx="1">
+              <a:schemeClr val="accent1"/>
+            </a:fillRef>
+            <a:effectRef idx="0">
+              <a:schemeClr val="accent1"/>
+            </a:effectRef>
+            <a:fontRef idx="minor">
+              <a:schemeClr val="lt1"/>
+            </a:fontRef>
+          </p:style>
+        </p:cxnSp>
+        <p:cxnSp>
+          <p:nvCxnSpPr>
+            <p:cNvPr id="106" name="Connecteur droit 105"/>
+            <p:cNvCxnSpPr>
+              <a:stCxn id="30" idx="3"/>
+              <a:endCxn id="54" idx="1"/>
+            </p:cNvCxnSpPr>
+            <p:nvPr/>
+          </p:nvCxnSpPr>
+          <p:spPr>
+            <a:xfrm flipV="1">
+              <a:off x="279990" y="3722200"/>
+              <a:ext cx="254592" cy="254592"/>
+            </a:xfrm>
+            <a:prstGeom prst="line">
+              <a:avLst/>
+            </a:prstGeom>
+            <a:solidFill>
+              <a:schemeClr val="bg1"/>
+            </a:solidFill>
+            <a:ln w="19050">
+              <a:solidFill>
+                <a:schemeClr val="tx1"/>
+              </a:solidFill>
+            </a:ln>
+          </p:spPr>
+          <p:style>
+            <a:lnRef idx="2">
+              <a:schemeClr val="accent1">
+                <a:shade val="50000"/>
+              </a:schemeClr>
+            </a:lnRef>
+            <a:fillRef idx="1">
+              <a:schemeClr val="accent1"/>
+            </a:fillRef>
+            <a:effectRef idx="0">
+              <a:schemeClr val="accent1"/>
+            </a:effectRef>
+            <a:fontRef idx="minor">
+              <a:schemeClr val="lt1"/>
+            </a:fontRef>
+          </p:style>
+        </p:cxnSp>
+        <p:cxnSp>
+          <p:nvCxnSpPr>
+            <p:cNvPr id="109" name="Connecteur droit 108"/>
+            <p:cNvCxnSpPr>
+              <a:stCxn id="46" idx="7"/>
+              <a:endCxn id="50" idx="7"/>
+            </p:cNvCxnSpPr>
+            <p:nvPr/>
+          </p:nvCxnSpPr>
+          <p:spPr>
+            <a:xfrm flipH="1" flipV="1">
+              <a:off x="1977665" y="2321393"/>
+              <a:ext cx="50662" cy="50661"/>
+            </a:xfrm>
+            <a:prstGeom prst="line">
+              <a:avLst/>
+            </a:prstGeom>
+            <a:solidFill>
+              <a:schemeClr val="bg1"/>
+            </a:solidFill>
+            <a:ln w="19050">
+              <a:solidFill>
+                <a:srgbClr val="FF0000"/>
+              </a:solidFill>
+            </a:ln>
+          </p:spPr>
+          <p:style>
+            <a:lnRef idx="2">
+              <a:schemeClr val="accent1">
+                <a:shade val="50000"/>
+              </a:schemeClr>
+            </a:lnRef>
+            <a:fillRef idx="1">
+              <a:schemeClr val="accent1"/>
+            </a:fillRef>
+            <a:effectRef idx="0">
+              <a:schemeClr val="accent1"/>
+            </a:effectRef>
+            <a:fontRef idx="minor">
+              <a:schemeClr val="lt1"/>
+            </a:fontRef>
+          </p:style>
+        </p:cxnSp>
+        <p:sp>
+          <p:nvSpPr>
+            <p:cNvPr id="116" name="Ellipse 115"/>
+            <p:cNvSpPr/>
+            <p:nvPr/>
+          </p:nvSpPr>
+          <p:spPr>
+            <a:xfrm>
+              <a:off x="2052897" y="2002908"/>
+              <a:ext cx="216024" cy="216024"/>
+            </a:xfrm>
+            <a:prstGeom prst="ellipse">
+              <a:avLst/>
+            </a:prstGeom>
+            <a:solidFill>
+              <a:schemeClr val="bg1"/>
+            </a:solidFill>
+            <a:ln w="19050">
+              <a:solidFill>
+                <a:srgbClr val="FF0000"/>
+              </a:solidFill>
+            </a:ln>
+          </p:spPr>
+          <p:style>
+            <a:lnRef idx="2">
+              <a:schemeClr val="accent1">
+                <a:shade val="50000"/>
+              </a:schemeClr>
+            </a:lnRef>
+            <a:fillRef idx="1">
+              <a:schemeClr val="accent1"/>
+            </a:fillRef>
+            <a:effectRef idx="0">
+              <a:schemeClr val="accent1"/>
+            </a:effectRef>
+            <a:fontRef idx="minor">
+              <a:schemeClr val="lt1"/>
+            </a:fontRef>
+          </p:style>
+          <p:txBody>
+            <a:bodyPr lIns="0" tIns="0" rIns="0" bIns="0" rtlCol="0" anchor="ctr"/>
+            <a:lstStyle/>
+            <a:p>
+              <a:pPr algn="ctr"/>
+              <a:r>
+                <a:rPr lang="fr-FR" sz="1000" b="1" dirty="0">
+                  <a:solidFill>
+                    <a:srgbClr val="FF0000"/>
+                  </a:solidFill>
+                </a:rPr>
+                <a:t>R</a:t>
+              </a:r>
+            </a:p>
+          </p:txBody>
+        </p:sp>
+        <p:sp>
+          <p:nvSpPr>
+            <p:cNvPr id="142" name="Ellipse 141"/>
+            <p:cNvSpPr/>
+            <p:nvPr/>
+          </p:nvSpPr>
+          <p:spPr>
+            <a:xfrm>
+              <a:off x="2052897" y="2644632"/>
+              <a:ext cx="216024" cy="216024"/>
+            </a:xfrm>
+            <a:prstGeom prst="ellipse">
+              <a:avLst/>
+            </a:prstGeom>
+            <a:solidFill>
+              <a:schemeClr val="bg1"/>
+            </a:solidFill>
+            <a:ln w="19050">
+              <a:solidFill>
+                <a:srgbClr val="00B050"/>
+              </a:solidFill>
+            </a:ln>
+          </p:spPr>
+          <p:style>
+            <a:lnRef idx="2">
+              <a:schemeClr val="accent1">
+                <a:shade val="50000"/>
+              </a:schemeClr>
+            </a:lnRef>
+            <a:fillRef idx="1">
+              <a:schemeClr val="accent1"/>
+            </a:fillRef>
+            <a:effectRef idx="0">
+              <a:schemeClr val="accent1"/>
+            </a:effectRef>
+            <a:fontRef idx="minor">
+              <a:schemeClr val="lt1"/>
+            </a:fontRef>
+          </p:style>
+          <p:txBody>
+            <a:bodyPr lIns="0" tIns="0" rIns="0" bIns="0" rtlCol="0" anchor="ctr"/>
+            <a:lstStyle/>
+            <a:p>
+              <a:pPr algn="ctr"/>
+              <a:r>
+                <a:rPr lang="fr-FR" sz="1000" b="1" dirty="0">
+                  <a:solidFill>
+                    <a:srgbClr val="00B050"/>
+                  </a:solidFill>
+                </a:rPr>
+                <a:t>1</a:t>
+              </a:r>
+            </a:p>
+          </p:txBody>
+        </p:sp>
+        <p:sp>
+          <p:nvSpPr>
+            <p:cNvPr id="146" name="Ellipse 145"/>
+            <p:cNvSpPr/>
+            <p:nvPr/>
+          </p:nvSpPr>
+          <p:spPr>
+            <a:xfrm>
+              <a:off x="45434" y="3143928"/>
+              <a:ext cx="216024" cy="216024"/>
+            </a:xfrm>
+            <a:prstGeom prst="ellipse">
+              <a:avLst/>
+            </a:prstGeom>
+            <a:solidFill>
+              <a:schemeClr val="bg1"/>
+            </a:solidFill>
+            <a:ln w="19050">
+              <a:solidFill>
+                <a:schemeClr val="tx1">
+                  <a:lumMod val="50000"/>
+                  <a:lumOff val="50000"/>
+                </a:schemeClr>
+              </a:solidFill>
+            </a:ln>
+          </p:spPr>
+          <p:style>
+            <a:lnRef idx="2">
+              <a:schemeClr val="accent1">
+                <a:shade val="50000"/>
+              </a:schemeClr>
+            </a:lnRef>
+            <a:fillRef idx="1">
+              <a:schemeClr val="accent1"/>
+            </a:fillRef>
+            <a:effectRef idx="0">
+              <a:schemeClr val="accent1"/>
+            </a:effectRef>
+            <a:fontRef idx="minor">
+              <a:schemeClr val="lt1"/>
+            </a:fontRef>
+          </p:style>
+          <p:txBody>
+            <a:bodyPr lIns="0" tIns="0" rIns="0" bIns="0" rtlCol="0" anchor="ctr"/>
+            <a:lstStyle/>
+            <a:p>
+              <a:pPr algn="ctr"/>
+              <a:r>
+                <a:rPr lang="fr-FR" sz="1000" b="1" dirty="0">
+                  <a:solidFill>
+                    <a:schemeClr val="tx1">
+                      <a:lumMod val="50000"/>
+                      <a:lumOff val="50000"/>
+                    </a:schemeClr>
+                  </a:solidFill>
+                </a:rPr>
+                <a:t>T</a:t>
+              </a:r>
+            </a:p>
+          </p:txBody>
+        </p:sp>
+        <p:sp>
+          <p:nvSpPr>
+            <p:cNvPr id="147" name="Ellipse 146"/>
+            <p:cNvSpPr/>
+            <p:nvPr/>
+          </p:nvSpPr>
+          <p:spPr>
+            <a:xfrm>
+              <a:off x="1728615" y="3003302"/>
+              <a:ext cx="216024" cy="216024"/>
+            </a:xfrm>
+            <a:prstGeom prst="ellipse">
+              <a:avLst/>
+            </a:prstGeom>
+            <a:solidFill>
+              <a:schemeClr val="bg1"/>
+            </a:solidFill>
+            <a:ln w="19050">
+              <a:solidFill>
+                <a:srgbClr val="0070C0"/>
+              </a:solidFill>
+            </a:ln>
+          </p:spPr>
+          <p:style>
+            <a:lnRef idx="2">
+              <a:schemeClr val="accent1">
+                <a:shade val="50000"/>
+              </a:schemeClr>
+            </a:lnRef>
+            <a:fillRef idx="1">
+              <a:schemeClr val="accent1"/>
+            </a:fillRef>
+            <a:effectRef idx="0">
+              <a:schemeClr val="accent1"/>
+            </a:effectRef>
+            <a:fontRef idx="minor">
+              <a:schemeClr val="lt1"/>
+            </a:fontRef>
+          </p:style>
+          <p:txBody>
+            <a:bodyPr lIns="0" tIns="0" rIns="0" bIns="0" rtlCol="0" anchor="ctr"/>
+            <a:lstStyle/>
+            <a:p>
+              <a:pPr algn="ctr"/>
+              <a:r>
+                <a:rPr lang="fr-FR" sz="1000" b="1" dirty="0">
+                  <a:solidFill>
+                    <a:srgbClr val="0070C0"/>
+                  </a:solidFill>
+                </a:rPr>
+                <a:t>2</a:t>
+              </a:r>
+            </a:p>
+          </p:txBody>
+        </p:sp>
+        <p:sp>
+          <p:nvSpPr>
+            <p:cNvPr id="148" name="Ellipse 147"/>
+            <p:cNvSpPr/>
+            <p:nvPr/>
+          </p:nvSpPr>
+          <p:spPr>
+            <a:xfrm>
+              <a:off x="1244718" y="3515100"/>
+              <a:ext cx="216024" cy="216024"/>
+            </a:xfrm>
+            <a:prstGeom prst="ellipse">
+              <a:avLst/>
+            </a:prstGeom>
+            <a:solidFill>
+              <a:schemeClr val="bg1"/>
+            </a:solidFill>
+            <a:ln w="19050">
+              <a:solidFill>
+                <a:srgbClr val="7030A0"/>
+              </a:solidFill>
+            </a:ln>
+          </p:spPr>
+          <p:style>
+            <a:lnRef idx="2">
+              <a:schemeClr val="accent1">
+                <a:shade val="50000"/>
+              </a:schemeClr>
+            </a:lnRef>
+            <a:fillRef idx="1">
+              <a:schemeClr val="accent1"/>
+            </a:fillRef>
+            <a:effectRef idx="0">
+              <a:schemeClr val="accent1"/>
+            </a:effectRef>
+            <a:fontRef idx="minor">
+              <a:schemeClr val="lt1"/>
+            </a:fontRef>
+          </p:style>
+          <p:txBody>
+            <a:bodyPr lIns="0" tIns="0" rIns="0" bIns="0" rtlCol="0" anchor="ctr"/>
+            <a:lstStyle/>
+            <a:p>
+              <a:pPr algn="ctr"/>
+              <a:r>
+                <a:rPr lang="fr-FR" sz="1000" b="1" dirty="0">
+                  <a:solidFill>
+                    <a:srgbClr val="7030A0"/>
+                  </a:solidFill>
+                </a:rPr>
+                <a:t>3</a:t>
+              </a:r>
+            </a:p>
+          </p:txBody>
+        </p:sp>
+        <p:sp>
+          <p:nvSpPr>
+            <p:cNvPr id="149" name="Ellipse 148"/>
+            <p:cNvSpPr/>
+            <p:nvPr/>
+          </p:nvSpPr>
+          <p:spPr>
+            <a:xfrm>
+              <a:off x="953232" y="3876758"/>
+              <a:ext cx="216024" cy="216024"/>
+            </a:xfrm>
+            <a:prstGeom prst="ellipse">
+              <a:avLst/>
+            </a:prstGeom>
+            <a:solidFill>
+              <a:schemeClr val="bg1"/>
+            </a:solidFill>
+            <a:ln w="19050">
+              <a:solidFill>
+                <a:schemeClr val="tx1"/>
+              </a:solidFill>
+            </a:ln>
+          </p:spPr>
+          <p:style>
+            <a:lnRef idx="2">
+              <a:schemeClr val="accent1">
+                <a:shade val="50000"/>
+              </a:schemeClr>
+            </a:lnRef>
+            <a:fillRef idx="1">
+              <a:schemeClr val="accent1"/>
+            </a:fillRef>
+            <a:effectRef idx="0">
+              <a:schemeClr val="accent1"/>
+            </a:effectRef>
+            <a:fontRef idx="minor">
+              <a:schemeClr val="lt1"/>
+            </a:fontRef>
+          </p:style>
+          <p:txBody>
+            <a:bodyPr lIns="0" tIns="0" rIns="0" bIns="0" rtlCol="0" anchor="ctr"/>
+            <a:lstStyle/>
+            <a:p>
+              <a:pPr algn="ctr"/>
+              <a:r>
+                <a:rPr lang="fr-FR" sz="1000" b="1" dirty="0">
+                  <a:solidFill>
+                    <a:schemeClr val="tx1"/>
+                  </a:solidFill>
+                </a:rPr>
+                <a:t>0</a:t>
+              </a:r>
+            </a:p>
+          </p:txBody>
+        </p:sp>
+      </p:grpSp>
+      <mc:AlternateContent xmlns:mc="http://schemas.openxmlformats.org/markup-compatibility/2006">
+        <mc:Choice xmlns:a14="http://schemas.microsoft.com/office/drawing/2010/main" Requires="a14">
+          <p:sp>
+            <p:nvSpPr>
+              <p:cNvPr id="150" name="Espace réservé du contenu 3"/>
+              <p:cNvSpPr>
+                <a:spLocks noGrp="1"/>
+              </p:cNvSpPr>
+              <p:nvPr>
+                <p:ph sz="quarter" idx="1"/>
+              </p:nvPr>
+            </p:nvSpPr>
+            <p:spPr>
+              <a:xfrm>
+                <a:off x="2350930" y="1219200"/>
+                <a:ext cx="6541550" cy="5162128"/>
+              </a:xfrm>
+            </p:spPr>
+            <p:txBody>
+              <a:bodyPr>
+                <a:normAutofit fontScale="85000" lnSpcReduction="10000"/>
+              </a:bodyPr>
+              <a:lstStyle/>
+              <a:p>
+                <a14:m>
+                  <m:oMath xmlns:m="http://schemas.openxmlformats.org/officeDocument/2006/math">
+                    <m:sSub>
+                      <m:sSubPr>
+                        <m:ctrlPr>
+                          <a:rPr lang="fr-FR" sz="2000" b="0" i="1" smtClean="0">
+                            <a:latin typeface="Cambria Math"/>
+                            <a:ea typeface="Cambria Math"/>
+                          </a:rPr>
+                        </m:ctrlPr>
+                      </m:sSubPr>
+                      <m:e>
+                        <m:r>
+                          <a:rPr lang="fr-FR" sz="2000" i="1" smtClean="0">
+                            <a:latin typeface="Cambria Math"/>
+                            <a:ea typeface="Cambria Math"/>
+                          </a:rPr>
+                          <m:t>ℰ</m:t>
+                        </m:r>
+                      </m:e>
+                      <m:sub>
+                        <m:r>
+                          <a:rPr lang="fr-FR" sz="2000" b="0" i="1" smtClean="0">
+                            <a:latin typeface="Cambria Math"/>
+                            <a:ea typeface="Cambria Math"/>
+                          </a:rPr>
+                          <m:t>𝑐</m:t>
+                        </m:r>
+                      </m:sub>
+                    </m:sSub>
+                    <m:r>
+                      <a:rPr lang="fr-FR" sz="2000" b="0" i="1" smtClean="0">
+                        <a:latin typeface="Cambria Math"/>
+                        <a:ea typeface="Cambria Math"/>
+                      </a:rPr>
+                      <m:t>=</m:t>
+                    </m:r>
+                    <m:f>
+                      <m:fPr>
+                        <m:ctrlPr>
+                          <a:rPr lang="fr-FR" sz="2000" b="0" i="1" smtClean="0">
+                            <a:latin typeface="Cambria Math"/>
+                            <a:ea typeface="Cambria Math"/>
+                          </a:rPr>
+                        </m:ctrlPr>
+                      </m:fPr>
+                      <m:num>
+                        <m:r>
+                          <a:rPr lang="fr-FR" sz="2000" b="0" i="1" smtClean="0">
+                            <a:latin typeface="Cambria Math"/>
+                            <a:ea typeface="Cambria Math"/>
+                          </a:rPr>
+                          <m:t>1</m:t>
+                        </m:r>
+                      </m:num>
+                      <m:den>
+                        <m:r>
+                          <a:rPr lang="fr-FR" sz="2000" b="0" i="1" smtClean="0">
+                            <a:latin typeface="Cambria Math"/>
+                            <a:ea typeface="Cambria Math"/>
+                          </a:rPr>
+                          <m:t>2</m:t>
+                        </m:r>
+                      </m:den>
+                    </m:f>
+                    <m:d>
+                      <m:dPr>
+                        <m:begChr m:val="{"/>
+                        <m:endChr m:val="}"/>
+                        <m:ctrlPr>
+                          <a:rPr lang="fr-FR" sz="2000" b="0" i="1" smtClean="0">
+                            <a:latin typeface="Cambria Math"/>
+                            <a:ea typeface="Cambria Math"/>
+                          </a:rPr>
+                        </m:ctrlPr>
+                      </m:dPr>
+                      <m:e>
+                        <m:eqArr>
+                          <m:eqArrPr>
+                            <m:ctrlPr>
+                              <a:rPr lang="fr-FR" sz="2000" b="0" i="1" smtClean="0">
+                                <a:latin typeface="Cambria Math"/>
+                                <a:ea typeface="Cambria Math"/>
+                              </a:rPr>
+                            </m:ctrlPr>
+                          </m:eqArrPr>
+                          <m:e>
+                            <m:r>
+                              <a:rPr lang="fr-FR" sz="2000" b="0" i="1" smtClean="0">
+                                <a:latin typeface="Cambria Math"/>
+                                <a:ea typeface="Cambria Math"/>
+                              </a:rPr>
+                              <m:t>𝑚</m:t>
+                            </m:r>
+                            <m:acc>
+                              <m:accPr>
+                                <m:chr m:val="⃗"/>
+                                <m:ctrlPr>
+                                  <a:rPr lang="fr-FR" sz="2000" b="0" i="1" smtClean="0">
+                                    <a:latin typeface="Cambria Math"/>
+                                    <a:ea typeface="Cambria Math"/>
+                                  </a:rPr>
+                                </m:ctrlPr>
+                              </m:accPr>
+                              <m:e>
+                                <m:r>
+                                  <a:rPr lang="fr-FR" sz="2000" i="1">
+                                    <a:latin typeface="Cambria Math"/>
+                                    <a:ea typeface="Cambria Math"/>
+                                  </a:rPr>
+                                  <m:t>𝑉</m:t>
+                                </m:r>
+                                <m:d>
+                                  <m:dPr>
+                                    <m:ctrlPr>
+                                      <a:rPr lang="fr-FR" sz="2000" i="1">
+                                        <a:latin typeface="Cambria Math"/>
+                                        <a:ea typeface="Cambria Math"/>
+                                      </a:rPr>
+                                    </m:ctrlPr>
+                                  </m:dPr>
+                                  <m:e>
+                                    <m:sSub>
+                                      <m:sSubPr>
+                                        <m:ctrlPr>
+                                          <a:rPr lang="fr-FR" sz="2000" b="0" i="1" smtClean="0">
+                                            <a:latin typeface="Cambria Math"/>
+                                            <a:ea typeface="Cambria Math"/>
+                                          </a:rPr>
+                                        </m:ctrlPr>
+                                      </m:sSubPr>
+                                      <m:e>
+                                        <m:r>
+                                          <a:rPr lang="fr-FR" sz="2000" b="0" i="1" smtClean="0">
+                                            <a:latin typeface="Cambria Math"/>
+                                            <a:ea typeface="Cambria Math"/>
+                                          </a:rPr>
+                                          <m:t>𝐺</m:t>
+                                        </m:r>
+                                      </m:e>
+                                      <m:sub>
+                                        <m:r>
+                                          <a:rPr lang="fr-FR" sz="2000" b="0" i="1" smtClean="0">
+                                            <a:latin typeface="Cambria Math"/>
+                                            <a:ea typeface="Cambria Math"/>
+                                          </a:rPr>
+                                          <m:t>𝑖</m:t>
+                                        </m:r>
+                                      </m:sub>
+                                    </m:sSub>
+                                    <m:r>
+                                      <a:rPr lang="fr-FR" sz="2000" b="0" i="1" smtClean="0">
+                                        <a:latin typeface="Cambria Math"/>
+                                        <a:ea typeface="Cambria Math"/>
+                                      </a:rPr>
+                                      <m:t>,</m:t>
+                                    </m:r>
+                                    <m:f>
+                                      <m:fPr>
+                                        <m:type m:val="lin"/>
+                                        <m:ctrlPr>
+                                          <a:rPr lang="fr-FR" sz="2000" b="0" i="1" smtClean="0">
+                                            <a:latin typeface="Cambria Math"/>
+                                            <a:ea typeface="Cambria Math"/>
+                                          </a:rPr>
+                                        </m:ctrlPr>
+                                      </m:fPr>
+                                      <m:num>
+                                        <m:r>
+                                          <a:rPr lang="fr-FR" sz="2000" b="0" i="1" smtClean="0">
+                                            <a:latin typeface="Cambria Math"/>
+                                            <a:ea typeface="Cambria Math"/>
+                                          </a:rPr>
+                                          <m:t>𝑖</m:t>
+                                        </m:r>
+                                      </m:num>
+                                      <m:den>
+                                        <m:r>
+                                          <a:rPr lang="fr-FR" sz="2000" b="0" i="1" smtClean="0">
+                                            <a:latin typeface="Cambria Math"/>
+                                            <a:ea typeface="Cambria Math"/>
+                                          </a:rPr>
+                                          <m:t>0</m:t>
+                                        </m:r>
+                                      </m:den>
+                                    </m:f>
+                                  </m:e>
+                                </m:d>
+                              </m:e>
+                            </m:acc>
+                          </m:e>
+                          <m:e>
+                            <m:sSub>
+                              <m:sSubPr>
+                                <m:ctrlPr>
+                                  <a:rPr lang="fr-FR" sz="2000" b="0" i="1" smtClean="0">
+                                    <a:latin typeface="Cambria Math"/>
+                                    <a:ea typeface="Cambria Math"/>
+                                  </a:rPr>
+                                </m:ctrlPr>
+                              </m:sSubPr>
+                              <m:e>
+                                <m:r>
+                                  <a:rPr lang="fr-FR" sz="2000" b="0" i="1" smtClean="0">
+                                    <a:latin typeface="Cambria Math"/>
+                                    <a:ea typeface="Cambria Math"/>
+                                  </a:rPr>
+                                  <m:t>𝐽</m:t>
+                                </m:r>
+                              </m:e>
+                              <m:sub>
+                                <m:r>
+                                  <a:rPr lang="fr-FR" sz="2000" b="0" i="1" smtClean="0">
+                                    <a:latin typeface="Cambria Math"/>
+                                    <a:ea typeface="Cambria Math"/>
+                                  </a:rPr>
+                                  <m:t>𝑖</m:t>
+                                </m:r>
+                              </m:sub>
+                            </m:sSub>
+                            <m:sSub>
+                              <m:sSubPr>
+                                <m:ctrlPr>
+                                  <a:rPr lang="fr-FR" sz="2000" b="0" i="1" smtClean="0">
+                                    <a:latin typeface="Cambria Math"/>
+                                    <a:ea typeface="Cambria Math"/>
+                                  </a:rPr>
+                                </m:ctrlPr>
+                              </m:sSubPr>
+                              <m:e>
+                                <m:r>
+                                  <a:rPr lang="fr-FR" sz="2000" b="0" i="1" smtClean="0">
+                                    <a:latin typeface="Cambria Math"/>
+                                    <a:ea typeface="Cambria Math"/>
+                                  </a:rPr>
+                                  <m:t>𝜔</m:t>
+                                </m:r>
+                              </m:e>
+                              <m:sub>
+                                <m:f>
+                                  <m:fPr>
+                                    <m:type m:val="lin"/>
+                                    <m:ctrlPr>
+                                      <a:rPr lang="fr-FR" sz="2000" b="0" i="1" smtClean="0">
+                                        <a:latin typeface="Cambria Math"/>
+                                        <a:ea typeface="Cambria Math"/>
+                                      </a:rPr>
+                                    </m:ctrlPr>
+                                  </m:fPr>
+                                  <m:num>
+                                    <m:r>
+                                      <a:rPr lang="fr-FR" sz="2000" b="0" i="1" smtClean="0">
+                                        <a:latin typeface="Cambria Math"/>
+                                        <a:ea typeface="Cambria Math"/>
+                                      </a:rPr>
+                                      <m:t>𝑖</m:t>
+                                    </m:r>
+                                  </m:num>
+                                  <m:den>
+                                    <m:r>
+                                      <a:rPr lang="fr-FR" sz="2000" b="0" i="1" smtClean="0">
+                                        <a:latin typeface="Cambria Math"/>
+                                        <a:ea typeface="Cambria Math"/>
+                                      </a:rPr>
+                                      <m:t>0</m:t>
+                                    </m:r>
+                                  </m:den>
+                                </m:f>
+                              </m:sub>
+                            </m:sSub>
+                            <m:acc>
+                              <m:accPr>
+                                <m:chr m:val="⃗"/>
+                                <m:ctrlPr>
+                                  <a:rPr lang="fr-FR" sz="2000" b="0" i="1" smtClean="0">
+                                    <a:latin typeface="Cambria Math"/>
+                                    <a:ea typeface="Cambria Math"/>
+                                  </a:rPr>
+                                </m:ctrlPr>
+                              </m:accPr>
+                              <m:e>
+                                <m:r>
+                                  <a:rPr lang="fr-FR" sz="2000" b="0" i="1" smtClean="0">
+                                    <a:latin typeface="Cambria Math"/>
+                                    <a:ea typeface="Cambria Math"/>
+                                  </a:rPr>
+                                  <m:t>𝑧</m:t>
+                                </m:r>
+                              </m:e>
+                            </m:acc>
+                          </m:e>
+                        </m:eqArr>
+                      </m:e>
+                    </m:d>
+                    <m:r>
+                      <a:rPr lang="fr-FR" sz="2000" b="0" i="1" smtClean="0">
+                        <a:latin typeface="Cambria Math"/>
+                        <a:ea typeface="Cambria Math"/>
+                      </a:rPr>
+                      <m:t>⊗</m:t>
+                    </m:r>
+                    <m:d>
+                      <m:dPr>
+                        <m:begChr m:val="{"/>
+                        <m:endChr m:val="}"/>
+                        <m:ctrlPr>
+                          <a:rPr lang="fr-FR" sz="2000" i="1">
+                            <a:latin typeface="Cambria Math"/>
+                            <a:ea typeface="Cambria Math"/>
+                          </a:rPr>
+                        </m:ctrlPr>
+                      </m:dPr>
+                      <m:e>
+                        <m:eqArr>
+                          <m:eqArrPr>
+                            <m:ctrlPr>
+                              <a:rPr lang="fr-FR" sz="2000" i="1">
+                                <a:latin typeface="Cambria Math"/>
+                                <a:ea typeface="Cambria Math"/>
+                              </a:rPr>
+                            </m:ctrlPr>
+                          </m:eqArrPr>
+                          <m:e>
+                            <m:acc>
+                              <m:accPr>
+                                <m:chr m:val="⃗"/>
+                                <m:ctrlPr>
+                                  <a:rPr lang="fr-FR" sz="2000" i="1">
+                                    <a:latin typeface="Cambria Math"/>
+                                    <a:ea typeface="Cambria Math"/>
+                                  </a:rPr>
+                                </m:ctrlPr>
+                              </m:accPr>
+                              <m:e>
+                                <m:r>
+                                  <m:rPr>
+                                    <m:sty m:val="p"/>
+                                  </m:rPr>
+                                  <a:rPr lang="fr-FR" sz="2000" b="0" i="0" smtClean="0">
+                                    <a:latin typeface="Cambria Math"/>
+                                    <a:ea typeface="Cambria Math"/>
+                                  </a:rPr>
+                                  <m:t>Ω</m:t>
+                                </m:r>
+                                <m:d>
+                                  <m:dPr>
+                                    <m:ctrlPr>
+                                      <a:rPr lang="fr-FR" sz="2000" i="1">
+                                        <a:latin typeface="Cambria Math"/>
+                                        <a:ea typeface="Cambria Math"/>
+                                      </a:rPr>
+                                    </m:ctrlPr>
+                                  </m:dPr>
+                                  <m:e>
+                                    <m:f>
+                                      <m:fPr>
+                                        <m:type m:val="lin"/>
+                                        <m:ctrlPr>
+                                          <a:rPr lang="fr-FR" sz="2000" i="1">
+                                            <a:latin typeface="Cambria Math"/>
+                                            <a:ea typeface="Cambria Math"/>
+                                          </a:rPr>
+                                        </m:ctrlPr>
+                                      </m:fPr>
+                                      <m:num>
+                                        <m:r>
+                                          <a:rPr lang="fr-FR" sz="2000" i="1">
+                                            <a:latin typeface="Cambria Math"/>
+                                            <a:ea typeface="Cambria Math"/>
+                                          </a:rPr>
+                                          <m:t>𝑖</m:t>
+                                        </m:r>
+                                      </m:num>
+                                      <m:den>
+                                        <m:r>
+                                          <a:rPr lang="fr-FR" sz="2000" i="1">
+                                            <a:latin typeface="Cambria Math"/>
+                                            <a:ea typeface="Cambria Math"/>
+                                          </a:rPr>
+                                          <m:t>0</m:t>
+                                        </m:r>
+                                      </m:den>
+                                    </m:f>
+                                  </m:e>
+                                </m:d>
+                              </m:e>
+                            </m:acc>
+                            <m:r>
+                              <a:rPr lang="fr-FR" sz="2000" b="0" i="1" smtClean="0">
+                                <a:latin typeface="Cambria Math"/>
+                                <a:ea typeface="Cambria Math"/>
+                              </a:rPr>
+                              <m:t>=</m:t>
+                            </m:r>
+                            <m:sSub>
+                              <m:sSubPr>
+                                <m:ctrlPr>
+                                  <a:rPr lang="fr-FR" sz="2000" i="1">
+                                    <a:latin typeface="Cambria Math"/>
+                                    <a:ea typeface="Cambria Math"/>
+                                  </a:rPr>
+                                </m:ctrlPr>
+                              </m:sSubPr>
+                              <m:e>
+                                <m:r>
+                                  <a:rPr lang="fr-FR" sz="2000" i="1">
+                                    <a:latin typeface="Cambria Math"/>
+                                    <a:ea typeface="Cambria Math"/>
+                                  </a:rPr>
+                                  <m:t>𝜔</m:t>
+                                </m:r>
+                              </m:e>
+                              <m:sub>
+                                <m:f>
+                                  <m:fPr>
+                                    <m:type m:val="lin"/>
+                                    <m:ctrlPr>
+                                      <a:rPr lang="fr-FR" sz="2000" i="1">
+                                        <a:latin typeface="Cambria Math"/>
+                                        <a:ea typeface="Cambria Math"/>
+                                      </a:rPr>
+                                    </m:ctrlPr>
+                                  </m:fPr>
+                                  <m:num>
+                                    <m:r>
+                                      <a:rPr lang="fr-FR" sz="2000" i="1">
+                                        <a:latin typeface="Cambria Math"/>
+                                        <a:ea typeface="Cambria Math"/>
+                                      </a:rPr>
+                                      <m:t>𝑖</m:t>
+                                    </m:r>
+                                  </m:num>
+                                  <m:den>
+                                    <m:r>
+                                      <a:rPr lang="fr-FR" sz="2000" i="1">
+                                        <a:latin typeface="Cambria Math"/>
+                                        <a:ea typeface="Cambria Math"/>
+                                      </a:rPr>
+                                      <m:t>0</m:t>
+                                    </m:r>
+                                  </m:den>
+                                </m:f>
+                              </m:sub>
+                            </m:sSub>
+                            <m:acc>
+                              <m:accPr>
+                                <m:chr m:val="⃗"/>
+                                <m:ctrlPr>
+                                  <a:rPr lang="fr-FR" sz="2000" i="1">
+                                    <a:latin typeface="Cambria Math"/>
+                                    <a:ea typeface="Cambria Math"/>
+                                  </a:rPr>
+                                </m:ctrlPr>
+                              </m:accPr>
+                              <m:e>
+                                <m:r>
+                                  <a:rPr lang="fr-FR" sz="2000" i="1">
+                                    <a:latin typeface="Cambria Math"/>
+                                    <a:ea typeface="Cambria Math"/>
+                                  </a:rPr>
+                                  <m:t>𝑧</m:t>
+                                </m:r>
+                              </m:e>
+                            </m:acc>
+                          </m:e>
+                          <m:e>
+                            <m:acc>
+                              <m:accPr>
+                                <m:chr m:val="⃗"/>
+                                <m:ctrlPr>
+                                  <a:rPr lang="fr-FR" sz="2000" i="1">
+                                    <a:latin typeface="Cambria Math"/>
+                                    <a:ea typeface="Cambria Math"/>
+                                  </a:rPr>
+                                </m:ctrlPr>
+                              </m:accPr>
+                              <m:e>
+                                <m:r>
+                                  <a:rPr lang="fr-FR" sz="2000" i="1">
+                                    <a:latin typeface="Cambria Math"/>
+                                    <a:ea typeface="Cambria Math"/>
+                                  </a:rPr>
+                                  <m:t>𝑉</m:t>
+                                </m:r>
+                                <m:d>
+                                  <m:dPr>
+                                    <m:ctrlPr>
+                                      <a:rPr lang="fr-FR" sz="2000" i="1">
+                                        <a:latin typeface="Cambria Math"/>
+                                        <a:ea typeface="Cambria Math"/>
+                                      </a:rPr>
+                                    </m:ctrlPr>
+                                  </m:dPr>
+                                  <m:e>
+                                    <m:sSub>
+                                      <m:sSubPr>
+                                        <m:ctrlPr>
+                                          <a:rPr lang="fr-FR" sz="2000" i="1">
+                                            <a:latin typeface="Cambria Math"/>
+                                            <a:ea typeface="Cambria Math"/>
+                                          </a:rPr>
+                                        </m:ctrlPr>
+                                      </m:sSubPr>
+                                      <m:e>
+                                        <m:r>
+                                          <a:rPr lang="fr-FR" sz="2000" i="1">
+                                            <a:latin typeface="Cambria Math"/>
+                                            <a:ea typeface="Cambria Math"/>
+                                          </a:rPr>
+                                          <m:t>𝐺</m:t>
+                                        </m:r>
+                                      </m:e>
+                                      <m:sub>
+                                        <m:r>
+                                          <a:rPr lang="fr-FR" sz="2000" i="1">
+                                            <a:latin typeface="Cambria Math"/>
+                                            <a:ea typeface="Cambria Math"/>
+                                          </a:rPr>
+                                          <m:t>𝑖</m:t>
+                                        </m:r>
+                                      </m:sub>
+                                    </m:sSub>
+                                    <m:r>
+                                      <a:rPr lang="fr-FR" sz="2000" i="1">
+                                        <a:latin typeface="Cambria Math"/>
+                                        <a:ea typeface="Cambria Math"/>
+                                      </a:rPr>
+                                      <m:t>,</m:t>
+                                    </m:r>
+                                    <m:f>
+                                      <m:fPr>
+                                        <m:type m:val="lin"/>
+                                        <m:ctrlPr>
+                                          <a:rPr lang="fr-FR" sz="2000" i="1">
+                                            <a:latin typeface="Cambria Math"/>
+                                            <a:ea typeface="Cambria Math"/>
+                                          </a:rPr>
+                                        </m:ctrlPr>
+                                      </m:fPr>
+                                      <m:num>
+                                        <m:r>
+                                          <a:rPr lang="fr-FR" sz="2000" i="1">
+                                            <a:latin typeface="Cambria Math"/>
+                                            <a:ea typeface="Cambria Math"/>
+                                          </a:rPr>
+                                          <m:t>𝑖</m:t>
+                                        </m:r>
+                                      </m:num>
+                                      <m:den>
+                                        <m:r>
+                                          <a:rPr lang="fr-FR" sz="2000" i="1">
+                                            <a:latin typeface="Cambria Math"/>
+                                            <a:ea typeface="Cambria Math"/>
+                                          </a:rPr>
+                                          <m:t>0</m:t>
+                                        </m:r>
+                                      </m:den>
+                                    </m:f>
+                                  </m:e>
+                                </m:d>
+                              </m:e>
+                            </m:acc>
+                          </m:e>
+                        </m:eqArr>
+                      </m:e>
+                    </m:d>
+                  </m:oMath>
+                </a14:m>
+                <a:endParaRPr lang="fr-FR" sz="2000" dirty="0" smtClean="0">
+                  <a:ea typeface="Cambria Math"/>
+                </a:endParaRPr>
+              </a:p>
+              <a:p>
+                <a14:m>
+                  <m:oMath xmlns:m="http://schemas.openxmlformats.org/officeDocument/2006/math">
+                    <m:sSub>
+                      <m:sSubPr>
+                        <m:ctrlPr>
+                          <a:rPr lang="fr-FR" sz="1800" i="1">
+                            <a:latin typeface="Cambria Math"/>
+                            <a:ea typeface="Cambria Math"/>
+                          </a:rPr>
+                        </m:ctrlPr>
+                      </m:sSubPr>
+                      <m:e>
+                        <m:r>
+                          <a:rPr lang="fr-FR" sz="1800" b="0" i="1" smtClean="0">
+                            <a:latin typeface="Cambria Math"/>
+                            <a:ea typeface="Cambria Math"/>
+                          </a:rPr>
+                          <m:t>2</m:t>
+                        </m:r>
+                        <m:r>
+                          <a:rPr lang="fr-FR" sz="1800" i="1">
+                            <a:latin typeface="Cambria Math"/>
+                            <a:ea typeface="Cambria Math"/>
+                          </a:rPr>
+                          <m:t>ℰ</m:t>
+                        </m:r>
+                      </m:e>
+                      <m:sub>
+                        <m:r>
+                          <a:rPr lang="fr-FR" sz="1800" i="1">
+                            <a:latin typeface="Cambria Math"/>
+                            <a:ea typeface="Cambria Math"/>
+                          </a:rPr>
+                          <m:t>𝑐</m:t>
+                        </m:r>
+                      </m:sub>
+                    </m:sSub>
+                    <m:r>
+                      <a:rPr lang="fr-FR" sz="1800" i="1">
+                        <a:latin typeface="Cambria Math"/>
+                        <a:ea typeface="Cambria Math"/>
+                      </a:rPr>
+                      <m:t>=</m:t>
+                    </m:r>
+                    <m:r>
+                      <a:rPr lang="fr-FR" sz="1800" i="1">
+                        <a:latin typeface="Cambria Math"/>
+                        <a:ea typeface="Cambria Math"/>
+                      </a:rPr>
+                      <m:t>𝑚</m:t>
+                    </m:r>
+                    <m:sSup>
+                      <m:sSupPr>
+                        <m:ctrlPr>
+                          <a:rPr lang="fr-FR" sz="1800" b="0" i="1" smtClean="0">
+                            <a:latin typeface="Cambria Math"/>
+                            <a:ea typeface="Cambria Math"/>
+                          </a:rPr>
+                        </m:ctrlPr>
+                      </m:sSupPr>
+                      <m:e>
+                        <m:acc>
+                          <m:accPr>
+                            <m:chr m:val="⃗"/>
+                            <m:ctrlPr>
+                              <a:rPr lang="fr-FR" sz="1800" i="1">
+                                <a:latin typeface="Cambria Math"/>
+                                <a:ea typeface="Cambria Math"/>
+                              </a:rPr>
+                            </m:ctrlPr>
+                          </m:accPr>
+                          <m:e>
+                            <m:r>
+                              <a:rPr lang="fr-FR" sz="1800" i="1">
+                                <a:latin typeface="Cambria Math"/>
+                                <a:ea typeface="Cambria Math"/>
+                              </a:rPr>
+                              <m:t>𝑉</m:t>
+                            </m:r>
+                            <m:d>
+                              <m:dPr>
+                                <m:ctrlPr>
+                                  <a:rPr lang="fr-FR" sz="1800" i="1">
+                                    <a:latin typeface="Cambria Math"/>
+                                    <a:ea typeface="Cambria Math"/>
+                                  </a:rPr>
+                                </m:ctrlPr>
+                              </m:dPr>
+                              <m:e>
+                                <m:sSub>
+                                  <m:sSubPr>
+                                    <m:ctrlPr>
+                                      <a:rPr lang="fr-FR" sz="1800" i="1">
+                                        <a:latin typeface="Cambria Math"/>
+                                        <a:ea typeface="Cambria Math"/>
+                                      </a:rPr>
+                                    </m:ctrlPr>
+                                  </m:sSubPr>
+                                  <m:e>
+                                    <m:r>
+                                      <a:rPr lang="fr-FR" sz="1800" i="1">
+                                        <a:latin typeface="Cambria Math"/>
+                                        <a:ea typeface="Cambria Math"/>
+                                      </a:rPr>
+                                      <m:t>𝐺</m:t>
+                                    </m:r>
+                                  </m:e>
+                                  <m:sub>
+                                    <m:r>
+                                      <a:rPr lang="fr-FR" sz="1800" i="1">
+                                        <a:latin typeface="Cambria Math"/>
+                                        <a:ea typeface="Cambria Math"/>
+                                      </a:rPr>
+                                      <m:t>𝑖</m:t>
+                                    </m:r>
+                                  </m:sub>
+                                </m:sSub>
+                                <m:r>
+                                  <a:rPr lang="fr-FR" sz="1800" i="1">
+                                    <a:latin typeface="Cambria Math"/>
+                                    <a:ea typeface="Cambria Math"/>
+                                  </a:rPr>
+                                  <m:t>,</m:t>
+                                </m:r>
+                                <m:f>
+                                  <m:fPr>
+                                    <m:type m:val="lin"/>
+                                    <m:ctrlPr>
+                                      <a:rPr lang="fr-FR" sz="1800" i="1">
+                                        <a:latin typeface="Cambria Math"/>
+                                        <a:ea typeface="Cambria Math"/>
+                                      </a:rPr>
+                                    </m:ctrlPr>
+                                  </m:fPr>
+                                  <m:num>
+                                    <m:r>
+                                      <a:rPr lang="fr-FR" sz="1800" i="1">
+                                        <a:latin typeface="Cambria Math"/>
+                                        <a:ea typeface="Cambria Math"/>
+                                      </a:rPr>
+                                      <m:t>𝑖</m:t>
+                                    </m:r>
+                                  </m:num>
+                                  <m:den>
+                                    <m:r>
+                                      <a:rPr lang="fr-FR" sz="1800" i="1">
+                                        <a:latin typeface="Cambria Math"/>
+                                        <a:ea typeface="Cambria Math"/>
+                                      </a:rPr>
+                                      <m:t>0</m:t>
+                                    </m:r>
+                                  </m:den>
+                                </m:f>
+                              </m:e>
+                            </m:d>
+                          </m:e>
+                        </m:acc>
+                      </m:e>
+                      <m:sup>
+                        <m:r>
+                          <a:rPr lang="fr-FR" sz="1800" b="0" i="1" smtClean="0">
+                            <a:latin typeface="Cambria Math"/>
+                            <a:ea typeface="Cambria Math"/>
+                          </a:rPr>
+                          <m:t>2</m:t>
+                        </m:r>
+                      </m:sup>
+                    </m:sSup>
+                    <m:r>
+                      <a:rPr lang="fr-FR" sz="1800" b="0" i="1" smtClean="0">
+                        <a:latin typeface="Cambria Math"/>
+                        <a:ea typeface="Cambria Math"/>
+                      </a:rPr>
+                      <m:t>+</m:t>
+                    </m:r>
+                    <m:sSub>
+                      <m:sSubPr>
+                        <m:ctrlPr>
+                          <a:rPr lang="fr-FR" sz="1800" i="1">
+                            <a:latin typeface="Cambria Math"/>
+                            <a:ea typeface="Cambria Math"/>
+                          </a:rPr>
+                        </m:ctrlPr>
+                      </m:sSubPr>
+                      <m:e>
+                        <m:r>
+                          <a:rPr lang="fr-FR" sz="1800" i="1">
+                            <a:latin typeface="Cambria Math"/>
+                            <a:ea typeface="Cambria Math"/>
+                          </a:rPr>
+                          <m:t>𝐽</m:t>
+                        </m:r>
+                      </m:e>
+                      <m:sub>
+                        <m:r>
+                          <a:rPr lang="fr-FR" sz="1800" i="1">
+                            <a:latin typeface="Cambria Math"/>
+                            <a:ea typeface="Cambria Math"/>
+                          </a:rPr>
+                          <m:t>𝑖</m:t>
+                        </m:r>
+                      </m:sub>
+                    </m:sSub>
+                    <m:sSubSup>
+                      <m:sSubSupPr>
+                        <m:ctrlPr>
+                          <a:rPr lang="fr-FR" sz="1800" b="0" i="1" smtClean="0">
+                            <a:latin typeface="Cambria Math"/>
+                            <a:ea typeface="Cambria Math"/>
+                          </a:rPr>
+                        </m:ctrlPr>
+                      </m:sSubSupPr>
+                      <m:e>
+                        <m:r>
+                          <a:rPr lang="fr-FR" sz="1800" i="1">
+                            <a:latin typeface="Cambria Math"/>
+                            <a:ea typeface="Cambria Math"/>
+                          </a:rPr>
+                          <m:t>𝜔</m:t>
+                        </m:r>
+                      </m:e>
+                      <m:sub>
+                        <m:f>
+                          <m:fPr>
+                            <m:type m:val="lin"/>
+                            <m:ctrlPr>
+                              <a:rPr lang="fr-FR" sz="1800" i="1">
+                                <a:latin typeface="Cambria Math"/>
+                                <a:ea typeface="Cambria Math"/>
+                              </a:rPr>
+                            </m:ctrlPr>
+                          </m:fPr>
+                          <m:num>
+                            <m:r>
+                              <a:rPr lang="fr-FR" sz="1800" i="1">
+                                <a:latin typeface="Cambria Math"/>
+                                <a:ea typeface="Cambria Math"/>
+                              </a:rPr>
+                              <m:t>𝑖</m:t>
+                            </m:r>
+                          </m:num>
+                          <m:den>
+                            <m:r>
+                              <a:rPr lang="fr-FR" sz="1800" i="1">
+                                <a:latin typeface="Cambria Math"/>
+                                <a:ea typeface="Cambria Math"/>
+                              </a:rPr>
+                              <m:t>0</m:t>
+                            </m:r>
+                          </m:den>
+                        </m:f>
+                      </m:sub>
+                      <m:sup>
+                        <m:r>
+                          <a:rPr lang="fr-FR" sz="1800" b="0" i="1" smtClean="0">
+                            <a:latin typeface="Cambria Math"/>
+                            <a:ea typeface="Cambria Math"/>
+                          </a:rPr>
+                          <m:t>2</m:t>
+                        </m:r>
+                      </m:sup>
+                    </m:sSubSup>
+                    <m:r>
+                      <a:rPr lang="fr-FR" sz="1800" b="0" i="1" smtClean="0">
+                        <a:latin typeface="Cambria Math"/>
+                        <a:ea typeface="Cambria Math"/>
+                      </a:rPr>
+                      <m:t>=</m:t>
+                    </m:r>
+                    <m:r>
+                      <a:rPr lang="fr-FR" sz="1800" b="0" i="1" smtClean="0">
+                        <a:latin typeface="Cambria Math"/>
+                        <a:ea typeface="Cambria Math"/>
+                      </a:rPr>
+                      <m:t>𝑚</m:t>
+                    </m:r>
+                    <m:sSubSup>
+                      <m:sSubSupPr>
+                        <m:ctrlPr>
+                          <a:rPr lang="fr-FR" sz="1800" b="0" i="1" smtClean="0">
+                            <a:latin typeface="Cambria Math"/>
+                            <a:ea typeface="Cambria Math"/>
+                          </a:rPr>
+                        </m:ctrlPr>
+                      </m:sSubSupPr>
+                      <m:e>
+                        <m:r>
+                          <a:rPr lang="fr-FR" sz="1800" b="0" i="1" smtClean="0">
+                            <a:latin typeface="Cambria Math"/>
+                            <a:ea typeface="Cambria Math"/>
+                          </a:rPr>
+                          <m:t>𝑅</m:t>
+                        </m:r>
+                      </m:e>
+                      <m:sub>
+                        <m:r>
+                          <a:rPr lang="fr-FR" sz="1800" b="0" i="1" smtClean="0">
+                            <a:latin typeface="Cambria Math"/>
+                            <a:ea typeface="Cambria Math"/>
+                          </a:rPr>
+                          <m:t>𝑖</m:t>
+                        </m:r>
+                      </m:sub>
+                      <m:sup>
+                        <m:r>
+                          <a:rPr lang="fr-FR" sz="1800" b="0" i="1" smtClean="0">
+                            <a:latin typeface="Cambria Math"/>
+                            <a:ea typeface="Cambria Math"/>
+                          </a:rPr>
+                          <m:t>2</m:t>
+                        </m:r>
+                      </m:sup>
+                    </m:sSubSup>
+                    <m:sSubSup>
+                      <m:sSubSupPr>
+                        <m:ctrlPr>
+                          <a:rPr lang="fr-FR" sz="1800" i="1">
+                            <a:latin typeface="Cambria Math"/>
+                            <a:ea typeface="Cambria Math"/>
+                          </a:rPr>
+                        </m:ctrlPr>
+                      </m:sSubSupPr>
+                      <m:e>
+                        <m:r>
+                          <a:rPr lang="fr-FR" sz="1800" i="1">
+                            <a:latin typeface="Cambria Math"/>
+                            <a:ea typeface="Cambria Math"/>
+                          </a:rPr>
+                          <m:t>𝜔</m:t>
+                        </m:r>
+                      </m:e>
+                      <m:sub>
+                        <m:f>
+                          <m:fPr>
+                            <m:type m:val="lin"/>
+                            <m:ctrlPr>
+                              <a:rPr lang="fr-FR" sz="1800" i="1">
+                                <a:latin typeface="Cambria Math"/>
+                                <a:ea typeface="Cambria Math"/>
+                              </a:rPr>
+                            </m:ctrlPr>
+                          </m:fPr>
+                          <m:num>
+                            <m:r>
+                              <a:rPr lang="fr-FR" sz="1800" i="1">
+                                <a:latin typeface="Cambria Math"/>
+                                <a:ea typeface="Cambria Math"/>
+                              </a:rPr>
+                              <m:t>𝑇</m:t>
+                            </m:r>
+                          </m:num>
+                          <m:den>
+                            <m:r>
+                              <a:rPr lang="fr-FR" sz="1800" i="1">
+                                <a:latin typeface="Cambria Math"/>
+                                <a:ea typeface="Cambria Math"/>
+                              </a:rPr>
+                              <m:t>0</m:t>
+                            </m:r>
+                          </m:den>
+                        </m:f>
+                      </m:sub>
+                      <m:sup>
+                        <m:r>
+                          <a:rPr lang="fr-FR" sz="1800" i="1">
+                            <a:latin typeface="Cambria Math"/>
+                            <a:ea typeface="Cambria Math"/>
+                          </a:rPr>
+                          <m:t>2</m:t>
+                        </m:r>
+                      </m:sup>
+                    </m:sSubSup>
+                    <m:r>
+                      <a:rPr lang="fr-FR" sz="1800" b="0" i="1" smtClean="0">
+                        <a:latin typeface="Cambria Math"/>
+                        <a:ea typeface="Cambria Math"/>
+                      </a:rPr>
+                      <m:t>+</m:t>
+                    </m:r>
+                    <m:sSub>
+                      <m:sSubPr>
+                        <m:ctrlPr>
+                          <a:rPr lang="fr-FR" sz="1800" b="0" i="1" smtClean="0">
+                            <a:latin typeface="Cambria Math"/>
+                            <a:ea typeface="Cambria Math"/>
+                          </a:rPr>
+                        </m:ctrlPr>
+                      </m:sSubPr>
+                      <m:e>
+                        <m:r>
+                          <a:rPr lang="fr-FR" sz="1800" b="0" i="1" smtClean="0">
+                            <a:latin typeface="Cambria Math"/>
+                            <a:ea typeface="Cambria Math"/>
+                          </a:rPr>
+                          <m:t>𝐽</m:t>
+                        </m:r>
+                      </m:e>
+                      <m:sub>
+                        <m:r>
+                          <a:rPr lang="fr-FR" sz="1800" b="0" i="1" smtClean="0">
+                            <a:latin typeface="Cambria Math"/>
+                            <a:ea typeface="Cambria Math"/>
+                          </a:rPr>
+                          <m:t>𝑖</m:t>
+                        </m:r>
+                      </m:sub>
+                    </m:sSub>
+                    <m:sSup>
+                      <m:sSupPr>
+                        <m:ctrlPr>
+                          <a:rPr lang="fr-FR" sz="1800" b="0" i="1" smtClean="0">
+                            <a:latin typeface="Cambria Math"/>
+                            <a:ea typeface="Cambria Math"/>
+                          </a:rPr>
+                        </m:ctrlPr>
+                      </m:sSupPr>
+                      <m:e>
+                        <m:d>
+                          <m:dPr>
+                            <m:ctrlPr>
+                              <a:rPr lang="fr-FR" sz="1800" b="0" i="1" smtClean="0">
+                                <a:latin typeface="Cambria Math"/>
+                                <a:ea typeface="Cambria Math"/>
+                              </a:rPr>
+                            </m:ctrlPr>
+                          </m:dPr>
+                          <m:e>
+                            <m:sSub>
+                              <m:sSubPr>
+                                <m:ctrlPr>
+                                  <a:rPr lang="fr-FR" sz="1800" b="0" i="1" smtClean="0">
+                                    <a:latin typeface="Cambria Math"/>
+                                    <a:ea typeface="Cambria Math"/>
+                                  </a:rPr>
+                                </m:ctrlPr>
+                              </m:sSubPr>
+                              <m:e>
+                                <m:r>
+                                  <a:rPr lang="fr-FR" sz="1800" b="0" i="1" smtClean="0">
+                                    <a:latin typeface="Cambria Math"/>
+                                    <a:ea typeface="Cambria Math"/>
+                                  </a:rPr>
+                                  <m:t>𝑘</m:t>
+                                </m:r>
+                              </m:e>
+                              <m:sub>
+                                <m:r>
+                                  <a:rPr lang="fr-FR" sz="1800" b="0" i="1" smtClean="0">
+                                    <a:latin typeface="Cambria Math"/>
+                                    <a:ea typeface="Cambria Math"/>
+                                  </a:rPr>
+                                  <m:t>𝑖</m:t>
+                                </m:r>
+                              </m:sub>
+                            </m:sSub>
+                            <m:sSub>
+                              <m:sSubPr>
+                                <m:ctrlPr>
+                                  <a:rPr lang="fr-FR" sz="1800" i="1">
+                                    <a:latin typeface="Cambria Math"/>
+                                    <a:ea typeface="Cambria Math"/>
+                                  </a:rPr>
+                                </m:ctrlPr>
+                              </m:sSubPr>
+                              <m:e>
+                                <m:r>
+                                  <a:rPr lang="fr-FR" sz="1800" i="1">
+                                    <a:latin typeface="Cambria Math"/>
+                                    <a:ea typeface="Cambria Math"/>
+                                  </a:rPr>
+                                  <m:t>𝜔</m:t>
+                                </m:r>
+                              </m:e>
+                              <m:sub>
+                                <m:f>
+                                  <m:fPr>
+                                    <m:type m:val="lin"/>
+                                    <m:ctrlPr>
+                                      <a:rPr lang="fr-FR" sz="1800" i="1">
+                                        <a:latin typeface="Cambria Math"/>
+                                        <a:ea typeface="Cambria Math"/>
+                                      </a:rPr>
+                                    </m:ctrlPr>
+                                  </m:fPr>
+                                  <m:num>
+                                    <m:r>
+                                      <a:rPr lang="fr-FR" sz="1800" b="0" i="1" smtClean="0">
+                                        <a:latin typeface="Cambria Math"/>
+                                        <a:ea typeface="Cambria Math"/>
+                                      </a:rPr>
+                                      <m:t>𝑅</m:t>
+                                    </m:r>
+                                  </m:num>
+                                  <m:den>
+                                    <m:r>
+                                      <a:rPr lang="fr-FR" sz="1800" i="1">
+                                        <a:latin typeface="Cambria Math"/>
+                                        <a:ea typeface="Cambria Math"/>
+                                      </a:rPr>
+                                      <m:t>𝑇</m:t>
+                                    </m:r>
+                                  </m:den>
+                                </m:f>
+                              </m:sub>
+                            </m:sSub>
+                            <m:r>
+                              <a:rPr lang="fr-FR" sz="1800" b="0" i="1" smtClean="0">
+                                <a:latin typeface="Cambria Math"/>
+                                <a:ea typeface="Cambria Math"/>
+                              </a:rPr>
+                              <m:t>+</m:t>
+                            </m:r>
+                            <m:f>
+                              <m:fPr>
+                                <m:ctrlPr>
+                                  <a:rPr lang="fr-FR" sz="1800" i="1">
+                                    <a:latin typeface="Cambria Math"/>
+                                    <a:ea typeface="Cambria Math"/>
+                                  </a:rPr>
+                                </m:ctrlPr>
+                              </m:fPr>
+                              <m:num>
+                                <m:sSub>
+                                  <m:sSubPr>
+                                    <m:ctrlPr>
+                                      <a:rPr lang="fr-FR" sz="1800" i="1">
+                                        <a:latin typeface="Cambria Math"/>
+                                        <a:ea typeface="Cambria Math"/>
+                                      </a:rPr>
+                                    </m:ctrlPr>
+                                  </m:sSubPr>
+                                  <m:e>
+                                    <m:r>
+                                      <a:rPr lang="fr-FR" sz="1800" i="1">
+                                        <a:latin typeface="Cambria Math"/>
+                                        <a:ea typeface="Cambria Math"/>
+                                      </a:rPr>
+                                      <m:t>𝑟</m:t>
+                                    </m:r>
+                                  </m:e>
+                                  <m:sub>
+                                    <m:r>
+                                      <a:rPr lang="fr-FR" sz="1800" i="1">
+                                        <a:latin typeface="Cambria Math"/>
+                                        <a:ea typeface="Cambria Math"/>
+                                      </a:rPr>
+                                      <m:t>3</m:t>
+                                    </m:r>
+                                  </m:sub>
+                                </m:sSub>
+                              </m:num>
+                              <m:den>
+                                <m:sSub>
+                                  <m:sSubPr>
+                                    <m:ctrlPr>
+                                      <a:rPr lang="fr-FR" sz="1800" i="1">
+                                        <a:latin typeface="Cambria Math"/>
+                                        <a:ea typeface="Cambria Math"/>
+                                      </a:rPr>
+                                    </m:ctrlPr>
+                                  </m:sSubPr>
+                                  <m:e>
+                                    <m:r>
+                                      <a:rPr lang="fr-FR" sz="1800" i="1">
+                                        <a:latin typeface="Cambria Math"/>
+                                        <a:ea typeface="Cambria Math"/>
+                                      </a:rPr>
+                                      <m:t>𝑟</m:t>
+                                    </m:r>
+                                  </m:e>
+                                  <m:sub>
+                                    <m:r>
+                                      <a:rPr lang="fr-FR" sz="1800" i="1">
+                                        <a:latin typeface="Cambria Math"/>
+                                        <a:ea typeface="Cambria Math"/>
+                                      </a:rPr>
+                                      <m:t>0</m:t>
+                                    </m:r>
+                                  </m:sub>
+                                </m:sSub>
+                              </m:den>
+                            </m:f>
+                            <m:sSub>
+                              <m:sSubPr>
+                                <m:ctrlPr>
+                                  <a:rPr lang="fr-FR" sz="1800" i="1">
+                                    <a:latin typeface="Cambria Math"/>
+                                    <a:ea typeface="Cambria Math"/>
+                                  </a:rPr>
+                                </m:ctrlPr>
+                              </m:sSubPr>
+                              <m:e>
+                                <m:r>
+                                  <a:rPr lang="fr-FR" sz="1800" i="1">
+                                    <a:latin typeface="Cambria Math"/>
+                                    <a:ea typeface="Cambria Math"/>
+                                  </a:rPr>
+                                  <m:t>𝜔</m:t>
+                                </m:r>
+                              </m:e>
+                              <m:sub>
+                                <m:f>
+                                  <m:fPr>
+                                    <m:type m:val="lin"/>
+                                    <m:ctrlPr>
+                                      <a:rPr lang="fr-FR" sz="1800" i="1">
+                                        <a:latin typeface="Cambria Math"/>
+                                        <a:ea typeface="Cambria Math"/>
+                                      </a:rPr>
+                                    </m:ctrlPr>
+                                  </m:fPr>
+                                  <m:num>
+                                    <m:r>
+                                      <a:rPr lang="fr-FR" sz="1800" i="1">
+                                        <a:latin typeface="Cambria Math"/>
+                                        <a:ea typeface="Cambria Math"/>
+                                      </a:rPr>
+                                      <m:t>3</m:t>
+                                    </m:r>
+                                  </m:num>
+                                  <m:den>
+                                    <m:r>
+                                      <a:rPr lang="fr-FR" sz="1800" i="1">
+                                        <a:latin typeface="Cambria Math"/>
+                                        <a:ea typeface="Cambria Math"/>
+                                      </a:rPr>
+                                      <m:t>𝑇</m:t>
+                                    </m:r>
+                                  </m:den>
+                                </m:f>
+                              </m:sub>
+                            </m:sSub>
+                          </m:e>
+                        </m:d>
+                      </m:e>
+                      <m:sup>
+                        <m:r>
+                          <a:rPr lang="fr-FR" sz="1800" b="0" i="1" smtClean="0">
+                            <a:latin typeface="Cambria Math"/>
+                            <a:ea typeface="Cambria Math"/>
+                          </a:rPr>
+                          <m:t>2</m:t>
+                        </m:r>
+                      </m:sup>
+                    </m:sSup>
+                    <m:r>
+                      <a:rPr lang="fr-FR" sz="1800" b="0" i="1" smtClean="0">
+                        <a:latin typeface="Cambria Math"/>
+                        <a:ea typeface="Cambria Math"/>
+                      </a:rPr>
+                      <m:t>=</m:t>
+                    </m:r>
+                    <m:r>
+                      <a:rPr lang="fr-FR" sz="1800" i="1">
+                        <a:latin typeface="Cambria Math"/>
+                        <a:ea typeface="Cambria Math"/>
+                      </a:rPr>
+                      <m:t>𝑚</m:t>
+                    </m:r>
+                    <m:sSubSup>
+                      <m:sSubSupPr>
+                        <m:ctrlPr>
+                          <a:rPr lang="fr-FR" sz="1800" i="1">
+                            <a:latin typeface="Cambria Math"/>
+                            <a:ea typeface="Cambria Math"/>
+                          </a:rPr>
+                        </m:ctrlPr>
+                      </m:sSubSupPr>
+                      <m:e>
+                        <m:r>
+                          <a:rPr lang="fr-FR" sz="1800" i="1">
+                            <a:latin typeface="Cambria Math"/>
+                            <a:ea typeface="Cambria Math"/>
+                          </a:rPr>
+                          <m:t>𝑅</m:t>
+                        </m:r>
+                      </m:e>
+                      <m:sub>
+                        <m:r>
+                          <a:rPr lang="fr-FR" sz="1800" i="1">
+                            <a:latin typeface="Cambria Math"/>
+                            <a:ea typeface="Cambria Math"/>
+                          </a:rPr>
+                          <m:t>𝑖</m:t>
+                        </m:r>
+                      </m:sub>
+                      <m:sup>
+                        <m:r>
+                          <a:rPr lang="fr-FR" sz="1800" i="1">
+                            <a:latin typeface="Cambria Math"/>
+                            <a:ea typeface="Cambria Math"/>
+                          </a:rPr>
+                          <m:t>2</m:t>
+                        </m:r>
+                      </m:sup>
+                    </m:sSubSup>
+                    <m:sSup>
+                      <m:sSupPr>
+                        <m:ctrlPr>
+                          <a:rPr lang="fr-FR" sz="1800" b="0" i="1" smtClean="0">
+                            <a:latin typeface="Cambria Math"/>
+                            <a:ea typeface="Cambria Math"/>
+                          </a:rPr>
+                        </m:ctrlPr>
+                      </m:sSupPr>
+                      <m:e>
+                        <m:d>
+                          <m:dPr>
+                            <m:ctrlPr>
+                              <a:rPr lang="fr-FR" sz="1800" i="1" smtClean="0">
+                                <a:latin typeface="Cambria Math"/>
+                                <a:ea typeface="Cambria Math"/>
+                              </a:rPr>
+                            </m:ctrlPr>
+                          </m:dPr>
+                          <m:e>
+                            <m:f>
+                              <m:fPr>
+                                <m:ctrlPr>
+                                  <a:rPr lang="fr-FR" sz="1800" i="1">
+                                    <a:latin typeface="Cambria Math"/>
+                                    <a:ea typeface="Cambria Math"/>
+                                  </a:rPr>
+                                </m:ctrlPr>
+                              </m:fPr>
+                              <m:num>
+                                <m:sSub>
+                                  <m:sSubPr>
+                                    <m:ctrlPr>
+                                      <a:rPr lang="fr-FR" sz="1800" i="1">
+                                        <a:latin typeface="Cambria Math"/>
+                                        <a:ea typeface="Cambria Math"/>
+                                      </a:rPr>
+                                    </m:ctrlPr>
+                                  </m:sSubPr>
+                                  <m:e>
+                                    <m:r>
+                                      <a:rPr lang="fr-FR" sz="1800" i="1">
+                                        <a:latin typeface="Cambria Math"/>
+                                        <a:ea typeface="Cambria Math"/>
+                                      </a:rPr>
+                                      <m:t>𝑟</m:t>
+                                    </m:r>
+                                  </m:e>
+                                  <m:sub>
+                                    <m:r>
+                                      <a:rPr lang="fr-FR" sz="1800" i="1">
+                                        <a:latin typeface="Cambria Math"/>
+                                        <a:ea typeface="Cambria Math"/>
+                                      </a:rPr>
+                                      <m:t>3</m:t>
+                                    </m:r>
+                                  </m:sub>
+                                </m:sSub>
+                              </m:num>
+                              <m:den>
+                                <m:sSub>
+                                  <m:sSubPr>
+                                    <m:ctrlPr>
+                                      <a:rPr lang="fr-FR" sz="1800" i="1">
+                                        <a:latin typeface="Cambria Math"/>
+                                        <a:ea typeface="Cambria Math"/>
+                                      </a:rPr>
+                                    </m:ctrlPr>
+                                  </m:sSubPr>
+                                  <m:e>
+                                    <m:r>
+                                      <a:rPr lang="fr-FR" sz="1800" i="1">
+                                        <a:latin typeface="Cambria Math"/>
+                                        <a:ea typeface="Cambria Math"/>
+                                      </a:rPr>
+                                      <m:t>𝑟</m:t>
+                                    </m:r>
+                                  </m:e>
+                                  <m:sub>
+                                    <m:r>
+                                      <a:rPr lang="fr-FR" sz="1800" i="1">
+                                        <a:latin typeface="Cambria Math"/>
+                                        <a:ea typeface="Cambria Math"/>
+                                      </a:rPr>
+                                      <m:t>0</m:t>
+                                    </m:r>
+                                  </m:sub>
+                                </m:sSub>
+                              </m:den>
+                            </m:f>
+                            <m:sSub>
+                              <m:sSubPr>
+                                <m:ctrlPr>
+                                  <a:rPr lang="fr-FR" sz="1800" b="0" i="1" smtClean="0">
+                                    <a:latin typeface="Cambria Math"/>
+                                    <a:ea typeface="Cambria Math"/>
+                                  </a:rPr>
+                                </m:ctrlPr>
+                              </m:sSubPr>
+                              <m:e>
+                                <m:r>
+                                  <a:rPr lang="fr-FR" sz="1800" b="0" i="1" smtClean="0">
+                                    <a:latin typeface="Cambria Math"/>
+                                    <a:ea typeface="Cambria Math"/>
+                                  </a:rPr>
+                                  <m:t>𝑘</m:t>
+                                </m:r>
+                              </m:e>
+                              <m:sub>
+                                <m:r>
+                                  <a:rPr lang="fr-FR" sz="1800" b="0" i="1" smtClean="0">
+                                    <a:latin typeface="Cambria Math"/>
+                                    <a:ea typeface="Cambria Math"/>
+                                  </a:rPr>
+                                  <m:t>3</m:t>
+                                </m:r>
+                              </m:sub>
+                            </m:sSub>
+                          </m:e>
+                        </m:d>
+                      </m:e>
+                      <m:sup>
+                        <m:r>
+                          <a:rPr lang="fr-FR" sz="1800" b="0" i="1" smtClean="0">
+                            <a:latin typeface="Cambria Math"/>
+                            <a:ea typeface="Cambria Math"/>
+                          </a:rPr>
+                          <m:t>2</m:t>
+                        </m:r>
+                      </m:sup>
+                    </m:sSup>
+                    <m:sSubSup>
+                      <m:sSubSupPr>
+                        <m:ctrlPr>
+                          <a:rPr lang="fr-FR" sz="1800" b="0" i="1" smtClean="0">
+                            <a:latin typeface="Cambria Math"/>
+                            <a:ea typeface="Cambria Math"/>
+                          </a:rPr>
+                        </m:ctrlPr>
+                      </m:sSubSupPr>
+                      <m:e>
+                        <m:r>
+                          <a:rPr lang="fr-FR" sz="1800" i="1">
+                            <a:latin typeface="Cambria Math"/>
+                            <a:ea typeface="Cambria Math"/>
+                          </a:rPr>
+                          <m:t>𝜔</m:t>
+                        </m:r>
+                      </m:e>
+                      <m:sub>
+                        <m:f>
+                          <m:fPr>
+                            <m:type m:val="lin"/>
+                            <m:ctrlPr>
+                              <a:rPr lang="fr-FR" sz="1800" i="1">
+                                <a:latin typeface="Cambria Math"/>
+                                <a:ea typeface="Cambria Math"/>
+                              </a:rPr>
+                            </m:ctrlPr>
+                          </m:fPr>
+                          <m:num>
+                            <m:r>
+                              <a:rPr lang="fr-FR" sz="1800" b="0" i="1" smtClean="0">
+                                <a:latin typeface="Cambria Math"/>
+                                <a:ea typeface="Cambria Math"/>
+                              </a:rPr>
+                              <m:t>𝑅</m:t>
+                            </m:r>
+                          </m:num>
+                          <m:den>
+                            <m:r>
+                              <a:rPr lang="fr-FR" sz="1800" i="1">
+                                <a:latin typeface="Cambria Math"/>
+                                <a:ea typeface="Cambria Math"/>
+                              </a:rPr>
+                              <m:t>𝑇</m:t>
+                            </m:r>
+                          </m:den>
+                        </m:f>
+                      </m:sub>
+                      <m:sup>
+                        <m:r>
+                          <a:rPr lang="fr-FR" sz="1800" b="0" i="1" smtClean="0">
+                            <a:latin typeface="Cambria Math"/>
+                            <a:ea typeface="Cambria Math"/>
+                          </a:rPr>
+                          <m:t>2</m:t>
+                        </m:r>
+                      </m:sup>
+                    </m:sSubSup>
+                    <m:r>
+                      <a:rPr lang="fr-FR" sz="1800" i="1">
+                        <a:latin typeface="Cambria Math"/>
+                        <a:ea typeface="Cambria Math"/>
+                      </a:rPr>
+                      <m:t>+</m:t>
+                    </m:r>
+                    <m:sSub>
+                      <m:sSubPr>
+                        <m:ctrlPr>
+                          <a:rPr lang="fr-FR" sz="1800" i="1">
+                            <a:latin typeface="Cambria Math"/>
+                            <a:ea typeface="Cambria Math"/>
+                          </a:rPr>
+                        </m:ctrlPr>
+                      </m:sSubPr>
+                      <m:e>
+                        <m:r>
+                          <a:rPr lang="fr-FR" sz="1800" i="1">
+                            <a:latin typeface="Cambria Math"/>
+                            <a:ea typeface="Cambria Math"/>
+                          </a:rPr>
+                          <m:t>𝐽</m:t>
+                        </m:r>
+                      </m:e>
+                      <m:sub>
+                        <m:r>
+                          <a:rPr lang="fr-FR" sz="1800" i="1">
+                            <a:latin typeface="Cambria Math"/>
+                            <a:ea typeface="Cambria Math"/>
+                          </a:rPr>
+                          <m:t>𝑖</m:t>
+                        </m:r>
+                      </m:sub>
+                    </m:sSub>
+                    <m:sSup>
+                      <m:sSupPr>
+                        <m:ctrlPr>
+                          <a:rPr lang="fr-FR" sz="1800" b="0" i="1" smtClean="0">
+                            <a:latin typeface="Cambria Math"/>
+                            <a:ea typeface="Cambria Math"/>
+                          </a:rPr>
+                        </m:ctrlPr>
+                      </m:sSupPr>
+                      <m:e>
+                        <m:d>
+                          <m:dPr>
+                            <m:ctrlPr>
+                              <a:rPr lang="fr-FR" sz="1800" i="1">
+                                <a:latin typeface="Cambria Math"/>
+                                <a:ea typeface="Cambria Math"/>
+                              </a:rPr>
+                            </m:ctrlPr>
+                          </m:dPr>
+                          <m:e>
+                            <m:sSub>
+                              <m:sSubPr>
+                                <m:ctrlPr>
+                                  <a:rPr lang="fr-FR" sz="1800" i="1">
+                                    <a:latin typeface="Cambria Math"/>
+                                    <a:ea typeface="Cambria Math"/>
+                                  </a:rPr>
+                                </m:ctrlPr>
+                              </m:sSubPr>
+                              <m:e>
+                                <m:r>
+                                  <a:rPr lang="fr-FR" sz="1800" i="1">
+                                    <a:latin typeface="Cambria Math"/>
+                                    <a:ea typeface="Cambria Math"/>
+                                  </a:rPr>
+                                  <m:t>𝑘</m:t>
+                                </m:r>
+                              </m:e>
+                              <m:sub>
+                                <m:r>
+                                  <a:rPr lang="fr-FR" sz="1800" i="1">
+                                    <a:latin typeface="Cambria Math"/>
+                                    <a:ea typeface="Cambria Math"/>
+                                  </a:rPr>
+                                  <m:t>𝑖</m:t>
+                                </m:r>
+                              </m:sub>
+                            </m:sSub>
+                            <m:r>
+                              <a:rPr lang="fr-FR" sz="1800" i="1">
+                                <a:latin typeface="Cambria Math"/>
+                                <a:ea typeface="Cambria Math"/>
+                              </a:rPr>
+                              <m:t>+</m:t>
+                            </m:r>
+                            <m:f>
+                              <m:fPr>
+                                <m:ctrlPr>
+                                  <a:rPr lang="fr-FR" sz="1800" i="1">
+                                    <a:latin typeface="Cambria Math"/>
+                                    <a:ea typeface="Cambria Math"/>
+                                  </a:rPr>
+                                </m:ctrlPr>
+                              </m:fPr>
+                              <m:num>
+                                <m:sSub>
+                                  <m:sSubPr>
+                                    <m:ctrlPr>
+                                      <a:rPr lang="fr-FR" sz="1800" i="1">
+                                        <a:latin typeface="Cambria Math"/>
+                                        <a:ea typeface="Cambria Math"/>
+                                      </a:rPr>
+                                    </m:ctrlPr>
+                                  </m:sSubPr>
+                                  <m:e>
+                                    <m:r>
+                                      <a:rPr lang="fr-FR" sz="1800" i="1">
+                                        <a:latin typeface="Cambria Math"/>
+                                        <a:ea typeface="Cambria Math"/>
+                                      </a:rPr>
+                                      <m:t>𝑟</m:t>
+                                    </m:r>
+                                  </m:e>
+                                  <m:sub>
+                                    <m:r>
+                                      <a:rPr lang="fr-FR" sz="1800" i="1">
+                                        <a:latin typeface="Cambria Math"/>
+                                        <a:ea typeface="Cambria Math"/>
+                                      </a:rPr>
+                                      <m:t>3</m:t>
+                                    </m:r>
+                                  </m:sub>
+                                </m:sSub>
+                              </m:num>
+                              <m:den>
+                                <m:sSub>
+                                  <m:sSubPr>
+                                    <m:ctrlPr>
+                                      <a:rPr lang="fr-FR" sz="1800" i="1">
+                                        <a:latin typeface="Cambria Math"/>
+                                        <a:ea typeface="Cambria Math"/>
+                                      </a:rPr>
+                                    </m:ctrlPr>
+                                  </m:sSubPr>
+                                  <m:e>
+                                    <m:r>
+                                      <a:rPr lang="fr-FR" sz="1800" i="1">
+                                        <a:latin typeface="Cambria Math"/>
+                                        <a:ea typeface="Cambria Math"/>
+                                      </a:rPr>
+                                      <m:t>𝑟</m:t>
+                                    </m:r>
+                                  </m:e>
+                                  <m:sub>
+                                    <m:r>
+                                      <a:rPr lang="fr-FR" sz="1800" i="1">
+                                        <a:latin typeface="Cambria Math"/>
+                                        <a:ea typeface="Cambria Math"/>
+                                      </a:rPr>
+                                      <m:t>0</m:t>
+                                    </m:r>
+                                  </m:sub>
+                                </m:sSub>
+                              </m:den>
+                            </m:f>
+                            <m:sSub>
+                              <m:sSubPr>
+                                <m:ctrlPr>
+                                  <a:rPr lang="fr-FR" sz="1800" b="0" i="1" smtClean="0">
+                                    <a:latin typeface="Cambria Math"/>
+                                    <a:ea typeface="Cambria Math"/>
+                                  </a:rPr>
+                                </m:ctrlPr>
+                              </m:sSubPr>
+                              <m:e>
+                                <m:r>
+                                  <a:rPr lang="fr-FR" sz="1800" b="0" i="1" smtClean="0">
+                                    <a:latin typeface="Cambria Math"/>
+                                    <a:ea typeface="Cambria Math"/>
+                                  </a:rPr>
+                                  <m:t>𝑘</m:t>
+                                </m:r>
+                              </m:e>
+                              <m:sub>
+                                <m:r>
+                                  <a:rPr lang="fr-FR" sz="1800" b="0" i="1" smtClean="0">
+                                    <a:latin typeface="Cambria Math"/>
+                                    <a:ea typeface="Cambria Math"/>
+                                  </a:rPr>
+                                  <m:t>3</m:t>
+                                </m:r>
+                              </m:sub>
+                            </m:sSub>
+                          </m:e>
+                        </m:d>
+                      </m:e>
+                      <m:sup>
+                        <m:r>
+                          <a:rPr lang="fr-FR" sz="1800" b="0" i="1" smtClean="0">
+                            <a:latin typeface="Cambria Math"/>
+                            <a:ea typeface="Cambria Math"/>
+                          </a:rPr>
+                          <m:t>2</m:t>
+                        </m:r>
+                      </m:sup>
+                    </m:sSup>
+                    <m:sSubSup>
+                      <m:sSubSupPr>
+                        <m:ctrlPr>
+                          <a:rPr lang="fr-FR" sz="1800" b="0" i="1" smtClean="0">
+                            <a:latin typeface="Cambria Math"/>
+                            <a:ea typeface="Cambria Math"/>
+                          </a:rPr>
+                        </m:ctrlPr>
+                      </m:sSubSupPr>
+                      <m:e>
+                        <m:r>
+                          <a:rPr lang="fr-FR" sz="1800" i="1">
+                            <a:latin typeface="Cambria Math"/>
+                            <a:ea typeface="Cambria Math"/>
+                          </a:rPr>
+                          <m:t>𝜔</m:t>
+                        </m:r>
+                      </m:e>
+                      <m:sub>
+                        <m:f>
+                          <m:fPr>
+                            <m:type m:val="lin"/>
+                            <m:ctrlPr>
+                              <a:rPr lang="fr-FR" sz="1800" i="1">
+                                <a:latin typeface="Cambria Math"/>
+                                <a:ea typeface="Cambria Math"/>
+                              </a:rPr>
+                            </m:ctrlPr>
+                          </m:fPr>
+                          <m:num>
+                            <m:r>
+                              <a:rPr lang="fr-FR" sz="1800" i="1">
+                                <a:latin typeface="Cambria Math"/>
+                                <a:ea typeface="Cambria Math"/>
+                              </a:rPr>
+                              <m:t>𝑅</m:t>
+                            </m:r>
+                          </m:num>
+                          <m:den>
+                            <m:r>
+                              <a:rPr lang="fr-FR" sz="1800" i="1">
+                                <a:latin typeface="Cambria Math"/>
+                                <a:ea typeface="Cambria Math"/>
+                              </a:rPr>
+                              <m:t>𝑇</m:t>
+                            </m:r>
+                          </m:den>
+                        </m:f>
+                      </m:sub>
+                      <m:sup>
+                        <m:r>
+                          <a:rPr lang="fr-FR" sz="1800" b="0" i="1" smtClean="0">
+                            <a:latin typeface="Cambria Math"/>
+                            <a:ea typeface="Cambria Math"/>
+                          </a:rPr>
+                          <m:t>2</m:t>
+                        </m:r>
+                      </m:sup>
+                    </m:sSubSup>
+                  </m:oMath>
+                </a14:m>
+                <a:endParaRPr lang="fr-FR" sz="2100" dirty="0" smtClean="0">
+                  <a:ea typeface="Cambria Math"/>
+                </a:endParaRPr>
+              </a:p>
+              <a:p>
+                <a14:m>
+                  <m:oMath xmlns:m="http://schemas.openxmlformats.org/officeDocument/2006/math">
+                    <m:sSub>
+                      <m:sSubPr>
+                        <m:ctrlPr>
+                          <a:rPr lang="fr-FR" sz="2000" i="1">
+                            <a:latin typeface="Cambria Math"/>
+                            <a:ea typeface="Cambria Math"/>
+                          </a:rPr>
+                        </m:ctrlPr>
+                      </m:sSubPr>
+                      <m:e>
+                        <m:r>
+                          <a:rPr lang="fr-FR" sz="2000" i="1">
+                            <a:latin typeface="Cambria Math"/>
+                            <a:ea typeface="Cambria Math"/>
+                          </a:rPr>
+                          <m:t>𝜔</m:t>
+                        </m:r>
+                      </m:e>
+                      <m:sub>
+                        <m:f>
+                          <m:fPr>
+                            <m:type m:val="lin"/>
+                            <m:ctrlPr>
+                              <a:rPr lang="fr-FR" sz="2000" i="1">
+                                <a:latin typeface="Cambria Math"/>
+                                <a:ea typeface="Cambria Math"/>
+                              </a:rPr>
+                            </m:ctrlPr>
+                          </m:fPr>
+                          <m:num>
+                            <m:r>
+                              <a:rPr lang="fr-FR" sz="2000" i="1">
+                                <a:latin typeface="Cambria Math"/>
+                                <a:ea typeface="Cambria Math"/>
+                              </a:rPr>
+                              <m:t>𝑖</m:t>
+                            </m:r>
+                          </m:num>
+                          <m:den>
+                            <m:r>
+                              <a:rPr lang="fr-FR" sz="2000" i="1">
+                                <a:latin typeface="Cambria Math"/>
+                                <a:ea typeface="Cambria Math"/>
+                              </a:rPr>
+                              <m:t>0</m:t>
+                            </m:r>
+                          </m:den>
+                        </m:f>
+                      </m:sub>
+                    </m:sSub>
+                    <m:r>
+                      <a:rPr lang="fr-FR" sz="2000" b="0" i="0" smtClean="0">
+                        <a:latin typeface="Cambria Math"/>
+                        <a:ea typeface="Cambria Math"/>
+                      </a:rPr>
+                      <m:t>=</m:t>
+                    </m:r>
+                    <m:sSub>
+                      <m:sSubPr>
+                        <m:ctrlPr>
+                          <a:rPr lang="fr-FR" sz="2000" i="1">
+                            <a:latin typeface="Cambria Math"/>
+                            <a:ea typeface="Cambria Math"/>
+                          </a:rPr>
+                        </m:ctrlPr>
+                      </m:sSubPr>
+                      <m:e>
+                        <m:r>
+                          <a:rPr lang="fr-FR" sz="2000" i="1">
+                            <a:latin typeface="Cambria Math"/>
+                            <a:ea typeface="Cambria Math"/>
+                          </a:rPr>
+                          <m:t>𝜔</m:t>
+                        </m:r>
+                      </m:e>
+                      <m:sub>
+                        <m:f>
+                          <m:fPr>
+                            <m:type m:val="lin"/>
+                            <m:ctrlPr>
+                              <a:rPr lang="fr-FR" sz="2000" i="1">
+                                <a:latin typeface="Cambria Math"/>
+                                <a:ea typeface="Cambria Math"/>
+                              </a:rPr>
+                            </m:ctrlPr>
+                          </m:fPr>
+                          <m:num>
+                            <m:r>
+                              <a:rPr lang="fr-FR" sz="2000" i="1">
+                                <a:latin typeface="Cambria Math"/>
+                                <a:ea typeface="Cambria Math"/>
+                              </a:rPr>
+                              <m:t>𝑖</m:t>
+                            </m:r>
+                          </m:num>
+                          <m:den>
+                            <m:r>
+                              <a:rPr lang="fr-FR" sz="2000" b="0" i="1" smtClean="0">
+                                <a:latin typeface="Cambria Math"/>
+                                <a:ea typeface="Cambria Math"/>
+                              </a:rPr>
+                              <m:t>𝑇</m:t>
+                            </m:r>
+                          </m:den>
+                        </m:f>
+                      </m:sub>
+                    </m:sSub>
+                    <m:r>
+                      <a:rPr lang="fr-FR" sz="2000" b="0" i="0" smtClean="0">
+                        <a:latin typeface="Cambria Math"/>
+                        <a:ea typeface="Cambria Math"/>
+                      </a:rPr>
+                      <m:t>+</m:t>
+                    </m:r>
+                    <m:sSub>
+                      <m:sSubPr>
+                        <m:ctrlPr>
+                          <a:rPr lang="fr-FR" sz="2000" i="1">
+                            <a:latin typeface="Cambria Math"/>
+                            <a:ea typeface="Cambria Math"/>
+                          </a:rPr>
+                        </m:ctrlPr>
+                      </m:sSubPr>
+                      <m:e>
+                        <m:r>
+                          <a:rPr lang="fr-FR" sz="2000" i="1">
+                            <a:latin typeface="Cambria Math"/>
+                            <a:ea typeface="Cambria Math"/>
+                          </a:rPr>
+                          <m:t>𝜔</m:t>
+                        </m:r>
+                      </m:e>
+                      <m:sub>
+                        <m:f>
+                          <m:fPr>
+                            <m:type m:val="lin"/>
+                            <m:ctrlPr>
+                              <a:rPr lang="fr-FR" sz="2000" i="1">
+                                <a:latin typeface="Cambria Math"/>
+                                <a:ea typeface="Cambria Math"/>
+                              </a:rPr>
+                            </m:ctrlPr>
+                          </m:fPr>
+                          <m:num>
+                            <m:r>
+                              <a:rPr lang="fr-FR" sz="2000" b="0" i="1" smtClean="0">
+                                <a:latin typeface="Cambria Math"/>
+                                <a:ea typeface="Cambria Math"/>
+                              </a:rPr>
+                              <m:t>𝑇</m:t>
+                            </m:r>
+                          </m:num>
+                          <m:den>
+                            <m:r>
+                              <a:rPr lang="fr-FR" sz="2000" i="1">
+                                <a:latin typeface="Cambria Math"/>
+                                <a:ea typeface="Cambria Math"/>
+                              </a:rPr>
+                              <m:t>0</m:t>
+                            </m:r>
+                          </m:den>
+                        </m:f>
+                      </m:sub>
+                    </m:sSub>
+                  </m:oMath>
+                </a14:m>
+                <a:endParaRPr lang="fr-FR" sz="2000" dirty="0" smtClean="0">
+                  <a:ea typeface="Cambria Math"/>
+                </a:endParaRPr>
+              </a:p>
+              <a:p>
+                <a14:m>
+                  <m:oMath xmlns:m="http://schemas.openxmlformats.org/officeDocument/2006/math">
+                    <m:sSub>
+                      <m:sSubPr>
+                        <m:ctrlPr>
+                          <a:rPr lang="fr-FR" sz="2000" i="1">
+                            <a:latin typeface="Cambria Math"/>
+                            <a:ea typeface="Cambria Math"/>
+                          </a:rPr>
+                        </m:ctrlPr>
+                      </m:sSubPr>
+                      <m:e>
+                        <m:r>
+                          <a:rPr lang="fr-FR" sz="2000" i="1">
+                            <a:latin typeface="Cambria Math"/>
+                            <a:ea typeface="Cambria Math"/>
+                          </a:rPr>
+                          <m:t>𝜔</m:t>
+                        </m:r>
+                      </m:e>
+                      <m:sub>
+                        <m:f>
+                          <m:fPr>
+                            <m:type m:val="lin"/>
+                            <m:ctrlPr>
+                              <a:rPr lang="fr-FR" sz="2000" i="1">
+                                <a:latin typeface="Cambria Math"/>
+                                <a:ea typeface="Cambria Math"/>
+                              </a:rPr>
+                            </m:ctrlPr>
+                          </m:fPr>
+                          <m:num>
+                            <m:r>
+                              <a:rPr lang="fr-FR" sz="2000" b="0" i="1" smtClean="0">
+                                <a:latin typeface="Cambria Math"/>
+                                <a:ea typeface="Cambria Math"/>
+                              </a:rPr>
+                              <m:t>𝑅</m:t>
+                            </m:r>
+                          </m:num>
+                          <m:den>
+                            <m:r>
+                              <a:rPr lang="fr-FR" sz="2000" i="1">
+                                <a:latin typeface="Cambria Math"/>
+                                <a:ea typeface="Cambria Math"/>
+                              </a:rPr>
+                              <m:t>𝑇</m:t>
+                            </m:r>
+                          </m:den>
+                        </m:f>
+                      </m:sub>
+                    </m:sSub>
+                  </m:oMath>
+                </a14:m>
+                <a:r>
+                  <a:rPr lang="fr-FR" sz="2000" dirty="0" smtClean="0"/>
+                  <a:t> connue</a:t>
+                </a:r>
+              </a:p>
+              <a:p>
+                <a:pPr lvl="1"/>
+                <a14:m>
+                  <m:oMath xmlns:m="http://schemas.openxmlformats.org/officeDocument/2006/math">
+                    <m:sSub>
+                      <m:sSubPr>
+                        <m:ctrlPr>
+                          <a:rPr lang="fr-FR" sz="1600" i="1">
+                            <a:latin typeface="Cambria Math"/>
+                            <a:ea typeface="Cambria Math"/>
+                          </a:rPr>
+                        </m:ctrlPr>
+                      </m:sSubPr>
+                      <m:e>
+                        <m:r>
+                          <a:rPr lang="fr-FR" sz="1600" i="1">
+                            <a:latin typeface="Cambria Math"/>
+                            <a:ea typeface="Cambria Math"/>
+                          </a:rPr>
+                          <m:t>𝜔</m:t>
+                        </m:r>
+                      </m:e>
+                      <m:sub>
+                        <m:f>
+                          <m:fPr>
+                            <m:type m:val="lin"/>
+                            <m:ctrlPr>
+                              <a:rPr lang="fr-FR" sz="1600" i="1">
+                                <a:latin typeface="Cambria Math"/>
+                                <a:ea typeface="Cambria Math"/>
+                              </a:rPr>
+                            </m:ctrlPr>
+                          </m:fPr>
+                          <m:num>
+                            <m:r>
+                              <a:rPr lang="fr-FR" sz="1600" b="0" i="1" smtClean="0">
+                                <a:latin typeface="Cambria Math"/>
+                                <a:ea typeface="Cambria Math"/>
+                              </a:rPr>
+                              <m:t>1</m:t>
+                            </m:r>
+                          </m:num>
+                          <m:den>
+                            <m:r>
+                              <a:rPr lang="fr-FR" sz="1600" i="1">
+                                <a:latin typeface="Cambria Math"/>
+                                <a:ea typeface="Cambria Math"/>
+                              </a:rPr>
+                              <m:t>𝑇</m:t>
+                            </m:r>
+                          </m:den>
+                        </m:f>
+                      </m:sub>
+                    </m:sSub>
+                    <m:r>
+                      <a:rPr lang="fr-FR" sz="1600" b="0" i="1" smtClean="0">
+                        <a:latin typeface="Cambria Math"/>
+                        <a:ea typeface="Cambria Math"/>
+                      </a:rPr>
+                      <m:t>=</m:t>
+                    </m:r>
+                    <m:sSub>
+                      <m:sSubPr>
+                        <m:ctrlPr>
+                          <a:rPr lang="fr-FR" sz="1600" b="0" i="1" smtClean="0">
+                            <a:latin typeface="Cambria Math"/>
+                            <a:ea typeface="Cambria Math"/>
+                          </a:rPr>
+                        </m:ctrlPr>
+                      </m:sSubPr>
+                      <m:e>
+                        <m:r>
+                          <a:rPr lang="fr-FR" sz="1600" b="0" i="1" smtClean="0">
+                            <a:latin typeface="Cambria Math"/>
+                            <a:ea typeface="Cambria Math"/>
+                          </a:rPr>
+                          <m:t>𝑘</m:t>
+                        </m:r>
+                      </m:e>
+                      <m:sub>
+                        <m:r>
+                          <a:rPr lang="fr-FR" sz="1600" b="0" i="1" smtClean="0">
+                            <a:latin typeface="Cambria Math"/>
+                            <a:ea typeface="Cambria Math"/>
+                          </a:rPr>
+                          <m:t>1</m:t>
+                        </m:r>
+                      </m:sub>
+                    </m:sSub>
+                    <m:sSub>
+                      <m:sSubPr>
+                        <m:ctrlPr>
+                          <a:rPr lang="fr-FR" sz="1600" i="1">
+                            <a:latin typeface="Cambria Math"/>
+                            <a:ea typeface="Cambria Math"/>
+                          </a:rPr>
+                        </m:ctrlPr>
+                      </m:sSubPr>
+                      <m:e>
+                        <m:r>
+                          <a:rPr lang="fr-FR" sz="1600" i="1">
+                            <a:latin typeface="Cambria Math"/>
+                            <a:ea typeface="Cambria Math"/>
+                          </a:rPr>
+                          <m:t>𝜔</m:t>
+                        </m:r>
+                      </m:e>
+                      <m:sub>
+                        <m:f>
+                          <m:fPr>
+                            <m:type m:val="lin"/>
+                            <m:ctrlPr>
+                              <a:rPr lang="fr-FR" sz="1600" i="1">
+                                <a:latin typeface="Cambria Math"/>
+                                <a:ea typeface="Cambria Math"/>
+                              </a:rPr>
+                            </m:ctrlPr>
+                          </m:fPr>
+                          <m:num>
+                            <m:r>
+                              <a:rPr lang="fr-FR" sz="1600" i="1">
+                                <a:latin typeface="Cambria Math"/>
+                                <a:ea typeface="Cambria Math"/>
+                              </a:rPr>
+                              <m:t>𝑅</m:t>
+                            </m:r>
+                          </m:num>
+                          <m:den>
+                            <m:r>
+                              <a:rPr lang="fr-FR" sz="1600" i="1">
+                                <a:latin typeface="Cambria Math"/>
+                                <a:ea typeface="Cambria Math"/>
+                              </a:rPr>
+                              <m:t>𝑇</m:t>
+                            </m:r>
+                          </m:den>
+                        </m:f>
+                      </m:sub>
+                    </m:sSub>
+                  </m:oMath>
+                </a14:m>
+                <a:endParaRPr lang="fr-FR" sz="1600" dirty="0" smtClean="0"/>
+              </a:p>
+              <a:p>
+                <a:pPr lvl="1"/>
+                <a14:m>
+                  <m:oMath xmlns:m="http://schemas.openxmlformats.org/officeDocument/2006/math">
+                    <m:sSub>
+                      <m:sSubPr>
+                        <m:ctrlPr>
+                          <a:rPr lang="fr-FR" sz="1600" i="1">
+                            <a:latin typeface="Cambria Math"/>
+                            <a:ea typeface="Cambria Math"/>
+                          </a:rPr>
+                        </m:ctrlPr>
+                      </m:sSubPr>
+                      <m:e>
+                        <m:r>
+                          <a:rPr lang="fr-FR" sz="1600" i="1">
+                            <a:latin typeface="Cambria Math"/>
+                            <a:ea typeface="Cambria Math"/>
+                          </a:rPr>
+                          <m:t>𝜔</m:t>
+                        </m:r>
+                      </m:e>
+                      <m:sub>
+                        <m:f>
+                          <m:fPr>
+                            <m:type m:val="lin"/>
+                            <m:ctrlPr>
+                              <a:rPr lang="fr-FR" sz="1600" i="1">
+                                <a:latin typeface="Cambria Math"/>
+                                <a:ea typeface="Cambria Math"/>
+                              </a:rPr>
+                            </m:ctrlPr>
+                          </m:fPr>
+                          <m:num>
+                            <m:r>
+                              <a:rPr lang="fr-FR" sz="1600" b="0" i="1" smtClean="0">
+                                <a:latin typeface="Cambria Math"/>
+                                <a:ea typeface="Cambria Math"/>
+                              </a:rPr>
+                              <m:t>2</m:t>
+                            </m:r>
+                          </m:num>
+                          <m:den>
+                            <m:r>
+                              <a:rPr lang="fr-FR" sz="1600" i="1">
+                                <a:latin typeface="Cambria Math"/>
+                                <a:ea typeface="Cambria Math"/>
+                              </a:rPr>
+                              <m:t>𝑇</m:t>
+                            </m:r>
+                          </m:den>
+                        </m:f>
+                      </m:sub>
+                    </m:sSub>
+                    <m:r>
+                      <a:rPr lang="fr-FR" sz="1600" i="1">
+                        <a:latin typeface="Cambria Math"/>
+                        <a:ea typeface="Cambria Math"/>
+                      </a:rPr>
+                      <m:t>=</m:t>
+                    </m:r>
+                    <m:sSub>
+                      <m:sSubPr>
+                        <m:ctrlPr>
+                          <a:rPr lang="fr-FR" sz="1600" b="0" i="1" smtClean="0">
+                            <a:latin typeface="Cambria Math"/>
+                            <a:ea typeface="Cambria Math"/>
+                          </a:rPr>
+                        </m:ctrlPr>
+                      </m:sSubPr>
+                      <m:e>
+                        <m:r>
+                          <a:rPr lang="fr-FR" sz="1600" b="0" i="1" smtClean="0">
+                            <a:latin typeface="Cambria Math"/>
+                            <a:ea typeface="Cambria Math"/>
+                          </a:rPr>
+                          <m:t>𝑘</m:t>
+                        </m:r>
+                      </m:e>
+                      <m:sub>
+                        <m:r>
+                          <a:rPr lang="fr-FR" sz="1600" b="0" i="1" smtClean="0">
+                            <a:latin typeface="Cambria Math"/>
+                            <a:ea typeface="Cambria Math"/>
+                          </a:rPr>
+                          <m:t>2</m:t>
+                        </m:r>
+                      </m:sub>
+                    </m:sSub>
+                    <m:sSub>
+                      <m:sSubPr>
+                        <m:ctrlPr>
+                          <a:rPr lang="fr-FR" sz="1600" i="1">
+                            <a:latin typeface="Cambria Math"/>
+                            <a:ea typeface="Cambria Math"/>
+                          </a:rPr>
+                        </m:ctrlPr>
+                      </m:sSubPr>
+                      <m:e>
+                        <m:r>
+                          <a:rPr lang="fr-FR" sz="1600" i="1">
+                            <a:latin typeface="Cambria Math"/>
+                            <a:ea typeface="Cambria Math"/>
+                          </a:rPr>
+                          <m:t>𝜔</m:t>
+                        </m:r>
+                      </m:e>
+                      <m:sub>
+                        <m:f>
+                          <m:fPr>
+                            <m:type m:val="lin"/>
+                            <m:ctrlPr>
+                              <a:rPr lang="fr-FR" sz="1600" i="1">
+                                <a:latin typeface="Cambria Math"/>
+                                <a:ea typeface="Cambria Math"/>
+                              </a:rPr>
+                            </m:ctrlPr>
+                          </m:fPr>
+                          <m:num>
+                            <m:r>
+                              <a:rPr lang="fr-FR" sz="1600" i="1">
+                                <a:latin typeface="Cambria Math"/>
+                                <a:ea typeface="Cambria Math"/>
+                              </a:rPr>
+                              <m:t>𝑅</m:t>
+                            </m:r>
+                          </m:num>
+                          <m:den>
+                            <m:r>
+                              <a:rPr lang="fr-FR" sz="1600" i="1">
+                                <a:latin typeface="Cambria Math"/>
+                                <a:ea typeface="Cambria Math"/>
+                              </a:rPr>
+                              <m:t>𝑇</m:t>
+                            </m:r>
+                          </m:den>
+                        </m:f>
+                      </m:sub>
+                    </m:sSub>
+                  </m:oMath>
+                </a14:m>
+                <a:endParaRPr lang="fr-FR" sz="1600" dirty="0"/>
+              </a:p>
+              <a:p>
+                <a:pPr lvl="1"/>
+                <a14:m>
+                  <m:oMath xmlns:m="http://schemas.openxmlformats.org/officeDocument/2006/math">
+                    <m:sSub>
+                      <m:sSubPr>
+                        <m:ctrlPr>
+                          <a:rPr lang="fr-FR" sz="1600" i="1">
+                            <a:latin typeface="Cambria Math"/>
+                            <a:ea typeface="Cambria Math"/>
+                          </a:rPr>
+                        </m:ctrlPr>
+                      </m:sSubPr>
+                      <m:e>
+                        <m:r>
+                          <a:rPr lang="fr-FR" sz="1600" i="1">
+                            <a:latin typeface="Cambria Math"/>
+                            <a:ea typeface="Cambria Math"/>
+                          </a:rPr>
+                          <m:t>𝜔</m:t>
+                        </m:r>
+                      </m:e>
+                      <m:sub>
+                        <m:f>
+                          <m:fPr>
+                            <m:type m:val="lin"/>
+                            <m:ctrlPr>
+                              <a:rPr lang="fr-FR" sz="1600" i="1">
+                                <a:latin typeface="Cambria Math"/>
+                                <a:ea typeface="Cambria Math"/>
+                              </a:rPr>
+                            </m:ctrlPr>
+                          </m:fPr>
+                          <m:num>
+                            <m:r>
+                              <a:rPr lang="fr-FR" sz="1600" b="0" i="1" smtClean="0">
+                                <a:latin typeface="Cambria Math"/>
+                                <a:ea typeface="Cambria Math"/>
+                              </a:rPr>
+                              <m:t>3</m:t>
+                            </m:r>
+                          </m:num>
+                          <m:den>
+                            <m:r>
+                              <a:rPr lang="fr-FR" sz="1600" i="1">
+                                <a:latin typeface="Cambria Math"/>
+                                <a:ea typeface="Cambria Math"/>
+                              </a:rPr>
+                              <m:t>𝑇</m:t>
+                            </m:r>
+                          </m:den>
+                        </m:f>
+                      </m:sub>
+                    </m:sSub>
+                    <m:r>
+                      <a:rPr lang="fr-FR" sz="1600" i="1">
+                        <a:latin typeface="Cambria Math"/>
+                        <a:ea typeface="Cambria Math"/>
+                      </a:rPr>
+                      <m:t>=</m:t>
+                    </m:r>
+                    <m:sSub>
+                      <m:sSubPr>
+                        <m:ctrlPr>
+                          <a:rPr lang="fr-FR" sz="1600" i="1">
+                            <a:latin typeface="Cambria Math"/>
+                            <a:ea typeface="Cambria Math"/>
+                          </a:rPr>
+                        </m:ctrlPr>
+                      </m:sSubPr>
+                      <m:e>
+                        <m:r>
+                          <a:rPr lang="fr-FR" sz="1600" i="1">
+                            <a:latin typeface="Cambria Math"/>
+                            <a:ea typeface="Cambria Math"/>
+                          </a:rPr>
+                          <m:t>𝑘</m:t>
+                        </m:r>
+                      </m:e>
+                      <m:sub>
+                        <m:r>
+                          <a:rPr lang="fr-FR" sz="1600" b="0" i="1" smtClean="0">
+                            <a:latin typeface="Cambria Math"/>
+                            <a:ea typeface="Cambria Math"/>
+                          </a:rPr>
+                          <m:t>3</m:t>
+                        </m:r>
+                      </m:sub>
+                    </m:sSub>
+                    <m:sSub>
+                      <m:sSubPr>
+                        <m:ctrlPr>
+                          <a:rPr lang="fr-FR" sz="1600" i="1">
+                            <a:latin typeface="Cambria Math"/>
+                            <a:ea typeface="Cambria Math"/>
+                          </a:rPr>
+                        </m:ctrlPr>
+                      </m:sSubPr>
+                      <m:e>
+                        <m:r>
+                          <a:rPr lang="fr-FR" sz="1600" i="1">
+                            <a:latin typeface="Cambria Math"/>
+                            <a:ea typeface="Cambria Math"/>
+                          </a:rPr>
+                          <m:t>𝜔</m:t>
+                        </m:r>
+                      </m:e>
+                      <m:sub>
+                        <m:f>
+                          <m:fPr>
+                            <m:type m:val="lin"/>
+                            <m:ctrlPr>
+                              <a:rPr lang="fr-FR" sz="1600" i="1">
+                                <a:latin typeface="Cambria Math"/>
+                                <a:ea typeface="Cambria Math"/>
+                              </a:rPr>
+                            </m:ctrlPr>
+                          </m:fPr>
+                          <m:num>
+                            <m:r>
+                              <a:rPr lang="fr-FR" sz="1600" i="1">
+                                <a:latin typeface="Cambria Math"/>
+                                <a:ea typeface="Cambria Math"/>
+                              </a:rPr>
+                              <m:t>𝑅</m:t>
+                            </m:r>
+                          </m:num>
+                          <m:den>
+                            <m:r>
+                              <a:rPr lang="fr-FR" sz="1600" i="1">
+                                <a:latin typeface="Cambria Math"/>
+                                <a:ea typeface="Cambria Math"/>
+                              </a:rPr>
+                              <m:t>𝑇</m:t>
+                            </m:r>
+                          </m:den>
+                        </m:f>
+                      </m:sub>
+                    </m:sSub>
+                  </m:oMath>
+                </a14:m>
+                <a:endParaRPr lang="fr-FR" sz="2000" dirty="0"/>
+              </a:p>
+              <a:p>
+                <a:r>
+                  <a:rPr lang="fr-FR" dirty="0" smtClean="0"/>
+                  <a:t>Roulement sans glissement en </a:t>
+                </a:r>
+                <a:r>
+                  <a:rPr lang="fr-FR" i="1" dirty="0" smtClean="0"/>
+                  <a:t>I</a:t>
+                </a:r>
+              </a:p>
+              <a:p>
+                <a:pPr lvl="1"/>
+                <a14:m>
+                  <m:oMath xmlns:m="http://schemas.openxmlformats.org/officeDocument/2006/math">
+                    <m:acc>
+                      <m:accPr>
+                        <m:chr m:val="⃗"/>
+                        <m:ctrlPr>
+                          <a:rPr lang="fr-FR" b="0" i="1" smtClean="0">
+                            <a:latin typeface="Cambria Math"/>
+                            <a:ea typeface="Cambria Math"/>
+                          </a:rPr>
+                        </m:ctrlPr>
+                      </m:accPr>
+                      <m:e>
+                        <m:sSub>
+                          <m:sSubPr>
+                            <m:ctrlPr>
+                              <a:rPr lang="fr-FR" i="1">
+                                <a:latin typeface="Cambria Math"/>
+                                <a:ea typeface="Cambria Math"/>
+                              </a:rPr>
+                            </m:ctrlPr>
+                          </m:sSubPr>
+                          <m:e>
+                            <m:r>
+                              <a:rPr lang="fr-FR" i="1">
+                                <a:latin typeface="Cambria Math"/>
+                                <a:ea typeface="Cambria Math"/>
+                              </a:rPr>
+                              <m:t>𝑉</m:t>
+                            </m:r>
+                          </m:e>
+                          <m:sub>
+                            <m:d>
+                              <m:dPr>
+                                <m:ctrlPr>
+                                  <a:rPr lang="fr-FR" i="1">
+                                    <a:latin typeface="Cambria Math"/>
+                                    <a:ea typeface="Cambria Math"/>
+                                  </a:rPr>
+                                </m:ctrlPr>
+                              </m:dPr>
+                              <m:e>
+                                <m:r>
+                                  <a:rPr lang="fr-FR" i="1">
+                                    <a:latin typeface="Cambria Math"/>
+                                    <a:ea typeface="Cambria Math"/>
+                                  </a:rPr>
+                                  <m:t>𝐼</m:t>
+                                </m:r>
+                                <m:r>
+                                  <a:rPr lang="fr-FR" i="1">
+                                    <a:latin typeface="Cambria Math"/>
+                                    <a:ea typeface="Cambria Math"/>
+                                  </a:rPr>
+                                  <m:t>,</m:t>
+                                </m:r>
+                                <m:f>
+                                  <m:fPr>
+                                    <m:type m:val="lin"/>
+                                    <m:ctrlPr>
+                                      <a:rPr lang="fr-FR" i="1">
+                                        <a:latin typeface="Cambria Math"/>
+                                        <a:ea typeface="Cambria Math"/>
+                                      </a:rPr>
+                                    </m:ctrlPr>
+                                  </m:fPr>
+                                  <m:num>
+                                    <m:r>
+                                      <a:rPr lang="fr-FR" i="1">
+                                        <a:latin typeface="Cambria Math"/>
+                                        <a:ea typeface="Cambria Math"/>
+                                      </a:rPr>
+                                      <m:t>3</m:t>
+                                    </m:r>
+                                  </m:num>
+                                  <m:den>
+                                    <m:r>
+                                      <a:rPr lang="fr-FR" i="1">
+                                        <a:latin typeface="Cambria Math"/>
+                                        <a:ea typeface="Cambria Math"/>
+                                      </a:rPr>
+                                      <m:t>0</m:t>
+                                    </m:r>
+                                  </m:den>
+                                </m:f>
+                              </m:e>
+                            </m:d>
+                          </m:sub>
+                        </m:sSub>
+                      </m:e>
+                    </m:acc>
+                    <m:r>
+                      <a:rPr lang="fr-FR" b="0" i="1" smtClean="0">
+                        <a:latin typeface="Cambria Math"/>
+                        <a:ea typeface="Cambria Math"/>
+                      </a:rPr>
+                      <m:t>=</m:t>
+                    </m:r>
+                    <m:acc>
+                      <m:accPr>
+                        <m:chr m:val="⃗"/>
+                        <m:ctrlPr>
+                          <a:rPr lang="fr-FR" b="0" i="1" smtClean="0">
+                            <a:latin typeface="Cambria Math"/>
+                            <a:ea typeface="Cambria Math"/>
+                          </a:rPr>
+                        </m:ctrlPr>
+                      </m:accPr>
+                      <m:e>
+                        <m:r>
+                          <a:rPr lang="fr-FR" b="0" i="1" smtClean="0">
+                            <a:latin typeface="Cambria Math"/>
+                            <a:ea typeface="Cambria Math"/>
+                          </a:rPr>
+                          <m:t>0</m:t>
+                        </m:r>
+                      </m:e>
+                    </m:acc>
+                    <m:r>
+                      <a:rPr lang="fr-FR" b="0" i="1" smtClean="0">
+                        <a:latin typeface="Cambria Math"/>
+                        <a:ea typeface="Cambria Math"/>
+                      </a:rPr>
+                      <m:t>=</m:t>
+                    </m:r>
+                    <m:acc>
+                      <m:accPr>
+                        <m:chr m:val="⃗"/>
+                        <m:ctrlPr>
+                          <a:rPr lang="fr-FR" i="1">
+                            <a:latin typeface="Cambria Math"/>
+                            <a:ea typeface="Cambria Math"/>
+                          </a:rPr>
+                        </m:ctrlPr>
+                      </m:accPr>
+                      <m:e>
+                        <m:sSub>
+                          <m:sSubPr>
+                            <m:ctrlPr>
+                              <a:rPr lang="fr-FR" i="1">
+                                <a:latin typeface="Cambria Math"/>
+                                <a:ea typeface="Cambria Math"/>
+                              </a:rPr>
+                            </m:ctrlPr>
+                          </m:sSubPr>
+                          <m:e>
+                            <m:r>
+                              <a:rPr lang="fr-FR" i="1">
+                                <a:latin typeface="Cambria Math"/>
+                                <a:ea typeface="Cambria Math"/>
+                              </a:rPr>
+                              <m:t>𝑉</m:t>
+                            </m:r>
+                          </m:e>
+                          <m:sub>
+                            <m:d>
+                              <m:dPr>
+                                <m:ctrlPr>
+                                  <a:rPr lang="fr-FR" i="1">
+                                    <a:latin typeface="Cambria Math"/>
+                                    <a:ea typeface="Cambria Math"/>
+                                  </a:rPr>
+                                </m:ctrlPr>
+                              </m:dPr>
+                              <m:e>
+                                <m:r>
+                                  <a:rPr lang="fr-FR" i="1">
+                                    <a:latin typeface="Cambria Math"/>
+                                    <a:ea typeface="Cambria Math"/>
+                                  </a:rPr>
+                                  <m:t>𝐼</m:t>
+                                </m:r>
+                                <m:r>
+                                  <a:rPr lang="fr-FR" i="1">
+                                    <a:latin typeface="Cambria Math"/>
+                                    <a:ea typeface="Cambria Math"/>
+                                  </a:rPr>
+                                  <m:t>,</m:t>
+                                </m:r>
+                                <m:f>
+                                  <m:fPr>
+                                    <m:type m:val="lin"/>
+                                    <m:ctrlPr>
+                                      <a:rPr lang="fr-FR" i="1">
+                                        <a:latin typeface="Cambria Math"/>
+                                        <a:ea typeface="Cambria Math"/>
+                                      </a:rPr>
+                                    </m:ctrlPr>
+                                  </m:fPr>
+                                  <m:num>
+                                    <m:r>
+                                      <a:rPr lang="fr-FR" i="1">
+                                        <a:latin typeface="Cambria Math"/>
+                                        <a:ea typeface="Cambria Math"/>
+                                      </a:rPr>
+                                      <m:t>3</m:t>
+                                    </m:r>
+                                  </m:num>
+                                  <m:den>
+                                    <m:r>
+                                      <a:rPr lang="fr-FR" b="0" i="1" smtClean="0">
+                                        <a:latin typeface="Cambria Math"/>
+                                        <a:ea typeface="Cambria Math"/>
+                                      </a:rPr>
+                                      <m:t>𝑇</m:t>
+                                    </m:r>
+                                  </m:den>
+                                </m:f>
+                              </m:e>
+                            </m:d>
+                          </m:sub>
+                        </m:sSub>
+                      </m:e>
+                    </m:acc>
+                    <m:r>
+                      <a:rPr lang="fr-FR" b="0" i="1" smtClean="0">
+                        <a:latin typeface="Cambria Math"/>
+                        <a:ea typeface="Cambria Math"/>
+                      </a:rPr>
+                      <m:t>+</m:t>
+                    </m:r>
+                    <m:acc>
+                      <m:accPr>
+                        <m:chr m:val="⃗"/>
+                        <m:ctrlPr>
+                          <a:rPr lang="fr-FR" i="1">
+                            <a:latin typeface="Cambria Math"/>
+                            <a:ea typeface="Cambria Math"/>
+                          </a:rPr>
+                        </m:ctrlPr>
+                      </m:accPr>
+                      <m:e>
+                        <m:sSub>
+                          <m:sSubPr>
+                            <m:ctrlPr>
+                              <a:rPr lang="fr-FR" i="1">
+                                <a:latin typeface="Cambria Math"/>
+                                <a:ea typeface="Cambria Math"/>
+                              </a:rPr>
+                            </m:ctrlPr>
+                          </m:sSubPr>
+                          <m:e>
+                            <m:r>
+                              <a:rPr lang="fr-FR" i="1">
+                                <a:latin typeface="Cambria Math"/>
+                                <a:ea typeface="Cambria Math"/>
+                              </a:rPr>
+                              <m:t>𝑉</m:t>
+                            </m:r>
+                          </m:e>
+                          <m:sub>
+                            <m:d>
+                              <m:dPr>
+                                <m:ctrlPr>
+                                  <a:rPr lang="fr-FR" i="1">
+                                    <a:latin typeface="Cambria Math"/>
+                                    <a:ea typeface="Cambria Math"/>
+                                  </a:rPr>
+                                </m:ctrlPr>
+                              </m:dPr>
+                              <m:e>
+                                <m:r>
+                                  <a:rPr lang="fr-FR" i="1">
+                                    <a:latin typeface="Cambria Math"/>
+                                    <a:ea typeface="Cambria Math"/>
+                                  </a:rPr>
+                                  <m:t>𝐼</m:t>
+                                </m:r>
+                                <m:r>
+                                  <a:rPr lang="fr-FR" i="1">
+                                    <a:latin typeface="Cambria Math"/>
+                                    <a:ea typeface="Cambria Math"/>
+                                  </a:rPr>
+                                  <m:t>,</m:t>
+                                </m:r>
+                                <m:f>
+                                  <m:fPr>
+                                    <m:type m:val="lin"/>
+                                    <m:ctrlPr>
+                                      <a:rPr lang="fr-FR" i="1">
+                                        <a:latin typeface="Cambria Math"/>
+                                        <a:ea typeface="Cambria Math"/>
+                                      </a:rPr>
+                                    </m:ctrlPr>
+                                  </m:fPr>
+                                  <m:num>
+                                    <m:r>
+                                      <a:rPr lang="fr-FR" b="0" i="1" smtClean="0">
+                                        <a:latin typeface="Cambria Math"/>
+                                        <a:ea typeface="Cambria Math"/>
+                                      </a:rPr>
+                                      <m:t>𝑇</m:t>
+                                    </m:r>
+                                  </m:num>
+                                  <m:den>
+                                    <m:r>
+                                      <a:rPr lang="fr-FR" i="1">
+                                        <a:latin typeface="Cambria Math"/>
+                                        <a:ea typeface="Cambria Math"/>
+                                      </a:rPr>
+                                      <m:t>0</m:t>
+                                    </m:r>
+                                  </m:den>
+                                </m:f>
+                              </m:e>
+                            </m:d>
+                          </m:sub>
+                        </m:sSub>
+                      </m:e>
+                    </m:acc>
+                    <m:r>
+                      <a:rPr lang="fr-FR" b="0" i="1" smtClean="0">
+                        <a:latin typeface="Cambria Math"/>
+                        <a:ea typeface="Cambria Math"/>
+                      </a:rPr>
+                      <m:t>=</m:t>
+                    </m:r>
+                    <m:acc>
+                      <m:accPr>
+                        <m:chr m:val="⃗"/>
+                        <m:ctrlPr>
+                          <a:rPr lang="fr-FR" b="0" i="1" smtClean="0">
+                            <a:latin typeface="Cambria Math"/>
+                            <a:ea typeface="Cambria Math"/>
+                          </a:rPr>
+                        </m:ctrlPr>
+                      </m:accPr>
+                      <m:e>
+                        <m:r>
+                          <a:rPr lang="fr-FR" i="1">
+                            <a:latin typeface="Cambria Math"/>
+                            <a:ea typeface="Cambria Math"/>
+                          </a:rPr>
+                          <m:t>𝐼𝐷</m:t>
+                        </m:r>
+                      </m:e>
+                    </m:acc>
+                    <m:r>
+                      <a:rPr lang="fr-FR" i="1">
+                        <a:latin typeface="Cambria Math"/>
+                        <a:ea typeface="Cambria Math"/>
+                      </a:rPr>
+                      <m:t>∧</m:t>
+                    </m:r>
+                    <m:sSub>
+                      <m:sSubPr>
+                        <m:ctrlPr>
+                          <a:rPr lang="fr-FR" i="1">
+                            <a:latin typeface="Cambria Math"/>
+                            <a:ea typeface="Cambria Math"/>
+                          </a:rPr>
+                        </m:ctrlPr>
+                      </m:sSubPr>
+                      <m:e>
+                        <m:r>
+                          <a:rPr lang="fr-FR" i="1">
+                            <a:latin typeface="Cambria Math"/>
+                            <a:ea typeface="Cambria Math"/>
+                          </a:rPr>
+                          <m:t>𝜔</m:t>
+                        </m:r>
+                      </m:e>
+                      <m:sub>
+                        <m:f>
+                          <m:fPr>
+                            <m:type m:val="lin"/>
+                            <m:ctrlPr>
+                              <a:rPr lang="fr-FR" i="1" smtClean="0">
+                                <a:latin typeface="Cambria Math"/>
+                                <a:ea typeface="Cambria Math"/>
+                              </a:rPr>
+                            </m:ctrlPr>
+                          </m:fPr>
+                          <m:num>
+                            <m:r>
+                              <a:rPr lang="fr-FR" b="0" i="1" smtClean="0">
+                                <a:latin typeface="Cambria Math"/>
+                                <a:ea typeface="Cambria Math"/>
+                              </a:rPr>
+                              <m:t>3</m:t>
+                            </m:r>
+                          </m:num>
+                          <m:den>
+                            <m:r>
+                              <a:rPr lang="fr-FR" b="0" i="1" smtClean="0">
+                                <a:latin typeface="Cambria Math"/>
+                                <a:ea typeface="Cambria Math"/>
+                              </a:rPr>
+                              <m:t>𝑇</m:t>
+                            </m:r>
+                          </m:den>
+                        </m:f>
+                      </m:sub>
+                    </m:sSub>
+                    <m:acc>
+                      <m:accPr>
+                        <m:chr m:val="⃗"/>
+                        <m:ctrlPr>
+                          <a:rPr lang="fr-FR" b="0" i="1" smtClean="0">
+                            <a:latin typeface="Cambria Math"/>
+                            <a:ea typeface="Cambria Math"/>
+                          </a:rPr>
+                        </m:ctrlPr>
+                      </m:accPr>
+                      <m:e>
+                        <m:r>
+                          <a:rPr lang="fr-FR" b="0" i="1" smtClean="0">
+                            <a:latin typeface="Cambria Math"/>
+                            <a:ea typeface="Cambria Math"/>
+                          </a:rPr>
+                          <m:t>𝑧</m:t>
+                        </m:r>
+                      </m:e>
+                    </m:acc>
+                    <m:r>
+                      <a:rPr lang="fr-FR" i="1">
+                        <a:latin typeface="Cambria Math"/>
+                        <a:ea typeface="Cambria Math"/>
+                      </a:rPr>
+                      <m:t>+</m:t>
+                    </m:r>
+                    <m:acc>
+                      <m:accPr>
+                        <m:chr m:val="⃗"/>
+                        <m:ctrlPr>
+                          <a:rPr lang="fr-FR" i="1">
+                            <a:latin typeface="Cambria Math"/>
+                            <a:ea typeface="Cambria Math"/>
+                          </a:rPr>
+                        </m:ctrlPr>
+                      </m:accPr>
+                      <m:e>
+                        <m:r>
+                          <a:rPr lang="fr-FR" i="1">
+                            <a:latin typeface="Cambria Math"/>
+                            <a:ea typeface="Cambria Math"/>
+                          </a:rPr>
+                          <m:t>𝐼</m:t>
+                        </m:r>
+                        <m:r>
+                          <a:rPr lang="fr-FR" b="0" i="1" smtClean="0">
+                            <a:latin typeface="Cambria Math"/>
+                            <a:ea typeface="Cambria Math"/>
+                          </a:rPr>
+                          <m:t>𝐸</m:t>
+                        </m:r>
+                      </m:e>
+                    </m:acc>
+                    <m:r>
+                      <a:rPr lang="fr-FR" i="1">
+                        <a:latin typeface="Cambria Math"/>
+                        <a:ea typeface="Cambria Math"/>
+                      </a:rPr>
+                      <m:t>∧</m:t>
+                    </m:r>
+                    <m:sSub>
+                      <m:sSubPr>
+                        <m:ctrlPr>
+                          <a:rPr lang="fr-FR" i="1">
+                            <a:latin typeface="Cambria Math"/>
+                            <a:ea typeface="Cambria Math"/>
+                          </a:rPr>
+                        </m:ctrlPr>
+                      </m:sSubPr>
+                      <m:e>
+                        <m:r>
+                          <a:rPr lang="fr-FR" i="1">
+                            <a:latin typeface="Cambria Math"/>
+                            <a:ea typeface="Cambria Math"/>
+                          </a:rPr>
+                          <m:t>𝜔</m:t>
+                        </m:r>
+                      </m:e>
+                      <m:sub>
+                        <m:f>
+                          <m:fPr>
+                            <m:type m:val="lin"/>
+                            <m:ctrlPr>
+                              <a:rPr lang="fr-FR" i="1" smtClean="0">
+                                <a:latin typeface="Cambria Math"/>
+                                <a:ea typeface="Cambria Math"/>
+                              </a:rPr>
+                            </m:ctrlPr>
+                          </m:fPr>
+                          <m:num>
+                            <m:r>
+                              <a:rPr lang="fr-FR" b="0" i="1" smtClean="0">
+                                <a:latin typeface="Cambria Math"/>
+                                <a:ea typeface="Cambria Math"/>
+                              </a:rPr>
+                              <m:t>𝑇</m:t>
+                            </m:r>
+                          </m:num>
+                          <m:den>
+                            <m:r>
+                              <a:rPr lang="fr-FR" b="0" i="1" smtClean="0">
+                                <a:latin typeface="Cambria Math"/>
+                                <a:ea typeface="Cambria Math"/>
+                              </a:rPr>
+                              <m:t>0</m:t>
+                            </m:r>
+                          </m:den>
+                        </m:f>
+                      </m:sub>
+                    </m:sSub>
+                    <m:acc>
+                      <m:accPr>
+                        <m:chr m:val="⃗"/>
+                        <m:ctrlPr>
+                          <a:rPr lang="fr-FR" i="1">
+                            <a:latin typeface="Cambria Math"/>
+                            <a:ea typeface="Cambria Math"/>
+                          </a:rPr>
+                        </m:ctrlPr>
+                      </m:accPr>
+                      <m:e>
+                        <m:r>
+                          <a:rPr lang="fr-FR" i="1">
+                            <a:latin typeface="Cambria Math"/>
+                            <a:ea typeface="Cambria Math"/>
+                          </a:rPr>
+                          <m:t>𝑧</m:t>
+                        </m:r>
+                      </m:e>
+                    </m:acc>
+                  </m:oMath>
+                </a14:m>
+                <a:endParaRPr lang="fr-FR" b="0" i="1" dirty="0" smtClean="0">
+                  <a:latin typeface="Cambria Math"/>
+                  <a:ea typeface="Cambria Math"/>
+                </a:endParaRPr>
+              </a:p>
+              <a:p>
+                <a:pPr lvl="1"/>
+                <a14:m>
+                  <m:oMath xmlns:m="http://schemas.openxmlformats.org/officeDocument/2006/math">
+                    <m:r>
+                      <a:rPr lang="fr-FR" b="0" i="1" smtClean="0">
+                        <a:latin typeface="Cambria Math"/>
+                        <a:ea typeface="Cambria Math"/>
+                      </a:rPr>
+                      <m:t>−</m:t>
+                    </m:r>
+                    <m:sSub>
+                      <m:sSubPr>
+                        <m:ctrlPr>
+                          <a:rPr lang="fr-FR" b="0" i="1" smtClean="0">
+                            <a:latin typeface="Cambria Math"/>
+                            <a:ea typeface="Cambria Math"/>
+                          </a:rPr>
+                        </m:ctrlPr>
+                      </m:sSubPr>
+                      <m:e>
+                        <m:r>
+                          <a:rPr lang="fr-FR" b="0" i="1" smtClean="0">
+                            <a:latin typeface="Cambria Math"/>
+                            <a:ea typeface="Cambria Math"/>
+                          </a:rPr>
+                          <m:t>𝑟</m:t>
+                        </m:r>
+                      </m:e>
+                      <m:sub>
+                        <m:r>
+                          <a:rPr lang="fr-FR" b="0" i="1" smtClean="0">
+                            <a:latin typeface="Cambria Math"/>
+                            <a:ea typeface="Cambria Math"/>
+                          </a:rPr>
+                          <m:t>3</m:t>
+                        </m:r>
+                      </m:sub>
+                    </m:sSub>
+                    <m:sSub>
+                      <m:sSubPr>
+                        <m:ctrlPr>
+                          <a:rPr lang="fr-FR" b="0" i="1" smtClean="0">
+                            <a:latin typeface="Cambria Math"/>
+                            <a:ea typeface="Cambria Math"/>
+                          </a:rPr>
+                        </m:ctrlPr>
+                      </m:sSubPr>
+                      <m:e>
+                        <m:r>
+                          <a:rPr lang="fr-FR" b="0" i="1" smtClean="0">
+                            <a:latin typeface="Cambria Math"/>
+                            <a:ea typeface="Cambria Math"/>
+                          </a:rPr>
+                          <m:t>𝜔</m:t>
+                        </m:r>
+                      </m:e>
+                      <m:sub>
+                        <m:f>
+                          <m:fPr>
+                            <m:type m:val="lin"/>
+                            <m:ctrlPr>
+                              <a:rPr lang="fr-FR" i="1">
+                                <a:latin typeface="Cambria Math"/>
+                                <a:ea typeface="Cambria Math"/>
+                              </a:rPr>
+                            </m:ctrlPr>
+                          </m:fPr>
+                          <m:num>
+                            <m:r>
+                              <a:rPr lang="fr-FR" i="1">
+                                <a:latin typeface="Cambria Math"/>
+                                <a:ea typeface="Cambria Math"/>
+                              </a:rPr>
+                              <m:t>3</m:t>
+                            </m:r>
+                          </m:num>
+                          <m:den>
+                            <m:r>
+                              <a:rPr lang="fr-FR" i="1">
+                                <a:latin typeface="Cambria Math"/>
+                                <a:ea typeface="Cambria Math"/>
+                              </a:rPr>
+                              <m:t>𝑇</m:t>
+                            </m:r>
+                          </m:den>
+                        </m:f>
+                      </m:sub>
+                    </m:sSub>
+                    <m:r>
+                      <a:rPr lang="fr-FR" b="0" i="1" smtClean="0">
+                        <a:latin typeface="Cambria Math"/>
+                        <a:ea typeface="Cambria Math"/>
+                      </a:rPr>
+                      <m:t>+</m:t>
+                    </m:r>
+                    <m:sSub>
+                      <m:sSubPr>
+                        <m:ctrlPr>
+                          <a:rPr lang="fr-FR" b="0" i="1" smtClean="0">
+                            <a:latin typeface="Cambria Math"/>
+                            <a:ea typeface="Cambria Math"/>
+                          </a:rPr>
+                        </m:ctrlPr>
+                      </m:sSubPr>
+                      <m:e>
+                        <m:r>
+                          <a:rPr lang="fr-FR" b="0" i="1" smtClean="0">
+                            <a:latin typeface="Cambria Math"/>
+                            <a:ea typeface="Cambria Math"/>
+                          </a:rPr>
+                          <m:t>𝑟</m:t>
+                        </m:r>
+                      </m:e>
+                      <m:sub>
+                        <m:r>
+                          <a:rPr lang="fr-FR" b="0" i="1" smtClean="0">
+                            <a:latin typeface="Cambria Math"/>
+                            <a:ea typeface="Cambria Math"/>
+                          </a:rPr>
+                          <m:t>0</m:t>
+                        </m:r>
+                      </m:sub>
+                    </m:sSub>
+                    <m:sSub>
+                      <m:sSubPr>
+                        <m:ctrlPr>
+                          <a:rPr lang="fr-FR" b="0" i="1" smtClean="0">
+                            <a:latin typeface="Cambria Math"/>
+                            <a:ea typeface="Cambria Math"/>
+                          </a:rPr>
+                        </m:ctrlPr>
+                      </m:sSubPr>
+                      <m:e>
+                        <m:r>
+                          <a:rPr lang="fr-FR" b="0" i="1" smtClean="0">
+                            <a:latin typeface="Cambria Math"/>
+                            <a:ea typeface="Cambria Math"/>
+                          </a:rPr>
+                          <m:t>𝜔</m:t>
+                        </m:r>
+                      </m:e>
+                      <m:sub>
+                        <m:f>
+                          <m:fPr>
+                            <m:type m:val="lin"/>
+                            <m:ctrlPr>
+                              <a:rPr lang="fr-FR" i="1" smtClean="0">
+                                <a:latin typeface="Cambria Math"/>
+                                <a:ea typeface="Cambria Math"/>
+                              </a:rPr>
+                            </m:ctrlPr>
+                          </m:fPr>
+                          <m:num>
+                            <m:r>
+                              <a:rPr lang="fr-FR" b="0" i="1" smtClean="0">
+                                <a:latin typeface="Cambria Math"/>
+                                <a:ea typeface="Cambria Math"/>
+                              </a:rPr>
+                              <m:t>𝑇</m:t>
+                            </m:r>
+                          </m:num>
+                          <m:den>
+                            <m:r>
+                              <a:rPr lang="fr-FR" b="0" i="1" smtClean="0">
+                                <a:latin typeface="Cambria Math"/>
+                                <a:ea typeface="Cambria Math"/>
+                              </a:rPr>
+                              <m:t>0</m:t>
+                            </m:r>
+                          </m:den>
+                        </m:f>
+                      </m:sub>
+                    </m:sSub>
+                  </m:oMath>
+                </a14:m>
+                <a:r>
+                  <a:rPr lang="fr-FR" dirty="0" smtClean="0">
+                    <a:ea typeface="Cambria Math"/>
+                  </a:rPr>
+                  <a:t> et donc </a:t>
+                </a:r>
+                <a14:m>
+                  <m:oMath xmlns:m="http://schemas.openxmlformats.org/officeDocument/2006/math">
+                    <m:sSub>
+                      <m:sSubPr>
+                        <m:ctrlPr>
+                          <a:rPr lang="fr-FR" b="0" i="1" smtClean="0">
+                            <a:latin typeface="Cambria Math"/>
+                            <a:ea typeface="Cambria Math"/>
+                          </a:rPr>
+                        </m:ctrlPr>
+                      </m:sSubPr>
+                      <m:e>
+                        <m:r>
+                          <a:rPr lang="fr-FR" b="0" i="1" smtClean="0">
+                            <a:latin typeface="Cambria Math"/>
+                            <a:ea typeface="Cambria Math"/>
+                          </a:rPr>
+                          <m:t>𝜔</m:t>
+                        </m:r>
+                      </m:e>
+                      <m:sub>
+                        <m:f>
+                          <m:fPr>
+                            <m:type m:val="lin"/>
+                            <m:ctrlPr>
+                              <a:rPr lang="fr-FR" i="1">
+                                <a:latin typeface="Cambria Math"/>
+                                <a:ea typeface="Cambria Math"/>
+                              </a:rPr>
+                            </m:ctrlPr>
+                          </m:fPr>
+                          <m:num>
+                            <m:r>
+                              <a:rPr lang="fr-FR" i="1">
+                                <a:latin typeface="Cambria Math"/>
+                                <a:ea typeface="Cambria Math"/>
+                              </a:rPr>
+                              <m:t>𝑇</m:t>
+                            </m:r>
+                          </m:num>
+                          <m:den>
+                            <m:r>
+                              <a:rPr lang="fr-FR" i="1">
+                                <a:latin typeface="Cambria Math"/>
+                                <a:ea typeface="Cambria Math"/>
+                              </a:rPr>
+                              <m:t>0</m:t>
+                            </m:r>
+                          </m:den>
+                        </m:f>
+                      </m:sub>
+                    </m:sSub>
+                    <m:r>
+                      <a:rPr lang="fr-FR" b="0" i="1" smtClean="0">
+                        <a:latin typeface="Cambria Math"/>
+                        <a:ea typeface="Cambria Math"/>
+                      </a:rPr>
+                      <m:t>=</m:t>
+                    </m:r>
+                    <m:f>
+                      <m:fPr>
+                        <m:ctrlPr>
+                          <a:rPr lang="fr-FR" b="0" i="1" smtClean="0">
+                            <a:latin typeface="Cambria Math"/>
+                            <a:ea typeface="Cambria Math"/>
+                          </a:rPr>
+                        </m:ctrlPr>
+                      </m:fPr>
+                      <m:num>
+                        <m:sSub>
+                          <m:sSubPr>
+                            <m:ctrlPr>
+                              <a:rPr lang="fr-FR" b="0" i="1" smtClean="0">
+                                <a:latin typeface="Cambria Math"/>
+                                <a:ea typeface="Cambria Math"/>
+                              </a:rPr>
+                            </m:ctrlPr>
+                          </m:sSubPr>
+                          <m:e>
+                            <m:r>
+                              <a:rPr lang="fr-FR" b="0" i="1" smtClean="0">
+                                <a:latin typeface="Cambria Math"/>
+                                <a:ea typeface="Cambria Math"/>
+                              </a:rPr>
+                              <m:t>𝑟</m:t>
+                            </m:r>
+                          </m:e>
+                          <m:sub>
+                            <m:r>
+                              <a:rPr lang="fr-FR" b="0" i="1" smtClean="0">
+                                <a:latin typeface="Cambria Math"/>
+                                <a:ea typeface="Cambria Math"/>
+                              </a:rPr>
+                              <m:t>3</m:t>
+                            </m:r>
+                          </m:sub>
+                        </m:sSub>
+                      </m:num>
+                      <m:den>
+                        <m:sSub>
+                          <m:sSubPr>
+                            <m:ctrlPr>
+                              <a:rPr lang="fr-FR" b="0" i="1" smtClean="0">
+                                <a:latin typeface="Cambria Math"/>
+                                <a:ea typeface="Cambria Math"/>
+                              </a:rPr>
+                            </m:ctrlPr>
+                          </m:sSubPr>
+                          <m:e>
+                            <m:r>
+                              <a:rPr lang="fr-FR" b="0" i="1" smtClean="0">
+                                <a:latin typeface="Cambria Math"/>
+                                <a:ea typeface="Cambria Math"/>
+                              </a:rPr>
+                              <m:t>𝑟</m:t>
+                            </m:r>
+                          </m:e>
+                          <m:sub>
+                            <m:r>
+                              <a:rPr lang="fr-FR" b="0" i="1" smtClean="0">
+                                <a:latin typeface="Cambria Math"/>
+                                <a:ea typeface="Cambria Math"/>
+                              </a:rPr>
+                              <m:t>0</m:t>
+                            </m:r>
+                          </m:sub>
+                        </m:sSub>
+                      </m:den>
+                    </m:f>
+                    <m:sSub>
+                      <m:sSubPr>
+                        <m:ctrlPr>
+                          <a:rPr lang="fr-FR" b="0" i="1" smtClean="0">
+                            <a:latin typeface="Cambria Math"/>
+                            <a:ea typeface="Cambria Math"/>
+                          </a:rPr>
+                        </m:ctrlPr>
+                      </m:sSubPr>
+                      <m:e>
+                        <m:r>
+                          <a:rPr lang="fr-FR" b="0" i="1" smtClean="0">
+                            <a:latin typeface="Cambria Math"/>
+                            <a:ea typeface="Cambria Math"/>
+                          </a:rPr>
+                          <m:t>𝜔</m:t>
+                        </m:r>
+                      </m:e>
+                      <m:sub>
+                        <m:f>
+                          <m:fPr>
+                            <m:type m:val="lin"/>
+                            <m:ctrlPr>
+                              <a:rPr lang="fr-FR" i="1">
+                                <a:latin typeface="Cambria Math"/>
+                                <a:ea typeface="Cambria Math"/>
+                              </a:rPr>
+                            </m:ctrlPr>
+                          </m:fPr>
+                          <m:num>
+                            <m:r>
+                              <a:rPr lang="fr-FR" i="1">
+                                <a:latin typeface="Cambria Math"/>
+                                <a:ea typeface="Cambria Math"/>
+                              </a:rPr>
+                              <m:t>3</m:t>
+                            </m:r>
+                          </m:num>
+                          <m:den>
+                            <m:r>
+                              <a:rPr lang="fr-FR" i="1">
+                                <a:latin typeface="Cambria Math"/>
+                                <a:ea typeface="Cambria Math"/>
+                              </a:rPr>
+                              <m:t>𝑇</m:t>
+                            </m:r>
+                          </m:den>
+                        </m:f>
+                      </m:sub>
+                    </m:sSub>
+                  </m:oMath>
+                </a14:m>
+                <a:endParaRPr lang="fr-FR" dirty="0" smtClean="0">
+                  <a:ea typeface="Cambria Math"/>
+                </a:endParaRPr>
+              </a:p>
+              <a:p>
+                <a:pPr lvl="1"/>
+                <a:endParaRPr lang="fr-FR" sz="1600" dirty="0" smtClean="0">
+                  <a:ea typeface="Cambria Math"/>
+                </a:endParaRPr>
+              </a:p>
+              <a:p>
+                <a:endParaRPr lang="fr-FR" sz="2000" dirty="0">
+                  <a:ea typeface="Cambria Math"/>
+                </a:endParaRPr>
+              </a:p>
+              <a:p>
+                <a:endParaRPr lang="fr-FR" sz="2000" dirty="0">
+                  <a:ea typeface="Cambria Math"/>
+                </a:endParaRPr>
+              </a:p>
+              <a:p>
+                <a:endParaRPr lang="fr-FR" sz="2000" dirty="0">
+                  <a:ea typeface="Cambria Math"/>
+                </a:endParaRPr>
+              </a:p>
+              <a:p>
+                <a:endParaRPr lang="fr-FR" sz="2000" dirty="0"/>
+              </a:p>
+            </p:txBody>
+          </p:sp>
+        </mc:Choice>
+        <mc:Fallback>
+          <p:sp>
+            <p:nvSpPr>
+              <p:cNvPr id="150" name="Espace réservé du contenu 3"/>
+              <p:cNvSpPr>
+                <a:spLocks noGrp="1" noRot="1" noChangeAspect="1" noMove="1" noResize="1" noEditPoints="1" noAdjustHandles="1" noChangeArrowheads="1" noChangeShapeType="1" noTextEdit="1"/>
+              </p:cNvSpPr>
+              <p:nvPr>
+                <p:ph sz="quarter" idx="1"/>
+              </p:nvPr>
+            </p:nvSpPr>
+            <p:spPr>
+              <a:xfrm>
+                <a:off x="2350930" y="1219200"/>
+                <a:ext cx="6541550" cy="5162128"/>
+              </a:xfrm>
+              <a:blipFill rotWithShape="1">
+                <a:blip r:embed="rId8"/>
+                <a:stretch>
+                  <a:fillRect l="-373"/>
+                </a:stretch>
+              </a:blipFill>
+            </p:spPr>
+            <p:txBody>
+              <a:bodyPr/>
+              <a:lstStyle/>
+              <a:p>
+                <a:r>
+                  <a:rPr lang="fr-FR">
+                    <a:noFill/>
+                  </a:rPr>
+                  <a:t> </a:t>
+                </a:r>
+              </a:p>
+            </p:txBody>
+          </p:sp>
+        </mc:Fallback>
+      </mc:AlternateContent>
+      <mc:AlternateContent xmlns:mc="http://schemas.openxmlformats.org/markup-compatibility/2006">
+        <mc:Choice xmlns:a14="http://schemas.microsoft.com/office/drawing/2010/main" Requires="a14">
+          <p:sp>
+            <p:nvSpPr>
+              <p:cNvPr id="4" name="ZoneTexte 3"/>
+              <p:cNvSpPr txBox="1"/>
+              <p:nvPr/>
+            </p:nvSpPr>
+            <p:spPr>
+              <a:xfrm>
+                <a:off x="1788232" y="3768046"/>
+                <a:ext cx="302967" cy="246221"/>
+              </a:xfrm>
+              <a:prstGeom prst="rect">
+                <a:avLst/>
+              </a:prstGeom>
+              <a:noFill/>
+            </p:spPr>
+            <p:txBody>
+              <a:bodyPr wrap="none" rtlCol="0">
+                <a:spAutoFit/>
+              </a:bodyPr>
+              <a:lstStyle/>
+              <a:p>
+                <a14:m>
+                  <m:oMathPara xmlns:m="http://schemas.openxmlformats.org/officeDocument/2006/math">
+                    <m:oMathParaPr>
+                      <m:jc m:val="centerGroup"/>
+                    </m:oMathParaPr>
+                    <m:oMath xmlns:m="http://schemas.openxmlformats.org/officeDocument/2006/math">
+                      <m:r>
+                        <a:rPr lang="fr-FR" sz="1000" b="0" i="1" smtClean="0">
+                          <a:latin typeface="Cambria Math"/>
+                        </a:rPr>
+                        <m:t>𝐴</m:t>
+                      </m:r>
+                    </m:oMath>
+                  </m:oMathPara>
+                </a14:m>
+                <a:endParaRPr lang="fr-FR" sz="1000" dirty="0"/>
+              </a:p>
+            </p:txBody>
+          </p:sp>
+        </mc:Choice>
+        <mc:Fallback>
+          <p:sp>
+            <p:nvSpPr>
+              <p:cNvPr id="4" name="ZoneTexte 3"/>
+              <p:cNvSpPr txBox="1">
+                <a:spLocks noRot="1" noChangeAspect="1" noMove="1" noResize="1" noEditPoints="1" noAdjustHandles="1" noChangeArrowheads="1" noChangeShapeType="1" noTextEdit="1"/>
+              </p:cNvSpPr>
+              <p:nvPr/>
+            </p:nvSpPr>
+            <p:spPr>
+              <a:xfrm>
+                <a:off x="1788232" y="3768046"/>
+                <a:ext cx="302967" cy="246221"/>
+              </a:xfrm>
+              <a:prstGeom prst="rect">
+                <a:avLst/>
+              </a:prstGeom>
+              <a:blipFill rotWithShape="1">
+                <a:blip r:embed="rId9"/>
+                <a:stretch>
+                  <a:fillRect/>
+                </a:stretch>
+              </a:blipFill>
+            </p:spPr>
+            <p:txBody>
+              <a:bodyPr/>
+              <a:lstStyle/>
+              <a:p>
+                <a:r>
+                  <a:rPr lang="fr-FR">
+                    <a:noFill/>
+                  </a:rPr>
+                  <a:t> </a:t>
+                </a:r>
+              </a:p>
+            </p:txBody>
+          </p:sp>
+        </mc:Fallback>
+      </mc:AlternateContent>
+      <mc:AlternateContent xmlns:mc="http://schemas.openxmlformats.org/markup-compatibility/2006">
+        <mc:Choice xmlns:a14="http://schemas.microsoft.com/office/drawing/2010/main" Requires="a14">
+          <p:sp>
+            <p:nvSpPr>
+              <p:cNvPr id="65" name="ZoneTexte 64"/>
+              <p:cNvSpPr txBox="1"/>
+              <p:nvPr/>
+            </p:nvSpPr>
+            <p:spPr>
+              <a:xfrm>
+                <a:off x="1505695" y="4013958"/>
+                <a:ext cx="308353" cy="246221"/>
+              </a:xfrm>
+              <a:prstGeom prst="rect">
+                <a:avLst/>
+              </a:prstGeom>
+              <a:noFill/>
+            </p:spPr>
+            <p:txBody>
+              <a:bodyPr wrap="none" rtlCol="0">
+                <a:spAutoFit/>
+              </a:bodyPr>
+              <a:lstStyle/>
+              <a:p>
+                <a14:m>
+                  <m:oMathPara xmlns:m="http://schemas.openxmlformats.org/officeDocument/2006/math">
+                    <m:oMathParaPr>
+                      <m:jc m:val="centerGroup"/>
+                    </m:oMathParaPr>
+                    <m:oMath xmlns:m="http://schemas.openxmlformats.org/officeDocument/2006/math">
+                      <m:r>
+                        <a:rPr lang="fr-FR" sz="1000" b="0" i="1" smtClean="0">
+                          <a:latin typeface="Cambria Math"/>
+                        </a:rPr>
+                        <m:t>𝐵</m:t>
+                      </m:r>
+                    </m:oMath>
+                  </m:oMathPara>
+                </a14:m>
+                <a:endParaRPr lang="fr-FR" sz="1000" dirty="0"/>
+              </a:p>
+            </p:txBody>
+          </p:sp>
+        </mc:Choice>
+        <mc:Fallback>
+          <p:sp>
+            <p:nvSpPr>
+              <p:cNvPr id="65" name="ZoneTexte 64"/>
+              <p:cNvSpPr txBox="1">
+                <a:spLocks noRot="1" noChangeAspect="1" noMove="1" noResize="1" noEditPoints="1" noAdjustHandles="1" noChangeArrowheads="1" noChangeShapeType="1" noTextEdit="1"/>
+              </p:cNvSpPr>
+              <p:nvPr/>
+            </p:nvSpPr>
+            <p:spPr>
+              <a:xfrm>
+                <a:off x="1505695" y="4013958"/>
+                <a:ext cx="308353" cy="246221"/>
+              </a:xfrm>
+              <a:prstGeom prst="rect">
+                <a:avLst/>
+              </a:prstGeom>
+              <a:blipFill rotWithShape="1">
+                <a:blip r:embed="rId10"/>
+                <a:stretch>
+                  <a:fillRect/>
+                </a:stretch>
+              </a:blipFill>
+            </p:spPr>
+            <p:txBody>
+              <a:bodyPr/>
+              <a:lstStyle/>
+              <a:p>
+                <a:r>
+                  <a:rPr lang="fr-FR">
+                    <a:noFill/>
+                  </a:rPr>
+                  <a:t> </a:t>
+                </a:r>
+              </a:p>
+            </p:txBody>
+          </p:sp>
+        </mc:Fallback>
+      </mc:AlternateContent>
+      <mc:AlternateContent xmlns:mc="http://schemas.openxmlformats.org/markup-compatibility/2006">
+        <mc:Choice xmlns:a14="http://schemas.microsoft.com/office/drawing/2010/main" Requires="a14">
+          <p:sp>
+            <p:nvSpPr>
+              <p:cNvPr id="66" name="ZoneTexte 65"/>
+              <p:cNvSpPr txBox="1"/>
+              <p:nvPr/>
+            </p:nvSpPr>
+            <p:spPr>
+              <a:xfrm>
+                <a:off x="1145535" y="4395249"/>
+                <a:ext cx="302519" cy="246221"/>
+              </a:xfrm>
+              <a:prstGeom prst="rect">
+                <a:avLst/>
+              </a:prstGeom>
+              <a:noFill/>
+            </p:spPr>
+            <p:txBody>
+              <a:bodyPr wrap="none" rtlCol="0">
+                <a:spAutoFit/>
+              </a:bodyPr>
+              <a:lstStyle/>
+              <a:p>
+                <a14:m>
+                  <m:oMathPara xmlns:m="http://schemas.openxmlformats.org/officeDocument/2006/math">
+                    <m:oMathParaPr>
+                      <m:jc m:val="centerGroup"/>
+                    </m:oMathParaPr>
+                    <m:oMath xmlns:m="http://schemas.openxmlformats.org/officeDocument/2006/math">
+                      <m:r>
+                        <a:rPr lang="fr-FR" sz="1000" b="0" i="1" smtClean="0">
+                          <a:latin typeface="Cambria Math"/>
+                        </a:rPr>
+                        <m:t>𝐶</m:t>
+                      </m:r>
+                    </m:oMath>
+                  </m:oMathPara>
+                </a14:m>
+                <a:endParaRPr lang="fr-FR" sz="1000" dirty="0"/>
+              </a:p>
+            </p:txBody>
+          </p:sp>
+        </mc:Choice>
+        <mc:Fallback>
+          <p:sp>
+            <p:nvSpPr>
+              <p:cNvPr id="66" name="ZoneTexte 65"/>
+              <p:cNvSpPr txBox="1">
+                <a:spLocks noRot="1" noChangeAspect="1" noMove="1" noResize="1" noEditPoints="1" noAdjustHandles="1" noChangeArrowheads="1" noChangeShapeType="1" noTextEdit="1"/>
+              </p:cNvSpPr>
+              <p:nvPr/>
+            </p:nvSpPr>
+            <p:spPr>
+              <a:xfrm>
+                <a:off x="1145535" y="4395249"/>
+                <a:ext cx="302519" cy="246221"/>
+              </a:xfrm>
+              <a:prstGeom prst="rect">
+                <a:avLst/>
+              </a:prstGeom>
+              <a:blipFill rotWithShape="1">
+                <a:blip r:embed="rId11"/>
+                <a:stretch>
+                  <a:fillRect/>
+                </a:stretch>
+              </a:blipFill>
+            </p:spPr>
+            <p:txBody>
+              <a:bodyPr/>
+              <a:lstStyle/>
+              <a:p>
+                <a:r>
+                  <a:rPr lang="fr-FR">
+                    <a:noFill/>
+                  </a:rPr>
+                  <a:t> </a:t>
+                </a:r>
+              </a:p>
+            </p:txBody>
+          </p:sp>
+        </mc:Fallback>
+      </mc:AlternateContent>
+      <mc:AlternateContent xmlns:mc="http://schemas.openxmlformats.org/markup-compatibility/2006">
+        <mc:Choice xmlns:a14="http://schemas.microsoft.com/office/drawing/2010/main" Requires="a14">
+          <p:sp>
+            <p:nvSpPr>
+              <p:cNvPr id="67" name="ZoneTexte 66"/>
+              <p:cNvSpPr txBox="1"/>
+              <p:nvPr/>
+            </p:nvSpPr>
+            <p:spPr>
+              <a:xfrm>
+                <a:off x="785375" y="4776540"/>
+                <a:ext cx="311880" cy="246221"/>
+              </a:xfrm>
+              <a:prstGeom prst="rect">
+                <a:avLst/>
+              </a:prstGeom>
+              <a:noFill/>
+            </p:spPr>
+            <p:txBody>
+              <a:bodyPr wrap="none" rtlCol="0">
+                <a:spAutoFit/>
+              </a:bodyPr>
+              <a:lstStyle/>
+              <a:p>
+                <a14:m>
+                  <m:oMathPara xmlns:m="http://schemas.openxmlformats.org/officeDocument/2006/math">
+                    <m:oMathParaPr>
+                      <m:jc m:val="centerGroup"/>
+                    </m:oMathParaPr>
+                    <m:oMath xmlns:m="http://schemas.openxmlformats.org/officeDocument/2006/math">
+                      <m:r>
+                        <a:rPr lang="fr-FR" sz="1000" b="0" i="1" smtClean="0">
+                          <a:latin typeface="Cambria Math"/>
+                        </a:rPr>
+                        <m:t>𝐷</m:t>
+                      </m:r>
+                    </m:oMath>
+                  </m:oMathPara>
+                </a14:m>
+                <a:endParaRPr lang="fr-FR" sz="1000" dirty="0"/>
+              </a:p>
+            </p:txBody>
+          </p:sp>
+        </mc:Choice>
+        <mc:Fallback>
+          <p:sp>
+            <p:nvSpPr>
+              <p:cNvPr id="67" name="ZoneTexte 66"/>
+              <p:cNvSpPr txBox="1">
+                <a:spLocks noRot="1" noChangeAspect="1" noMove="1" noResize="1" noEditPoints="1" noAdjustHandles="1" noChangeArrowheads="1" noChangeShapeType="1" noTextEdit="1"/>
+              </p:cNvSpPr>
+              <p:nvPr/>
+            </p:nvSpPr>
+            <p:spPr>
+              <a:xfrm>
+                <a:off x="785375" y="4776540"/>
+                <a:ext cx="311880" cy="246221"/>
+              </a:xfrm>
+              <a:prstGeom prst="rect">
+                <a:avLst/>
+              </a:prstGeom>
+              <a:blipFill rotWithShape="1">
+                <a:blip r:embed="rId12"/>
+                <a:stretch>
+                  <a:fillRect/>
+                </a:stretch>
+              </a:blipFill>
+            </p:spPr>
+            <p:txBody>
+              <a:bodyPr/>
+              <a:lstStyle/>
+              <a:p>
+                <a:r>
+                  <a:rPr lang="fr-FR">
+                    <a:noFill/>
+                  </a:rPr>
+                  <a:t> </a:t>
+                </a:r>
+              </a:p>
+            </p:txBody>
+          </p:sp>
+        </mc:Fallback>
+      </mc:AlternateContent>
+      <mc:AlternateContent xmlns:mc="http://schemas.openxmlformats.org/markup-compatibility/2006">
+        <mc:Choice xmlns:a14="http://schemas.microsoft.com/office/drawing/2010/main" Requires="a14">
+          <p:sp>
+            <p:nvSpPr>
+              <p:cNvPr id="68" name="ZoneTexte 67"/>
+              <p:cNvSpPr txBox="1"/>
+              <p:nvPr/>
+            </p:nvSpPr>
+            <p:spPr>
+              <a:xfrm>
+                <a:off x="373915" y="5239372"/>
+                <a:ext cx="305084" cy="246221"/>
+              </a:xfrm>
+              <a:prstGeom prst="rect">
+                <a:avLst/>
+              </a:prstGeom>
+              <a:noFill/>
+            </p:spPr>
+            <p:txBody>
+              <a:bodyPr wrap="none" rtlCol="0">
+                <a:spAutoFit/>
+              </a:bodyPr>
+              <a:lstStyle/>
+              <a:p>
+                <a14:m>
+                  <m:oMathPara xmlns:m="http://schemas.openxmlformats.org/officeDocument/2006/math">
+                    <m:oMathParaPr>
+                      <m:jc m:val="centerGroup"/>
+                    </m:oMathParaPr>
+                    <m:oMath xmlns:m="http://schemas.openxmlformats.org/officeDocument/2006/math">
+                      <m:r>
+                        <a:rPr lang="fr-FR" sz="1000" b="0" i="1" smtClean="0">
+                          <a:latin typeface="Cambria Math"/>
+                        </a:rPr>
+                        <m:t>𝐸</m:t>
+                      </m:r>
+                    </m:oMath>
+                  </m:oMathPara>
+                </a14:m>
+                <a:endParaRPr lang="fr-FR" sz="1000" dirty="0"/>
+              </a:p>
+            </p:txBody>
+          </p:sp>
+        </mc:Choice>
+        <mc:Fallback>
+          <p:sp>
+            <p:nvSpPr>
+              <p:cNvPr id="68" name="ZoneTexte 67"/>
+              <p:cNvSpPr txBox="1">
+                <a:spLocks noRot="1" noChangeAspect="1" noMove="1" noResize="1" noEditPoints="1" noAdjustHandles="1" noChangeArrowheads="1" noChangeShapeType="1" noTextEdit="1"/>
+              </p:cNvSpPr>
+              <p:nvPr/>
+            </p:nvSpPr>
+            <p:spPr>
+              <a:xfrm>
+                <a:off x="373915" y="5239372"/>
+                <a:ext cx="305084" cy="246221"/>
+              </a:xfrm>
+              <a:prstGeom prst="rect">
+                <a:avLst/>
+              </a:prstGeom>
+              <a:blipFill rotWithShape="1">
+                <a:blip r:embed="rId13"/>
+                <a:stretch>
+                  <a:fillRect/>
+                </a:stretch>
+              </a:blipFill>
+            </p:spPr>
+            <p:txBody>
+              <a:bodyPr/>
+              <a:lstStyle/>
+              <a:p>
+                <a:r>
+                  <a:rPr lang="fr-FR">
+                    <a:noFill/>
+                  </a:rPr>
+                  <a:t> </a:t>
+                </a:r>
+              </a:p>
+            </p:txBody>
+          </p:sp>
+        </mc:Fallback>
+      </mc:AlternateContent>
+      <mc:AlternateContent xmlns:mc="http://schemas.openxmlformats.org/markup-compatibility/2006">
+        <mc:Choice xmlns:a14="http://schemas.microsoft.com/office/drawing/2010/main" Requires="a14">
+          <p:sp>
+            <p:nvSpPr>
+              <p:cNvPr id="69" name="ZoneTexte 68"/>
+              <p:cNvSpPr txBox="1"/>
+              <p:nvPr/>
+            </p:nvSpPr>
+            <p:spPr>
+              <a:xfrm>
+                <a:off x="737465" y="5158308"/>
+                <a:ext cx="272062" cy="246221"/>
+              </a:xfrm>
+              <a:prstGeom prst="rect">
+                <a:avLst/>
+              </a:prstGeom>
+              <a:noFill/>
+            </p:spPr>
+            <p:txBody>
+              <a:bodyPr wrap="none" rtlCol="0">
+                <a:spAutoFit/>
+              </a:bodyPr>
+              <a:lstStyle/>
+              <a:p>
+                <a14:m>
+                  <m:oMathPara xmlns:m="http://schemas.openxmlformats.org/officeDocument/2006/math">
+                    <m:oMathParaPr>
+                      <m:jc m:val="centerGroup"/>
+                    </m:oMathParaPr>
+                    <m:oMath xmlns:m="http://schemas.openxmlformats.org/officeDocument/2006/math">
+                      <m:r>
+                        <a:rPr lang="fr-FR" sz="1000" b="0" i="1" smtClean="0">
+                          <a:latin typeface="Cambria Math"/>
+                        </a:rPr>
+                        <m:t>𝐼</m:t>
+                      </m:r>
+                    </m:oMath>
+                  </m:oMathPara>
+                </a14:m>
+                <a:endParaRPr lang="fr-FR" sz="1000" dirty="0"/>
+              </a:p>
+            </p:txBody>
+          </p:sp>
+        </mc:Choice>
+        <mc:Fallback>
+          <p:sp>
+            <p:nvSpPr>
+              <p:cNvPr id="69" name="ZoneTexte 68"/>
+              <p:cNvSpPr txBox="1">
+                <a:spLocks noRot="1" noChangeAspect="1" noMove="1" noResize="1" noEditPoints="1" noAdjustHandles="1" noChangeArrowheads="1" noChangeShapeType="1" noTextEdit="1"/>
+              </p:cNvSpPr>
+              <p:nvPr/>
+            </p:nvSpPr>
+            <p:spPr>
+              <a:xfrm>
+                <a:off x="737465" y="5158308"/>
+                <a:ext cx="272062" cy="246221"/>
+              </a:xfrm>
+              <a:prstGeom prst="rect">
+                <a:avLst/>
+              </a:prstGeom>
+              <a:blipFill rotWithShape="1">
+                <a:blip r:embed="rId14"/>
+                <a:stretch>
+                  <a:fillRect/>
+                </a:stretch>
+              </a:blipFill>
+            </p:spPr>
+            <p:txBody>
+              <a:bodyPr/>
+              <a:lstStyle/>
+              <a:p>
+                <a:r>
+                  <a:rPr lang="fr-FR">
+                    <a:noFill/>
+                  </a:rPr>
+                  <a:t> </a:t>
+                </a:r>
+              </a:p>
+            </p:txBody>
+          </p:sp>
+        </mc:Fallback>
+      </mc:AlternateContent>
+    </p:spTree>
+    <p:extLst>
+      <p:ext uri="{BB962C8B-B14F-4D97-AF65-F5344CB8AC3E}">
+        <p14:creationId xmlns:p14="http://schemas.microsoft.com/office/powerpoint/2010/main" val="1341562037"/>
+      </p:ext>
+    </p:extLst>
+  </p:cSld>
+  <p:clrMapOvr>
+    <a:masterClrMapping/>
+  </p:clrMapOvr>
+</p:sld>
+</file>
+
+<file path=ppt/slides/slide4.xml><?xml version="1.0" encoding="utf-8"?>
+<p:sld xmlns:a="http://schemas.openxmlformats.org/drawingml/2006/main" xmlns:r="http://schemas.openxmlformats.org/officeDocument/2006/relationships" xmlns:p="http://schemas.openxmlformats.org/presentationml/2006/main">
+  <p:cSld>
+    <p:spTree>
+      <p:nvGrpSpPr>
+        <p:cNvPr id="1" name=""/>
+        <p:cNvGrpSpPr/>
+        <p:nvPr/>
+      </p:nvGrpSpPr>
+      <p:grpSpPr>
+        <a:xfrm>
+          <a:off x="0" y="0"/>
+          <a:ext cx="0" cy="0"/>
+          <a:chOff x="0" y="0"/>
+          <a:chExt cx="0" cy="0"/>
+        </a:xfrm>
+      </p:grpSpPr>
+      <p:sp>
+        <p:nvSpPr>
+          <p:cNvPr id="2" name="Titre 1"/>
+          <p:cNvSpPr>
+            <a:spLocks noGrp="1"/>
+          </p:cNvSpPr>
+          <p:nvPr>
+            <p:ph type="title"/>
+          </p:nvPr>
+        </p:nvSpPr>
         <p:spPr>
           <a:xfrm>
             <a:off x="457200" y="152400"/>
@@ -16018,7 +23521,7 @@
             <a:fld id="{3F1D8263-54E8-442D-88B4-DA252C595E3D}" type="slidenum">
               <a:rPr lang="fr-FR" smtClean="0"/>
               <a:pPr/>
-              <a:t>3</a:t>
+              <a:t>4</a:t>
             </a:fld>
             <a:endParaRPr lang="fr-FR"/>
           </a:p>
@@ -16124,7 +23627,7 @@
 </p:sld>
 </file>
 
-<file path=ppt/slides/slide4.xml><?xml version="1.0" encoding="utf-8"?>
+<file path=ppt/slides/slide5.xml><?xml version="1.0" encoding="utf-8"?>
 <p:sld xmlns:a="http://schemas.openxmlformats.org/drawingml/2006/main" xmlns:r="http://schemas.openxmlformats.org/officeDocument/2006/relationships" xmlns:p="http://schemas.openxmlformats.org/presentationml/2006/main">
   <p:cSld>
     <p:spTree>
@@ -16188,7 +23691,7 @@
             <a:fld id="{3F1D8263-54E8-442D-88B4-DA252C595E3D}" type="slidenum">
               <a:rPr lang="fr-FR" smtClean="0"/>
               <a:pPr/>
-              <a:t>4</a:t>
+              <a:t>5</a:t>
             </a:fld>
             <a:endParaRPr lang="fr-FR"/>
           </a:p>
@@ -19483,7 +26986,7 @@
 </p:sld>
 </file>
 
-<file path=ppt/slides/slide5.xml><?xml version="1.0" encoding="utf-8"?>
+<file path=ppt/slides/slide6.xml><?xml version="1.0" encoding="utf-8"?>
 <p:sld xmlns:a="http://schemas.openxmlformats.org/drawingml/2006/main" xmlns:r="http://schemas.openxmlformats.org/officeDocument/2006/relationships" xmlns:p="http://schemas.openxmlformats.org/presentationml/2006/main">
   <p:cSld>
     <p:spTree>
@@ -19547,7 +27050,7 @@
             <a:fld id="{3F1D8263-54E8-442D-88B4-DA252C595E3D}" type="slidenum">
               <a:rPr lang="fr-FR" smtClean="0"/>
               <a:pPr/>
-              <a:t>5</a:t>
+              <a:t>6</a:t>
             </a:fld>
             <a:endParaRPr lang="fr-FR"/>
           </a:p>
@@ -19922,7 +27425,7 @@
 </p:sld>
 </file>
 
-<file path=ppt/slides/slide6.xml><?xml version="1.0" encoding="utf-8"?>
+<file path=ppt/slides/slide7.xml><?xml version="1.0" encoding="utf-8"?>
 <p:sld xmlns:a="http://schemas.openxmlformats.org/drawingml/2006/main" xmlns:r="http://schemas.openxmlformats.org/officeDocument/2006/relationships" xmlns:p="http://schemas.openxmlformats.org/presentationml/2006/main">
   <p:cSld>
     <p:spTree>
@@ -19986,7 +27489,7 @@
             <a:fld id="{3F1D8263-54E8-442D-88B4-DA252C595E3D}" type="slidenum">
               <a:rPr lang="fr-FR" smtClean="0"/>
               <a:pPr/>
-              <a:t>6</a:t>
+              <a:t>7</a:t>
             </a:fld>
             <a:endParaRPr lang="fr-FR"/>
           </a:p>
@@ -20246,7 +27749,7 @@
 </p:sld>
 </file>
 
-<file path=ppt/slides/slide7.xml><?xml version="1.0" encoding="utf-8"?>
+<file path=ppt/slides/slide8.xml><?xml version="1.0" encoding="utf-8"?>
 <p:sld xmlns:a="http://schemas.openxmlformats.org/drawingml/2006/main" xmlns:r="http://schemas.openxmlformats.org/officeDocument/2006/relationships" xmlns:p="http://schemas.openxmlformats.org/presentationml/2006/main">
   <p:cSld>
     <p:spTree>
@@ -20310,7 +27813,7 @@
             <a:fld id="{3F1D8263-54E8-442D-88B4-DA252C595E3D}" type="slidenum">
               <a:rPr lang="fr-FR" smtClean="0"/>
               <a:pPr/>
-              <a:t>7</a:t>
+              <a:t>8</a:t>
             </a:fld>
             <a:endParaRPr lang="fr-FR"/>
           </a:p>
@@ -20415,7 +27918,7 @@
 </p:sld>
 </file>
 
-<file path=ppt/slides/slide8.xml><?xml version="1.0" encoding="utf-8"?>
+<file path=ppt/slides/slide9.xml><?xml version="1.0" encoding="utf-8"?>
 <p:sld xmlns:a="http://schemas.openxmlformats.org/drawingml/2006/main" xmlns:r="http://schemas.openxmlformats.org/officeDocument/2006/relationships" xmlns:p="http://schemas.openxmlformats.org/presentationml/2006/main">
   <p:cSld>
     <p:spTree>
@@ -20479,7 +27982,7 @@
             <a:fld id="{3F1D8263-54E8-442D-88B4-DA252C595E3D}" type="slidenum">
               <a:rPr lang="fr-FR" smtClean="0"/>
               <a:pPr/>
-              <a:t>8</a:t>
+              <a:t>9</a:t>
             </a:fld>
             <a:endParaRPr lang="fr-FR"/>
           </a:p>
@@ -20742,473 +28245,6 @@
     <p:extLst>
       <p:ext uri="{BB962C8B-B14F-4D97-AF65-F5344CB8AC3E}">
         <p14:creationId xmlns:p14="http://schemas.microsoft.com/office/powerpoint/2010/main" val="3308247622"/>
-      </p:ext>
-    </p:extLst>
-  </p:cSld>
-  <p:clrMapOvr>
-    <a:masterClrMapping/>
-  </p:clrMapOvr>
-  <p:timing>
-    <p:tnLst>
-      <p:par>
-        <p:cTn id="1" dur="indefinite" restart="never" nodeType="tmRoot"/>
-      </p:par>
-    </p:tnLst>
-  </p:timing>
-</p:sld>
-</file>
-
-<file path=ppt/slides/slide9.xml><?xml version="1.0" encoding="utf-8"?>
-<p:sld xmlns:a="http://schemas.openxmlformats.org/drawingml/2006/main" xmlns:r="http://schemas.openxmlformats.org/officeDocument/2006/relationships" xmlns:p="http://schemas.openxmlformats.org/presentationml/2006/main">
-  <p:cSld>
-    <p:spTree>
-      <p:nvGrpSpPr>
-        <p:cNvPr id="1" name=""/>
-        <p:cNvGrpSpPr/>
-        <p:nvPr/>
-      </p:nvGrpSpPr>
-      <p:grpSpPr>
-        <a:xfrm>
-          <a:off x="0" y="0"/>
-          <a:ext cx="0" cy="0"/>
-          <a:chOff x="0" y="0"/>
-          <a:chExt cx="0" cy="0"/>
-        </a:xfrm>
-      </p:grpSpPr>
-      <p:sp>
-        <p:nvSpPr>
-          <p:cNvPr id="2" name="Titre 1"/>
-          <p:cNvSpPr>
-            <a:spLocks noGrp="1"/>
-          </p:cNvSpPr>
-          <p:nvPr>
-            <p:ph type="title"/>
-          </p:nvPr>
-        </p:nvSpPr>
-        <p:spPr>
-          <a:xfrm>
-            <a:off x="457200" y="152400"/>
-            <a:ext cx="8219256" cy="990600"/>
-          </a:xfrm>
-        </p:spPr>
-        <p:txBody>
-          <a:bodyPr>
-            <a:normAutofit/>
-          </a:bodyPr>
-          <a:lstStyle/>
-          <a:p>
-            <a:r>
-              <a:rPr lang="fr-FR" sz="2800" dirty="0"/>
-              <a:t>Renseignement du modèle multiphysique</a:t>
-            </a:r>
-          </a:p>
-        </p:txBody>
-      </p:sp>
-      <p:sp>
-        <p:nvSpPr>
-          <p:cNvPr id="3" name="Espace réservé du numéro de diapositive 2"/>
-          <p:cNvSpPr>
-            <a:spLocks noGrp="1"/>
-          </p:cNvSpPr>
-          <p:nvPr>
-            <p:ph type="sldNum" sz="quarter" idx="12"/>
-          </p:nvPr>
-        </p:nvSpPr>
-        <p:spPr/>
-        <p:txBody>
-          <a:bodyPr/>
-          <a:lstStyle/>
-          <a:p>
-            <a:fld id="{3F1D8263-54E8-442D-88B4-DA252C595E3D}" type="slidenum">
-              <a:rPr lang="fr-FR" smtClean="0"/>
-              <a:pPr/>
-              <a:t>9</a:t>
-            </a:fld>
-            <a:endParaRPr lang="fr-FR"/>
-          </a:p>
-        </p:txBody>
-      </p:sp>
-      <p:pic>
-        <p:nvPicPr>
-          <p:cNvPr id="5" name="Picture 3"/>
-          <p:cNvPicPr>
-            <a:picLocks noGrp="1" noChangeAspect="1" noChangeArrowheads="1"/>
-          </p:cNvPicPr>
-          <p:nvPr>
-            <p:ph sz="quarter" idx="1"/>
-          </p:nvPr>
-        </p:nvPicPr>
-        <p:blipFill>
-          <a:blip r:embed="rId2" cstate="print">
-            <a:extLst>
-              <a:ext uri="{28A0092B-C50C-407E-A947-70E740481C1C}">
-                <a14:useLocalDpi xmlns:a14="http://schemas.microsoft.com/office/drawing/2010/main" val="0"/>
-              </a:ext>
-            </a:extLst>
-          </a:blip>
-          <a:srcRect/>
-          <a:stretch>
-            <a:fillRect/>
-          </a:stretch>
-        </p:blipFill>
-        <p:spPr bwMode="auto">
-          <a:xfrm>
-            <a:off x="433135" y="1412776"/>
-            <a:ext cx="8411080" cy="3226892"/>
-          </a:xfrm>
-          <a:prstGeom prst="rect">
-            <a:avLst/>
-          </a:prstGeom>
-          <a:noFill/>
-          <a:ln>
-            <a:noFill/>
-          </a:ln>
-          <a:effectLst/>
-          <a:extLst>
-            <a:ext uri="{909E8E84-426E-40DD-AFC4-6F175D3DCCD1}">
-              <a14:hiddenFill xmlns:a14="http://schemas.microsoft.com/office/drawing/2010/main">
-                <a:solidFill>
-                  <a:schemeClr val="accent1"/>
-                </a:solidFill>
-              </a14:hiddenFill>
-            </a:ext>
-            <a:ext uri="{91240B29-F687-4F45-9708-019B960494DF}">
-              <a14:hiddenLine xmlns:a14="http://schemas.microsoft.com/office/drawing/2010/main" w="9525">
-                <a:solidFill>
-                  <a:schemeClr val="tx1"/>
-                </a:solidFill>
-                <a:miter lim="800000"/>
-                <a:headEnd/>
-                <a:tailEnd/>
-              </a14:hiddenLine>
-            </a:ext>
-            <a:ext uri="{AF507438-7753-43E0-B8FC-AC1667EBCBE1}">
-              <a14:hiddenEffects xmlns:a14="http://schemas.microsoft.com/office/drawing/2010/main">
-                <a:effectLst>
-                  <a:outerShdw dist="35921" dir="2700000" algn="ctr" rotWithShape="0">
-                    <a:schemeClr val="bg2"/>
-                  </a:outerShdw>
-                </a:effectLst>
-              </a14:hiddenEffects>
-            </a:ext>
-          </a:extLst>
-        </p:spPr>
-      </p:pic>
-      <p:sp>
-        <p:nvSpPr>
-          <p:cNvPr id="6" name="Rectangle 5"/>
-          <p:cNvSpPr/>
-          <p:nvPr/>
-        </p:nvSpPr>
-        <p:spPr>
-          <a:xfrm>
-            <a:off x="323528" y="3271516"/>
-            <a:ext cx="1152128" cy="504056"/>
-          </a:xfrm>
-          <a:prstGeom prst="rect">
-            <a:avLst/>
-          </a:prstGeom>
-          <a:noFill/>
-          <a:ln w="28575">
-            <a:solidFill>
-              <a:srgbClr val="FF0000"/>
-            </a:solidFill>
-            <a:prstDash val="dash"/>
-          </a:ln>
-        </p:spPr>
-        <p:style>
-          <a:lnRef idx="2">
-            <a:schemeClr val="accent1">
-              <a:shade val="50000"/>
-            </a:schemeClr>
-          </a:lnRef>
-          <a:fillRef idx="1">
-            <a:schemeClr val="accent1"/>
-          </a:fillRef>
-          <a:effectRef idx="0">
-            <a:schemeClr val="accent1"/>
-          </a:effectRef>
-          <a:fontRef idx="minor">
-            <a:schemeClr val="lt1"/>
-          </a:fontRef>
-        </p:style>
-        <p:txBody>
-          <a:bodyPr rtlCol="0" anchor="ctr"/>
-          <a:lstStyle/>
-          <a:p>
-            <a:pPr algn="ctr"/>
-            <a:endParaRPr lang="fr-FR"/>
-          </a:p>
-        </p:txBody>
-      </p:sp>
-      <p:sp>
-        <p:nvSpPr>
-          <p:cNvPr id="7" name="Rectangle 6"/>
-          <p:cNvSpPr/>
-          <p:nvPr/>
-        </p:nvSpPr>
-        <p:spPr>
-          <a:xfrm>
-            <a:off x="3851920" y="2407420"/>
-            <a:ext cx="864096" cy="1224136"/>
-          </a:xfrm>
-          <a:prstGeom prst="rect">
-            <a:avLst/>
-          </a:prstGeom>
-          <a:noFill/>
-          <a:ln w="28575">
-            <a:solidFill>
-              <a:srgbClr val="FF0000"/>
-            </a:solidFill>
-            <a:prstDash val="dash"/>
-          </a:ln>
-        </p:spPr>
-        <p:style>
-          <a:lnRef idx="2">
-            <a:schemeClr val="accent1">
-              <a:shade val="50000"/>
-            </a:schemeClr>
-          </a:lnRef>
-          <a:fillRef idx="1">
-            <a:schemeClr val="accent1"/>
-          </a:fillRef>
-          <a:effectRef idx="0">
-            <a:schemeClr val="accent1"/>
-          </a:effectRef>
-          <a:fontRef idx="minor">
-            <a:schemeClr val="lt1"/>
-          </a:fontRef>
-        </p:style>
-        <p:txBody>
-          <a:bodyPr rtlCol="0" anchor="ctr"/>
-          <a:lstStyle/>
-          <a:p>
-            <a:pPr algn="ctr"/>
-            <a:endParaRPr lang="fr-FR"/>
-          </a:p>
-        </p:txBody>
-      </p:sp>
-      <p:sp>
-        <p:nvSpPr>
-          <p:cNvPr id="8" name="Rectangle 7"/>
-          <p:cNvSpPr/>
-          <p:nvPr/>
-        </p:nvSpPr>
-        <p:spPr>
-          <a:xfrm>
-            <a:off x="5076056" y="1837433"/>
-            <a:ext cx="576064" cy="1794123"/>
-          </a:xfrm>
-          <a:prstGeom prst="rect">
-            <a:avLst/>
-          </a:prstGeom>
-          <a:noFill/>
-          <a:ln w="28575">
-            <a:solidFill>
-              <a:srgbClr val="FF0000"/>
-            </a:solidFill>
-            <a:prstDash val="dash"/>
-          </a:ln>
-        </p:spPr>
-        <p:style>
-          <a:lnRef idx="2">
-            <a:schemeClr val="accent1">
-              <a:shade val="50000"/>
-            </a:schemeClr>
-          </a:lnRef>
-          <a:fillRef idx="1">
-            <a:schemeClr val="accent1"/>
-          </a:fillRef>
-          <a:effectRef idx="0">
-            <a:schemeClr val="accent1"/>
-          </a:effectRef>
-          <a:fontRef idx="minor">
-            <a:schemeClr val="lt1"/>
-          </a:fontRef>
-        </p:style>
-        <p:txBody>
-          <a:bodyPr rtlCol="0" anchor="ctr"/>
-          <a:lstStyle/>
-          <a:p>
-            <a:pPr algn="ctr"/>
-            <a:endParaRPr lang="fr-FR"/>
-          </a:p>
-        </p:txBody>
-      </p:sp>
-      <p:sp>
-        <p:nvSpPr>
-          <p:cNvPr id="9" name="ZoneTexte 8"/>
-          <p:cNvSpPr txBox="1"/>
-          <p:nvPr/>
-        </p:nvSpPr>
-        <p:spPr>
-          <a:xfrm>
-            <a:off x="125760" y="3884523"/>
-            <a:ext cx="1547663" cy="646331"/>
-          </a:xfrm>
-          <a:prstGeom prst="rect">
-            <a:avLst/>
-          </a:prstGeom>
-          <a:noFill/>
-        </p:spPr>
-        <p:txBody>
-          <a:bodyPr wrap="square" rtlCol="0">
-            <a:spAutoFit/>
-          </a:bodyPr>
-          <a:lstStyle/>
-          <a:p>
-            <a:r>
-              <a:rPr lang="fr-FR" dirty="0"/>
-              <a:t>Commande en PWM en BO</a:t>
-            </a:r>
-          </a:p>
-        </p:txBody>
-      </p:sp>
-      <p:sp>
-        <p:nvSpPr>
-          <p:cNvPr id="10" name="ZoneTexte 9"/>
-          <p:cNvSpPr txBox="1"/>
-          <p:nvPr/>
-        </p:nvSpPr>
-        <p:spPr>
-          <a:xfrm>
-            <a:off x="1150345" y="1706176"/>
-            <a:ext cx="3772024" cy="923330"/>
-          </a:xfrm>
-          <a:prstGeom prst="rect">
-            <a:avLst/>
-          </a:prstGeom>
-          <a:noFill/>
-        </p:spPr>
-        <p:txBody>
-          <a:bodyPr wrap="square" rtlCol="0">
-            <a:spAutoFit/>
-          </a:bodyPr>
-          <a:lstStyle/>
-          <a:p>
-            <a:r>
-              <a:rPr lang="fr-FR" b="1" dirty="0"/>
-              <a:t>En BO : le frottement sec vient toujours en opposition (pas forcément en BF…)</a:t>
-            </a:r>
-          </a:p>
-        </p:txBody>
-      </p:sp>
-      <p:sp>
-        <p:nvSpPr>
-          <p:cNvPr id="11" name="ZoneTexte 10"/>
-          <p:cNvSpPr txBox="1"/>
-          <p:nvPr/>
-        </p:nvSpPr>
-        <p:spPr>
-          <a:xfrm>
-            <a:off x="4211960" y="1216870"/>
-            <a:ext cx="3911559" cy="646331"/>
-          </a:xfrm>
-          <a:prstGeom prst="rect">
-            <a:avLst/>
-          </a:prstGeom>
-          <a:noFill/>
-        </p:spPr>
-        <p:txBody>
-          <a:bodyPr wrap="square" rtlCol="0">
-            <a:spAutoFit/>
-          </a:bodyPr>
-          <a:lstStyle/>
-          <a:p>
-            <a:r>
-              <a:rPr lang="fr-FR" b="1" dirty="0"/>
-              <a:t>En BO : le couple résistant est en opposition (pas forcément en BF).</a:t>
-            </a:r>
-          </a:p>
-        </p:txBody>
-      </p:sp>
-      <p:pic>
-        <p:nvPicPr>
-          <p:cNvPr id="12" name="Image 11"/>
-          <p:cNvPicPr>
-            <a:picLocks noChangeAspect="1"/>
-          </p:cNvPicPr>
-          <p:nvPr/>
-        </p:nvPicPr>
-        <p:blipFill>
-          <a:blip r:embed="rId3"/>
-          <a:stretch>
-            <a:fillRect/>
-          </a:stretch>
-        </p:blipFill>
-        <p:spPr>
-          <a:xfrm>
-            <a:off x="552057" y="4613343"/>
-            <a:ext cx="2484300" cy="2062812"/>
-          </a:xfrm>
-          <a:prstGeom prst="rect">
-            <a:avLst/>
-          </a:prstGeom>
-        </p:spPr>
-      </p:pic>
-      <p:sp>
-        <p:nvSpPr>
-          <p:cNvPr id="14" name="ZoneTexte 13"/>
-          <p:cNvSpPr txBox="1"/>
-          <p:nvPr/>
-        </p:nvSpPr>
-        <p:spPr>
-          <a:xfrm>
-            <a:off x="3189141" y="4909444"/>
-            <a:ext cx="2057562" cy="1384995"/>
-          </a:xfrm>
-          <a:prstGeom prst="rect">
-            <a:avLst/>
-          </a:prstGeom>
-          <a:noFill/>
-        </p:spPr>
-        <p:txBody>
-          <a:bodyPr wrap="square" rtlCol="0">
-            <a:spAutoFit/>
-          </a:bodyPr>
-          <a:lstStyle/>
-          <a:p>
-            <a:r>
-              <a:rPr lang="fr-FR" sz="1400" b="1" dirty="0"/>
-              <a:t>Angle de la cheville en fonction du temps </a:t>
-            </a:r>
-          </a:p>
-          <a:p>
-            <a:r>
-              <a:rPr lang="fr-FR" sz="1400" b="1" dirty="0"/>
-              <a:t>0,45 secondes pour faire 90° avec une masse de 300g et un PWM de 45.</a:t>
-            </a:r>
-          </a:p>
-        </p:txBody>
-      </p:sp>
-      <p:pic>
-        <p:nvPicPr>
-          <p:cNvPr id="31" name="Image 30"/>
-          <p:cNvPicPr>
-            <a:picLocks noChangeAspect="1"/>
-          </p:cNvPicPr>
-          <p:nvPr/>
-        </p:nvPicPr>
-        <p:blipFill>
-          <a:blip r:embed="rId4"/>
-          <a:stretch>
-            <a:fillRect/>
-          </a:stretch>
-        </p:blipFill>
-        <p:spPr>
-          <a:xfrm>
-            <a:off x="5399488" y="4468395"/>
-            <a:ext cx="3744512" cy="2352708"/>
-          </a:xfrm>
-          <a:prstGeom prst="rect">
-            <a:avLst/>
-          </a:prstGeom>
-        </p:spPr>
-      </p:pic>
-    </p:spTree>
-    <p:extLst>
-      <p:ext uri="{BB962C8B-B14F-4D97-AF65-F5344CB8AC3E}">
-        <p14:creationId xmlns:p14="http://schemas.microsoft.com/office/powerpoint/2010/main" val="1274611917"/>
       </p:ext>
     </p:extLst>
   </p:cSld>

--- a/TP/Cy_05_Ene_TP_Energetique.pptx
+++ b/TP/Cy_05_Ene_TP_Energetique.pptx
@@ -121,7 +121,7 @@
   </p:defaultTextStyle>
   <p:extLst>
     <p:ext uri="{EFAFB233-063F-42B5-8137-9DF3F51BA10A}">
-      <p15:sldGuideLst xmlns="" xmlns:p15="http://schemas.microsoft.com/office/powerpoint/2012/main">
+      <p15:sldGuideLst xmlns:p15="http://schemas.microsoft.com/office/powerpoint/2012/main" xmlns="">
         <p15:guide id="1" orient="horz" pos="2160">
           <p15:clr>
             <a:srgbClr val="A4A3A4"/>
@@ -245,11 +245,11 @@
           <c:showPercent val="0"/>
           <c:showBubbleSize val="0"/>
         </c:dLbls>
-        <c:axId val="229033472"/>
-        <c:axId val="229035392"/>
+        <c:axId val="90938112"/>
+        <c:axId val="90938688"/>
       </c:scatterChart>
       <c:valAx>
-        <c:axId val="229033472"/>
+        <c:axId val="90938112"/>
         <c:scaling>
           <c:orientation val="minMax"/>
         </c:scaling>
@@ -278,12 +278,12 @@
         <c:majorTickMark val="none"/>
         <c:minorTickMark val="none"/>
         <c:tickLblPos val="nextTo"/>
-        <c:crossAx val="229035392"/>
+        <c:crossAx val="90938688"/>
         <c:crosses val="autoZero"/>
         <c:crossBetween val="midCat"/>
       </c:valAx>
       <c:valAx>
-        <c:axId val="229035392"/>
+        <c:axId val="90938688"/>
         <c:scaling>
           <c:orientation val="minMax"/>
         </c:scaling>
@@ -313,7 +313,7 @@
         <c:majorTickMark val="none"/>
         <c:minorTickMark val="none"/>
         <c:tickLblPos val="nextTo"/>
-        <c:crossAx val="229033472"/>
+        <c:crossAx val="90938112"/>
         <c:crosses val="autoZero"/>
         <c:crossBetween val="midCat"/>
       </c:valAx>
@@ -423,11 +423,11 @@
           <c:showPercent val="0"/>
           <c:showBubbleSize val="0"/>
         </c:dLbls>
-        <c:axId val="242263168"/>
-        <c:axId val="242265088"/>
+        <c:axId val="128108800"/>
+        <c:axId val="128109376"/>
       </c:scatterChart>
       <c:valAx>
-        <c:axId val="242263168"/>
+        <c:axId val="128108800"/>
         <c:scaling>
           <c:orientation val="minMax"/>
         </c:scaling>
@@ -456,12 +456,12 @@
         <c:majorTickMark val="none"/>
         <c:minorTickMark val="none"/>
         <c:tickLblPos val="nextTo"/>
-        <c:crossAx val="242265088"/>
+        <c:crossAx val="128109376"/>
         <c:crosses val="autoZero"/>
         <c:crossBetween val="midCat"/>
       </c:valAx>
       <c:valAx>
-        <c:axId val="242265088"/>
+        <c:axId val="128109376"/>
         <c:scaling>
           <c:orientation val="minMax"/>
         </c:scaling>
@@ -491,7 +491,7 @@
         <c:majorTickMark val="none"/>
         <c:minorTickMark val="none"/>
         <c:tickLblPos val="nextTo"/>
-        <c:crossAx val="242263168"/>
+        <c:crossAx val="128108800"/>
         <c:crosses val="autoZero"/>
         <c:crossBetween val="midCat"/>
       </c:valAx>
@@ -589,7 +589,7 @@
             <a:fld id="{E494A05E-DEA9-4CEA-A63B-3593EEF3AC45}" type="datetimeFigureOut">
               <a:rPr lang="fr-FR" smtClean="0"/>
               <a:pPr/>
-              <a:t>10/01/2018</a:t>
+              <a:t>12/01/2018</a:t>
             </a:fld>
             <a:endParaRPr lang="fr-FR"/>
           </a:p>
@@ -1089,7 +1089,7 @@
             <a:fld id="{3A961F90-11F6-4966-B0E5-2BB20F714B78}" type="datetime1">
               <a:rPr lang="fr-FR" smtClean="0"/>
               <a:pPr/>
-              <a:t>10/01/2018</a:t>
+              <a:t>12/01/2018</a:t>
             </a:fld>
             <a:endParaRPr lang="fr-FR"/>
           </a:p>
@@ -1450,7 +1450,7 @@
             <a:fld id="{59700BD1-A4B5-444B-B773-B4FDD97DF200}" type="datetime1">
               <a:rPr lang="fr-FR" smtClean="0"/>
               <a:pPr/>
-              <a:t>10/01/2018</a:t>
+              <a:t>12/01/2018</a:t>
             </a:fld>
             <a:endParaRPr lang="fr-FR"/>
           </a:p>
@@ -1627,7 +1627,7 @@
             <a:fld id="{A354AF49-C35E-40F6-8345-CA866716EE79}" type="datetime1">
               <a:rPr lang="fr-FR" smtClean="0"/>
               <a:pPr/>
-              <a:t>10/01/2018</a:t>
+              <a:t>12/01/2018</a:t>
             </a:fld>
             <a:endParaRPr lang="fr-FR"/>
           </a:p>
@@ -1864,7 +1864,7 @@
             <a:fld id="{EAFEF7E1-4A71-4560-AA4D-33BBAAF32357}" type="datetime1">
               <a:rPr lang="fr-FR" smtClean="0"/>
               <a:pPr/>
-              <a:t>10/01/2018</a:t>
+              <a:t>12/01/2018</a:t>
             </a:fld>
             <a:endParaRPr lang="fr-FR"/>
           </a:p>
@@ -2135,7 +2135,7 @@
             <a:fld id="{9BE6CECE-C4BA-493A-9F45-8F69D8200EC9}" type="datetime1">
               <a:rPr lang="fr-FR" smtClean="0"/>
               <a:pPr/>
-              <a:t>10/01/2018</a:t>
+              <a:t>12/01/2018</a:t>
             </a:fld>
             <a:endParaRPr lang="fr-FR"/>
           </a:p>
@@ -2357,7 +2357,7 @@
             <a:fld id="{6B400324-51BB-4021-B482-6C084AB66459}" type="datetime1">
               <a:rPr lang="fr-FR" smtClean="0"/>
               <a:pPr/>
-              <a:t>10/01/2018</a:t>
+              <a:t>12/01/2018</a:t>
             </a:fld>
             <a:endParaRPr lang="fr-FR"/>
           </a:p>
@@ -2711,7 +2711,7 @@
             <a:fld id="{87C4A39B-E1E0-4B19-A965-1E1097FB3AF3}" type="datetime1">
               <a:rPr lang="fr-FR" smtClean="0"/>
               <a:pPr/>
-              <a:t>10/01/2018</a:t>
+              <a:t>12/01/2018</a:t>
             </a:fld>
             <a:endParaRPr lang="fr-FR"/>
           </a:p>
@@ -2945,7 +2945,7 @@
             <a:fld id="{CEF5A761-699F-4B94-BA43-1E8C0C9C554B}" type="datetime1">
               <a:rPr lang="fr-FR" smtClean="0"/>
               <a:pPr/>
-              <a:t>10/01/2018</a:t>
+              <a:t>12/01/2018</a:t>
             </a:fld>
             <a:endParaRPr lang="fr-FR"/>
           </a:p>
@@ -3087,7 +3087,7 @@
             <a:fld id="{E407DE65-0759-4C9C-9804-8C4C0AC5F8D7}" type="datetime1">
               <a:rPr lang="fr-FR" smtClean="0"/>
               <a:pPr/>
-              <a:t>10/01/2018</a:t>
+              <a:t>12/01/2018</a:t>
             </a:fld>
             <a:endParaRPr lang="fr-FR"/>
           </a:p>
@@ -3366,7 +3366,7 @@
             <a:fld id="{6DCAF433-E5EB-4B74-B8BB-3F6D9EEAE800}" type="datetime1">
               <a:rPr lang="fr-FR" smtClean="0"/>
               <a:pPr/>
-              <a:t>10/01/2018</a:t>
+              <a:t>12/01/2018</a:t>
             </a:fld>
             <a:endParaRPr lang="fr-FR"/>
           </a:p>
@@ -3775,7 +3775,7 @@
             <a:fld id="{E5AEAC06-18E9-471A-B77A-CDA5C363BF1F}" type="datetime1">
               <a:rPr lang="fr-FR" smtClean="0"/>
               <a:pPr/>
-              <a:t>10/01/2018</a:t>
+              <a:t>12/01/2018</a:t>
             </a:fld>
             <a:endParaRPr lang="fr-FR"/>
           </a:p>
@@ -4115,7 +4115,7 @@
             <a:fld id="{B9178431-C703-4FD6-9F6F-E8F5512852E2}" type="datetime1">
               <a:rPr lang="fr-FR" smtClean="0"/>
               <a:pPr/>
-              <a:t>10/01/2018</a:t>
+              <a:t>12/01/2018</a:t>
             </a:fld>
             <a:endParaRPr lang="fr-FR"/>
           </a:p>
@@ -11388,7 +11388,7 @@
             </p:spPr>
             <p:txBody>
               <a:bodyPr>
-                <a:normAutofit fontScale="77500" lnSpcReduction="20000"/>
+                <a:normAutofit/>
               </a:bodyPr>
               <a:lstStyle/>
               <a:p>
@@ -13154,1871 +13154,30 @@
                 <a:endParaRPr lang="fr-FR" sz="2000" dirty="0"/>
               </a:p>
               <a:p>
-                <a14:m>
-                  <m:oMath xmlns:m="http://schemas.openxmlformats.org/officeDocument/2006/math">
-                    <m:sSub>
-                      <m:sSubPr>
-                        <m:ctrlPr>
-                          <a:rPr lang="fr-FR" sz="2000" i="1">
-                            <a:latin typeface="Cambria Math"/>
-                            <a:ea typeface="Cambria Math"/>
-                          </a:rPr>
-                        </m:ctrlPr>
-                      </m:sSubPr>
-                      <m:e>
-                        <m:r>
-                          <a:rPr lang="fr-FR" sz="2000" i="1">
-                            <a:latin typeface="Cambria Math"/>
-                            <a:ea typeface="Cambria Math"/>
-                          </a:rPr>
-                          <m:t>𝜔</m:t>
-                        </m:r>
-                      </m:e>
-                      <m:sub>
-                        <m:f>
-                          <m:fPr>
-                            <m:type m:val="lin"/>
-                            <m:ctrlPr>
-                              <a:rPr lang="fr-FR" sz="2000" i="1">
-                                <a:latin typeface="Cambria Math"/>
-                                <a:ea typeface="Cambria Math"/>
-                              </a:rPr>
-                            </m:ctrlPr>
-                          </m:fPr>
-                          <m:num>
-                            <m:r>
-                              <a:rPr lang="fr-FR" sz="2000" b="0" i="1" smtClean="0">
-                                <a:latin typeface="Cambria Math"/>
-                                <a:ea typeface="Cambria Math"/>
-                              </a:rPr>
-                              <m:t>𝑇</m:t>
-                            </m:r>
-                          </m:num>
-                          <m:den>
-                            <m:r>
-                              <a:rPr lang="fr-FR" sz="2000" i="1">
-                                <a:latin typeface="Cambria Math"/>
-                                <a:ea typeface="Cambria Math"/>
-                              </a:rPr>
-                              <m:t>0</m:t>
-                            </m:r>
-                          </m:den>
-                        </m:f>
-                      </m:sub>
-                    </m:sSub>
-                    <m:r>
-                      <a:rPr lang="fr-FR" sz="2000">
-                        <a:latin typeface="Cambria Math"/>
-                        <a:ea typeface="Cambria Math"/>
-                      </a:rPr>
-                      <m:t>=</m:t>
-                    </m:r>
-                    <m:sSub>
-                      <m:sSubPr>
-                        <m:ctrlPr>
-                          <a:rPr lang="fr-FR" sz="2000" i="1">
-                            <a:latin typeface="Cambria Math"/>
-                            <a:ea typeface="Cambria Math"/>
-                          </a:rPr>
-                        </m:ctrlPr>
-                      </m:sSubPr>
-                      <m:e>
-                        <m:r>
-                          <a:rPr lang="fr-FR" sz="2000" i="1">
-                            <a:latin typeface="Cambria Math"/>
-                            <a:ea typeface="Cambria Math"/>
-                          </a:rPr>
-                          <m:t>𝜔</m:t>
-                        </m:r>
-                      </m:e>
-                      <m:sub>
-                        <m:f>
-                          <m:fPr>
-                            <m:type m:val="lin"/>
-                            <m:ctrlPr>
-                              <a:rPr lang="fr-FR" sz="2000" i="1">
-                                <a:latin typeface="Cambria Math"/>
-                                <a:ea typeface="Cambria Math"/>
-                              </a:rPr>
-                            </m:ctrlPr>
-                          </m:fPr>
-                          <m:num>
-                            <m:r>
-                              <a:rPr lang="fr-FR" sz="2000" b="0" i="1" smtClean="0">
-                                <a:latin typeface="Cambria Math"/>
-                                <a:ea typeface="Cambria Math"/>
-                              </a:rPr>
-                              <m:t>𝑇</m:t>
-                            </m:r>
-                          </m:num>
-                          <m:den>
-                            <m:r>
-                              <a:rPr lang="fr-FR" sz="2000" b="0" i="1" smtClean="0">
-                                <a:latin typeface="Cambria Math"/>
-                                <a:ea typeface="Cambria Math"/>
-                              </a:rPr>
-                              <m:t>𝑅</m:t>
-                            </m:r>
-                          </m:den>
-                        </m:f>
-                      </m:sub>
-                    </m:sSub>
-                    <m:r>
-                      <a:rPr lang="fr-FR" sz="2000">
-                        <a:latin typeface="Cambria Math"/>
-                        <a:ea typeface="Cambria Math"/>
-                      </a:rPr>
-                      <m:t>+</m:t>
-                    </m:r>
-                    <m:sSub>
-                      <m:sSubPr>
-                        <m:ctrlPr>
-                          <a:rPr lang="fr-FR" sz="2000" i="1">
-                            <a:latin typeface="Cambria Math"/>
-                            <a:ea typeface="Cambria Math"/>
-                          </a:rPr>
-                        </m:ctrlPr>
-                      </m:sSubPr>
-                      <m:e>
-                        <m:r>
-                          <a:rPr lang="fr-FR" sz="2000" i="1">
-                            <a:latin typeface="Cambria Math"/>
-                            <a:ea typeface="Cambria Math"/>
-                          </a:rPr>
-                          <m:t>𝜔</m:t>
-                        </m:r>
-                      </m:e>
-                      <m:sub>
-                        <m:f>
-                          <m:fPr>
-                            <m:type m:val="lin"/>
-                            <m:ctrlPr>
-                              <a:rPr lang="fr-FR" sz="2000" i="1">
-                                <a:latin typeface="Cambria Math"/>
-                                <a:ea typeface="Cambria Math"/>
-                              </a:rPr>
-                            </m:ctrlPr>
-                          </m:fPr>
-                          <m:num>
-                            <m:r>
-                              <a:rPr lang="fr-FR" sz="2000" b="0" i="1" smtClean="0">
-                                <a:latin typeface="Cambria Math"/>
-                                <a:ea typeface="Cambria Math"/>
-                              </a:rPr>
-                              <m:t>𝑅</m:t>
-                            </m:r>
-                          </m:num>
-                          <m:den>
-                            <m:r>
-                              <a:rPr lang="fr-FR" sz="2000" b="0" i="1" smtClean="0">
-                                <a:latin typeface="Cambria Math"/>
-                                <a:ea typeface="Cambria Math"/>
-                              </a:rPr>
-                              <m:t>1</m:t>
-                            </m:r>
-                          </m:den>
-                        </m:f>
-                      </m:sub>
-                    </m:sSub>
-                    <m:r>
-                      <a:rPr lang="fr-FR" sz="2000">
-                        <a:latin typeface="Cambria Math"/>
-                        <a:ea typeface="Cambria Math"/>
-                      </a:rPr>
-                      <m:t>+</m:t>
-                    </m:r>
-                    <m:sSub>
-                      <m:sSubPr>
-                        <m:ctrlPr>
-                          <a:rPr lang="fr-FR" sz="2000" i="1">
-                            <a:latin typeface="Cambria Math"/>
-                            <a:ea typeface="Cambria Math"/>
-                          </a:rPr>
-                        </m:ctrlPr>
-                      </m:sSubPr>
-                      <m:e>
-                        <m:r>
-                          <a:rPr lang="fr-FR" sz="2000" i="1">
-                            <a:latin typeface="Cambria Math"/>
-                            <a:ea typeface="Cambria Math"/>
-                          </a:rPr>
-                          <m:t>𝜔</m:t>
-                        </m:r>
-                      </m:e>
-                      <m:sub>
-                        <m:f>
-                          <m:fPr>
-                            <m:type m:val="lin"/>
-                            <m:ctrlPr>
-                              <a:rPr lang="fr-FR" sz="2000" i="1">
-                                <a:latin typeface="Cambria Math"/>
-                                <a:ea typeface="Cambria Math"/>
-                              </a:rPr>
-                            </m:ctrlPr>
-                          </m:fPr>
-                          <m:num>
-                            <m:r>
-                              <a:rPr lang="fr-FR" sz="2000" b="0" i="1" smtClean="0">
-                                <a:latin typeface="Cambria Math"/>
-                                <a:ea typeface="Cambria Math"/>
-                              </a:rPr>
-                              <m:t>1</m:t>
-                            </m:r>
-                          </m:num>
-                          <m:den>
-                            <m:r>
-                              <a:rPr lang="fr-FR" sz="2000" b="0" i="1" smtClean="0">
-                                <a:latin typeface="Cambria Math"/>
-                                <a:ea typeface="Cambria Math"/>
-                              </a:rPr>
-                              <m:t>2</m:t>
-                            </m:r>
-                          </m:den>
-                        </m:f>
-                      </m:sub>
-                    </m:sSub>
-                    <m:r>
-                      <a:rPr lang="fr-FR" sz="2000">
-                        <a:latin typeface="Cambria Math"/>
-                        <a:ea typeface="Cambria Math"/>
-                      </a:rPr>
-                      <m:t>+</m:t>
-                    </m:r>
-                    <m:sSub>
-                      <m:sSubPr>
-                        <m:ctrlPr>
-                          <a:rPr lang="fr-FR" sz="2000" i="1">
-                            <a:latin typeface="Cambria Math"/>
-                            <a:ea typeface="Cambria Math"/>
-                          </a:rPr>
-                        </m:ctrlPr>
-                      </m:sSubPr>
-                      <m:e>
-                        <m:r>
-                          <a:rPr lang="fr-FR" sz="2000" i="1">
-                            <a:latin typeface="Cambria Math"/>
-                            <a:ea typeface="Cambria Math"/>
-                          </a:rPr>
-                          <m:t>𝜔</m:t>
-                        </m:r>
-                      </m:e>
-                      <m:sub>
-                        <m:f>
-                          <m:fPr>
-                            <m:type m:val="lin"/>
-                            <m:ctrlPr>
-                              <a:rPr lang="fr-FR" sz="2000" i="1">
-                                <a:latin typeface="Cambria Math"/>
-                                <a:ea typeface="Cambria Math"/>
-                              </a:rPr>
-                            </m:ctrlPr>
-                          </m:fPr>
-                          <m:num>
-                            <m:r>
-                              <a:rPr lang="fr-FR" sz="2000" b="0" i="1" smtClean="0">
-                                <a:latin typeface="Cambria Math"/>
-                                <a:ea typeface="Cambria Math"/>
-                              </a:rPr>
-                              <m:t>2</m:t>
-                            </m:r>
-                          </m:num>
-                          <m:den>
-                            <m:r>
-                              <a:rPr lang="fr-FR" sz="2000" b="0" i="1" smtClean="0">
-                                <a:latin typeface="Cambria Math"/>
-                                <a:ea typeface="Cambria Math"/>
-                              </a:rPr>
-                              <m:t>3</m:t>
-                            </m:r>
-                          </m:den>
-                        </m:f>
-                      </m:sub>
-                    </m:sSub>
-                    <m:r>
-                      <a:rPr lang="fr-FR" sz="2000">
-                        <a:latin typeface="Cambria Math"/>
-                        <a:ea typeface="Cambria Math"/>
-                      </a:rPr>
-                      <m:t>+</m:t>
-                    </m:r>
-                    <m:sSub>
-                      <m:sSubPr>
-                        <m:ctrlPr>
-                          <a:rPr lang="fr-FR" sz="2000" i="1">
-                            <a:latin typeface="Cambria Math"/>
-                            <a:ea typeface="Cambria Math"/>
-                          </a:rPr>
-                        </m:ctrlPr>
-                      </m:sSubPr>
-                      <m:e>
-                        <m:r>
-                          <a:rPr lang="fr-FR" sz="2000" i="1">
-                            <a:latin typeface="Cambria Math"/>
-                            <a:ea typeface="Cambria Math"/>
-                          </a:rPr>
-                          <m:t>𝜔</m:t>
-                        </m:r>
-                      </m:e>
-                      <m:sub>
-                        <m:f>
-                          <m:fPr>
-                            <m:type m:val="lin"/>
-                            <m:ctrlPr>
-                              <a:rPr lang="fr-FR" sz="2000" i="1">
-                                <a:latin typeface="Cambria Math"/>
-                                <a:ea typeface="Cambria Math"/>
-                              </a:rPr>
-                            </m:ctrlPr>
-                          </m:fPr>
-                          <m:num>
-                            <m:r>
-                              <a:rPr lang="fr-FR" sz="2000" b="0" i="1" smtClean="0">
-                                <a:latin typeface="Cambria Math"/>
-                                <a:ea typeface="Cambria Math"/>
-                              </a:rPr>
-                              <m:t>3</m:t>
-                            </m:r>
-                          </m:num>
-                          <m:den>
-                            <m:r>
-                              <a:rPr lang="fr-FR" sz="2000" b="0" i="1" smtClean="0">
-                                <a:latin typeface="Cambria Math"/>
-                                <a:ea typeface="Cambria Math"/>
-                              </a:rPr>
-                              <m:t>0</m:t>
-                            </m:r>
-                          </m:den>
-                        </m:f>
-                      </m:sub>
-                    </m:sSub>
-                  </m:oMath>
-                </a14:m>
-                <a:endParaRPr lang="fr-FR" sz="2000" dirty="0" smtClean="0">
-                  <a:ea typeface="Cambria Math"/>
-                </a:endParaRPr>
-              </a:p>
-              <a:p>
-                <a:pPr lvl="1"/>
-                <a14:m>
-                  <m:oMath xmlns:m="http://schemas.openxmlformats.org/officeDocument/2006/math">
-                    <m:sSub>
-                      <m:sSubPr>
-                        <m:ctrlPr>
-                          <a:rPr lang="fr-FR" sz="1600" i="1">
-                            <a:latin typeface="Cambria Math"/>
-                            <a:ea typeface="Cambria Math"/>
-                          </a:rPr>
-                        </m:ctrlPr>
-                      </m:sSubPr>
-                      <m:e>
-                        <m:r>
-                          <a:rPr lang="fr-FR" sz="1600" i="1">
-                            <a:latin typeface="Cambria Math"/>
-                            <a:ea typeface="Cambria Math"/>
-                          </a:rPr>
-                          <m:t>𝜔</m:t>
-                        </m:r>
-                      </m:e>
-                      <m:sub>
-                        <m:f>
-                          <m:fPr>
-                            <m:type m:val="lin"/>
-                            <m:ctrlPr>
-                              <a:rPr lang="fr-FR" sz="1600" i="1">
-                                <a:latin typeface="Cambria Math"/>
-                                <a:ea typeface="Cambria Math"/>
-                              </a:rPr>
-                            </m:ctrlPr>
-                          </m:fPr>
-                          <m:num>
-                            <m:r>
-                              <a:rPr lang="fr-FR" sz="1600" i="1">
-                                <a:latin typeface="Cambria Math"/>
-                                <a:ea typeface="Cambria Math"/>
-                              </a:rPr>
-                              <m:t>𝑅</m:t>
-                            </m:r>
-                          </m:num>
-                          <m:den>
-                            <m:r>
-                              <a:rPr lang="fr-FR" sz="1600" i="1">
-                                <a:latin typeface="Cambria Math"/>
-                                <a:ea typeface="Cambria Math"/>
-                              </a:rPr>
-                              <m:t>1</m:t>
-                            </m:r>
-                          </m:den>
-                        </m:f>
-                      </m:sub>
-                    </m:sSub>
-                    <m:r>
-                      <a:rPr lang="fr-FR" sz="1600" b="0" i="0" smtClean="0">
-                        <a:latin typeface="Cambria Math"/>
-                        <a:ea typeface="Cambria Math"/>
-                      </a:rPr>
-                      <m:t>=</m:t>
-                    </m:r>
-                    <m:sSub>
-                      <m:sSubPr>
-                        <m:ctrlPr>
-                          <a:rPr lang="fr-FR" sz="1600" i="1">
-                            <a:latin typeface="Cambria Math"/>
-                            <a:ea typeface="Cambria Math"/>
-                          </a:rPr>
-                        </m:ctrlPr>
-                      </m:sSubPr>
-                      <m:e>
-                        <m:r>
-                          <a:rPr lang="fr-FR" sz="1600" i="1">
-                            <a:latin typeface="Cambria Math"/>
-                            <a:ea typeface="Cambria Math"/>
-                          </a:rPr>
-                          <m:t>𝜔</m:t>
-                        </m:r>
-                      </m:e>
-                      <m:sub>
-                        <m:f>
-                          <m:fPr>
-                            <m:type m:val="lin"/>
-                            <m:ctrlPr>
-                              <a:rPr lang="fr-FR" sz="1600" i="1" smtClean="0">
-                                <a:latin typeface="Cambria Math"/>
-                                <a:ea typeface="Cambria Math"/>
-                              </a:rPr>
-                            </m:ctrlPr>
-                          </m:fPr>
-                          <m:num>
-                            <m:r>
-                              <a:rPr lang="fr-FR" sz="1600" i="1">
-                                <a:latin typeface="Cambria Math"/>
-                                <a:ea typeface="Cambria Math"/>
-                              </a:rPr>
-                              <m:t>𝑅</m:t>
-                            </m:r>
-                          </m:num>
-                          <m:den>
-                            <m:r>
-                              <a:rPr lang="fr-FR" sz="1600" b="0" i="1" smtClean="0">
-                                <a:latin typeface="Cambria Math"/>
-                                <a:ea typeface="Cambria Math"/>
-                              </a:rPr>
-                              <m:t>𝑇</m:t>
-                            </m:r>
-                          </m:den>
-                        </m:f>
-                      </m:sub>
-                    </m:sSub>
-                    <m:r>
-                      <a:rPr lang="fr-FR" sz="1600" b="0" i="1" smtClean="0">
-                        <a:latin typeface="Cambria Math"/>
-                        <a:ea typeface="Cambria Math"/>
-                      </a:rPr>
-                      <m:t>+</m:t>
-                    </m:r>
-                    <m:sSub>
-                      <m:sSubPr>
-                        <m:ctrlPr>
-                          <a:rPr lang="fr-FR" sz="1600" i="1">
-                            <a:latin typeface="Cambria Math"/>
-                            <a:ea typeface="Cambria Math"/>
-                          </a:rPr>
-                        </m:ctrlPr>
-                      </m:sSubPr>
-                      <m:e>
-                        <m:r>
-                          <a:rPr lang="fr-FR" sz="1600" i="1">
-                            <a:latin typeface="Cambria Math"/>
-                            <a:ea typeface="Cambria Math"/>
-                          </a:rPr>
-                          <m:t>𝜔</m:t>
-                        </m:r>
-                      </m:e>
-                      <m:sub>
-                        <m:f>
-                          <m:fPr>
-                            <m:type m:val="lin"/>
-                            <m:ctrlPr>
-                              <a:rPr lang="fr-FR" sz="1600" i="1" smtClean="0">
-                                <a:latin typeface="Cambria Math"/>
-                                <a:ea typeface="Cambria Math"/>
-                              </a:rPr>
-                            </m:ctrlPr>
-                          </m:fPr>
-                          <m:num>
-                            <m:r>
-                              <a:rPr lang="fr-FR" sz="1600" b="0" i="1" smtClean="0">
-                                <a:latin typeface="Cambria Math"/>
-                                <a:ea typeface="Cambria Math"/>
-                              </a:rPr>
-                              <m:t>𝑇</m:t>
-                            </m:r>
-                          </m:num>
-                          <m:den>
-                            <m:r>
-                              <a:rPr lang="fr-FR" sz="1600" b="0" i="1" smtClean="0">
-                                <a:latin typeface="Cambria Math"/>
-                                <a:ea typeface="Cambria Math"/>
-                              </a:rPr>
-                              <m:t>1</m:t>
-                            </m:r>
-                          </m:den>
-                        </m:f>
-                      </m:sub>
-                    </m:sSub>
-                    <m:r>
-                      <a:rPr lang="fr-FR" sz="1600" b="0" i="1" smtClean="0">
-                        <a:latin typeface="Cambria Math"/>
-                        <a:ea typeface="Cambria Math"/>
-                      </a:rPr>
-                      <m:t>=</m:t>
-                    </m:r>
-                    <m:sSub>
-                      <m:sSubPr>
-                        <m:ctrlPr>
-                          <a:rPr lang="fr-FR" sz="1600" i="1">
-                            <a:latin typeface="Cambria Math"/>
-                            <a:ea typeface="Cambria Math"/>
-                          </a:rPr>
-                        </m:ctrlPr>
-                      </m:sSubPr>
-                      <m:e>
-                        <m:r>
-                          <a:rPr lang="fr-FR" sz="1600" i="1">
-                            <a:latin typeface="Cambria Math"/>
-                            <a:ea typeface="Cambria Math"/>
-                          </a:rPr>
-                          <m:t>𝜔</m:t>
-                        </m:r>
-                      </m:e>
-                      <m:sub>
-                        <m:f>
-                          <m:fPr>
-                            <m:type m:val="lin"/>
-                            <m:ctrlPr>
-                              <a:rPr lang="fr-FR" sz="1600" i="1">
-                                <a:latin typeface="Cambria Math"/>
-                                <a:ea typeface="Cambria Math"/>
-                              </a:rPr>
-                            </m:ctrlPr>
-                          </m:fPr>
-                          <m:num>
-                            <m:r>
-                              <a:rPr lang="fr-FR" sz="1600" i="1">
-                                <a:latin typeface="Cambria Math"/>
-                                <a:ea typeface="Cambria Math"/>
-                              </a:rPr>
-                              <m:t>𝑅</m:t>
-                            </m:r>
-                          </m:num>
-                          <m:den>
-                            <m:r>
-                              <a:rPr lang="fr-FR" sz="1600" i="1">
-                                <a:latin typeface="Cambria Math"/>
-                                <a:ea typeface="Cambria Math"/>
-                              </a:rPr>
-                              <m:t>𝑇</m:t>
-                            </m:r>
-                          </m:den>
-                        </m:f>
-                      </m:sub>
-                    </m:sSub>
-                    <m:r>
-                      <a:rPr lang="fr-FR" sz="1600" b="0" i="1" smtClean="0">
-                        <a:latin typeface="Cambria Math"/>
-                        <a:ea typeface="Cambria Math"/>
-                      </a:rPr>
-                      <m:t>−</m:t>
-                    </m:r>
-                    <m:sSub>
-                      <m:sSubPr>
-                        <m:ctrlPr>
-                          <a:rPr lang="fr-FR" sz="1600" i="1">
-                            <a:latin typeface="Cambria Math"/>
-                            <a:ea typeface="Cambria Math"/>
-                          </a:rPr>
-                        </m:ctrlPr>
-                      </m:sSubPr>
-                      <m:e>
-                        <m:sSub>
-                          <m:sSubPr>
-                            <m:ctrlPr>
-                              <a:rPr lang="fr-FR" sz="1600" b="0" i="1" smtClean="0">
-                                <a:latin typeface="Cambria Math"/>
-                                <a:ea typeface="Cambria Math"/>
-                              </a:rPr>
-                            </m:ctrlPr>
-                          </m:sSubPr>
-                          <m:e>
-                            <m:r>
-                              <a:rPr lang="fr-FR" sz="1600" b="0" i="1" smtClean="0">
-                                <a:latin typeface="Cambria Math"/>
-                                <a:ea typeface="Cambria Math"/>
-                              </a:rPr>
-                              <m:t>𝑘</m:t>
-                            </m:r>
-                          </m:e>
-                          <m:sub>
-                            <m:r>
-                              <a:rPr lang="fr-FR" sz="1600" b="0" i="1" smtClean="0">
-                                <a:latin typeface="Cambria Math"/>
-                                <a:ea typeface="Cambria Math"/>
-                              </a:rPr>
-                              <m:t>1</m:t>
-                            </m:r>
-                          </m:sub>
-                        </m:sSub>
-                        <m:r>
-                          <a:rPr lang="fr-FR" sz="1600" i="1">
-                            <a:latin typeface="Cambria Math"/>
-                            <a:ea typeface="Cambria Math"/>
-                          </a:rPr>
-                          <m:t>𝜔</m:t>
-                        </m:r>
-                      </m:e>
-                      <m:sub>
-                        <m:f>
-                          <m:fPr>
-                            <m:type m:val="lin"/>
-                            <m:ctrlPr>
-                              <a:rPr lang="fr-FR" sz="1600" i="1">
-                                <a:latin typeface="Cambria Math"/>
-                                <a:ea typeface="Cambria Math"/>
-                              </a:rPr>
-                            </m:ctrlPr>
-                          </m:fPr>
-                          <m:num>
-                            <m:r>
-                              <a:rPr lang="fr-FR" sz="1600" i="1">
-                                <a:latin typeface="Cambria Math"/>
-                                <a:ea typeface="Cambria Math"/>
-                              </a:rPr>
-                              <m:t>𝑅</m:t>
-                            </m:r>
-                          </m:num>
-                          <m:den>
-                            <m:r>
-                              <a:rPr lang="fr-FR" sz="1600" i="1">
-                                <a:latin typeface="Cambria Math"/>
-                                <a:ea typeface="Cambria Math"/>
-                              </a:rPr>
-                              <m:t>𝑇</m:t>
-                            </m:r>
-                          </m:den>
-                        </m:f>
-                      </m:sub>
-                    </m:sSub>
-                  </m:oMath>
-                </a14:m>
-                <a:endParaRPr lang="fr-FR" sz="1600" dirty="0" smtClean="0">
-                  <a:ea typeface="Cambria Math"/>
-                </a:endParaRPr>
-              </a:p>
-              <a:p>
-                <a:pPr lvl="1"/>
-                <a14:m>
-                  <m:oMath xmlns:m="http://schemas.openxmlformats.org/officeDocument/2006/math">
-                    <m:sSub>
-                      <m:sSubPr>
-                        <m:ctrlPr>
-                          <a:rPr lang="fr-FR" sz="1600" i="1">
-                            <a:latin typeface="Cambria Math"/>
-                            <a:ea typeface="Cambria Math"/>
-                          </a:rPr>
-                        </m:ctrlPr>
-                      </m:sSubPr>
-                      <m:e>
-                        <m:r>
-                          <a:rPr lang="fr-FR" sz="1600" i="1">
-                            <a:latin typeface="Cambria Math"/>
-                            <a:ea typeface="Cambria Math"/>
-                          </a:rPr>
-                          <m:t>𝜔</m:t>
-                        </m:r>
-                      </m:e>
-                      <m:sub>
-                        <m:f>
-                          <m:fPr>
-                            <m:type m:val="lin"/>
-                            <m:ctrlPr>
-                              <a:rPr lang="fr-FR" sz="1600" i="1">
-                                <a:latin typeface="Cambria Math"/>
-                                <a:ea typeface="Cambria Math"/>
-                              </a:rPr>
-                            </m:ctrlPr>
-                          </m:fPr>
-                          <m:num>
-                            <m:r>
-                              <a:rPr lang="fr-FR" sz="1600" b="0" i="1" smtClean="0">
-                                <a:latin typeface="Cambria Math"/>
-                                <a:ea typeface="Cambria Math"/>
-                              </a:rPr>
-                              <m:t>1</m:t>
-                            </m:r>
-                          </m:num>
-                          <m:den>
-                            <m:r>
-                              <a:rPr lang="fr-FR" sz="1600" b="0" i="1" smtClean="0">
-                                <a:latin typeface="Cambria Math"/>
-                                <a:ea typeface="Cambria Math"/>
-                              </a:rPr>
-                              <m:t>2</m:t>
-                            </m:r>
-                          </m:den>
-                        </m:f>
-                      </m:sub>
-                    </m:sSub>
-                    <m:r>
-                      <a:rPr lang="fr-FR" sz="1600">
-                        <a:latin typeface="Cambria Math"/>
-                        <a:ea typeface="Cambria Math"/>
-                      </a:rPr>
-                      <m:t>=</m:t>
-                    </m:r>
-                    <m:sSub>
-                      <m:sSubPr>
-                        <m:ctrlPr>
-                          <a:rPr lang="fr-FR" sz="1600" i="1">
-                            <a:latin typeface="Cambria Math"/>
-                            <a:ea typeface="Cambria Math"/>
-                          </a:rPr>
-                        </m:ctrlPr>
-                      </m:sSubPr>
-                      <m:e>
-                        <m:r>
-                          <a:rPr lang="fr-FR" sz="1600" i="1">
-                            <a:latin typeface="Cambria Math"/>
-                            <a:ea typeface="Cambria Math"/>
-                          </a:rPr>
-                          <m:t>𝜔</m:t>
-                        </m:r>
-                      </m:e>
-                      <m:sub>
-                        <m:f>
-                          <m:fPr>
-                            <m:type m:val="lin"/>
-                            <m:ctrlPr>
-                              <a:rPr lang="fr-FR" sz="1600" i="1">
-                                <a:latin typeface="Cambria Math"/>
-                                <a:ea typeface="Cambria Math"/>
-                              </a:rPr>
-                            </m:ctrlPr>
-                          </m:fPr>
-                          <m:num>
-                            <m:r>
-                              <a:rPr lang="fr-FR" sz="1600" b="0" i="1" smtClean="0">
-                                <a:latin typeface="Cambria Math"/>
-                                <a:ea typeface="Cambria Math"/>
-                              </a:rPr>
-                              <m:t>1</m:t>
-                            </m:r>
-                          </m:num>
-                          <m:den>
-                            <m:r>
-                              <a:rPr lang="fr-FR" sz="1600" i="1">
-                                <a:latin typeface="Cambria Math"/>
-                                <a:ea typeface="Cambria Math"/>
-                              </a:rPr>
-                              <m:t>𝑇</m:t>
-                            </m:r>
-                          </m:den>
-                        </m:f>
-                      </m:sub>
-                    </m:sSub>
-                    <m:r>
-                      <a:rPr lang="fr-FR" sz="1600" i="1">
-                        <a:latin typeface="Cambria Math"/>
-                        <a:ea typeface="Cambria Math"/>
-                      </a:rPr>
-                      <m:t>+</m:t>
-                    </m:r>
-                    <m:sSub>
-                      <m:sSubPr>
-                        <m:ctrlPr>
-                          <a:rPr lang="fr-FR" sz="1600" i="1">
-                            <a:latin typeface="Cambria Math"/>
-                            <a:ea typeface="Cambria Math"/>
-                          </a:rPr>
-                        </m:ctrlPr>
-                      </m:sSubPr>
-                      <m:e>
-                        <m:r>
-                          <a:rPr lang="fr-FR" sz="1600" i="1">
-                            <a:latin typeface="Cambria Math"/>
-                            <a:ea typeface="Cambria Math"/>
-                          </a:rPr>
-                          <m:t>𝜔</m:t>
-                        </m:r>
-                      </m:e>
-                      <m:sub>
-                        <m:f>
-                          <m:fPr>
-                            <m:type m:val="lin"/>
-                            <m:ctrlPr>
-                              <a:rPr lang="fr-FR" sz="1600" i="1">
-                                <a:latin typeface="Cambria Math"/>
-                                <a:ea typeface="Cambria Math"/>
-                              </a:rPr>
-                            </m:ctrlPr>
-                          </m:fPr>
-                          <m:num>
-                            <m:r>
-                              <a:rPr lang="fr-FR" sz="1600" i="1">
-                                <a:latin typeface="Cambria Math"/>
-                                <a:ea typeface="Cambria Math"/>
-                              </a:rPr>
-                              <m:t>𝑇</m:t>
-                            </m:r>
-                          </m:num>
-                          <m:den>
-                            <m:r>
-                              <a:rPr lang="fr-FR" sz="1600" b="0" i="1" smtClean="0">
-                                <a:latin typeface="Cambria Math"/>
-                                <a:ea typeface="Cambria Math"/>
-                              </a:rPr>
-                              <m:t>2</m:t>
-                            </m:r>
-                          </m:den>
-                        </m:f>
-                      </m:sub>
-                    </m:sSub>
-                    <m:r>
-                      <a:rPr lang="fr-FR" sz="1600" b="0" i="1" smtClean="0">
-                        <a:latin typeface="Cambria Math"/>
-                        <a:ea typeface="Cambria Math"/>
-                      </a:rPr>
-                      <m:t>=</m:t>
-                    </m:r>
-                    <m:sSub>
-                      <m:sSubPr>
-                        <m:ctrlPr>
-                          <a:rPr lang="fr-FR" sz="1600" b="0" i="1" smtClean="0">
-                            <a:latin typeface="Cambria Math"/>
-                            <a:ea typeface="Cambria Math"/>
-                          </a:rPr>
-                        </m:ctrlPr>
-                      </m:sSubPr>
-                      <m:e>
-                        <m:r>
-                          <a:rPr lang="fr-FR" sz="1600" b="0" i="1" smtClean="0">
-                            <a:latin typeface="Cambria Math"/>
-                            <a:ea typeface="Cambria Math"/>
-                          </a:rPr>
-                          <m:t>𝑘</m:t>
-                        </m:r>
-                      </m:e>
-                      <m:sub>
-                        <m:r>
-                          <a:rPr lang="fr-FR" sz="1600" b="0" i="1" smtClean="0">
-                            <a:latin typeface="Cambria Math"/>
-                            <a:ea typeface="Cambria Math"/>
-                          </a:rPr>
-                          <m:t>1</m:t>
-                        </m:r>
-                      </m:sub>
-                    </m:sSub>
-                    <m:sSub>
-                      <m:sSubPr>
-                        <m:ctrlPr>
-                          <a:rPr lang="fr-FR" sz="1600" b="0" i="1" smtClean="0">
-                            <a:latin typeface="Cambria Math"/>
-                            <a:ea typeface="Cambria Math"/>
-                          </a:rPr>
-                        </m:ctrlPr>
-                      </m:sSubPr>
-                      <m:e>
-                        <m:r>
-                          <a:rPr lang="fr-FR" sz="1600" b="0" i="1" smtClean="0">
-                            <a:latin typeface="Cambria Math"/>
-                            <a:ea typeface="Cambria Math"/>
-                          </a:rPr>
-                          <m:t>𝜔</m:t>
-                        </m:r>
-                      </m:e>
-                      <m:sub>
-                        <m:f>
-                          <m:fPr>
-                            <m:type m:val="lin"/>
-                            <m:ctrlPr>
-                              <a:rPr lang="fr-FR" sz="1600" i="1">
-                                <a:latin typeface="Cambria Math"/>
-                                <a:ea typeface="Cambria Math"/>
-                              </a:rPr>
-                            </m:ctrlPr>
-                          </m:fPr>
-                          <m:num>
-                            <m:r>
-                              <a:rPr lang="fr-FR" sz="1600" b="0" i="1" smtClean="0">
-                                <a:latin typeface="Cambria Math"/>
-                                <a:ea typeface="Cambria Math"/>
-                              </a:rPr>
-                              <m:t>𝑅</m:t>
-                            </m:r>
-                          </m:num>
-                          <m:den>
-                            <m:r>
-                              <a:rPr lang="fr-FR" sz="1600" b="0" i="1" smtClean="0">
-                                <a:latin typeface="Cambria Math"/>
-                                <a:ea typeface="Cambria Math"/>
-                              </a:rPr>
-                              <m:t>𝑇</m:t>
-                            </m:r>
-                          </m:den>
-                        </m:f>
-                      </m:sub>
-                    </m:sSub>
-                    <m:r>
-                      <a:rPr lang="fr-FR" sz="1600" b="0" i="1" smtClean="0">
-                        <a:latin typeface="Cambria Math"/>
-                        <a:ea typeface="Cambria Math"/>
-                      </a:rPr>
-                      <m:t>−</m:t>
-                    </m:r>
-                    <m:sSub>
-                      <m:sSubPr>
-                        <m:ctrlPr>
-                          <a:rPr lang="fr-FR" sz="1600" i="1">
-                            <a:latin typeface="Cambria Math"/>
-                            <a:ea typeface="Cambria Math"/>
-                          </a:rPr>
-                        </m:ctrlPr>
-                      </m:sSubPr>
-                      <m:e>
-                        <m:r>
-                          <a:rPr lang="fr-FR" sz="1600" i="1">
-                            <a:latin typeface="Cambria Math"/>
-                            <a:ea typeface="Cambria Math"/>
-                          </a:rPr>
-                          <m:t>𝑘</m:t>
-                        </m:r>
-                      </m:e>
-                      <m:sub>
-                        <m:r>
-                          <a:rPr lang="fr-FR" sz="1600" i="1">
-                            <a:latin typeface="Cambria Math"/>
-                            <a:ea typeface="Cambria Math"/>
-                          </a:rPr>
-                          <m:t>1</m:t>
-                        </m:r>
-                      </m:sub>
-                    </m:sSub>
-                    <m:sSub>
-                      <m:sSubPr>
-                        <m:ctrlPr>
-                          <a:rPr lang="fr-FR" sz="1600" b="0" i="1" smtClean="0">
-                            <a:latin typeface="Cambria Math"/>
-                            <a:ea typeface="Cambria Math"/>
-                          </a:rPr>
-                        </m:ctrlPr>
-                      </m:sSubPr>
-                      <m:e>
-                        <m:r>
-                          <a:rPr lang="fr-FR" sz="1600" b="0" i="1" smtClean="0">
-                            <a:latin typeface="Cambria Math"/>
-                            <a:ea typeface="Cambria Math"/>
-                          </a:rPr>
-                          <m:t>𝑘</m:t>
-                        </m:r>
-                      </m:e>
-                      <m:sub>
-                        <m:r>
-                          <a:rPr lang="fr-FR" sz="1600" b="0" i="1" smtClean="0">
-                            <a:latin typeface="Cambria Math"/>
-                            <a:ea typeface="Cambria Math"/>
-                          </a:rPr>
-                          <m:t>2</m:t>
-                        </m:r>
-                      </m:sub>
-                    </m:sSub>
-                    <m:sSub>
-                      <m:sSubPr>
-                        <m:ctrlPr>
-                          <a:rPr lang="fr-FR" sz="1600" i="1">
-                            <a:latin typeface="Cambria Math"/>
-                            <a:ea typeface="Cambria Math"/>
-                          </a:rPr>
-                        </m:ctrlPr>
-                      </m:sSubPr>
-                      <m:e>
-                        <m:r>
-                          <a:rPr lang="fr-FR" sz="1600" i="1">
-                            <a:latin typeface="Cambria Math"/>
-                            <a:ea typeface="Cambria Math"/>
-                          </a:rPr>
-                          <m:t>𝜔</m:t>
-                        </m:r>
-                      </m:e>
-                      <m:sub>
-                        <m:f>
-                          <m:fPr>
-                            <m:type m:val="lin"/>
-                            <m:ctrlPr>
-                              <a:rPr lang="fr-FR" sz="1600" i="1">
-                                <a:latin typeface="Cambria Math"/>
-                                <a:ea typeface="Cambria Math"/>
-                              </a:rPr>
-                            </m:ctrlPr>
-                          </m:fPr>
-                          <m:num>
-                            <m:r>
-                              <a:rPr lang="fr-FR" sz="1600" i="1">
-                                <a:latin typeface="Cambria Math"/>
-                                <a:ea typeface="Cambria Math"/>
-                              </a:rPr>
-                              <m:t>𝑅</m:t>
-                            </m:r>
-                          </m:num>
-                          <m:den>
-                            <m:r>
-                              <a:rPr lang="fr-FR" sz="1600" i="1">
-                                <a:latin typeface="Cambria Math"/>
-                                <a:ea typeface="Cambria Math"/>
-                              </a:rPr>
-                              <m:t>𝑇</m:t>
-                            </m:r>
-                          </m:den>
-                        </m:f>
-                      </m:sub>
-                    </m:sSub>
-                  </m:oMath>
-                </a14:m>
-                <a:endParaRPr lang="fr-FR" sz="1600" dirty="0">
-                  <a:ea typeface="Cambria Math"/>
-                </a:endParaRPr>
-              </a:p>
-              <a:p>
-                <a:pPr lvl="1"/>
-                <a14:m>
-                  <m:oMath xmlns:m="http://schemas.openxmlformats.org/officeDocument/2006/math">
-                    <m:sSub>
-                      <m:sSubPr>
-                        <m:ctrlPr>
-                          <a:rPr lang="fr-FR" sz="1600" i="1">
-                            <a:latin typeface="Cambria Math"/>
-                            <a:ea typeface="Cambria Math"/>
-                          </a:rPr>
-                        </m:ctrlPr>
-                      </m:sSubPr>
-                      <m:e>
-                        <m:r>
-                          <a:rPr lang="fr-FR" sz="1600" i="1">
-                            <a:latin typeface="Cambria Math"/>
-                            <a:ea typeface="Cambria Math"/>
-                          </a:rPr>
-                          <m:t>𝜔</m:t>
-                        </m:r>
-                      </m:e>
-                      <m:sub>
-                        <m:f>
-                          <m:fPr>
-                            <m:type m:val="lin"/>
-                            <m:ctrlPr>
-                              <a:rPr lang="fr-FR" sz="1600" i="1">
-                                <a:latin typeface="Cambria Math"/>
-                                <a:ea typeface="Cambria Math"/>
-                              </a:rPr>
-                            </m:ctrlPr>
-                          </m:fPr>
-                          <m:num>
-                            <m:r>
-                              <a:rPr lang="fr-FR" sz="1600" b="0" i="1" smtClean="0">
-                                <a:latin typeface="Cambria Math"/>
-                                <a:ea typeface="Cambria Math"/>
-                              </a:rPr>
-                              <m:t>2</m:t>
-                            </m:r>
-                          </m:num>
-                          <m:den>
-                            <m:r>
-                              <a:rPr lang="fr-FR" sz="1600" b="0" i="1" smtClean="0">
-                                <a:latin typeface="Cambria Math"/>
-                                <a:ea typeface="Cambria Math"/>
-                              </a:rPr>
-                              <m:t>3</m:t>
-                            </m:r>
-                          </m:den>
-                        </m:f>
-                      </m:sub>
-                    </m:sSub>
-                    <m:r>
-                      <a:rPr lang="fr-FR" sz="1600">
-                        <a:latin typeface="Cambria Math"/>
-                        <a:ea typeface="Cambria Math"/>
-                      </a:rPr>
-                      <m:t>=</m:t>
-                    </m:r>
-                    <m:sSub>
-                      <m:sSubPr>
-                        <m:ctrlPr>
-                          <a:rPr lang="fr-FR" sz="1600" i="1">
-                            <a:latin typeface="Cambria Math"/>
-                            <a:ea typeface="Cambria Math"/>
-                          </a:rPr>
-                        </m:ctrlPr>
-                      </m:sSubPr>
-                      <m:e>
-                        <m:r>
-                          <a:rPr lang="fr-FR" sz="1600" i="1">
-                            <a:latin typeface="Cambria Math"/>
-                            <a:ea typeface="Cambria Math"/>
-                          </a:rPr>
-                          <m:t>𝜔</m:t>
-                        </m:r>
-                      </m:e>
-                      <m:sub>
-                        <m:f>
-                          <m:fPr>
-                            <m:type m:val="lin"/>
-                            <m:ctrlPr>
-                              <a:rPr lang="fr-FR" sz="1600" i="1">
-                                <a:latin typeface="Cambria Math"/>
-                                <a:ea typeface="Cambria Math"/>
-                              </a:rPr>
-                            </m:ctrlPr>
-                          </m:fPr>
-                          <m:num>
-                            <m:r>
-                              <a:rPr lang="fr-FR" sz="1600" b="0" i="1" smtClean="0">
-                                <a:latin typeface="Cambria Math"/>
-                                <a:ea typeface="Cambria Math"/>
-                              </a:rPr>
-                              <m:t>2</m:t>
-                            </m:r>
-                          </m:num>
-                          <m:den>
-                            <m:r>
-                              <a:rPr lang="fr-FR" sz="1600" i="1">
-                                <a:latin typeface="Cambria Math"/>
-                                <a:ea typeface="Cambria Math"/>
-                              </a:rPr>
-                              <m:t>𝑇</m:t>
-                            </m:r>
-                          </m:den>
-                        </m:f>
-                      </m:sub>
-                    </m:sSub>
-                    <m:r>
-                      <a:rPr lang="fr-FR" sz="1600" i="1">
-                        <a:latin typeface="Cambria Math"/>
-                        <a:ea typeface="Cambria Math"/>
-                      </a:rPr>
-                      <m:t>+</m:t>
-                    </m:r>
-                    <m:sSub>
-                      <m:sSubPr>
-                        <m:ctrlPr>
-                          <a:rPr lang="fr-FR" sz="1600" i="1">
-                            <a:latin typeface="Cambria Math"/>
-                            <a:ea typeface="Cambria Math"/>
-                          </a:rPr>
-                        </m:ctrlPr>
-                      </m:sSubPr>
-                      <m:e>
-                        <m:r>
-                          <a:rPr lang="fr-FR" sz="1600" i="1">
-                            <a:latin typeface="Cambria Math"/>
-                            <a:ea typeface="Cambria Math"/>
-                          </a:rPr>
-                          <m:t>𝜔</m:t>
-                        </m:r>
-                      </m:e>
-                      <m:sub>
-                        <m:f>
-                          <m:fPr>
-                            <m:type m:val="lin"/>
-                            <m:ctrlPr>
-                              <a:rPr lang="fr-FR" sz="1600" i="1">
-                                <a:latin typeface="Cambria Math"/>
-                                <a:ea typeface="Cambria Math"/>
-                              </a:rPr>
-                            </m:ctrlPr>
-                          </m:fPr>
-                          <m:num>
-                            <m:r>
-                              <a:rPr lang="fr-FR" sz="1600" i="1">
-                                <a:latin typeface="Cambria Math"/>
-                                <a:ea typeface="Cambria Math"/>
-                              </a:rPr>
-                              <m:t>𝑇</m:t>
-                            </m:r>
-                          </m:num>
-                          <m:den>
-                            <m:r>
-                              <a:rPr lang="fr-FR" sz="1600" b="0" i="1" smtClean="0">
-                                <a:latin typeface="Cambria Math"/>
-                                <a:ea typeface="Cambria Math"/>
-                              </a:rPr>
-                              <m:t>3</m:t>
-                            </m:r>
-                          </m:den>
-                        </m:f>
-                      </m:sub>
-                    </m:sSub>
-                    <m:r>
-                      <a:rPr lang="fr-FR" sz="1600" i="1">
-                        <a:latin typeface="Cambria Math"/>
-                        <a:ea typeface="Cambria Math"/>
-                      </a:rPr>
-                      <m:t>=</m:t>
-                    </m:r>
-                    <m:sSub>
-                      <m:sSubPr>
-                        <m:ctrlPr>
-                          <a:rPr lang="fr-FR" sz="1600" i="1">
-                            <a:latin typeface="Cambria Math"/>
-                            <a:ea typeface="Cambria Math"/>
-                          </a:rPr>
-                        </m:ctrlPr>
-                      </m:sSubPr>
-                      <m:e>
-                        <m:r>
-                          <a:rPr lang="fr-FR" sz="1600" i="1">
-                            <a:latin typeface="Cambria Math"/>
-                            <a:ea typeface="Cambria Math"/>
-                          </a:rPr>
-                          <m:t>𝑘</m:t>
-                        </m:r>
-                      </m:e>
-                      <m:sub>
-                        <m:r>
-                          <a:rPr lang="fr-FR" sz="1600" i="1">
-                            <a:latin typeface="Cambria Math"/>
-                            <a:ea typeface="Cambria Math"/>
-                          </a:rPr>
-                          <m:t>1</m:t>
-                        </m:r>
-                      </m:sub>
-                    </m:sSub>
-                    <m:sSub>
-                      <m:sSubPr>
-                        <m:ctrlPr>
-                          <a:rPr lang="fr-FR" sz="1600" b="0" i="1" smtClean="0">
-                            <a:latin typeface="Cambria Math"/>
-                            <a:ea typeface="Cambria Math"/>
-                          </a:rPr>
-                        </m:ctrlPr>
-                      </m:sSubPr>
-                      <m:e>
-                        <m:r>
-                          <a:rPr lang="fr-FR" sz="1600" b="0" i="1" smtClean="0">
-                            <a:latin typeface="Cambria Math"/>
-                            <a:ea typeface="Cambria Math"/>
-                          </a:rPr>
-                          <m:t>𝑘</m:t>
-                        </m:r>
-                      </m:e>
-                      <m:sub>
-                        <m:r>
-                          <a:rPr lang="fr-FR" sz="1600" b="0" i="1" smtClean="0">
-                            <a:latin typeface="Cambria Math"/>
-                            <a:ea typeface="Cambria Math"/>
-                          </a:rPr>
-                          <m:t>2</m:t>
-                        </m:r>
-                      </m:sub>
-                    </m:sSub>
-                    <m:sSub>
-                      <m:sSubPr>
-                        <m:ctrlPr>
-                          <a:rPr lang="fr-FR" sz="1600" i="1">
-                            <a:latin typeface="Cambria Math"/>
-                            <a:ea typeface="Cambria Math"/>
-                          </a:rPr>
-                        </m:ctrlPr>
-                      </m:sSubPr>
-                      <m:e>
-                        <m:r>
-                          <a:rPr lang="fr-FR" sz="1600" i="1">
-                            <a:latin typeface="Cambria Math"/>
-                            <a:ea typeface="Cambria Math"/>
-                          </a:rPr>
-                          <m:t>𝜔</m:t>
-                        </m:r>
-                      </m:e>
-                      <m:sub>
-                        <m:f>
-                          <m:fPr>
-                            <m:type m:val="lin"/>
-                            <m:ctrlPr>
-                              <a:rPr lang="fr-FR" sz="1600" i="1">
-                                <a:latin typeface="Cambria Math"/>
-                                <a:ea typeface="Cambria Math"/>
-                              </a:rPr>
-                            </m:ctrlPr>
-                          </m:fPr>
-                          <m:num>
-                            <m:r>
-                              <a:rPr lang="fr-FR" sz="1600" i="1">
-                                <a:latin typeface="Cambria Math"/>
-                                <a:ea typeface="Cambria Math"/>
-                              </a:rPr>
-                              <m:t>𝑅</m:t>
-                            </m:r>
-                          </m:num>
-                          <m:den>
-                            <m:r>
-                              <a:rPr lang="fr-FR" sz="1600" i="1">
-                                <a:latin typeface="Cambria Math"/>
-                                <a:ea typeface="Cambria Math"/>
-                              </a:rPr>
-                              <m:t>𝑇</m:t>
-                            </m:r>
-                          </m:den>
-                        </m:f>
-                      </m:sub>
-                    </m:sSub>
-                    <m:r>
-                      <a:rPr lang="fr-FR" sz="1600" i="1">
-                        <a:latin typeface="Cambria Math"/>
-                        <a:ea typeface="Cambria Math"/>
-                      </a:rPr>
-                      <m:t>−</m:t>
-                    </m:r>
-                    <m:sSub>
-                      <m:sSubPr>
-                        <m:ctrlPr>
-                          <a:rPr lang="fr-FR" sz="1600" i="1">
-                            <a:latin typeface="Cambria Math"/>
-                            <a:ea typeface="Cambria Math"/>
-                          </a:rPr>
-                        </m:ctrlPr>
-                      </m:sSubPr>
-                      <m:e>
-                        <m:r>
-                          <a:rPr lang="fr-FR" sz="1600" i="1">
-                            <a:latin typeface="Cambria Math"/>
-                            <a:ea typeface="Cambria Math"/>
-                          </a:rPr>
-                          <m:t>𝑘</m:t>
-                        </m:r>
-                      </m:e>
-                      <m:sub>
-                        <m:r>
-                          <a:rPr lang="fr-FR" sz="1600" i="1">
-                            <a:latin typeface="Cambria Math"/>
-                            <a:ea typeface="Cambria Math"/>
-                          </a:rPr>
-                          <m:t>1</m:t>
-                        </m:r>
-                      </m:sub>
-                    </m:sSub>
-                    <m:sSub>
-                      <m:sSubPr>
-                        <m:ctrlPr>
-                          <a:rPr lang="fr-FR" sz="1600" i="1">
-                            <a:latin typeface="Cambria Math"/>
-                            <a:ea typeface="Cambria Math"/>
-                          </a:rPr>
-                        </m:ctrlPr>
-                      </m:sSubPr>
-                      <m:e>
-                        <m:r>
-                          <a:rPr lang="fr-FR" sz="1600" i="1">
-                            <a:latin typeface="Cambria Math"/>
-                            <a:ea typeface="Cambria Math"/>
-                          </a:rPr>
-                          <m:t>𝑘</m:t>
-                        </m:r>
-                      </m:e>
-                      <m:sub>
-                        <m:r>
-                          <a:rPr lang="fr-FR" sz="1600" i="1">
-                            <a:latin typeface="Cambria Math"/>
-                            <a:ea typeface="Cambria Math"/>
-                          </a:rPr>
-                          <m:t>2</m:t>
-                        </m:r>
-                      </m:sub>
-                    </m:sSub>
-                    <m:sSub>
-                      <m:sSubPr>
-                        <m:ctrlPr>
-                          <a:rPr lang="fr-FR" sz="1600" b="0" i="1" smtClean="0">
-                            <a:latin typeface="Cambria Math"/>
-                            <a:ea typeface="Cambria Math"/>
-                          </a:rPr>
-                        </m:ctrlPr>
-                      </m:sSubPr>
-                      <m:e>
-                        <m:r>
-                          <a:rPr lang="fr-FR" sz="1600" b="0" i="1" smtClean="0">
-                            <a:latin typeface="Cambria Math"/>
-                            <a:ea typeface="Cambria Math"/>
-                          </a:rPr>
-                          <m:t>𝑘</m:t>
-                        </m:r>
-                      </m:e>
-                      <m:sub>
-                        <m:r>
-                          <a:rPr lang="fr-FR" sz="1600" b="0" i="1" smtClean="0">
-                            <a:latin typeface="Cambria Math"/>
-                            <a:ea typeface="Cambria Math"/>
-                          </a:rPr>
-                          <m:t>3</m:t>
-                        </m:r>
-                      </m:sub>
-                    </m:sSub>
-                    <m:sSub>
-                      <m:sSubPr>
-                        <m:ctrlPr>
-                          <a:rPr lang="fr-FR" sz="1600" i="1">
-                            <a:latin typeface="Cambria Math"/>
-                            <a:ea typeface="Cambria Math"/>
-                          </a:rPr>
-                        </m:ctrlPr>
-                      </m:sSubPr>
-                      <m:e>
-                        <m:r>
-                          <a:rPr lang="fr-FR" sz="1600" i="1">
-                            <a:latin typeface="Cambria Math"/>
-                            <a:ea typeface="Cambria Math"/>
-                          </a:rPr>
-                          <m:t>𝜔</m:t>
-                        </m:r>
-                      </m:e>
-                      <m:sub>
-                        <m:f>
-                          <m:fPr>
-                            <m:type m:val="lin"/>
-                            <m:ctrlPr>
-                              <a:rPr lang="fr-FR" sz="1600" i="1">
-                                <a:latin typeface="Cambria Math"/>
-                                <a:ea typeface="Cambria Math"/>
-                              </a:rPr>
-                            </m:ctrlPr>
-                          </m:fPr>
-                          <m:num>
-                            <m:r>
-                              <a:rPr lang="fr-FR" sz="1600" i="1">
-                                <a:latin typeface="Cambria Math"/>
-                                <a:ea typeface="Cambria Math"/>
-                              </a:rPr>
-                              <m:t>𝑅</m:t>
-                            </m:r>
-                          </m:num>
-                          <m:den>
-                            <m:r>
-                              <a:rPr lang="fr-FR" sz="1600" i="1">
-                                <a:latin typeface="Cambria Math"/>
-                                <a:ea typeface="Cambria Math"/>
-                              </a:rPr>
-                              <m:t>𝑇</m:t>
-                            </m:r>
-                          </m:den>
-                        </m:f>
-                      </m:sub>
-                    </m:sSub>
-                  </m:oMath>
-                </a14:m>
-                <a:endParaRPr lang="fr-FR" sz="1600" dirty="0">
-                  <a:ea typeface="Cambria Math"/>
-                </a:endParaRPr>
-              </a:p>
-              <a:p>
-                <a:pPr lvl="1"/>
-                <a14:m>
-                  <m:oMath xmlns:m="http://schemas.openxmlformats.org/officeDocument/2006/math">
-                    <m:sSub>
-                      <m:sSubPr>
-                        <m:ctrlPr>
-                          <a:rPr lang="fr-FR" sz="1600" i="1" smtClean="0">
-                            <a:latin typeface="Cambria Math"/>
-                            <a:ea typeface="Cambria Math"/>
-                          </a:rPr>
-                        </m:ctrlPr>
-                      </m:sSubPr>
-                      <m:e>
-                        <m:r>
-                          <a:rPr lang="fr-FR" sz="1600" i="1">
-                            <a:latin typeface="Cambria Math"/>
-                            <a:ea typeface="Cambria Math"/>
-                          </a:rPr>
-                          <m:t>𝜔</m:t>
-                        </m:r>
-                      </m:e>
-                      <m:sub>
-                        <m:f>
-                          <m:fPr>
-                            <m:type m:val="lin"/>
-                            <m:ctrlPr>
-                              <a:rPr lang="fr-FR" sz="1600" i="1">
-                                <a:latin typeface="Cambria Math"/>
-                                <a:ea typeface="Cambria Math"/>
-                              </a:rPr>
-                            </m:ctrlPr>
-                          </m:fPr>
-                          <m:num>
-                            <m:r>
-                              <a:rPr lang="fr-FR" sz="1600" b="0" i="1" smtClean="0">
-                                <a:latin typeface="Cambria Math"/>
-                                <a:ea typeface="Cambria Math"/>
-                              </a:rPr>
-                              <m:t>3</m:t>
-                            </m:r>
-                          </m:num>
-                          <m:den>
-                            <m:r>
-                              <a:rPr lang="fr-FR" sz="1600" b="0" i="1" smtClean="0">
-                                <a:latin typeface="Cambria Math"/>
-                                <a:ea typeface="Cambria Math"/>
-                              </a:rPr>
-                              <m:t>0</m:t>
-                            </m:r>
-                          </m:den>
-                        </m:f>
-                      </m:sub>
-                    </m:sSub>
-                    <m:r>
-                      <a:rPr lang="fr-FR" sz="1600">
-                        <a:latin typeface="Cambria Math"/>
-                        <a:ea typeface="Cambria Math"/>
-                      </a:rPr>
-                      <m:t>=</m:t>
-                    </m:r>
-                    <m:sSub>
-                      <m:sSubPr>
-                        <m:ctrlPr>
-                          <a:rPr lang="fr-FR" sz="1600" i="1">
-                            <a:latin typeface="Cambria Math"/>
-                            <a:ea typeface="Cambria Math"/>
-                          </a:rPr>
-                        </m:ctrlPr>
-                      </m:sSubPr>
-                      <m:e>
-                        <m:r>
-                          <a:rPr lang="fr-FR" sz="1600" i="1">
-                            <a:latin typeface="Cambria Math"/>
-                            <a:ea typeface="Cambria Math"/>
-                          </a:rPr>
-                          <m:t>𝜔</m:t>
-                        </m:r>
-                      </m:e>
-                      <m:sub>
-                        <m:f>
-                          <m:fPr>
-                            <m:type m:val="lin"/>
-                            <m:ctrlPr>
-                              <a:rPr lang="fr-FR" sz="1600" i="1">
-                                <a:latin typeface="Cambria Math"/>
-                                <a:ea typeface="Cambria Math"/>
-                              </a:rPr>
-                            </m:ctrlPr>
-                          </m:fPr>
-                          <m:num>
-                            <m:r>
-                              <a:rPr lang="fr-FR" sz="1600" b="0" i="1" smtClean="0">
-                                <a:latin typeface="Cambria Math"/>
-                                <a:ea typeface="Cambria Math"/>
-                              </a:rPr>
-                              <m:t>3</m:t>
-                            </m:r>
-                          </m:num>
-                          <m:den>
-                            <m:r>
-                              <a:rPr lang="fr-FR" sz="1600" i="1">
-                                <a:latin typeface="Cambria Math"/>
-                                <a:ea typeface="Cambria Math"/>
-                              </a:rPr>
-                              <m:t>𝑇</m:t>
-                            </m:r>
-                          </m:den>
-                        </m:f>
-                      </m:sub>
-                    </m:sSub>
-                    <m:r>
-                      <a:rPr lang="fr-FR" sz="1600" i="1">
-                        <a:latin typeface="Cambria Math"/>
-                        <a:ea typeface="Cambria Math"/>
-                      </a:rPr>
-                      <m:t>+</m:t>
-                    </m:r>
-                    <m:sSub>
-                      <m:sSubPr>
-                        <m:ctrlPr>
-                          <a:rPr lang="fr-FR" sz="1600" i="1">
-                            <a:latin typeface="Cambria Math"/>
-                            <a:ea typeface="Cambria Math"/>
-                          </a:rPr>
-                        </m:ctrlPr>
-                      </m:sSubPr>
-                      <m:e>
-                        <m:r>
-                          <a:rPr lang="fr-FR" sz="1600" i="1">
-                            <a:latin typeface="Cambria Math"/>
-                            <a:ea typeface="Cambria Math"/>
-                          </a:rPr>
-                          <m:t>𝜔</m:t>
-                        </m:r>
-                      </m:e>
-                      <m:sub>
-                        <m:f>
-                          <m:fPr>
-                            <m:type m:val="lin"/>
-                            <m:ctrlPr>
-                              <a:rPr lang="fr-FR" sz="1600" i="1">
-                                <a:latin typeface="Cambria Math"/>
-                                <a:ea typeface="Cambria Math"/>
-                              </a:rPr>
-                            </m:ctrlPr>
-                          </m:fPr>
-                          <m:num>
-                            <m:r>
-                              <a:rPr lang="fr-FR" sz="1600" i="1">
-                                <a:latin typeface="Cambria Math"/>
-                                <a:ea typeface="Cambria Math"/>
-                              </a:rPr>
-                              <m:t>𝑇</m:t>
-                            </m:r>
-                          </m:num>
-                          <m:den>
-                            <m:r>
-                              <a:rPr lang="fr-FR" sz="1600" b="0" i="1" smtClean="0">
-                                <a:latin typeface="Cambria Math"/>
-                                <a:ea typeface="Cambria Math"/>
-                              </a:rPr>
-                              <m:t>0</m:t>
-                            </m:r>
-                          </m:den>
-                        </m:f>
-                      </m:sub>
-                    </m:sSub>
-                    <m:r>
-                      <a:rPr lang="fr-FR" sz="1600" b="0" i="0" smtClean="0">
-                        <a:latin typeface="Cambria Math"/>
-                        <a:ea typeface="Cambria Math"/>
-                      </a:rPr>
-                      <m:t>=</m:t>
-                    </m:r>
-                    <m:sSub>
-                      <m:sSubPr>
-                        <m:ctrlPr>
-                          <a:rPr lang="fr-FR" sz="1600" i="1">
-                            <a:latin typeface="Cambria Math"/>
-                            <a:ea typeface="Cambria Math"/>
-                          </a:rPr>
-                        </m:ctrlPr>
-                      </m:sSubPr>
-                      <m:e>
-                        <m:r>
-                          <a:rPr lang="fr-FR" sz="1600" i="1">
-                            <a:latin typeface="Cambria Math"/>
-                            <a:ea typeface="Cambria Math"/>
-                          </a:rPr>
-                          <m:t>𝑘</m:t>
-                        </m:r>
-                      </m:e>
-                      <m:sub>
-                        <m:r>
-                          <a:rPr lang="fr-FR" sz="1600" i="1">
-                            <a:latin typeface="Cambria Math"/>
-                            <a:ea typeface="Cambria Math"/>
-                          </a:rPr>
-                          <m:t>1</m:t>
-                        </m:r>
-                      </m:sub>
-                    </m:sSub>
-                    <m:sSub>
-                      <m:sSubPr>
-                        <m:ctrlPr>
-                          <a:rPr lang="fr-FR" sz="1600" i="1">
-                            <a:latin typeface="Cambria Math"/>
-                            <a:ea typeface="Cambria Math"/>
-                          </a:rPr>
-                        </m:ctrlPr>
-                      </m:sSubPr>
-                      <m:e>
-                        <m:r>
-                          <a:rPr lang="fr-FR" sz="1600" i="1">
-                            <a:latin typeface="Cambria Math"/>
-                            <a:ea typeface="Cambria Math"/>
-                          </a:rPr>
-                          <m:t>𝑘</m:t>
-                        </m:r>
-                      </m:e>
-                      <m:sub>
-                        <m:r>
-                          <a:rPr lang="fr-FR" sz="1600" i="1">
-                            <a:latin typeface="Cambria Math"/>
-                            <a:ea typeface="Cambria Math"/>
-                          </a:rPr>
-                          <m:t>2</m:t>
-                        </m:r>
-                      </m:sub>
-                    </m:sSub>
-                    <m:sSub>
-                      <m:sSubPr>
-                        <m:ctrlPr>
-                          <a:rPr lang="fr-FR" sz="1600" i="1">
-                            <a:latin typeface="Cambria Math"/>
-                            <a:ea typeface="Cambria Math"/>
-                          </a:rPr>
-                        </m:ctrlPr>
-                      </m:sSubPr>
-                      <m:e>
-                        <m:r>
-                          <a:rPr lang="fr-FR" sz="1600" i="1">
-                            <a:latin typeface="Cambria Math"/>
-                            <a:ea typeface="Cambria Math"/>
-                          </a:rPr>
-                          <m:t>𝑘</m:t>
-                        </m:r>
-                      </m:e>
-                      <m:sub>
-                        <m:r>
-                          <a:rPr lang="fr-FR" sz="1600" i="1">
-                            <a:latin typeface="Cambria Math"/>
-                            <a:ea typeface="Cambria Math"/>
-                          </a:rPr>
-                          <m:t>3</m:t>
-                        </m:r>
-                      </m:sub>
-                    </m:sSub>
-                    <m:sSub>
-                      <m:sSubPr>
-                        <m:ctrlPr>
-                          <a:rPr lang="fr-FR" sz="1600" i="1">
-                            <a:latin typeface="Cambria Math"/>
-                            <a:ea typeface="Cambria Math"/>
-                          </a:rPr>
-                        </m:ctrlPr>
-                      </m:sSubPr>
-                      <m:e>
-                        <m:r>
-                          <a:rPr lang="fr-FR" sz="1600" i="1">
-                            <a:latin typeface="Cambria Math"/>
-                            <a:ea typeface="Cambria Math"/>
-                          </a:rPr>
-                          <m:t>𝜔</m:t>
-                        </m:r>
-                      </m:e>
-                      <m:sub>
-                        <m:f>
-                          <m:fPr>
-                            <m:type m:val="lin"/>
-                            <m:ctrlPr>
-                              <a:rPr lang="fr-FR" sz="1600" i="1">
-                                <a:latin typeface="Cambria Math"/>
-                                <a:ea typeface="Cambria Math"/>
-                              </a:rPr>
-                            </m:ctrlPr>
-                          </m:fPr>
-                          <m:num>
-                            <m:r>
-                              <a:rPr lang="fr-FR" sz="1600" i="1">
-                                <a:latin typeface="Cambria Math"/>
-                                <a:ea typeface="Cambria Math"/>
-                              </a:rPr>
-                              <m:t>𝑅</m:t>
-                            </m:r>
-                          </m:num>
-                          <m:den>
-                            <m:r>
-                              <a:rPr lang="fr-FR" sz="1600" i="1">
-                                <a:latin typeface="Cambria Math"/>
-                                <a:ea typeface="Cambria Math"/>
-                              </a:rPr>
-                              <m:t>𝑇</m:t>
-                            </m:r>
-                          </m:den>
-                        </m:f>
-                      </m:sub>
-                    </m:sSub>
-                  </m:oMath>
-                </a14:m>
                 <a:r>
-                  <a:rPr lang="fr-FR" sz="1600" dirty="0" smtClean="0">
-                    <a:ea typeface="Cambria Math"/>
-                  </a:rPr>
-                  <a:t>+</a:t>
+                  <a:rPr lang="fr-FR" dirty="0" smtClean="0"/>
+                  <a:t>On </a:t>
+                </a:r>
+                <a:r>
+                  <a:rPr lang="fr-FR" dirty="0"/>
+                  <a:t>a </a:t>
                 </a:r>
                 <a14:m>
                   <m:oMath xmlns:m="http://schemas.openxmlformats.org/officeDocument/2006/math">
-                    <m:sSub>
-                      <m:sSubPr>
+                    <m:f>
+                      <m:fPr>
                         <m:ctrlPr>
-                          <a:rPr lang="fr-FR" sz="1600" i="1">
+                          <a:rPr lang="fr-FR" i="1">
                             <a:latin typeface="Cambria Math"/>
-                            <a:ea typeface="Cambria Math"/>
                           </a:rPr>
                         </m:ctrlPr>
-                      </m:sSubPr>
-                      <m:e>
-                        <m:r>
-                          <a:rPr lang="fr-FR" sz="1600" i="1">
-                            <a:latin typeface="Cambria Math"/>
-                            <a:ea typeface="Cambria Math"/>
-                          </a:rPr>
-                          <m:t>𝜔</m:t>
-                        </m:r>
-                      </m:e>
-                      <m:sub>
-                        <m:f>
-                          <m:fPr>
-                            <m:type m:val="lin"/>
-                            <m:ctrlPr>
-                              <a:rPr lang="fr-FR" sz="1600" i="1">
-                                <a:latin typeface="Cambria Math"/>
-                                <a:ea typeface="Cambria Math"/>
-                              </a:rPr>
-                            </m:ctrlPr>
-                          </m:fPr>
-                          <m:num>
-                            <m:r>
-                              <a:rPr lang="fr-FR" sz="1600" i="1">
-                                <a:latin typeface="Cambria Math"/>
-                                <a:ea typeface="Cambria Math"/>
-                              </a:rPr>
-                              <m:t>𝑇</m:t>
-                            </m:r>
-                          </m:num>
-                          <m:den>
-                            <m:r>
-                              <a:rPr lang="fr-FR" sz="1600" i="1">
-                                <a:latin typeface="Cambria Math"/>
-                                <a:ea typeface="Cambria Math"/>
-                              </a:rPr>
-                              <m:t>0</m:t>
-                            </m:r>
-                          </m:den>
-                        </m:f>
-                      </m:sub>
-                    </m:sSub>
-                  </m:oMath>
-                </a14:m>
-                <a:endParaRPr lang="fr-FR" sz="1600" dirty="0">
-                  <a:ea typeface="Cambria Math"/>
-                </a:endParaRPr>
-              </a:p>
-              <a:p>
-                <a:r>
-                  <a:rPr lang="fr-FR" dirty="0" smtClean="0"/>
-                  <a:t>Roulement sans glissement en </a:t>
-                </a:r>
-                <a:r>
-                  <a:rPr lang="fr-FR" i="1" dirty="0" smtClean="0"/>
-                  <a:t>I</a:t>
-                </a:r>
-              </a:p>
-              <a:p>
-                <a:pPr lvl="1"/>
-                <a14:m>
-                  <m:oMath xmlns:m="http://schemas.openxmlformats.org/officeDocument/2006/math">
-                    <m:acc>
-                      <m:accPr>
-                        <m:chr m:val="⃗"/>
-                        <m:ctrlPr>
-                          <a:rPr lang="fr-FR" b="0" i="1" smtClean="0">
-                            <a:latin typeface="Cambria Math"/>
-                            <a:ea typeface="Cambria Math"/>
-                          </a:rPr>
-                        </m:ctrlPr>
-                      </m:accPr>
-                      <m:e>
+                      </m:fPr>
+                      <m:num>
                         <m:sSub>
                           <m:sSubPr>
                             <m:ctrlPr>
                               <a:rPr lang="fr-FR" i="1">
                                 <a:latin typeface="Cambria Math"/>
-                                <a:ea typeface="Cambria Math"/>
                               </a:rPr>
                             </m:ctrlPr>
                           </m:sSubPr>
@@ -15026,122 +13185,46 @@
                             <m:r>
                               <a:rPr lang="fr-FR" i="1">
                                 <a:latin typeface="Cambria Math"/>
-                                <a:ea typeface="Cambria Math"/>
                               </a:rPr>
-                              <m:t>𝑉</m:t>
+                              <m:t>𝜔</m:t>
                             </m:r>
                           </m:e>
                           <m:sub>
-                            <m:d>
-                              <m:dPr>
+                            <m:f>
+                              <m:fPr>
+                                <m:type m:val="lin"/>
                                 <m:ctrlPr>
                                   <a:rPr lang="fr-FR" i="1">
                                     <a:latin typeface="Cambria Math"/>
-                                    <a:ea typeface="Cambria Math"/>
                                   </a:rPr>
                                 </m:ctrlPr>
-                              </m:dPr>
-                              <m:e>
+                              </m:fPr>
+                              <m:num>
                                 <m:r>
                                   <a:rPr lang="fr-FR" i="1">
                                     <a:latin typeface="Cambria Math"/>
-                                    <a:ea typeface="Cambria Math"/>
                                   </a:rPr>
-                                  <m:t>𝐼</m:t>
+                                  <m:t>0</m:t>
                                 </m:r>
+                              </m:num>
+                              <m:den>
                                 <m:r>
                                   <a:rPr lang="fr-FR" i="1">
                                     <a:latin typeface="Cambria Math"/>
-                                    <a:ea typeface="Cambria Math"/>
                                   </a:rPr>
-                                  <m:t>,</m:t>
+                                  <m:t>𝑇</m:t>
                                 </m:r>
-                                <m:f>
-                                  <m:fPr>
-                                    <m:type m:val="lin"/>
-                                    <m:ctrlPr>
-                                      <a:rPr lang="fr-FR" i="1">
-                                        <a:latin typeface="Cambria Math"/>
-                                        <a:ea typeface="Cambria Math"/>
-                                      </a:rPr>
-                                    </m:ctrlPr>
-                                  </m:fPr>
-                                  <m:num>
-                                    <m:r>
-                                      <a:rPr lang="fr-FR" i="1">
-                                        <a:latin typeface="Cambria Math"/>
-                                        <a:ea typeface="Cambria Math"/>
-                                      </a:rPr>
-                                      <m:t>3</m:t>
-                                    </m:r>
-                                  </m:num>
-                                  <m:den>
-                                    <m:r>
-                                      <a:rPr lang="fr-FR" i="1">
-                                        <a:latin typeface="Cambria Math"/>
-                                        <a:ea typeface="Cambria Math"/>
-                                      </a:rPr>
-                                      <m:t>0</m:t>
-                                    </m:r>
-                                  </m:den>
-                                </m:f>
-                              </m:e>
-                            </m:d>
+                              </m:den>
+                            </m:f>
                           </m:sub>
                         </m:sSub>
-                      </m:e>
-                    </m:acc>
-                    <m:r>
-                      <a:rPr lang="fr-FR" b="0" i="1" smtClean="0">
-                        <a:latin typeface="Cambria Math"/>
-                        <a:ea typeface="Cambria Math"/>
-                      </a:rPr>
-                      <m:t>=</m:t>
-                    </m:r>
-                    <m:acc>
-                      <m:accPr>
-                        <m:chr m:val="⃗"/>
-                        <m:ctrlPr>
-                          <a:rPr lang="fr-FR" b="0" i="1" smtClean="0">
-                            <a:latin typeface="Cambria Math"/>
-                            <a:ea typeface="Cambria Math"/>
-                          </a:rPr>
-                        </m:ctrlPr>
-                      </m:accPr>
-                      <m:e>
-                        <m:r>
-                          <a:rPr lang="fr-FR" b="0" i="1" smtClean="0">
-                            <a:latin typeface="Cambria Math"/>
-                            <a:ea typeface="Cambria Math"/>
-                          </a:rPr>
-                          <m:t>0</m:t>
-                        </m:r>
-                      </m:e>
-                    </m:acc>
-                    <m:r>
-                      <a:rPr lang="fr-FR" b="0" i="1" smtClean="0">
-                        <a:latin typeface="Cambria Math"/>
-                        <a:ea typeface="Cambria Math"/>
-                      </a:rPr>
-                      <m:t>=</m:t>
-                    </m:r>
-                    <m:acc>
-                      <m:accPr>
-                        <m:chr m:val="⃗"/>
-                        <m:ctrlPr>
-                          <a:rPr lang="fr-FR" i="1">
-                            <a:latin typeface="Cambria Math"/>
-                            <a:ea typeface="Cambria Math"/>
-                          </a:rPr>
-                        </m:ctrlPr>
-                      </m:accPr>
-                      <m:e>
+                      </m:num>
+                      <m:den>
                         <m:sSub>
                           <m:sSubPr>
                             <m:ctrlPr>
                               <a:rPr lang="fr-FR" i="1">
                                 <a:latin typeface="Cambria Math"/>
-                                <a:ea typeface="Cambria Math"/>
                               </a:rPr>
                             </m:ctrlPr>
                           </m:sSubPr>
@@ -15149,207 +13232,52 @@
                             <m:r>
                               <a:rPr lang="fr-FR" i="1">
                                 <a:latin typeface="Cambria Math"/>
-                                <a:ea typeface="Cambria Math"/>
                               </a:rPr>
-                              <m:t>𝑉</m:t>
+                              <m:t>𝜔</m:t>
                             </m:r>
                           </m:e>
                           <m:sub>
-                            <m:d>
-                              <m:dPr>
+                            <m:f>
+                              <m:fPr>
+                                <m:type m:val="lin"/>
                                 <m:ctrlPr>
                                   <a:rPr lang="fr-FR" i="1">
                                     <a:latin typeface="Cambria Math"/>
-                                    <a:ea typeface="Cambria Math"/>
                                   </a:rPr>
                                 </m:ctrlPr>
-                              </m:dPr>
-                              <m:e>
+                              </m:fPr>
+                              <m:num>
                                 <m:r>
                                   <a:rPr lang="fr-FR" i="1">
                                     <a:latin typeface="Cambria Math"/>
-                                    <a:ea typeface="Cambria Math"/>
                                   </a:rPr>
-                                  <m:t>𝐼</m:t>
+                                  <m:t>𝑅</m:t>
                                 </m:r>
+                              </m:num>
+                              <m:den>
                                 <m:r>
                                   <a:rPr lang="fr-FR" i="1">
                                     <a:latin typeface="Cambria Math"/>
-                                    <a:ea typeface="Cambria Math"/>
                                   </a:rPr>
-                                  <m:t>,</m:t>
+                                  <m:t>𝑇</m:t>
                                 </m:r>
-                                <m:f>
-                                  <m:fPr>
-                                    <m:type m:val="lin"/>
-                                    <m:ctrlPr>
-                                      <a:rPr lang="fr-FR" i="1">
-                                        <a:latin typeface="Cambria Math"/>
-                                        <a:ea typeface="Cambria Math"/>
-                                      </a:rPr>
-                                    </m:ctrlPr>
-                                  </m:fPr>
-                                  <m:num>
-                                    <m:r>
-                                      <a:rPr lang="fr-FR" i="1">
-                                        <a:latin typeface="Cambria Math"/>
-                                        <a:ea typeface="Cambria Math"/>
-                                      </a:rPr>
-                                      <m:t>3</m:t>
-                                    </m:r>
-                                  </m:num>
-                                  <m:den>
-                                    <m:r>
-                                      <a:rPr lang="fr-FR" b="0" i="1" smtClean="0">
-                                        <a:latin typeface="Cambria Math"/>
-                                        <a:ea typeface="Cambria Math"/>
-                                      </a:rPr>
-                                      <m:t>𝑇</m:t>
-                                    </m:r>
-                                  </m:den>
-                                </m:f>
-                              </m:e>
-                            </m:d>
+                              </m:den>
+                            </m:f>
                           </m:sub>
                         </m:sSub>
-                      </m:e>
-                    </m:acc>
-                    <m:r>
-                      <a:rPr lang="fr-FR" b="0" i="1" smtClean="0">
-                        <a:latin typeface="Cambria Math"/>
-                        <a:ea typeface="Cambria Math"/>
-                      </a:rPr>
-                      <m:t>+</m:t>
-                    </m:r>
-                    <m:acc>
-                      <m:accPr>
-                        <m:chr m:val="⃗"/>
-                        <m:ctrlPr>
-                          <a:rPr lang="fr-FR" i="1">
-                            <a:latin typeface="Cambria Math"/>
-                            <a:ea typeface="Cambria Math"/>
-                          </a:rPr>
-                        </m:ctrlPr>
-                      </m:accPr>
-                      <m:e>
-                        <m:sSub>
-                          <m:sSubPr>
-                            <m:ctrlPr>
-                              <a:rPr lang="fr-FR" i="1">
-                                <a:latin typeface="Cambria Math"/>
-                                <a:ea typeface="Cambria Math"/>
-                              </a:rPr>
-                            </m:ctrlPr>
-                          </m:sSubPr>
-                          <m:e>
-                            <m:r>
-                              <a:rPr lang="fr-FR" i="1">
-                                <a:latin typeface="Cambria Math"/>
-                                <a:ea typeface="Cambria Math"/>
-                              </a:rPr>
-                              <m:t>𝑉</m:t>
-                            </m:r>
-                          </m:e>
-                          <m:sub>
-                            <m:d>
-                              <m:dPr>
-                                <m:ctrlPr>
-                                  <a:rPr lang="fr-FR" i="1">
-                                    <a:latin typeface="Cambria Math"/>
-                                    <a:ea typeface="Cambria Math"/>
-                                  </a:rPr>
-                                </m:ctrlPr>
-                              </m:dPr>
-                              <m:e>
-                                <m:r>
-                                  <a:rPr lang="fr-FR" i="1">
-                                    <a:latin typeface="Cambria Math"/>
-                                    <a:ea typeface="Cambria Math"/>
-                                  </a:rPr>
-                                  <m:t>𝐼</m:t>
-                                </m:r>
-                                <m:r>
-                                  <a:rPr lang="fr-FR" i="1">
-                                    <a:latin typeface="Cambria Math"/>
-                                    <a:ea typeface="Cambria Math"/>
-                                  </a:rPr>
-                                  <m:t>,</m:t>
-                                </m:r>
-                                <m:f>
-                                  <m:fPr>
-                                    <m:type m:val="lin"/>
-                                    <m:ctrlPr>
-                                      <a:rPr lang="fr-FR" i="1">
-                                        <a:latin typeface="Cambria Math"/>
-                                        <a:ea typeface="Cambria Math"/>
-                                      </a:rPr>
-                                    </m:ctrlPr>
-                                  </m:fPr>
-                                  <m:num>
-                                    <m:r>
-                                      <a:rPr lang="fr-FR" b="0" i="1" smtClean="0">
-                                        <a:latin typeface="Cambria Math"/>
-                                        <a:ea typeface="Cambria Math"/>
-                                      </a:rPr>
-                                      <m:t>𝑇</m:t>
-                                    </m:r>
-                                  </m:num>
-                                  <m:den>
-                                    <m:r>
-                                      <a:rPr lang="fr-FR" i="1">
-                                        <a:latin typeface="Cambria Math"/>
-                                        <a:ea typeface="Cambria Math"/>
-                                      </a:rPr>
-                                      <m:t>0</m:t>
-                                    </m:r>
-                                  </m:den>
-                                </m:f>
-                              </m:e>
-                            </m:d>
-                          </m:sub>
-                        </m:sSub>
-                      </m:e>
-                    </m:acc>
-                    <m:r>
-                      <a:rPr lang="fr-FR" b="0" i="1" smtClean="0">
-                        <a:latin typeface="Cambria Math"/>
-                        <a:ea typeface="Cambria Math"/>
-                      </a:rPr>
-                      <m:t>=</m:t>
-                    </m:r>
-                    <m:acc>
-                      <m:accPr>
-                        <m:chr m:val="⃗"/>
-                        <m:ctrlPr>
-                          <a:rPr lang="fr-FR" b="0" i="1" smtClean="0">
-                            <a:latin typeface="Cambria Math"/>
-                            <a:ea typeface="Cambria Math"/>
-                          </a:rPr>
-                        </m:ctrlPr>
-                      </m:accPr>
-                      <m:e>
-                        <m:r>
-                          <a:rPr lang="fr-FR" i="1">
-                            <a:latin typeface="Cambria Math"/>
-                            <a:ea typeface="Cambria Math"/>
-                          </a:rPr>
-                          <m:t>𝐼𝐷</m:t>
-                        </m:r>
-                      </m:e>
-                    </m:acc>
+                      </m:den>
+                    </m:f>
                     <m:r>
                       <a:rPr lang="fr-FR" i="1">
                         <a:latin typeface="Cambria Math"/>
-                        <a:ea typeface="Cambria Math"/>
                       </a:rPr>
-                      <m:t>∧</m:t>
+                      <m:t>=</m:t>
                     </m:r>
                     <m:sSub>
                       <m:sSubPr>
                         <m:ctrlPr>
                           <a:rPr lang="fr-FR" i="1">
                             <a:latin typeface="Cambria Math"/>
-                            <a:ea typeface="Cambria Math"/>
                           </a:rPr>
                         </m:ctrlPr>
                       </m:sSubPr>
@@ -15357,110 +13285,32 @@
                         <m:r>
                           <a:rPr lang="fr-FR" i="1">
                             <a:latin typeface="Cambria Math"/>
-                            <a:ea typeface="Cambria Math"/>
                           </a:rPr>
-                          <m:t>𝜔</m:t>
+                          <m:t>𝑘</m:t>
                         </m:r>
                       </m:e>
                       <m:sub>
-                        <m:f>
-                          <m:fPr>
-                            <m:type m:val="lin"/>
-                            <m:ctrlPr>
-                              <a:rPr lang="fr-FR" i="1" smtClean="0">
-                                <a:latin typeface="Cambria Math"/>
-                                <a:ea typeface="Cambria Math"/>
-                              </a:rPr>
-                            </m:ctrlPr>
-                          </m:fPr>
-                          <m:num>
-                            <m:r>
-                              <a:rPr lang="fr-FR" b="0" i="1" smtClean="0">
-                                <a:latin typeface="Cambria Math"/>
-                                <a:ea typeface="Cambria Math"/>
-                              </a:rPr>
-                              <m:t>3</m:t>
-                            </m:r>
-                          </m:num>
-                          <m:den>
-                            <m:r>
-                              <a:rPr lang="fr-FR" b="0" i="1" smtClean="0">
-                                <a:latin typeface="Cambria Math"/>
-                                <a:ea typeface="Cambria Math"/>
-                              </a:rPr>
-                              <m:t>𝑇</m:t>
-                            </m:r>
-                          </m:den>
-                        </m:f>
-                      </m:sub>
-                    </m:sSub>
-                    <m:acc>
-                      <m:accPr>
-                        <m:chr m:val="⃗"/>
-                        <m:ctrlPr>
-                          <a:rPr lang="fr-FR" b="0" i="1" smtClean="0">
-                            <a:latin typeface="Cambria Math"/>
-                            <a:ea typeface="Cambria Math"/>
-                          </a:rPr>
-                        </m:ctrlPr>
-                      </m:accPr>
-                      <m:e>
-                        <m:r>
-                          <a:rPr lang="fr-FR" b="0" i="1" smtClean="0">
-                            <a:latin typeface="Cambria Math"/>
-                            <a:ea typeface="Cambria Math"/>
-                          </a:rPr>
-                          <m:t>𝑧</m:t>
-                        </m:r>
-                      </m:e>
-                    </m:acc>
-                    <m:r>
-                      <a:rPr lang="fr-FR" i="1">
-                        <a:latin typeface="Cambria Math"/>
-                        <a:ea typeface="Cambria Math"/>
-                      </a:rPr>
-                      <m:t>+</m:t>
-                    </m:r>
-                    <m:acc>
-                      <m:accPr>
-                        <m:chr m:val="⃗"/>
-                        <m:ctrlPr>
-                          <a:rPr lang="fr-FR" i="1">
-                            <a:latin typeface="Cambria Math"/>
-                            <a:ea typeface="Cambria Math"/>
-                          </a:rPr>
-                        </m:ctrlPr>
-                      </m:accPr>
-                      <m:e>
                         <m:r>
                           <a:rPr lang="fr-FR" i="1">
                             <a:latin typeface="Cambria Math"/>
-                            <a:ea typeface="Cambria Math"/>
                           </a:rPr>
-                          <m:t>𝐼</m:t>
+                          <m:t>4</m:t>
                         </m:r>
-                        <m:r>
-                          <a:rPr lang="fr-FR" b="0" i="1" smtClean="0">
-                            <a:latin typeface="Cambria Math"/>
-                            <a:ea typeface="Cambria Math"/>
-                          </a:rPr>
-                          <m:t>𝐸</m:t>
-                        </m:r>
-                      </m:e>
-                    </m:acc>
-                    <m:r>
-                      <a:rPr lang="fr-FR" i="1">
-                        <a:latin typeface="Cambria Math"/>
-                        <a:ea typeface="Cambria Math"/>
-                      </a:rPr>
-                      <m:t>∧</m:t>
-                    </m:r>
+                      </m:sub>
+                    </m:sSub>
+                  </m:oMath>
+                </a14:m>
+                <a:r>
+                  <a:rPr lang="fr-FR" dirty="0"/>
+                  <a:t> et donc </a:t>
+                </a:r>
+                <a14:m>
+                  <m:oMath xmlns:m="http://schemas.openxmlformats.org/officeDocument/2006/math">
                     <m:sSub>
                       <m:sSubPr>
                         <m:ctrlPr>
                           <a:rPr lang="fr-FR" i="1">
                             <a:latin typeface="Cambria Math"/>
-                            <a:ea typeface="Cambria Math"/>
                           </a:rPr>
                         </m:ctrlPr>
                       </m:sSubPr>
@@ -15468,123 +13318,6 @@
                         <m:r>
                           <a:rPr lang="fr-FR" i="1">
                             <a:latin typeface="Cambria Math"/>
-                            <a:ea typeface="Cambria Math"/>
-                          </a:rPr>
-                          <m:t>𝜔</m:t>
-                        </m:r>
-                      </m:e>
-                      <m:sub>
-                        <m:f>
-                          <m:fPr>
-                            <m:type m:val="lin"/>
-                            <m:ctrlPr>
-                              <a:rPr lang="fr-FR" i="1" smtClean="0">
-                                <a:latin typeface="Cambria Math"/>
-                                <a:ea typeface="Cambria Math"/>
-                              </a:rPr>
-                            </m:ctrlPr>
-                          </m:fPr>
-                          <m:num>
-                            <m:r>
-                              <a:rPr lang="fr-FR" b="0" i="1" smtClean="0">
-                                <a:latin typeface="Cambria Math"/>
-                                <a:ea typeface="Cambria Math"/>
-                              </a:rPr>
-                              <m:t>𝑇</m:t>
-                            </m:r>
-                          </m:num>
-                          <m:den>
-                            <m:r>
-                              <a:rPr lang="fr-FR" b="0" i="1" smtClean="0">
-                                <a:latin typeface="Cambria Math"/>
-                                <a:ea typeface="Cambria Math"/>
-                              </a:rPr>
-                              <m:t>0</m:t>
-                            </m:r>
-                          </m:den>
-                        </m:f>
-                      </m:sub>
-                    </m:sSub>
-                    <m:acc>
-                      <m:accPr>
-                        <m:chr m:val="⃗"/>
-                        <m:ctrlPr>
-                          <a:rPr lang="fr-FR" i="1">
-                            <a:latin typeface="Cambria Math"/>
-                            <a:ea typeface="Cambria Math"/>
-                          </a:rPr>
-                        </m:ctrlPr>
-                      </m:accPr>
-                      <m:e>
-                        <m:r>
-                          <a:rPr lang="fr-FR" i="1">
-                            <a:latin typeface="Cambria Math"/>
-                            <a:ea typeface="Cambria Math"/>
-                          </a:rPr>
-                          <m:t>𝑧</m:t>
-                        </m:r>
-                      </m:e>
-                    </m:acc>
-                  </m:oMath>
-                </a14:m>
-                <a:endParaRPr lang="fr-FR" b="0" i="1" dirty="0" smtClean="0">
-                  <a:latin typeface="Cambria Math"/>
-                  <a:ea typeface="Cambria Math"/>
-                </a:endParaRPr>
-              </a:p>
-              <a:p>
-                <a:pPr lvl="1"/>
-                <a14:m>
-                  <m:oMath xmlns:m="http://schemas.openxmlformats.org/officeDocument/2006/math">
-                    <m:r>
-                      <a:rPr lang="fr-FR" b="0" i="1" smtClean="0">
-                        <a:latin typeface="Cambria Math"/>
-                        <a:ea typeface="Cambria Math"/>
-                      </a:rPr>
-                      <m:t>−</m:t>
-                    </m:r>
-                    <m:sSub>
-                      <m:sSubPr>
-                        <m:ctrlPr>
-                          <a:rPr lang="fr-FR" b="0" i="1" smtClean="0">
-                            <a:latin typeface="Cambria Math"/>
-                            <a:ea typeface="Cambria Math"/>
-                          </a:rPr>
-                        </m:ctrlPr>
-                      </m:sSubPr>
-                      <m:e>
-                        <m:r>
-                          <a:rPr lang="fr-FR" b="0" i="1" smtClean="0">
-                            <a:latin typeface="Cambria Math"/>
-                            <a:ea typeface="Cambria Math"/>
-                          </a:rPr>
-                          <m:t>𝑟</m:t>
-                        </m:r>
-                      </m:e>
-                      <m:sub>
-                        <m:r>
-                          <a:rPr lang="fr-FR" b="0" i="1" smtClean="0">
-                            <a:latin typeface="Cambria Math"/>
-                            <a:ea typeface="Cambria Math"/>
-                          </a:rPr>
-                          <m:t>3</m:t>
-                        </m:r>
-                      </m:sub>
-                    </m:sSub>
-                    <m:sSub>
-                      <m:sSubPr>
-                        <m:ctrlPr>
-                          <a:rPr lang="fr-FR" b="0" i="1" smtClean="0">
-                            <a:latin typeface="Cambria Math"/>
-                            <a:ea typeface="Cambria Math"/>
-                          </a:rPr>
-                        </m:ctrlPr>
-                      </m:sSubPr>
-                      <m:e>
-                        <m:r>
-                          <a:rPr lang="fr-FR" b="0" i="1" smtClean="0">
-                            <a:latin typeface="Cambria Math"/>
-                            <a:ea typeface="Cambria Math"/>
                           </a:rPr>
                           <m:t>𝜔</m:t>
                         </m:r>
@@ -15596,92 +13329,6 @@
                             <m:ctrlPr>
                               <a:rPr lang="fr-FR" i="1">
                                 <a:latin typeface="Cambria Math"/>
-                                <a:ea typeface="Cambria Math"/>
-                              </a:rPr>
-                            </m:ctrlPr>
-                          </m:fPr>
-                          <m:num>
-                            <m:r>
-                              <a:rPr lang="fr-FR" i="1">
-                                <a:latin typeface="Cambria Math"/>
-                                <a:ea typeface="Cambria Math"/>
-                              </a:rPr>
-                              <m:t>3</m:t>
-                            </m:r>
-                          </m:num>
-                          <m:den>
-                            <m:r>
-                              <a:rPr lang="fr-FR" i="1">
-                                <a:latin typeface="Cambria Math"/>
-                                <a:ea typeface="Cambria Math"/>
-                              </a:rPr>
-                              <m:t>𝑇</m:t>
-                            </m:r>
-                          </m:den>
-                        </m:f>
-                      </m:sub>
-                    </m:sSub>
-                    <m:r>
-                      <a:rPr lang="fr-FR" b="0" i="1" smtClean="0">
-                        <a:latin typeface="Cambria Math"/>
-                        <a:ea typeface="Cambria Math"/>
-                      </a:rPr>
-                      <m:t>+</m:t>
-                    </m:r>
-                    <m:sSub>
-                      <m:sSubPr>
-                        <m:ctrlPr>
-                          <a:rPr lang="fr-FR" b="0" i="1" smtClean="0">
-                            <a:latin typeface="Cambria Math"/>
-                            <a:ea typeface="Cambria Math"/>
-                          </a:rPr>
-                        </m:ctrlPr>
-                      </m:sSubPr>
-                      <m:e>
-                        <m:r>
-                          <a:rPr lang="fr-FR" b="0" i="1" smtClean="0">
-                            <a:latin typeface="Cambria Math"/>
-                            <a:ea typeface="Cambria Math"/>
-                          </a:rPr>
-                          <m:t>𝑟</m:t>
-                        </m:r>
-                      </m:e>
-                      <m:sub>
-                        <m:r>
-                          <a:rPr lang="fr-FR" b="0" i="1" smtClean="0">
-                            <a:latin typeface="Cambria Math"/>
-                            <a:ea typeface="Cambria Math"/>
-                          </a:rPr>
-                          <m:t>0</m:t>
-                        </m:r>
-                      </m:sub>
-                    </m:sSub>
-                    <m:sSub>
-                      <m:sSubPr>
-                        <m:ctrlPr>
-                          <a:rPr lang="fr-FR" b="0" i="1" smtClean="0">
-                            <a:latin typeface="Cambria Math"/>
-                            <a:ea typeface="Cambria Math"/>
-                          </a:rPr>
-                        </m:ctrlPr>
-                      </m:sSubPr>
-                      <m:e>
-                        <m:r>
-                          <a:rPr lang="fr-FR" b="0" i="1" smtClean="0">
-                            <a:latin typeface="Cambria Math"/>
-                            <a:ea typeface="Cambria Math"/>
-                          </a:rPr>
-                          <m:t>𝜔</m:t>
-                        </m:r>
-                      </m:e>
-                      <m:sub>
-                        <m:f>
-                          <m:fPr>
-                            <m:type m:val="lin"/>
-                            <m:ctrlPr>
-                              <a:rPr lang="fr-FR" i="1" smtClean="0">
-                                <a:latin typeface="Cambria Math"/>
-                                <a:ea typeface="Cambria Math"/>
                               </a:rPr>
                             </m:ctrlPr>
                           </m:fPr>
@@ -15689,7 +13336,6 @@
                             <m:r>
                               <a:rPr lang="fr-FR" b="0" i="1" smtClean="0">
                                 <a:latin typeface="Cambria Math"/>
-                                <a:ea typeface="Cambria Math"/>
                               </a:rPr>
                               <m:t>𝑇</m:t>
                             </m:r>
@@ -15698,7 +13344,6 @@
                             <m:r>
                               <a:rPr lang="fr-FR" b="0" i="1" smtClean="0">
                                 <a:latin typeface="Cambria Math"/>
-                                <a:ea typeface="Cambria Math"/>
                               </a:rPr>
                               <m:t>0</m:t>
                             </m:r>
@@ -15706,30 +13351,49 @@
                         </m:f>
                       </m:sub>
                     </m:sSub>
-                  </m:oMath>
-                </a14:m>
-                <a:r>
-                  <a:rPr lang="fr-FR" dirty="0" smtClean="0">
-                    <a:ea typeface="Cambria Math"/>
-                  </a:rPr>
-                  <a:t> et donc </a:t>
-                </a:r>
-                <a14:m>
-                  <m:oMath xmlns:m="http://schemas.openxmlformats.org/officeDocument/2006/math">
+                    <m:r>
+                      <a:rPr lang="fr-FR">
+                        <a:latin typeface="Cambria Math"/>
+                      </a:rPr>
+                      <m:t>=−</m:t>
+                    </m:r>
                     <m:sSub>
                       <m:sSubPr>
                         <m:ctrlPr>
-                          <a:rPr lang="fr-FR" b="0" i="1" smtClean="0">
+                          <a:rPr lang="fr-FR" i="1">
                             <a:latin typeface="Cambria Math"/>
-                            <a:ea typeface="Cambria Math"/>
                           </a:rPr>
                         </m:ctrlPr>
                       </m:sSubPr>
                       <m:e>
                         <m:r>
-                          <a:rPr lang="fr-FR" b="0" i="1" smtClean="0">
+                          <a:rPr lang="fr-FR" i="1">
                             <a:latin typeface="Cambria Math"/>
-                            <a:ea typeface="Cambria Math"/>
+                          </a:rPr>
+                          <m:t>𝑘</m:t>
+                        </m:r>
+                      </m:e>
+                      <m:sub>
+                        <m:r>
+                          <a:rPr lang="fr-FR" i="1">
+                            <a:latin typeface="Cambria Math"/>
+                          </a:rPr>
+                          <m:t>4</m:t>
+                        </m:r>
+                      </m:sub>
+                    </m:sSub>
+                    <m:sSub>
+                      <m:sSubPr>
+                        <m:ctrlPr>
+                          <a:rPr lang="fr-FR" i="1">
+                            <a:latin typeface="Cambria Math"/>
+                          </a:rPr>
+                        </m:ctrlPr>
+                      </m:sSubPr>
+                      <m:e>
+                        <m:r>
+                          <a:rPr lang="fr-FR" i="1">
+                            <a:latin typeface="Cambria Math"/>
                           </a:rPr>
                           <m:t>𝜔</m:t>
                         </m:r>
@@ -15741,7 +13405,6 @@
                             <m:ctrlPr>
                               <a:rPr lang="fr-FR" i="1">
                                 <a:latin typeface="Cambria Math"/>
-                                <a:ea typeface="Cambria Math"/>
                               </a:rPr>
                             </m:ctrlPr>
                           </m:fPr>
@@ -15749,143 +13412,14 @@
                             <m:r>
                               <a:rPr lang="fr-FR" i="1">
                                 <a:latin typeface="Cambria Math"/>
-                                <a:ea typeface="Cambria Math"/>
                               </a:rPr>
-                              <m:t>𝑇</m:t>
+                              <m:t>𝑅</m:t>
                             </m:r>
                           </m:num>
                           <m:den>
                             <m:r>
                               <a:rPr lang="fr-FR" i="1">
                                 <a:latin typeface="Cambria Math"/>
-                                <a:ea typeface="Cambria Math"/>
-                              </a:rPr>
-                              <m:t>0</m:t>
-                            </m:r>
-                          </m:den>
-                        </m:f>
-                      </m:sub>
-                    </m:sSub>
-                    <m:r>
-                      <a:rPr lang="fr-FR" b="0" i="1" smtClean="0">
-                        <a:latin typeface="Cambria Math"/>
-                        <a:ea typeface="Cambria Math"/>
-                      </a:rPr>
-                      <m:t>=</m:t>
-                    </m:r>
-                    <m:f>
-                      <m:fPr>
-                        <m:ctrlPr>
-                          <a:rPr lang="fr-FR" b="0" i="1" smtClean="0">
-                            <a:latin typeface="Cambria Math"/>
-                            <a:ea typeface="Cambria Math"/>
-                          </a:rPr>
-                        </m:ctrlPr>
-                      </m:fPr>
-                      <m:num>
-                        <m:sSub>
-                          <m:sSubPr>
-                            <m:ctrlPr>
-                              <a:rPr lang="fr-FR" b="0" i="1" smtClean="0">
-                                <a:latin typeface="Cambria Math"/>
-                                <a:ea typeface="Cambria Math"/>
-                              </a:rPr>
-                            </m:ctrlPr>
-                          </m:sSubPr>
-                          <m:e>
-                            <m:r>
-                              <a:rPr lang="fr-FR" b="0" i="1" smtClean="0">
-                                <a:latin typeface="Cambria Math"/>
-                                <a:ea typeface="Cambria Math"/>
-                              </a:rPr>
-                              <m:t>𝑟</m:t>
-                            </m:r>
-                          </m:e>
-                          <m:sub>
-                            <m:r>
-                              <a:rPr lang="fr-FR" b="0" i="1" smtClean="0">
-                                <a:latin typeface="Cambria Math"/>
-                                <a:ea typeface="Cambria Math"/>
-                              </a:rPr>
-                              <m:t>3</m:t>
-                            </m:r>
-                          </m:sub>
-                        </m:sSub>
-                      </m:num>
-                      <m:den>
-                        <m:sSub>
-                          <m:sSubPr>
-                            <m:ctrlPr>
-                              <a:rPr lang="fr-FR" b="0" i="1" smtClean="0">
-                                <a:latin typeface="Cambria Math"/>
-                                <a:ea typeface="Cambria Math"/>
-                              </a:rPr>
-                            </m:ctrlPr>
-                          </m:sSubPr>
-                          <m:e>
-                            <m:r>
-                              <a:rPr lang="fr-FR" b="0" i="1" smtClean="0">
-                                <a:latin typeface="Cambria Math"/>
-                                <a:ea typeface="Cambria Math"/>
-                              </a:rPr>
-                              <m:t>𝑟</m:t>
-                            </m:r>
-                          </m:e>
-                          <m:sub>
-                            <m:r>
-                              <a:rPr lang="fr-FR" b="0" i="1" smtClean="0">
-                                <a:latin typeface="Cambria Math"/>
-                                <a:ea typeface="Cambria Math"/>
-                              </a:rPr>
-                              <m:t>0</m:t>
-                            </m:r>
-                          </m:sub>
-                        </m:sSub>
-                      </m:den>
-                    </m:f>
-                    <m:sSub>
-                      <m:sSubPr>
-                        <m:ctrlPr>
-                          <a:rPr lang="fr-FR" b="0" i="1" smtClean="0">
-                            <a:latin typeface="Cambria Math"/>
-                            <a:ea typeface="Cambria Math"/>
-                          </a:rPr>
-                        </m:ctrlPr>
-                      </m:sSubPr>
-                      <m:e>
-                        <m:r>
-                          <a:rPr lang="fr-FR" b="0" i="1" smtClean="0">
-                            <a:latin typeface="Cambria Math"/>
-                            <a:ea typeface="Cambria Math"/>
-                          </a:rPr>
-                          <m:t>𝜔</m:t>
-                        </m:r>
-                      </m:e>
-                      <m:sub>
-                        <m:f>
-                          <m:fPr>
-                            <m:type m:val="lin"/>
-                            <m:ctrlPr>
-                              <a:rPr lang="fr-FR" i="1">
-                                <a:latin typeface="Cambria Math"/>
-                                <a:ea typeface="Cambria Math"/>
-                              </a:rPr>
-                            </m:ctrlPr>
-                          </m:fPr>
-                          <m:num>
-                            <m:r>
-                              <a:rPr lang="fr-FR" i="1">
-                                <a:latin typeface="Cambria Math"/>
-                                <a:ea typeface="Cambria Math"/>
-                              </a:rPr>
-                              <m:t>3</m:t>
-                            </m:r>
-                          </m:num>
-                          <m:den>
-                            <m:r>
-                              <a:rPr lang="fr-FR" i="1">
-                                <a:latin typeface="Cambria Math"/>
-                                <a:ea typeface="Cambria Math"/>
                               </a:rPr>
                               <m:t>𝑇</m:t>
                             </m:r>
@@ -15895,6 +13429,10 @@
                     </m:sSub>
                   </m:oMath>
                 </a14:m>
+                <a:endParaRPr lang="fr-FR" dirty="0"/>
+              </a:p>
+              <a:p>
+                <a:pPr lvl="1"/>
                 <a:endParaRPr lang="fr-FR" dirty="0" smtClean="0">
                   <a:ea typeface="Cambria Math"/>
                 </a:endParaRPr>
@@ -15945,7 +13483,7 @@
               <a:blipFill rotWithShape="1">
                 <a:blip r:embed="rId8"/>
                 <a:stretch>
-                  <a:fillRect l="-280" b="-1063"/>
+                  <a:fillRect l="-652"/>
                 </a:stretch>
               </a:blipFill>
             </p:spPr>
@@ -15974,7 +13512,7 @@
             </p:nvSpPr>
             <p:spPr>
               <a:xfrm>
-                <a:off x="1788232" y="3768046"/>
+                <a:off x="1780396" y="3809404"/>
                 <a:ext cx="302967" cy="246221"/>
               </a:xfrm>
               <a:prstGeom prst="rect">
@@ -15988,6 +13526,7 @@
               </a:bodyPr>
               <a:lstStyle/>
               <a:p>
+                <a:pPr/>
                 <a14:m>
                   <m:oMathPara xmlns:m="http://schemas.openxmlformats.org/officeDocument/2006/math">
                     <m:oMathParaPr>
@@ -16019,7 +13558,7 @@
             </p:nvSpPr>
             <p:spPr>
               <a:xfrm>
-                <a:off x="1788232" y="3768046"/>
+                <a:off x="1780396" y="3809404"/>
                 <a:ext cx="302967" cy="246221"/>
               </a:xfrm>
               <a:prstGeom prst="rect">
@@ -16047,8 +13586,8 @@
           </p:sp>
         </mc:Fallback>
       </mc:AlternateContent>
-      <mc:AlternateContent xmlns:mc="http://schemas.openxmlformats.org/markup-compatibility/2006">
-        <mc:Choice xmlns:a14="http://schemas.microsoft.com/office/drawing/2010/main" Requires="a14">
+      <mc:AlternateContent xmlns:mc="http://schemas.openxmlformats.org/markup-compatibility/2006" xmlns:a14="http://schemas.microsoft.com/office/drawing/2010/main">
+        <mc:Choice Requires="a14">
           <p:sp>
             <p:nvSpPr>
               <p:cNvPr id="65" name="ZoneTexte 64"/>
@@ -16071,6 +13610,7 @@
               </a:bodyPr>
               <a:lstStyle/>
               <a:p>
+                <a:pPr/>
                 <a14:m>
                   <m:oMathPara xmlns:m="http://schemas.openxmlformats.org/officeDocument/2006/math">
                     <m:oMathParaPr>
@@ -16091,7 +13631,7 @@
             </p:txBody>
           </p:sp>
         </mc:Choice>
-        <mc:Fallback>
+        <mc:Fallback xmlns="">
           <p:sp>
             <p:nvSpPr>
               <p:cNvPr id="65" name="ZoneTexte 64"/>
@@ -16130,8 +13670,8 @@
           </p:sp>
         </mc:Fallback>
       </mc:AlternateContent>
-      <mc:AlternateContent xmlns:mc="http://schemas.openxmlformats.org/markup-compatibility/2006">
-        <mc:Choice xmlns:a14="http://schemas.microsoft.com/office/drawing/2010/main" Requires="a14">
+      <mc:AlternateContent xmlns:mc="http://schemas.openxmlformats.org/markup-compatibility/2006" xmlns:a14="http://schemas.microsoft.com/office/drawing/2010/main">
+        <mc:Choice Requires="a14">
           <p:sp>
             <p:nvSpPr>
               <p:cNvPr id="66" name="ZoneTexte 65"/>
@@ -16154,6 +13694,7 @@
               </a:bodyPr>
               <a:lstStyle/>
               <a:p>
+                <a:pPr/>
                 <a14:m>
                   <m:oMathPara xmlns:m="http://schemas.openxmlformats.org/officeDocument/2006/math">
                     <m:oMathParaPr>
@@ -16174,7 +13715,7 @@
             </p:txBody>
           </p:sp>
         </mc:Choice>
-        <mc:Fallback>
+        <mc:Fallback xmlns="">
           <p:sp>
             <p:nvSpPr>
               <p:cNvPr id="66" name="ZoneTexte 65"/>
@@ -16213,8 +13754,8 @@
           </p:sp>
         </mc:Fallback>
       </mc:AlternateContent>
-      <mc:AlternateContent xmlns:mc="http://schemas.openxmlformats.org/markup-compatibility/2006">
-        <mc:Choice xmlns:a14="http://schemas.microsoft.com/office/drawing/2010/main" Requires="a14">
+      <mc:AlternateContent xmlns:mc="http://schemas.openxmlformats.org/markup-compatibility/2006" xmlns:a14="http://schemas.microsoft.com/office/drawing/2010/main">
+        <mc:Choice Requires="a14">
           <p:sp>
             <p:nvSpPr>
               <p:cNvPr id="67" name="ZoneTexte 66"/>
@@ -16237,6 +13778,7 @@
               </a:bodyPr>
               <a:lstStyle/>
               <a:p>
+                <a:pPr/>
                 <a14:m>
                   <m:oMathPara xmlns:m="http://schemas.openxmlformats.org/officeDocument/2006/math">
                     <m:oMathParaPr>
@@ -16257,7 +13799,7 @@
             </p:txBody>
           </p:sp>
         </mc:Choice>
-        <mc:Fallback>
+        <mc:Fallback xmlns="">
           <p:sp>
             <p:nvSpPr>
               <p:cNvPr id="67" name="ZoneTexte 66"/>
@@ -16296,8 +13838,8 @@
           </p:sp>
         </mc:Fallback>
       </mc:AlternateContent>
-      <mc:AlternateContent xmlns:mc="http://schemas.openxmlformats.org/markup-compatibility/2006">
-        <mc:Choice xmlns:a14="http://schemas.microsoft.com/office/drawing/2010/main" Requires="a14">
+      <mc:AlternateContent xmlns:mc="http://schemas.openxmlformats.org/markup-compatibility/2006" xmlns:a14="http://schemas.microsoft.com/office/drawing/2010/main">
+        <mc:Choice Requires="a14">
           <p:sp>
             <p:nvSpPr>
               <p:cNvPr id="68" name="ZoneTexte 67"/>
@@ -16320,6 +13862,7 @@
               </a:bodyPr>
               <a:lstStyle/>
               <a:p>
+                <a:pPr/>
                 <a14:m>
                   <m:oMathPara xmlns:m="http://schemas.openxmlformats.org/officeDocument/2006/math">
                     <m:oMathParaPr>
@@ -16340,7 +13883,7 @@
             </p:txBody>
           </p:sp>
         </mc:Choice>
-        <mc:Fallback>
+        <mc:Fallback xmlns="">
           <p:sp>
             <p:nvSpPr>
               <p:cNvPr id="68" name="ZoneTexte 67"/>
@@ -16379,8 +13922,8 @@
           </p:sp>
         </mc:Fallback>
       </mc:AlternateContent>
-      <mc:AlternateContent xmlns:mc="http://schemas.openxmlformats.org/markup-compatibility/2006">
-        <mc:Choice xmlns:a14="http://schemas.microsoft.com/office/drawing/2010/main" Requires="a14">
+      <mc:AlternateContent xmlns:mc="http://schemas.openxmlformats.org/markup-compatibility/2006" xmlns:a14="http://schemas.microsoft.com/office/drawing/2010/main">
+        <mc:Choice Requires="a14">
           <p:sp>
             <p:nvSpPr>
               <p:cNvPr id="69" name="ZoneTexte 68"/>
@@ -16403,6 +13946,7 @@
               </a:bodyPr>
               <a:lstStyle/>
               <a:p>
+                <a:pPr/>
                 <a14:m>
                   <m:oMathPara xmlns:m="http://schemas.openxmlformats.org/officeDocument/2006/math">
                     <m:oMathParaPr>
@@ -16423,7 +13967,7 @@
             </p:txBody>
           </p:sp>
         </mc:Choice>
-        <mc:Fallback>
+        <mc:Fallback xmlns="">
           <p:sp>
             <p:nvSpPr>
               <p:cNvPr id="69" name="ZoneTexte 68"/>
@@ -19582,7 +17126,7 @@
             </p:spPr>
             <p:txBody>
               <a:bodyPr>
-                <a:normAutofit fontScale="85000" lnSpcReduction="10000"/>
+                <a:normAutofit/>
               </a:bodyPr>
               <a:lstStyle/>
               <a:p>
@@ -21312,1577 +18856,10 @@
                 </a:endParaRPr>
               </a:p>
               <a:p>
-                <a14:m>
-                  <m:oMath xmlns:m="http://schemas.openxmlformats.org/officeDocument/2006/math">
-                    <m:sSub>
-                      <m:sSubPr>
-                        <m:ctrlPr>
-                          <a:rPr lang="fr-FR" sz="2000" i="1">
-                            <a:latin typeface="Cambria Math"/>
-                            <a:ea typeface="Cambria Math"/>
-                          </a:rPr>
-                        </m:ctrlPr>
-                      </m:sSubPr>
-                      <m:e>
-                        <m:r>
-                          <a:rPr lang="fr-FR" sz="2000" i="1">
-                            <a:latin typeface="Cambria Math"/>
-                            <a:ea typeface="Cambria Math"/>
-                          </a:rPr>
-                          <m:t>𝜔</m:t>
-                        </m:r>
-                      </m:e>
-                      <m:sub>
-                        <m:f>
-                          <m:fPr>
-                            <m:type m:val="lin"/>
-                            <m:ctrlPr>
-                              <a:rPr lang="fr-FR" sz="2000" i="1">
-                                <a:latin typeface="Cambria Math"/>
-                                <a:ea typeface="Cambria Math"/>
-                              </a:rPr>
-                            </m:ctrlPr>
-                          </m:fPr>
-                          <m:num>
-                            <m:r>
-                              <a:rPr lang="fr-FR" sz="2000" i="1">
-                                <a:latin typeface="Cambria Math"/>
-                                <a:ea typeface="Cambria Math"/>
-                              </a:rPr>
-                              <m:t>𝑖</m:t>
-                            </m:r>
-                          </m:num>
-                          <m:den>
-                            <m:r>
-                              <a:rPr lang="fr-FR" sz="2000" i="1">
-                                <a:latin typeface="Cambria Math"/>
-                                <a:ea typeface="Cambria Math"/>
-                              </a:rPr>
-                              <m:t>0</m:t>
-                            </m:r>
-                          </m:den>
-                        </m:f>
-                      </m:sub>
-                    </m:sSub>
-                    <m:r>
-                      <a:rPr lang="fr-FR" sz="2000" b="0" i="0" smtClean="0">
-                        <a:latin typeface="Cambria Math"/>
-                        <a:ea typeface="Cambria Math"/>
-                      </a:rPr>
-                      <m:t>=</m:t>
-                    </m:r>
-                    <m:sSub>
-                      <m:sSubPr>
-                        <m:ctrlPr>
-                          <a:rPr lang="fr-FR" sz="2000" i="1">
-                            <a:latin typeface="Cambria Math"/>
-                            <a:ea typeface="Cambria Math"/>
-                          </a:rPr>
-                        </m:ctrlPr>
-                      </m:sSubPr>
-                      <m:e>
-                        <m:r>
-                          <a:rPr lang="fr-FR" sz="2000" i="1">
-                            <a:latin typeface="Cambria Math"/>
-                            <a:ea typeface="Cambria Math"/>
-                          </a:rPr>
-                          <m:t>𝜔</m:t>
-                        </m:r>
-                      </m:e>
-                      <m:sub>
-                        <m:f>
-                          <m:fPr>
-                            <m:type m:val="lin"/>
-                            <m:ctrlPr>
-                              <a:rPr lang="fr-FR" sz="2000" i="1">
-                                <a:latin typeface="Cambria Math"/>
-                                <a:ea typeface="Cambria Math"/>
-                              </a:rPr>
-                            </m:ctrlPr>
-                          </m:fPr>
-                          <m:num>
-                            <m:r>
-                              <a:rPr lang="fr-FR" sz="2000" i="1">
-                                <a:latin typeface="Cambria Math"/>
-                                <a:ea typeface="Cambria Math"/>
-                              </a:rPr>
-                              <m:t>𝑖</m:t>
-                            </m:r>
-                          </m:num>
-                          <m:den>
-                            <m:r>
-                              <a:rPr lang="fr-FR" sz="2000" b="0" i="1" smtClean="0">
-                                <a:latin typeface="Cambria Math"/>
-                                <a:ea typeface="Cambria Math"/>
-                              </a:rPr>
-                              <m:t>𝑇</m:t>
-                            </m:r>
-                          </m:den>
-                        </m:f>
-                      </m:sub>
-                    </m:sSub>
-                    <m:r>
-                      <a:rPr lang="fr-FR" sz="2000" b="0" i="0" smtClean="0">
-                        <a:latin typeface="Cambria Math"/>
-                        <a:ea typeface="Cambria Math"/>
-                      </a:rPr>
-                      <m:t>+</m:t>
-                    </m:r>
-                    <m:sSub>
-                      <m:sSubPr>
-                        <m:ctrlPr>
-                          <a:rPr lang="fr-FR" sz="2000" i="1">
-                            <a:latin typeface="Cambria Math"/>
-                            <a:ea typeface="Cambria Math"/>
-                          </a:rPr>
-                        </m:ctrlPr>
-                      </m:sSubPr>
-                      <m:e>
-                        <m:r>
-                          <a:rPr lang="fr-FR" sz="2000" i="1">
-                            <a:latin typeface="Cambria Math"/>
-                            <a:ea typeface="Cambria Math"/>
-                          </a:rPr>
-                          <m:t>𝜔</m:t>
-                        </m:r>
-                      </m:e>
-                      <m:sub>
-                        <m:f>
-                          <m:fPr>
-                            <m:type m:val="lin"/>
-                            <m:ctrlPr>
-                              <a:rPr lang="fr-FR" sz="2000" i="1">
-                                <a:latin typeface="Cambria Math"/>
-                                <a:ea typeface="Cambria Math"/>
-                              </a:rPr>
-                            </m:ctrlPr>
-                          </m:fPr>
-                          <m:num>
-                            <m:r>
-                              <a:rPr lang="fr-FR" sz="2000" b="0" i="1" smtClean="0">
-                                <a:latin typeface="Cambria Math"/>
-                                <a:ea typeface="Cambria Math"/>
-                              </a:rPr>
-                              <m:t>𝑇</m:t>
-                            </m:r>
-                          </m:num>
-                          <m:den>
-                            <m:r>
-                              <a:rPr lang="fr-FR" sz="2000" i="1">
-                                <a:latin typeface="Cambria Math"/>
-                                <a:ea typeface="Cambria Math"/>
-                              </a:rPr>
-                              <m:t>0</m:t>
-                            </m:r>
-                          </m:den>
-                        </m:f>
-                      </m:sub>
-                    </m:sSub>
-                  </m:oMath>
-                </a14:m>
-                <a:endParaRPr lang="fr-FR" sz="2000" dirty="0" smtClean="0">
-                  <a:ea typeface="Cambria Math"/>
-                </a:endParaRPr>
+                <a:endParaRPr lang="fr-FR" sz="2400" dirty="0" smtClean="0"/>
               </a:p>
               <a:p>
-                <a14:m>
-                  <m:oMath xmlns:m="http://schemas.openxmlformats.org/officeDocument/2006/math">
-                    <m:sSub>
-                      <m:sSubPr>
-                        <m:ctrlPr>
-                          <a:rPr lang="fr-FR" sz="2000" i="1">
-                            <a:latin typeface="Cambria Math"/>
-                            <a:ea typeface="Cambria Math"/>
-                          </a:rPr>
-                        </m:ctrlPr>
-                      </m:sSubPr>
-                      <m:e>
-                        <m:r>
-                          <a:rPr lang="fr-FR" sz="2000" i="1">
-                            <a:latin typeface="Cambria Math"/>
-                            <a:ea typeface="Cambria Math"/>
-                          </a:rPr>
-                          <m:t>𝜔</m:t>
-                        </m:r>
-                      </m:e>
-                      <m:sub>
-                        <m:f>
-                          <m:fPr>
-                            <m:type m:val="lin"/>
-                            <m:ctrlPr>
-                              <a:rPr lang="fr-FR" sz="2000" i="1">
-                                <a:latin typeface="Cambria Math"/>
-                                <a:ea typeface="Cambria Math"/>
-                              </a:rPr>
-                            </m:ctrlPr>
-                          </m:fPr>
-                          <m:num>
-                            <m:r>
-                              <a:rPr lang="fr-FR" sz="2000" b="0" i="1" smtClean="0">
-                                <a:latin typeface="Cambria Math"/>
-                                <a:ea typeface="Cambria Math"/>
-                              </a:rPr>
-                              <m:t>𝑅</m:t>
-                            </m:r>
-                          </m:num>
-                          <m:den>
-                            <m:r>
-                              <a:rPr lang="fr-FR" sz="2000" i="1">
-                                <a:latin typeface="Cambria Math"/>
-                                <a:ea typeface="Cambria Math"/>
-                              </a:rPr>
-                              <m:t>𝑇</m:t>
-                            </m:r>
-                          </m:den>
-                        </m:f>
-                      </m:sub>
-                    </m:sSub>
-                  </m:oMath>
-                </a14:m>
-                <a:r>
-                  <a:rPr lang="fr-FR" sz="2000" dirty="0" smtClean="0"/>
-                  <a:t> connue</a:t>
-                </a:r>
-              </a:p>
-              <a:p>
-                <a:pPr lvl="1"/>
-                <a14:m>
-                  <m:oMath xmlns:m="http://schemas.openxmlformats.org/officeDocument/2006/math">
-                    <m:sSub>
-                      <m:sSubPr>
-                        <m:ctrlPr>
-                          <a:rPr lang="fr-FR" sz="1600" i="1">
-                            <a:latin typeface="Cambria Math"/>
-                            <a:ea typeface="Cambria Math"/>
-                          </a:rPr>
-                        </m:ctrlPr>
-                      </m:sSubPr>
-                      <m:e>
-                        <m:r>
-                          <a:rPr lang="fr-FR" sz="1600" i="1">
-                            <a:latin typeface="Cambria Math"/>
-                            <a:ea typeface="Cambria Math"/>
-                          </a:rPr>
-                          <m:t>𝜔</m:t>
-                        </m:r>
-                      </m:e>
-                      <m:sub>
-                        <m:f>
-                          <m:fPr>
-                            <m:type m:val="lin"/>
-                            <m:ctrlPr>
-                              <a:rPr lang="fr-FR" sz="1600" i="1">
-                                <a:latin typeface="Cambria Math"/>
-                                <a:ea typeface="Cambria Math"/>
-                              </a:rPr>
-                            </m:ctrlPr>
-                          </m:fPr>
-                          <m:num>
-                            <m:r>
-                              <a:rPr lang="fr-FR" sz="1600" b="0" i="1" smtClean="0">
-                                <a:latin typeface="Cambria Math"/>
-                                <a:ea typeface="Cambria Math"/>
-                              </a:rPr>
-                              <m:t>1</m:t>
-                            </m:r>
-                          </m:num>
-                          <m:den>
-                            <m:r>
-                              <a:rPr lang="fr-FR" sz="1600" i="1">
-                                <a:latin typeface="Cambria Math"/>
-                                <a:ea typeface="Cambria Math"/>
-                              </a:rPr>
-                              <m:t>𝑇</m:t>
-                            </m:r>
-                          </m:den>
-                        </m:f>
-                      </m:sub>
-                    </m:sSub>
-                    <m:r>
-                      <a:rPr lang="fr-FR" sz="1600" b="0" i="1" smtClean="0">
-                        <a:latin typeface="Cambria Math"/>
-                        <a:ea typeface="Cambria Math"/>
-                      </a:rPr>
-                      <m:t>=</m:t>
-                    </m:r>
-                    <m:sSub>
-                      <m:sSubPr>
-                        <m:ctrlPr>
-                          <a:rPr lang="fr-FR" sz="1600" b="0" i="1" smtClean="0">
-                            <a:latin typeface="Cambria Math"/>
-                            <a:ea typeface="Cambria Math"/>
-                          </a:rPr>
-                        </m:ctrlPr>
-                      </m:sSubPr>
-                      <m:e>
-                        <m:r>
-                          <a:rPr lang="fr-FR" sz="1600" b="0" i="1" smtClean="0">
-                            <a:latin typeface="Cambria Math"/>
-                            <a:ea typeface="Cambria Math"/>
-                          </a:rPr>
-                          <m:t>𝑘</m:t>
-                        </m:r>
-                      </m:e>
-                      <m:sub>
-                        <m:r>
-                          <a:rPr lang="fr-FR" sz="1600" b="0" i="1" smtClean="0">
-                            <a:latin typeface="Cambria Math"/>
-                            <a:ea typeface="Cambria Math"/>
-                          </a:rPr>
-                          <m:t>1</m:t>
-                        </m:r>
-                      </m:sub>
-                    </m:sSub>
-                    <m:sSub>
-                      <m:sSubPr>
-                        <m:ctrlPr>
-                          <a:rPr lang="fr-FR" sz="1600" i="1">
-                            <a:latin typeface="Cambria Math"/>
-                            <a:ea typeface="Cambria Math"/>
-                          </a:rPr>
-                        </m:ctrlPr>
-                      </m:sSubPr>
-                      <m:e>
-                        <m:r>
-                          <a:rPr lang="fr-FR" sz="1600" i="1">
-                            <a:latin typeface="Cambria Math"/>
-                            <a:ea typeface="Cambria Math"/>
-                          </a:rPr>
-                          <m:t>𝜔</m:t>
-                        </m:r>
-                      </m:e>
-                      <m:sub>
-                        <m:f>
-                          <m:fPr>
-                            <m:type m:val="lin"/>
-                            <m:ctrlPr>
-                              <a:rPr lang="fr-FR" sz="1600" i="1">
-                                <a:latin typeface="Cambria Math"/>
-                                <a:ea typeface="Cambria Math"/>
-                              </a:rPr>
-                            </m:ctrlPr>
-                          </m:fPr>
-                          <m:num>
-                            <m:r>
-                              <a:rPr lang="fr-FR" sz="1600" i="1">
-                                <a:latin typeface="Cambria Math"/>
-                                <a:ea typeface="Cambria Math"/>
-                              </a:rPr>
-                              <m:t>𝑅</m:t>
-                            </m:r>
-                          </m:num>
-                          <m:den>
-                            <m:r>
-                              <a:rPr lang="fr-FR" sz="1600" i="1">
-                                <a:latin typeface="Cambria Math"/>
-                                <a:ea typeface="Cambria Math"/>
-                              </a:rPr>
-                              <m:t>𝑇</m:t>
-                            </m:r>
-                          </m:den>
-                        </m:f>
-                      </m:sub>
-                    </m:sSub>
-                  </m:oMath>
-                </a14:m>
-                <a:endParaRPr lang="fr-FR" sz="1600" dirty="0" smtClean="0"/>
-              </a:p>
-              <a:p>
-                <a:pPr lvl="1"/>
-                <a14:m>
-                  <m:oMath xmlns:m="http://schemas.openxmlformats.org/officeDocument/2006/math">
-                    <m:sSub>
-                      <m:sSubPr>
-                        <m:ctrlPr>
-                          <a:rPr lang="fr-FR" sz="1600" i="1">
-                            <a:latin typeface="Cambria Math"/>
-                            <a:ea typeface="Cambria Math"/>
-                          </a:rPr>
-                        </m:ctrlPr>
-                      </m:sSubPr>
-                      <m:e>
-                        <m:r>
-                          <a:rPr lang="fr-FR" sz="1600" i="1">
-                            <a:latin typeface="Cambria Math"/>
-                            <a:ea typeface="Cambria Math"/>
-                          </a:rPr>
-                          <m:t>𝜔</m:t>
-                        </m:r>
-                      </m:e>
-                      <m:sub>
-                        <m:f>
-                          <m:fPr>
-                            <m:type m:val="lin"/>
-                            <m:ctrlPr>
-                              <a:rPr lang="fr-FR" sz="1600" i="1">
-                                <a:latin typeface="Cambria Math"/>
-                                <a:ea typeface="Cambria Math"/>
-                              </a:rPr>
-                            </m:ctrlPr>
-                          </m:fPr>
-                          <m:num>
-                            <m:r>
-                              <a:rPr lang="fr-FR" sz="1600" b="0" i="1" smtClean="0">
-                                <a:latin typeface="Cambria Math"/>
-                                <a:ea typeface="Cambria Math"/>
-                              </a:rPr>
-                              <m:t>2</m:t>
-                            </m:r>
-                          </m:num>
-                          <m:den>
-                            <m:r>
-                              <a:rPr lang="fr-FR" sz="1600" i="1">
-                                <a:latin typeface="Cambria Math"/>
-                                <a:ea typeface="Cambria Math"/>
-                              </a:rPr>
-                              <m:t>𝑇</m:t>
-                            </m:r>
-                          </m:den>
-                        </m:f>
-                      </m:sub>
-                    </m:sSub>
-                    <m:r>
-                      <a:rPr lang="fr-FR" sz="1600" i="1">
-                        <a:latin typeface="Cambria Math"/>
-                        <a:ea typeface="Cambria Math"/>
-                      </a:rPr>
-                      <m:t>=</m:t>
-                    </m:r>
-                    <m:sSub>
-                      <m:sSubPr>
-                        <m:ctrlPr>
-                          <a:rPr lang="fr-FR" sz="1600" b="0" i="1" smtClean="0">
-                            <a:latin typeface="Cambria Math"/>
-                            <a:ea typeface="Cambria Math"/>
-                          </a:rPr>
-                        </m:ctrlPr>
-                      </m:sSubPr>
-                      <m:e>
-                        <m:r>
-                          <a:rPr lang="fr-FR" sz="1600" b="0" i="1" smtClean="0">
-                            <a:latin typeface="Cambria Math"/>
-                            <a:ea typeface="Cambria Math"/>
-                          </a:rPr>
-                          <m:t>𝑘</m:t>
-                        </m:r>
-                      </m:e>
-                      <m:sub>
-                        <m:r>
-                          <a:rPr lang="fr-FR" sz="1600" b="0" i="1" smtClean="0">
-                            <a:latin typeface="Cambria Math"/>
-                            <a:ea typeface="Cambria Math"/>
-                          </a:rPr>
-                          <m:t>2</m:t>
-                        </m:r>
-                      </m:sub>
-                    </m:sSub>
-                    <m:sSub>
-                      <m:sSubPr>
-                        <m:ctrlPr>
-                          <a:rPr lang="fr-FR" sz="1600" i="1">
-                            <a:latin typeface="Cambria Math"/>
-                            <a:ea typeface="Cambria Math"/>
-                          </a:rPr>
-                        </m:ctrlPr>
-                      </m:sSubPr>
-                      <m:e>
-                        <m:r>
-                          <a:rPr lang="fr-FR" sz="1600" i="1">
-                            <a:latin typeface="Cambria Math"/>
-                            <a:ea typeface="Cambria Math"/>
-                          </a:rPr>
-                          <m:t>𝜔</m:t>
-                        </m:r>
-                      </m:e>
-                      <m:sub>
-                        <m:f>
-                          <m:fPr>
-                            <m:type m:val="lin"/>
-                            <m:ctrlPr>
-                              <a:rPr lang="fr-FR" sz="1600" i="1">
-                                <a:latin typeface="Cambria Math"/>
-                                <a:ea typeface="Cambria Math"/>
-                              </a:rPr>
-                            </m:ctrlPr>
-                          </m:fPr>
-                          <m:num>
-                            <m:r>
-                              <a:rPr lang="fr-FR" sz="1600" i="1">
-                                <a:latin typeface="Cambria Math"/>
-                                <a:ea typeface="Cambria Math"/>
-                              </a:rPr>
-                              <m:t>𝑅</m:t>
-                            </m:r>
-                          </m:num>
-                          <m:den>
-                            <m:r>
-                              <a:rPr lang="fr-FR" sz="1600" i="1">
-                                <a:latin typeface="Cambria Math"/>
-                                <a:ea typeface="Cambria Math"/>
-                              </a:rPr>
-                              <m:t>𝑇</m:t>
-                            </m:r>
-                          </m:den>
-                        </m:f>
-                      </m:sub>
-                    </m:sSub>
-                  </m:oMath>
-                </a14:m>
-                <a:endParaRPr lang="fr-FR" sz="1600" dirty="0"/>
-              </a:p>
-              <a:p>
-                <a:pPr lvl="1"/>
-                <a14:m>
-                  <m:oMath xmlns:m="http://schemas.openxmlformats.org/officeDocument/2006/math">
-                    <m:sSub>
-                      <m:sSubPr>
-                        <m:ctrlPr>
-                          <a:rPr lang="fr-FR" sz="1600" i="1">
-                            <a:latin typeface="Cambria Math"/>
-                            <a:ea typeface="Cambria Math"/>
-                          </a:rPr>
-                        </m:ctrlPr>
-                      </m:sSubPr>
-                      <m:e>
-                        <m:r>
-                          <a:rPr lang="fr-FR" sz="1600" i="1">
-                            <a:latin typeface="Cambria Math"/>
-                            <a:ea typeface="Cambria Math"/>
-                          </a:rPr>
-                          <m:t>𝜔</m:t>
-                        </m:r>
-                      </m:e>
-                      <m:sub>
-                        <m:f>
-                          <m:fPr>
-                            <m:type m:val="lin"/>
-                            <m:ctrlPr>
-                              <a:rPr lang="fr-FR" sz="1600" i="1">
-                                <a:latin typeface="Cambria Math"/>
-                                <a:ea typeface="Cambria Math"/>
-                              </a:rPr>
-                            </m:ctrlPr>
-                          </m:fPr>
-                          <m:num>
-                            <m:r>
-                              <a:rPr lang="fr-FR" sz="1600" b="0" i="1" smtClean="0">
-                                <a:latin typeface="Cambria Math"/>
-                                <a:ea typeface="Cambria Math"/>
-                              </a:rPr>
-                              <m:t>3</m:t>
-                            </m:r>
-                          </m:num>
-                          <m:den>
-                            <m:r>
-                              <a:rPr lang="fr-FR" sz="1600" i="1">
-                                <a:latin typeface="Cambria Math"/>
-                                <a:ea typeface="Cambria Math"/>
-                              </a:rPr>
-                              <m:t>𝑇</m:t>
-                            </m:r>
-                          </m:den>
-                        </m:f>
-                      </m:sub>
-                    </m:sSub>
-                    <m:r>
-                      <a:rPr lang="fr-FR" sz="1600" i="1">
-                        <a:latin typeface="Cambria Math"/>
-                        <a:ea typeface="Cambria Math"/>
-                      </a:rPr>
-                      <m:t>=</m:t>
-                    </m:r>
-                    <m:sSub>
-                      <m:sSubPr>
-                        <m:ctrlPr>
-                          <a:rPr lang="fr-FR" sz="1600" i="1">
-                            <a:latin typeface="Cambria Math"/>
-                            <a:ea typeface="Cambria Math"/>
-                          </a:rPr>
-                        </m:ctrlPr>
-                      </m:sSubPr>
-                      <m:e>
-                        <m:r>
-                          <a:rPr lang="fr-FR" sz="1600" i="1">
-                            <a:latin typeface="Cambria Math"/>
-                            <a:ea typeface="Cambria Math"/>
-                          </a:rPr>
-                          <m:t>𝑘</m:t>
-                        </m:r>
-                      </m:e>
-                      <m:sub>
-                        <m:r>
-                          <a:rPr lang="fr-FR" sz="1600" b="0" i="1" smtClean="0">
-                            <a:latin typeface="Cambria Math"/>
-                            <a:ea typeface="Cambria Math"/>
-                          </a:rPr>
-                          <m:t>3</m:t>
-                        </m:r>
-                      </m:sub>
-                    </m:sSub>
-                    <m:sSub>
-                      <m:sSubPr>
-                        <m:ctrlPr>
-                          <a:rPr lang="fr-FR" sz="1600" i="1">
-                            <a:latin typeface="Cambria Math"/>
-                            <a:ea typeface="Cambria Math"/>
-                          </a:rPr>
-                        </m:ctrlPr>
-                      </m:sSubPr>
-                      <m:e>
-                        <m:r>
-                          <a:rPr lang="fr-FR" sz="1600" i="1">
-                            <a:latin typeface="Cambria Math"/>
-                            <a:ea typeface="Cambria Math"/>
-                          </a:rPr>
-                          <m:t>𝜔</m:t>
-                        </m:r>
-                      </m:e>
-                      <m:sub>
-                        <m:f>
-                          <m:fPr>
-                            <m:type m:val="lin"/>
-                            <m:ctrlPr>
-                              <a:rPr lang="fr-FR" sz="1600" i="1">
-                                <a:latin typeface="Cambria Math"/>
-                                <a:ea typeface="Cambria Math"/>
-                              </a:rPr>
-                            </m:ctrlPr>
-                          </m:fPr>
-                          <m:num>
-                            <m:r>
-                              <a:rPr lang="fr-FR" sz="1600" i="1">
-                                <a:latin typeface="Cambria Math"/>
-                                <a:ea typeface="Cambria Math"/>
-                              </a:rPr>
-                              <m:t>𝑅</m:t>
-                            </m:r>
-                          </m:num>
-                          <m:den>
-                            <m:r>
-                              <a:rPr lang="fr-FR" sz="1600" i="1">
-                                <a:latin typeface="Cambria Math"/>
-                                <a:ea typeface="Cambria Math"/>
-                              </a:rPr>
-                              <m:t>𝑇</m:t>
-                            </m:r>
-                          </m:den>
-                        </m:f>
-                      </m:sub>
-                    </m:sSub>
-                  </m:oMath>
-                </a14:m>
-                <a:endParaRPr lang="fr-FR" sz="2000" dirty="0"/>
-              </a:p>
-              <a:p>
-                <a:r>
-                  <a:rPr lang="fr-FR" dirty="0" smtClean="0"/>
-                  <a:t>Roulement sans glissement en </a:t>
-                </a:r>
-                <a:r>
-                  <a:rPr lang="fr-FR" i="1" dirty="0" smtClean="0"/>
-                  <a:t>I</a:t>
-                </a:r>
-              </a:p>
-              <a:p>
-                <a:pPr lvl="1"/>
-                <a14:m>
-                  <m:oMath xmlns:m="http://schemas.openxmlformats.org/officeDocument/2006/math">
-                    <m:acc>
-                      <m:accPr>
-                        <m:chr m:val="⃗"/>
-                        <m:ctrlPr>
-                          <a:rPr lang="fr-FR" b="0" i="1" smtClean="0">
-                            <a:latin typeface="Cambria Math"/>
-                            <a:ea typeface="Cambria Math"/>
-                          </a:rPr>
-                        </m:ctrlPr>
-                      </m:accPr>
-                      <m:e>
-                        <m:sSub>
-                          <m:sSubPr>
-                            <m:ctrlPr>
-                              <a:rPr lang="fr-FR" i="1">
-                                <a:latin typeface="Cambria Math"/>
-                                <a:ea typeface="Cambria Math"/>
-                              </a:rPr>
-                            </m:ctrlPr>
-                          </m:sSubPr>
-                          <m:e>
-                            <m:r>
-                              <a:rPr lang="fr-FR" i="1">
-                                <a:latin typeface="Cambria Math"/>
-                                <a:ea typeface="Cambria Math"/>
-                              </a:rPr>
-                              <m:t>𝑉</m:t>
-                            </m:r>
-                          </m:e>
-                          <m:sub>
-                            <m:d>
-                              <m:dPr>
-                                <m:ctrlPr>
-                                  <a:rPr lang="fr-FR" i="1">
-                                    <a:latin typeface="Cambria Math"/>
-                                    <a:ea typeface="Cambria Math"/>
-                                  </a:rPr>
-                                </m:ctrlPr>
-                              </m:dPr>
-                              <m:e>
-                                <m:r>
-                                  <a:rPr lang="fr-FR" i="1">
-                                    <a:latin typeface="Cambria Math"/>
-                                    <a:ea typeface="Cambria Math"/>
-                                  </a:rPr>
-                                  <m:t>𝐼</m:t>
-                                </m:r>
-                                <m:r>
-                                  <a:rPr lang="fr-FR" i="1">
-                                    <a:latin typeface="Cambria Math"/>
-                                    <a:ea typeface="Cambria Math"/>
-                                  </a:rPr>
-                                  <m:t>,</m:t>
-                                </m:r>
-                                <m:f>
-                                  <m:fPr>
-                                    <m:type m:val="lin"/>
-                                    <m:ctrlPr>
-                                      <a:rPr lang="fr-FR" i="1">
-                                        <a:latin typeface="Cambria Math"/>
-                                        <a:ea typeface="Cambria Math"/>
-                                      </a:rPr>
-                                    </m:ctrlPr>
-                                  </m:fPr>
-                                  <m:num>
-                                    <m:r>
-                                      <a:rPr lang="fr-FR" i="1">
-                                        <a:latin typeface="Cambria Math"/>
-                                        <a:ea typeface="Cambria Math"/>
-                                      </a:rPr>
-                                      <m:t>3</m:t>
-                                    </m:r>
-                                  </m:num>
-                                  <m:den>
-                                    <m:r>
-                                      <a:rPr lang="fr-FR" i="1">
-                                        <a:latin typeface="Cambria Math"/>
-                                        <a:ea typeface="Cambria Math"/>
-                                      </a:rPr>
-                                      <m:t>0</m:t>
-                                    </m:r>
-                                  </m:den>
-                                </m:f>
-                              </m:e>
-                            </m:d>
-                          </m:sub>
-                        </m:sSub>
-                      </m:e>
-                    </m:acc>
-                    <m:r>
-                      <a:rPr lang="fr-FR" b="0" i="1" smtClean="0">
-                        <a:latin typeface="Cambria Math"/>
-                        <a:ea typeface="Cambria Math"/>
-                      </a:rPr>
-                      <m:t>=</m:t>
-                    </m:r>
-                    <m:acc>
-                      <m:accPr>
-                        <m:chr m:val="⃗"/>
-                        <m:ctrlPr>
-                          <a:rPr lang="fr-FR" b="0" i="1" smtClean="0">
-                            <a:latin typeface="Cambria Math"/>
-                            <a:ea typeface="Cambria Math"/>
-                          </a:rPr>
-                        </m:ctrlPr>
-                      </m:accPr>
-                      <m:e>
-                        <m:r>
-                          <a:rPr lang="fr-FR" b="0" i="1" smtClean="0">
-                            <a:latin typeface="Cambria Math"/>
-                            <a:ea typeface="Cambria Math"/>
-                          </a:rPr>
-                          <m:t>0</m:t>
-                        </m:r>
-                      </m:e>
-                    </m:acc>
-                    <m:r>
-                      <a:rPr lang="fr-FR" b="0" i="1" smtClean="0">
-                        <a:latin typeface="Cambria Math"/>
-                        <a:ea typeface="Cambria Math"/>
-                      </a:rPr>
-                      <m:t>=</m:t>
-                    </m:r>
-                    <m:acc>
-                      <m:accPr>
-                        <m:chr m:val="⃗"/>
-                        <m:ctrlPr>
-                          <a:rPr lang="fr-FR" i="1">
-                            <a:latin typeface="Cambria Math"/>
-                            <a:ea typeface="Cambria Math"/>
-                          </a:rPr>
-                        </m:ctrlPr>
-                      </m:accPr>
-                      <m:e>
-                        <m:sSub>
-                          <m:sSubPr>
-                            <m:ctrlPr>
-                              <a:rPr lang="fr-FR" i="1">
-                                <a:latin typeface="Cambria Math"/>
-                                <a:ea typeface="Cambria Math"/>
-                              </a:rPr>
-                            </m:ctrlPr>
-                          </m:sSubPr>
-                          <m:e>
-                            <m:r>
-                              <a:rPr lang="fr-FR" i="1">
-                                <a:latin typeface="Cambria Math"/>
-                                <a:ea typeface="Cambria Math"/>
-                              </a:rPr>
-                              <m:t>𝑉</m:t>
-                            </m:r>
-                          </m:e>
-                          <m:sub>
-                            <m:d>
-                              <m:dPr>
-                                <m:ctrlPr>
-                                  <a:rPr lang="fr-FR" i="1">
-                                    <a:latin typeface="Cambria Math"/>
-                                    <a:ea typeface="Cambria Math"/>
-                                  </a:rPr>
-                                </m:ctrlPr>
-                              </m:dPr>
-                              <m:e>
-                                <m:r>
-                                  <a:rPr lang="fr-FR" i="1">
-                                    <a:latin typeface="Cambria Math"/>
-                                    <a:ea typeface="Cambria Math"/>
-                                  </a:rPr>
-                                  <m:t>𝐼</m:t>
-                                </m:r>
-                                <m:r>
-                                  <a:rPr lang="fr-FR" i="1">
-                                    <a:latin typeface="Cambria Math"/>
-                                    <a:ea typeface="Cambria Math"/>
-                                  </a:rPr>
-                                  <m:t>,</m:t>
-                                </m:r>
-                                <m:f>
-                                  <m:fPr>
-                                    <m:type m:val="lin"/>
-                                    <m:ctrlPr>
-                                      <a:rPr lang="fr-FR" i="1">
-                                        <a:latin typeface="Cambria Math"/>
-                                        <a:ea typeface="Cambria Math"/>
-                                      </a:rPr>
-                                    </m:ctrlPr>
-                                  </m:fPr>
-                                  <m:num>
-                                    <m:r>
-                                      <a:rPr lang="fr-FR" i="1">
-                                        <a:latin typeface="Cambria Math"/>
-                                        <a:ea typeface="Cambria Math"/>
-                                      </a:rPr>
-                                      <m:t>3</m:t>
-                                    </m:r>
-                                  </m:num>
-                                  <m:den>
-                                    <m:r>
-                                      <a:rPr lang="fr-FR" b="0" i="1" smtClean="0">
-                                        <a:latin typeface="Cambria Math"/>
-                                        <a:ea typeface="Cambria Math"/>
-                                      </a:rPr>
-                                      <m:t>𝑇</m:t>
-                                    </m:r>
-                                  </m:den>
-                                </m:f>
-                              </m:e>
-                            </m:d>
-                          </m:sub>
-                        </m:sSub>
-                      </m:e>
-                    </m:acc>
-                    <m:r>
-                      <a:rPr lang="fr-FR" b="0" i="1" smtClean="0">
-                        <a:latin typeface="Cambria Math"/>
-                        <a:ea typeface="Cambria Math"/>
-                      </a:rPr>
-                      <m:t>+</m:t>
-                    </m:r>
-                    <m:acc>
-                      <m:accPr>
-                        <m:chr m:val="⃗"/>
-                        <m:ctrlPr>
-                          <a:rPr lang="fr-FR" i="1">
-                            <a:latin typeface="Cambria Math"/>
-                            <a:ea typeface="Cambria Math"/>
-                          </a:rPr>
-                        </m:ctrlPr>
-                      </m:accPr>
-                      <m:e>
-                        <m:sSub>
-                          <m:sSubPr>
-                            <m:ctrlPr>
-                              <a:rPr lang="fr-FR" i="1">
-                                <a:latin typeface="Cambria Math"/>
-                                <a:ea typeface="Cambria Math"/>
-                              </a:rPr>
-                            </m:ctrlPr>
-                          </m:sSubPr>
-                          <m:e>
-                            <m:r>
-                              <a:rPr lang="fr-FR" i="1">
-                                <a:latin typeface="Cambria Math"/>
-                                <a:ea typeface="Cambria Math"/>
-                              </a:rPr>
-                              <m:t>𝑉</m:t>
-                            </m:r>
-                          </m:e>
-                          <m:sub>
-                            <m:d>
-                              <m:dPr>
-                                <m:ctrlPr>
-                                  <a:rPr lang="fr-FR" i="1">
-                                    <a:latin typeface="Cambria Math"/>
-                                    <a:ea typeface="Cambria Math"/>
-                                  </a:rPr>
-                                </m:ctrlPr>
-                              </m:dPr>
-                              <m:e>
-                                <m:r>
-                                  <a:rPr lang="fr-FR" i="1">
-                                    <a:latin typeface="Cambria Math"/>
-                                    <a:ea typeface="Cambria Math"/>
-                                  </a:rPr>
-                                  <m:t>𝐼</m:t>
-                                </m:r>
-                                <m:r>
-                                  <a:rPr lang="fr-FR" i="1">
-                                    <a:latin typeface="Cambria Math"/>
-                                    <a:ea typeface="Cambria Math"/>
-                                  </a:rPr>
-                                  <m:t>,</m:t>
-                                </m:r>
-                                <m:f>
-                                  <m:fPr>
-                                    <m:type m:val="lin"/>
-                                    <m:ctrlPr>
-                                      <a:rPr lang="fr-FR" i="1">
-                                        <a:latin typeface="Cambria Math"/>
-                                        <a:ea typeface="Cambria Math"/>
-                                      </a:rPr>
-                                    </m:ctrlPr>
-                                  </m:fPr>
-                                  <m:num>
-                                    <m:r>
-                                      <a:rPr lang="fr-FR" b="0" i="1" smtClean="0">
-                                        <a:latin typeface="Cambria Math"/>
-                                        <a:ea typeface="Cambria Math"/>
-                                      </a:rPr>
-                                      <m:t>𝑇</m:t>
-                                    </m:r>
-                                  </m:num>
-                                  <m:den>
-                                    <m:r>
-                                      <a:rPr lang="fr-FR" i="1">
-                                        <a:latin typeface="Cambria Math"/>
-                                        <a:ea typeface="Cambria Math"/>
-                                      </a:rPr>
-                                      <m:t>0</m:t>
-                                    </m:r>
-                                  </m:den>
-                                </m:f>
-                              </m:e>
-                            </m:d>
-                          </m:sub>
-                        </m:sSub>
-                      </m:e>
-                    </m:acc>
-                    <m:r>
-                      <a:rPr lang="fr-FR" b="0" i="1" smtClean="0">
-                        <a:latin typeface="Cambria Math"/>
-                        <a:ea typeface="Cambria Math"/>
-                      </a:rPr>
-                      <m:t>=</m:t>
-                    </m:r>
-                    <m:acc>
-                      <m:accPr>
-                        <m:chr m:val="⃗"/>
-                        <m:ctrlPr>
-                          <a:rPr lang="fr-FR" b="0" i="1" smtClean="0">
-                            <a:latin typeface="Cambria Math"/>
-                            <a:ea typeface="Cambria Math"/>
-                          </a:rPr>
-                        </m:ctrlPr>
-                      </m:accPr>
-                      <m:e>
-                        <m:r>
-                          <a:rPr lang="fr-FR" i="1">
-                            <a:latin typeface="Cambria Math"/>
-                            <a:ea typeface="Cambria Math"/>
-                          </a:rPr>
-                          <m:t>𝐼𝐷</m:t>
-                        </m:r>
-                      </m:e>
-                    </m:acc>
-                    <m:r>
-                      <a:rPr lang="fr-FR" i="1">
-                        <a:latin typeface="Cambria Math"/>
-                        <a:ea typeface="Cambria Math"/>
-                      </a:rPr>
-                      <m:t>∧</m:t>
-                    </m:r>
-                    <m:sSub>
-                      <m:sSubPr>
-                        <m:ctrlPr>
-                          <a:rPr lang="fr-FR" i="1">
-                            <a:latin typeface="Cambria Math"/>
-                            <a:ea typeface="Cambria Math"/>
-                          </a:rPr>
-                        </m:ctrlPr>
-                      </m:sSubPr>
-                      <m:e>
-                        <m:r>
-                          <a:rPr lang="fr-FR" i="1">
-                            <a:latin typeface="Cambria Math"/>
-                            <a:ea typeface="Cambria Math"/>
-                          </a:rPr>
-                          <m:t>𝜔</m:t>
-                        </m:r>
-                      </m:e>
-                      <m:sub>
-                        <m:f>
-                          <m:fPr>
-                            <m:type m:val="lin"/>
-                            <m:ctrlPr>
-                              <a:rPr lang="fr-FR" i="1" smtClean="0">
-                                <a:latin typeface="Cambria Math"/>
-                                <a:ea typeface="Cambria Math"/>
-                              </a:rPr>
-                            </m:ctrlPr>
-                          </m:fPr>
-                          <m:num>
-                            <m:r>
-                              <a:rPr lang="fr-FR" b="0" i="1" smtClean="0">
-                                <a:latin typeface="Cambria Math"/>
-                                <a:ea typeface="Cambria Math"/>
-                              </a:rPr>
-                              <m:t>3</m:t>
-                            </m:r>
-                          </m:num>
-                          <m:den>
-                            <m:r>
-                              <a:rPr lang="fr-FR" b="0" i="1" smtClean="0">
-                                <a:latin typeface="Cambria Math"/>
-                                <a:ea typeface="Cambria Math"/>
-                              </a:rPr>
-                              <m:t>𝑇</m:t>
-                            </m:r>
-                          </m:den>
-                        </m:f>
-                      </m:sub>
-                    </m:sSub>
-                    <m:acc>
-                      <m:accPr>
-                        <m:chr m:val="⃗"/>
-                        <m:ctrlPr>
-                          <a:rPr lang="fr-FR" b="0" i="1" smtClean="0">
-                            <a:latin typeface="Cambria Math"/>
-                            <a:ea typeface="Cambria Math"/>
-                          </a:rPr>
-                        </m:ctrlPr>
-                      </m:accPr>
-                      <m:e>
-                        <m:r>
-                          <a:rPr lang="fr-FR" b="0" i="1" smtClean="0">
-                            <a:latin typeface="Cambria Math"/>
-                            <a:ea typeface="Cambria Math"/>
-                          </a:rPr>
-                          <m:t>𝑧</m:t>
-                        </m:r>
-                      </m:e>
-                    </m:acc>
-                    <m:r>
-                      <a:rPr lang="fr-FR" i="1">
-                        <a:latin typeface="Cambria Math"/>
-                        <a:ea typeface="Cambria Math"/>
-                      </a:rPr>
-                      <m:t>+</m:t>
-                    </m:r>
-                    <m:acc>
-                      <m:accPr>
-                        <m:chr m:val="⃗"/>
-                        <m:ctrlPr>
-                          <a:rPr lang="fr-FR" i="1">
-                            <a:latin typeface="Cambria Math"/>
-                            <a:ea typeface="Cambria Math"/>
-                          </a:rPr>
-                        </m:ctrlPr>
-                      </m:accPr>
-                      <m:e>
-                        <m:r>
-                          <a:rPr lang="fr-FR" i="1">
-                            <a:latin typeface="Cambria Math"/>
-                            <a:ea typeface="Cambria Math"/>
-                          </a:rPr>
-                          <m:t>𝐼</m:t>
-                        </m:r>
-                        <m:r>
-                          <a:rPr lang="fr-FR" b="0" i="1" smtClean="0">
-                            <a:latin typeface="Cambria Math"/>
-                            <a:ea typeface="Cambria Math"/>
-                          </a:rPr>
-                          <m:t>𝐸</m:t>
-                        </m:r>
-                      </m:e>
-                    </m:acc>
-                    <m:r>
-                      <a:rPr lang="fr-FR" i="1">
-                        <a:latin typeface="Cambria Math"/>
-                        <a:ea typeface="Cambria Math"/>
-                      </a:rPr>
-                      <m:t>∧</m:t>
-                    </m:r>
-                    <m:sSub>
-                      <m:sSubPr>
-                        <m:ctrlPr>
-                          <a:rPr lang="fr-FR" i="1">
-                            <a:latin typeface="Cambria Math"/>
-                            <a:ea typeface="Cambria Math"/>
-                          </a:rPr>
-                        </m:ctrlPr>
-                      </m:sSubPr>
-                      <m:e>
-                        <m:r>
-                          <a:rPr lang="fr-FR" i="1">
-                            <a:latin typeface="Cambria Math"/>
-                            <a:ea typeface="Cambria Math"/>
-                          </a:rPr>
-                          <m:t>𝜔</m:t>
-                        </m:r>
-                      </m:e>
-                      <m:sub>
-                        <m:f>
-                          <m:fPr>
-                            <m:type m:val="lin"/>
-                            <m:ctrlPr>
-                              <a:rPr lang="fr-FR" i="1" smtClean="0">
-                                <a:latin typeface="Cambria Math"/>
-                                <a:ea typeface="Cambria Math"/>
-                              </a:rPr>
-                            </m:ctrlPr>
-                          </m:fPr>
-                          <m:num>
-                            <m:r>
-                              <a:rPr lang="fr-FR" b="0" i="1" smtClean="0">
-                                <a:latin typeface="Cambria Math"/>
-                                <a:ea typeface="Cambria Math"/>
-                              </a:rPr>
-                              <m:t>𝑇</m:t>
-                            </m:r>
-                          </m:num>
-                          <m:den>
-                            <m:r>
-                              <a:rPr lang="fr-FR" b="0" i="1" smtClean="0">
-                                <a:latin typeface="Cambria Math"/>
-                                <a:ea typeface="Cambria Math"/>
-                              </a:rPr>
-                              <m:t>0</m:t>
-                            </m:r>
-                          </m:den>
-                        </m:f>
-                      </m:sub>
-                    </m:sSub>
-                    <m:acc>
-                      <m:accPr>
-                        <m:chr m:val="⃗"/>
-                        <m:ctrlPr>
-                          <a:rPr lang="fr-FR" i="1">
-                            <a:latin typeface="Cambria Math"/>
-                            <a:ea typeface="Cambria Math"/>
-                          </a:rPr>
-                        </m:ctrlPr>
-                      </m:accPr>
-                      <m:e>
-                        <m:r>
-                          <a:rPr lang="fr-FR" i="1">
-                            <a:latin typeface="Cambria Math"/>
-                            <a:ea typeface="Cambria Math"/>
-                          </a:rPr>
-                          <m:t>𝑧</m:t>
-                        </m:r>
-                      </m:e>
-                    </m:acc>
-                  </m:oMath>
-                </a14:m>
-                <a:endParaRPr lang="fr-FR" b="0" i="1" dirty="0" smtClean="0">
-                  <a:latin typeface="Cambria Math"/>
-                  <a:ea typeface="Cambria Math"/>
-                </a:endParaRPr>
-              </a:p>
-              <a:p>
-                <a:pPr lvl="1"/>
-                <a14:m>
-                  <m:oMath xmlns:m="http://schemas.openxmlformats.org/officeDocument/2006/math">
-                    <m:r>
-                      <a:rPr lang="fr-FR" b="0" i="1" smtClean="0">
-                        <a:latin typeface="Cambria Math"/>
-                        <a:ea typeface="Cambria Math"/>
-                      </a:rPr>
-                      <m:t>−</m:t>
-                    </m:r>
-                    <m:sSub>
-                      <m:sSubPr>
-                        <m:ctrlPr>
-                          <a:rPr lang="fr-FR" b="0" i="1" smtClean="0">
-                            <a:latin typeface="Cambria Math"/>
-                            <a:ea typeface="Cambria Math"/>
-                          </a:rPr>
-                        </m:ctrlPr>
-                      </m:sSubPr>
-                      <m:e>
-                        <m:r>
-                          <a:rPr lang="fr-FR" b="0" i="1" smtClean="0">
-                            <a:latin typeface="Cambria Math"/>
-                            <a:ea typeface="Cambria Math"/>
-                          </a:rPr>
-                          <m:t>𝑟</m:t>
-                        </m:r>
-                      </m:e>
-                      <m:sub>
-                        <m:r>
-                          <a:rPr lang="fr-FR" b="0" i="1" smtClean="0">
-                            <a:latin typeface="Cambria Math"/>
-                            <a:ea typeface="Cambria Math"/>
-                          </a:rPr>
-                          <m:t>3</m:t>
-                        </m:r>
-                      </m:sub>
-                    </m:sSub>
-                    <m:sSub>
-                      <m:sSubPr>
-                        <m:ctrlPr>
-                          <a:rPr lang="fr-FR" b="0" i="1" smtClean="0">
-                            <a:latin typeface="Cambria Math"/>
-                            <a:ea typeface="Cambria Math"/>
-                          </a:rPr>
-                        </m:ctrlPr>
-                      </m:sSubPr>
-                      <m:e>
-                        <m:r>
-                          <a:rPr lang="fr-FR" b="0" i="1" smtClean="0">
-                            <a:latin typeface="Cambria Math"/>
-                            <a:ea typeface="Cambria Math"/>
-                          </a:rPr>
-                          <m:t>𝜔</m:t>
-                        </m:r>
-                      </m:e>
-                      <m:sub>
-                        <m:f>
-                          <m:fPr>
-                            <m:type m:val="lin"/>
-                            <m:ctrlPr>
-                              <a:rPr lang="fr-FR" i="1">
-                                <a:latin typeface="Cambria Math"/>
-                                <a:ea typeface="Cambria Math"/>
-                              </a:rPr>
-                            </m:ctrlPr>
-                          </m:fPr>
-                          <m:num>
-                            <m:r>
-                              <a:rPr lang="fr-FR" i="1">
-                                <a:latin typeface="Cambria Math"/>
-                                <a:ea typeface="Cambria Math"/>
-                              </a:rPr>
-                              <m:t>3</m:t>
-                            </m:r>
-                          </m:num>
-                          <m:den>
-                            <m:r>
-                              <a:rPr lang="fr-FR" i="1">
-                                <a:latin typeface="Cambria Math"/>
-                                <a:ea typeface="Cambria Math"/>
-                              </a:rPr>
-                              <m:t>𝑇</m:t>
-                            </m:r>
-                          </m:den>
-                        </m:f>
-                      </m:sub>
-                    </m:sSub>
-                    <m:r>
-                      <a:rPr lang="fr-FR" b="0" i="1" smtClean="0">
-                        <a:latin typeface="Cambria Math"/>
-                        <a:ea typeface="Cambria Math"/>
-                      </a:rPr>
-                      <m:t>+</m:t>
-                    </m:r>
-                    <m:sSub>
-                      <m:sSubPr>
-                        <m:ctrlPr>
-                          <a:rPr lang="fr-FR" b="0" i="1" smtClean="0">
-                            <a:latin typeface="Cambria Math"/>
-                            <a:ea typeface="Cambria Math"/>
-                          </a:rPr>
-                        </m:ctrlPr>
-                      </m:sSubPr>
-                      <m:e>
-                        <m:r>
-                          <a:rPr lang="fr-FR" b="0" i="1" smtClean="0">
-                            <a:latin typeface="Cambria Math"/>
-                            <a:ea typeface="Cambria Math"/>
-                          </a:rPr>
-                          <m:t>𝑟</m:t>
-                        </m:r>
-                      </m:e>
-                      <m:sub>
-                        <m:r>
-                          <a:rPr lang="fr-FR" b="0" i="1" smtClean="0">
-                            <a:latin typeface="Cambria Math"/>
-                            <a:ea typeface="Cambria Math"/>
-                          </a:rPr>
-                          <m:t>0</m:t>
-                        </m:r>
-                      </m:sub>
-                    </m:sSub>
-                    <m:sSub>
-                      <m:sSubPr>
-                        <m:ctrlPr>
-                          <a:rPr lang="fr-FR" b="0" i="1" smtClean="0">
-                            <a:latin typeface="Cambria Math"/>
-                            <a:ea typeface="Cambria Math"/>
-                          </a:rPr>
-                        </m:ctrlPr>
-                      </m:sSubPr>
-                      <m:e>
-                        <m:r>
-                          <a:rPr lang="fr-FR" b="0" i="1" smtClean="0">
-                            <a:latin typeface="Cambria Math"/>
-                            <a:ea typeface="Cambria Math"/>
-                          </a:rPr>
-                          <m:t>𝜔</m:t>
-                        </m:r>
-                      </m:e>
-                      <m:sub>
-                        <m:f>
-                          <m:fPr>
-                            <m:type m:val="lin"/>
-                            <m:ctrlPr>
-                              <a:rPr lang="fr-FR" i="1" smtClean="0">
-                                <a:latin typeface="Cambria Math"/>
-                                <a:ea typeface="Cambria Math"/>
-                              </a:rPr>
-                            </m:ctrlPr>
-                          </m:fPr>
-                          <m:num>
-                            <m:r>
-                              <a:rPr lang="fr-FR" b="0" i="1" smtClean="0">
-                                <a:latin typeface="Cambria Math"/>
-                                <a:ea typeface="Cambria Math"/>
-                              </a:rPr>
-                              <m:t>𝑇</m:t>
-                            </m:r>
-                          </m:num>
-                          <m:den>
-                            <m:r>
-                              <a:rPr lang="fr-FR" b="0" i="1" smtClean="0">
-                                <a:latin typeface="Cambria Math"/>
-                                <a:ea typeface="Cambria Math"/>
-                              </a:rPr>
-                              <m:t>0</m:t>
-                            </m:r>
-                          </m:den>
-                        </m:f>
-                      </m:sub>
-                    </m:sSub>
-                  </m:oMath>
-                </a14:m>
-                <a:r>
-                  <a:rPr lang="fr-FR" dirty="0" smtClean="0">
-                    <a:ea typeface="Cambria Math"/>
-                  </a:rPr>
-                  <a:t> et donc </a:t>
-                </a:r>
-                <a14:m>
-                  <m:oMath xmlns:m="http://schemas.openxmlformats.org/officeDocument/2006/math">
-                    <m:sSub>
-                      <m:sSubPr>
-                        <m:ctrlPr>
-                          <a:rPr lang="fr-FR" b="0" i="1" smtClean="0">
-                            <a:latin typeface="Cambria Math"/>
-                            <a:ea typeface="Cambria Math"/>
-                          </a:rPr>
-                        </m:ctrlPr>
-                      </m:sSubPr>
-                      <m:e>
-                        <m:r>
-                          <a:rPr lang="fr-FR" b="0" i="1" smtClean="0">
-                            <a:latin typeface="Cambria Math"/>
-                            <a:ea typeface="Cambria Math"/>
-                          </a:rPr>
-                          <m:t>𝜔</m:t>
-                        </m:r>
-                      </m:e>
-                      <m:sub>
-                        <m:f>
-                          <m:fPr>
-                            <m:type m:val="lin"/>
-                            <m:ctrlPr>
-                              <a:rPr lang="fr-FR" i="1">
-                                <a:latin typeface="Cambria Math"/>
-                                <a:ea typeface="Cambria Math"/>
-                              </a:rPr>
-                            </m:ctrlPr>
-                          </m:fPr>
-                          <m:num>
-                            <m:r>
-                              <a:rPr lang="fr-FR" i="1">
-                                <a:latin typeface="Cambria Math"/>
-                                <a:ea typeface="Cambria Math"/>
-                              </a:rPr>
-                              <m:t>𝑇</m:t>
-                            </m:r>
-                          </m:num>
-                          <m:den>
-                            <m:r>
-                              <a:rPr lang="fr-FR" i="1">
-                                <a:latin typeface="Cambria Math"/>
-                                <a:ea typeface="Cambria Math"/>
-                              </a:rPr>
-                              <m:t>0</m:t>
-                            </m:r>
-                          </m:den>
-                        </m:f>
-                      </m:sub>
-                    </m:sSub>
-                    <m:r>
-                      <a:rPr lang="fr-FR" b="0" i="1" smtClean="0">
-                        <a:latin typeface="Cambria Math"/>
-                        <a:ea typeface="Cambria Math"/>
-                      </a:rPr>
-                      <m:t>=</m:t>
-                    </m:r>
-                    <m:f>
-                      <m:fPr>
-                        <m:ctrlPr>
-                          <a:rPr lang="fr-FR" b="0" i="1" smtClean="0">
-                            <a:latin typeface="Cambria Math"/>
-                            <a:ea typeface="Cambria Math"/>
-                          </a:rPr>
-                        </m:ctrlPr>
-                      </m:fPr>
-                      <m:num>
-                        <m:sSub>
-                          <m:sSubPr>
-                            <m:ctrlPr>
-                              <a:rPr lang="fr-FR" b="0" i="1" smtClean="0">
-                                <a:latin typeface="Cambria Math"/>
-                                <a:ea typeface="Cambria Math"/>
-                              </a:rPr>
-                            </m:ctrlPr>
-                          </m:sSubPr>
-                          <m:e>
-                            <m:r>
-                              <a:rPr lang="fr-FR" b="0" i="1" smtClean="0">
-                                <a:latin typeface="Cambria Math"/>
-                                <a:ea typeface="Cambria Math"/>
-                              </a:rPr>
-                              <m:t>𝑟</m:t>
-                            </m:r>
-                          </m:e>
-                          <m:sub>
-                            <m:r>
-                              <a:rPr lang="fr-FR" b="0" i="1" smtClean="0">
-                                <a:latin typeface="Cambria Math"/>
-                                <a:ea typeface="Cambria Math"/>
-                              </a:rPr>
-                              <m:t>3</m:t>
-                            </m:r>
-                          </m:sub>
-                        </m:sSub>
-                      </m:num>
-                      <m:den>
-                        <m:sSub>
-                          <m:sSubPr>
-                            <m:ctrlPr>
-                              <a:rPr lang="fr-FR" b="0" i="1" smtClean="0">
-                                <a:latin typeface="Cambria Math"/>
-                                <a:ea typeface="Cambria Math"/>
-                              </a:rPr>
-                            </m:ctrlPr>
-                          </m:sSubPr>
-                          <m:e>
-                            <m:r>
-                              <a:rPr lang="fr-FR" b="0" i="1" smtClean="0">
-                                <a:latin typeface="Cambria Math"/>
-                                <a:ea typeface="Cambria Math"/>
-                              </a:rPr>
-                              <m:t>𝑟</m:t>
-                            </m:r>
-                          </m:e>
-                          <m:sub>
-                            <m:r>
-                              <a:rPr lang="fr-FR" b="0" i="1" smtClean="0">
-                                <a:latin typeface="Cambria Math"/>
-                                <a:ea typeface="Cambria Math"/>
-                              </a:rPr>
-                              <m:t>0</m:t>
-                            </m:r>
-                          </m:sub>
-                        </m:sSub>
-                      </m:den>
-                    </m:f>
-                    <m:sSub>
-                      <m:sSubPr>
-                        <m:ctrlPr>
-                          <a:rPr lang="fr-FR" b="0" i="1" smtClean="0">
-                            <a:latin typeface="Cambria Math"/>
-                            <a:ea typeface="Cambria Math"/>
-                          </a:rPr>
-                        </m:ctrlPr>
-                      </m:sSubPr>
-                      <m:e>
-                        <m:r>
-                          <a:rPr lang="fr-FR" b="0" i="1" smtClean="0">
-                            <a:latin typeface="Cambria Math"/>
-                            <a:ea typeface="Cambria Math"/>
-                          </a:rPr>
-                          <m:t>𝜔</m:t>
-                        </m:r>
-                      </m:e>
-                      <m:sub>
-                        <m:f>
-                          <m:fPr>
-                            <m:type m:val="lin"/>
-                            <m:ctrlPr>
-                              <a:rPr lang="fr-FR" i="1">
-                                <a:latin typeface="Cambria Math"/>
-                                <a:ea typeface="Cambria Math"/>
-                              </a:rPr>
-                            </m:ctrlPr>
-                          </m:fPr>
-                          <m:num>
-                            <m:r>
-                              <a:rPr lang="fr-FR" i="1">
-                                <a:latin typeface="Cambria Math"/>
-                                <a:ea typeface="Cambria Math"/>
-                              </a:rPr>
-                              <m:t>3</m:t>
-                            </m:r>
-                          </m:num>
-                          <m:den>
-                            <m:r>
-                              <a:rPr lang="fr-FR" i="1">
-                                <a:latin typeface="Cambria Math"/>
-                                <a:ea typeface="Cambria Math"/>
-                              </a:rPr>
-                              <m:t>𝑇</m:t>
-                            </m:r>
-                          </m:den>
-                        </m:f>
-                      </m:sub>
-                    </m:sSub>
-                  </m:oMath>
-                </a14:m>
-                <a:endParaRPr lang="fr-FR" dirty="0" smtClean="0">
-                  <a:ea typeface="Cambria Math"/>
-                </a:endParaRPr>
+                <a:endParaRPr lang="fr-FR" sz="2400" dirty="0"/>
               </a:p>
               <a:p>
                 <a:pPr lvl="1"/>
@@ -22930,7 +18907,7 @@
               <a:blipFill rotWithShape="1">
                 <a:blip r:embed="rId8"/>
                 <a:stretch>
-                  <a:fillRect l="-373"/>
+                  <a:fillRect l="-186"/>
                 </a:stretch>
               </a:blipFill>
             </p:spPr>
@@ -22949,8 +18926,8 @@
           </p:sp>
         </mc:Fallback>
       </mc:AlternateContent>
-      <mc:AlternateContent xmlns:mc="http://schemas.openxmlformats.org/markup-compatibility/2006">
-        <mc:Choice xmlns:a14="http://schemas.microsoft.com/office/drawing/2010/main" Requires="a14">
+      <mc:AlternateContent xmlns:mc="http://schemas.openxmlformats.org/markup-compatibility/2006" xmlns:a14="http://schemas.microsoft.com/office/drawing/2010/main">
+        <mc:Choice Requires="a14">
           <p:sp>
             <p:nvSpPr>
               <p:cNvPr id="4" name="ZoneTexte 3"/>
@@ -22973,6 +18950,7 @@
               </a:bodyPr>
               <a:lstStyle/>
               <a:p>
+                <a:pPr/>
                 <a14:m>
                   <m:oMathPara xmlns:m="http://schemas.openxmlformats.org/officeDocument/2006/math">
                     <m:oMathParaPr>
@@ -22993,7 +18971,7 @@
             </p:txBody>
           </p:sp>
         </mc:Choice>
-        <mc:Fallback>
+        <mc:Fallback xmlns="">
           <p:sp>
             <p:nvSpPr>
               <p:cNvPr id="4" name="ZoneTexte 3"/>
@@ -23032,8 +19010,8 @@
           </p:sp>
         </mc:Fallback>
       </mc:AlternateContent>
-      <mc:AlternateContent xmlns:mc="http://schemas.openxmlformats.org/markup-compatibility/2006">
-        <mc:Choice xmlns:a14="http://schemas.microsoft.com/office/drawing/2010/main" Requires="a14">
+      <mc:AlternateContent xmlns:mc="http://schemas.openxmlformats.org/markup-compatibility/2006" xmlns:a14="http://schemas.microsoft.com/office/drawing/2010/main">
+        <mc:Choice Requires="a14">
           <p:sp>
             <p:nvSpPr>
               <p:cNvPr id="65" name="ZoneTexte 64"/>
@@ -23056,6 +19034,7 @@
               </a:bodyPr>
               <a:lstStyle/>
               <a:p>
+                <a:pPr/>
                 <a14:m>
                   <m:oMathPara xmlns:m="http://schemas.openxmlformats.org/officeDocument/2006/math">
                     <m:oMathParaPr>
@@ -23076,7 +19055,7 @@
             </p:txBody>
           </p:sp>
         </mc:Choice>
-        <mc:Fallback>
+        <mc:Fallback xmlns="">
           <p:sp>
             <p:nvSpPr>
               <p:cNvPr id="65" name="ZoneTexte 64"/>
@@ -23115,8 +19094,8 @@
           </p:sp>
         </mc:Fallback>
       </mc:AlternateContent>
-      <mc:AlternateContent xmlns:mc="http://schemas.openxmlformats.org/markup-compatibility/2006">
-        <mc:Choice xmlns:a14="http://schemas.microsoft.com/office/drawing/2010/main" Requires="a14">
+      <mc:AlternateContent xmlns:mc="http://schemas.openxmlformats.org/markup-compatibility/2006" xmlns:a14="http://schemas.microsoft.com/office/drawing/2010/main">
+        <mc:Choice Requires="a14">
           <p:sp>
             <p:nvSpPr>
               <p:cNvPr id="66" name="ZoneTexte 65"/>
@@ -23139,6 +19118,7 @@
               </a:bodyPr>
               <a:lstStyle/>
               <a:p>
+                <a:pPr/>
                 <a14:m>
                   <m:oMathPara xmlns:m="http://schemas.openxmlformats.org/officeDocument/2006/math">
                     <m:oMathParaPr>
@@ -23159,7 +19139,7 @@
             </p:txBody>
           </p:sp>
         </mc:Choice>
-        <mc:Fallback>
+        <mc:Fallback xmlns="">
           <p:sp>
             <p:nvSpPr>
               <p:cNvPr id="66" name="ZoneTexte 65"/>
@@ -23198,8 +19178,8 @@
           </p:sp>
         </mc:Fallback>
       </mc:AlternateContent>
-      <mc:AlternateContent xmlns:mc="http://schemas.openxmlformats.org/markup-compatibility/2006">
-        <mc:Choice xmlns:a14="http://schemas.microsoft.com/office/drawing/2010/main" Requires="a14">
+      <mc:AlternateContent xmlns:mc="http://schemas.openxmlformats.org/markup-compatibility/2006" xmlns:a14="http://schemas.microsoft.com/office/drawing/2010/main">
+        <mc:Choice Requires="a14">
           <p:sp>
             <p:nvSpPr>
               <p:cNvPr id="67" name="ZoneTexte 66"/>
@@ -23222,6 +19202,7 @@
               </a:bodyPr>
               <a:lstStyle/>
               <a:p>
+                <a:pPr/>
                 <a14:m>
                   <m:oMathPara xmlns:m="http://schemas.openxmlformats.org/officeDocument/2006/math">
                     <m:oMathParaPr>
@@ -23242,7 +19223,7 @@
             </p:txBody>
           </p:sp>
         </mc:Choice>
-        <mc:Fallback>
+        <mc:Fallback xmlns="">
           <p:sp>
             <p:nvSpPr>
               <p:cNvPr id="67" name="ZoneTexte 66"/>
@@ -23281,8 +19262,8 @@
           </p:sp>
         </mc:Fallback>
       </mc:AlternateContent>
-      <mc:AlternateContent xmlns:mc="http://schemas.openxmlformats.org/markup-compatibility/2006">
-        <mc:Choice xmlns:a14="http://schemas.microsoft.com/office/drawing/2010/main" Requires="a14">
+      <mc:AlternateContent xmlns:mc="http://schemas.openxmlformats.org/markup-compatibility/2006" xmlns:a14="http://schemas.microsoft.com/office/drawing/2010/main">
+        <mc:Choice Requires="a14">
           <p:sp>
             <p:nvSpPr>
               <p:cNvPr id="68" name="ZoneTexte 67"/>
@@ -23305,6 +19286,7 @@
               </a:bodyPr>
               <a:lstStyle/>
               <a:p>
+                <a:pPr/>
                 <a14:m>
                   <m:oMathPara xmlns:m="http://schemas.openxmlformats.org/officeDocument/2006/math">
                     <m:oMathParaPr>
@@ -23325,7 +19307,7 @@
             </p:txBody>
           </p:sp>
         </mc:Choice>
-        <mc:Fallback>
+        <mc:Fallback xmlns="">
           <p:sp>
             <p:nvSpPr>
               <p:cNvPr id="68" name="ZoneTexte 67"/>
@@ -23364,8 +19346,8 @@
           </p:sp>
         </mc:Fallback>
       </mc:AlternateContent>
-      <mc:AlternateContent xmlns:mc="http://schemas.openxmlformats.org/markup-compatibility/2006">
-        <mc:Choice xmlns:a14="http://schemas.microsoft.com/office/drawing/2010/main" Requires="a14">
+      <mc:AlternateContent xmlns:mc="http://schemas.openxmlformats.org/markup-compatibility/2006" xmlns:a14="http://schemas.microsoft.com/office/drawing/2010/main">
+        <mc:Choice Requires="a14">
           <p:sp>
             <p:nvSpPr>
               <p:cNvPr id="69" name="ZoneTexte 68"/>
@@ -23388,6 +19370,7 @@
               </a:bodyPr>
               <a:lstStyle/>
               <a:p>
+                <a:pPr/>
                 <a14:m>
                   <m:oMathPara xmlns:m="http://schemas.openxmlformats.org/officeDocument/2006/math">
                     <m:oMathParaPr>
@@ -23408,7 +19391,7 @@
             </p:txBody>
           </p:sp>
         </mc:Choice>
-        <mc:Fallback>
+        <mc:Fallback xmlns="">
           <p:sp>
             <p:nvSpPr>
               <p:cNvPr id="69" name="ZoneTexte 68"/>
